--- a/images/kd-draw.pptx
+++ b/images/kd-draw.pptx
@@ -7,6 +7,8 @@
   <p:sldIdLst>
     <p:sldId id="256" r:id="rId2"/>
     <p:sldId id="258" r:id="rId3"/>
+    <p:sldId id="259" r:id="rId4"/>
+    <p:sldId id="260" r:id="rId5"/>
   </p:sldIdLst>
   <p:sldSz cx="12192000" cy="6858000"/>
   <p:notesSz cx="6858000" cy="9144000"/>
@@ -124,6 +126,242 @@
 </p:presentation>
 </file>
 
+<file path=ppt/revisionInfo.xml><?xml version="1.0" encoding="utf-8"?>
+<p1510:revInfo xmlns:a="http://schemas.openxmlformats.org/drawingml/2006/main" xmlns:r="http://schemas.openxmlformats.org/officeDocument/2006/relationships" xmlns:p1510="http://schemas.microsoft.com/office/powerpoint/2015/10/main">
+  <p1510:revLst>
+    <p1510:client id="{9403B015-2769-46C7-9465-E136DCA63CCF}" v="33" dt="2025-12-17T09:38:38.033"/>
+  </p1510:revLst>
+</p1510:revInfo>
+</file>
+
+<file path=ppt/changesInfos/changesInfo1.xml><?xml version="1.0" encoding="utf-8"?>
+<pc:chgInfo xmlns:a="http://schemas.openxmlformats.org/drawingml/2006/main" xmlns:r="http://schemas.openxmlformats.org/officeDocument/2006/relationships" xmlns:ac="http://schemas.microsoft.com/office/drawing/2013/main/command" xmlns:pc="http://schemas.microsoft.com/office/powerpoint/2013/main/command">
+  <pc:docChgLst>
+    <pc:chgData name="Phạm Thông" userId="cb1de41f-d0a9-4c8b-9095-fa88b5d4678f" providerId="ADAL" clId="{E2A0B859-04CE-4714-8C81-52AA70A7C49E}"/>
+    <pc:docChg chg="undo custSel addSld modSld">
+      <pc:chgData name="Phạm Thông" userId="cb1de41f-d0a9-4c8b-9095-fa88b5d4678f" providerId="ADAL" clId="{E2A0B859-04CE-4714-8C81-52AA70A7C49E}" dt="2025-12-17T09:38:47.895" v="437" actId="1037"/>
+      <pc:docMkLst>
+        <pc:docMk/>
+      </pc:docMkLst>
+      <pc:sldChg chg="addSp delSp modSp new mod">
+        <pc:chgData name="Phạm Thông" userId="cb1de41f-d0a9-4c8b-9095-fa88b5d4678f" providerId="ADAL" clId="{E2A0B859-04CE-4714-8C81-52AA70A7C49E}" dt="2025-12-17T08:09:02.471" v="350" actId="1076"/>
+        <pc:sldMkLst>
+          <pc:docMk/>
+          <pc:sldMk cId="1982739507" sldId="259"/>
+        </pc:sldMkLst>
+        <pc:spChg chg="del">
+          <ac:chgData name="Phạm Thông" userId="cb1de41f-d0a9-4c8b-9095-fa88b5d4678f" providerId="ADAL" clId="{E2A0B859-04CE-4714-8C81-52AA70A7C49E}" dt="2025-12-16T17:52:56.351" v="1" actId="478"/>
+          <ac:spMkLst>
+            <pc:docMk/>
+            <pc:sldMk cId="1982739507" sldId="259"/>
+            <ac:spMk id="2" creationId="{76A4C110-80C5-A607-A7C2-3D1F74B34C5F}"/>
+          </ac:spMkLst>
+        </pc:spChg>
+        <pc:spChg chg="del">
+          <ac:chgData name="Phạm Thông" userId="cb1de41f-d0a9-4c8b-9095-fa88b5d4678f" providerId="ADAL" clId="{E2A0B859-04CE-4714-8C81-52AA70A7C49E}" dt="2025-12-16T17:52:56.351" v="1" actId="478"/>
+          <ac:spMkLst>
+            <pc:docMk/>
+            <pc:sldMk cId="1982739507" sldId="259"/>
+            <ac:spMk id="3" creationId="{32A548C5-D65F-D741-6FAB-0E0D7AD9A59C}"/>
+          </ac:spMkLst>
+        </pc:spChg>
+        <pc:spChg chg="add mod">
+          <ac:chgData name="Phạm Thông" userId="cb1de41f-d0a9-4c8b-9095-fa88b5d4678f" providerId="ADAL" clId="{E2A0B859-04CE-4714-8C81-52AA70A7C49E}" dt="2025-12-17T08:09:02.471" v="350" actId="1076"/>
+          <ac:spMkLst>
+            <pc:docMk/>
+            <pc:sldMk cId="1982739507" sldId="259"/>
+            <ac:spMk id="5" creationId="{BB2666C0-A672-84C8-E163-BC31F78754CC}"/>
+          </ac:spMkLst>
+        </pc:spChg>
+        <pc:spChg chg="add mod">
+          <ac:chgData name="Phạm Thông" userId="cb1de41f-d0a9-4c8b-9095-fa88b5d4678f" providerId="ADAL" clId="{E2A0B859-04CE-4714-8C81-52AA70A7C49E}" dt="2025-12-17T08:09:02.471" v="350" actId="1076"/>
+          <ac:spMkLst>
+            <pc:docMk/>
+            <pc:sldMk cId="1982739507" sldId="259"/>
+            <ac:spMk id="6" creationId="{2CFB5071-3481-210D-66BB-9ECB03B17FFF}"/>
+          </ac:spMkLst>
+        </pc:spChg>
+        <pc:spChg chg="add mod">
+          <ac:chgData name="Phạm Thông" userId="cb1de41f-d0a9-4c8b-9095-fa88b5d4678f" providerId="ADAL" clId="{E2A0B859-04CE-4714-8C81-52AA70A7C49E}" dt="2025-12-17T08:09:02.471" v="350" actId="1076"/>
+          <ac:spMkLst>
+            <pc:docMk/>
+            <pc:sldMk cId="1982739507" sldId="259"/>
+            <ac:spMk id="7" creationId="{3FF7B088-2672-4DBA-4014-684B633AF162}"/>
+          </ac:spMkLst>
+        </pc:spChg>
+        <pc:spChg chg="add mod">
+          <ac:chgData name="Phạm Thông" userId="cb1de41f-d0a9-4c8b-9095-fa88b5d4678f" providerId="ADAL" clId="{E2A0B859-04CE-4714-8C81-52AA70A7C49E}" dt="2025-12-17T08:09:02.471" v="350" actId="1076"/>
+          <ac:spMkLst>
+            <pc:docMk/>
+            <pc:sldMk cId="1982739507" sldId="259"/>
+            <ac:spMk id="8" creationId="{8D06E57F-793A-7D3F-FD92-D01A9CC5D175}"/>
+          </ac:spMkLst>
+        </pc:spChg>
+        <pc:spChg chg="add mod">
+          <ac:chgData name="Phạm Thông" userId="cb1de41f-d0a9-4c8b-9095-fa88b5d4678f" providerId="ADAL" clId="{E2A0B859-04CE-4714-8C81-52AA70A7C49E}" dt="2025-12-17T08:09:02.471" v="350" actId="1076"/>
+          <ac:spMkLst>
+            <pc:docMk/>
+            <pc:sldMk cId="1982739507" sldId="259"/>
+            <ac:spMk id="9" creationId="{13CA4451-23AA-A1B3-276E-88C22E383155}"/>
+          </ac:spMkLst>
+        </pc:spChg>
+        <pc:spChg chg="add del">
+          <ac:chgData name="Phạm Thông" userId="cb1de41f-d0a9-4c8b-9095-fa88b5d4678f" providerId="ADAL" clId="{E2A0B859-04CE-4714-8C81-52AA70A7C49E}" dt="2025-12-16T18:04:27.974" v="267" actId="22"/>
+          <ac:spMkLst>
+            <pc:docMk/>
+            <pc:sldMk cId="1982739507" sldId="259"/>
+            <ac:spMk id="15" creationId="{11B961F8-F39A-1F54-71DE-CF1FE28A4615}"/>
+          </ac:spMkLst>
+        </pc:spChg>
+        <pc:spChg chg="add mod">
+          <ac:chgData name="Phạm Thông" userId="cb1de41f-d0a9-4c8b-9095-fa88b5d4678f" providerId="ADAL" clId="{E2A0B859-04CE-4714-8C81-52AA70A7C49E}" dt="2025-12-17T08:09:02.471" v="350" actId="1076"/>
+          <ac:spMkLst>
+            <pc:docMk/>
+            <pc:sldMk cId="1982739507" sldId="259"/>
+            <ac:spMk id="16" creationId="{A9FC8192-3985-30F0-2892-750CDDE8E02B}"/>
+          </ac:spMkLst>
+        </pc:spChg>
+        <pc:graphicFrameChg chg="add mod modGraphic">
+          <ac:chgData name="Phạm Thông" userId="cb1de41f-d0a9-4c8b-9095-fa88b5d4678f" providerId="ADAL" clId="{E2A0B859-04CE-4714-8C81-52AA70A7C49E}" dt="2025-12-17T08:09:02.471" v="350" actId="1076"/>
+          <ac:graphicFrameMkLst>
+            <pc:docMk/>
+            <pc:sldMk cId="1982739507" sldId="259"/>
+            <ac:graphicFrameMk id="4" creationId="{796A3EDF-2948-6450-8FB7-1A31F3A1D096}"/>
+          </ac:graphicFrameMkLst>
+        </pc:graphicFrameChg>
+        <pc:cxnChg chg="add mod">
+          <ac:chgData name="Phạm Thông" userId="cb1de41f-d0a9-4c8b-9095-fa88b5d4678f" providerId="ADAL" clId="{E2A0B859-04CE-4714-8C81-52AA70A7C49E}" dt="2025-12-17T08:09:02.471" v="350" actId="1076"/>
+          <ac:cxnSpMkLst>
+            <pc:docMk/>
+            <pc:sldMk cId="1982739507" sldId="259"/>
+            <ac:cxnSpMk id="11" creationId="{5A86706F-5368-EB6E-4012-4509FE4CADDE}"/>
+          </ac:cxnSpMkLst>
+        </pc:cxnChg>
+        <pc:cxnChg chg="add mod">
+          <ac:chgData name="Phạm Thông" userId="cb1de41f-d0a9-4c8b-9095-fa88b5d4678f" providerId="ADAL" clId="{E2A0B859-04CE-4714-8C81-52AA70A7C49E}" dt="2025-12-17T08:09:02.471" v="350" actId="1076"/>
+          <ac:cxnSpMkLst>
+            <pc:docMk/>
+            <pc:sldMk cId="1982739507" sldId="259"/>
+            <ac:cxnSpMk id="12" creationId="{E79F5465-4852-9EAE-DF5F-FDE60C52C463}"/>
+          </ac:cxnSpMkLst>
+        </pc:cxnChg>
+        <pc:cxnChg chg="add del">
+          <ac:chgData name="Phạm Thông" userId="cb1de41f-d0a9-4c8b-9095-fa88b5d4678f" providerId="ADAL" clId="{E2A0B859-04CE-4714-8C81-52AA70A7C49E}" dt="2025-12-16T18:05:02.129" v="278" actId="11529"/>
+          <ac:cxnSpMkLst>
+            <pc:docMk/>
+            <pc:sldMk cId="1982739507" sldId="259"/>
+            <ac:cxnSpMk id="18" creationId="{8F8E8038-003F-1752-9393-2264BAD0426A}"/>
+          </ac:cxnSpMkLst>
+        </pc:cxnChg>
+        <pc:cxnChg chg="add mod">
+          <ac:chgData name="Phạm Thông" userId="cb1de41f-d0a9-4c8b-9095-fa88b5d4678f" providerId="ADAL" clId="{E2A0B859-04CE-4714-8C81-52AA70A7C49E}" dt="2025-12-17T08:09:02.471" v="350" actId="1076"/>
+          <ac:cxnSpMkLst>
+            <pc:docMk/>
+            <pc:sldMk cId="1982739507" sldId="259"/>
+            <ac:cxnSpMk id="20" creationId="{D1F3BBAD-DC0D-0092-ADAA-0645CD01CACF}"/>
+          </ac:cxnSpMkLst>
+        </pc:cxnChg>
+      </pc:sldChg>
+      <pc:sldChg chg="addSp modSp new mod">
+        <pc:chgData name="Phạm Thông" userId="cb1de41f-d0a9-4c8b-9095-fa88b5d4678f" providerId="ADAL" clId="{E2A0B859-04CE-4714-8C81-52AA70A7C49E}" dt="2025-12-17T09:38:47.895" v="437" actId="1037"/>
+        <pc:sldMkLst>
+          <pc:docMk/>
+          <pc:sldMk cId="3124328060" sldId="260"/>
+        </pc:sldMkLst>
+        <pc:spChg chg="add mod">
+          <ac:chgData name="Phạm Thông" userId="cb1de41f-d0a9-4c8b-9095-fa88b5d4678f" providerId="ADAL" clId="{E2A0B859-04CE-4714-8C81-52AA70A7C49E}" dt="2025-12-17T09:33:58.053" v="414" actId="1076"/>
+          <ac:spMkLst>
+            <pc:docMk/>
+            <pc:sldMk cId="3124328060" sldId="260"/>
+            <ac:spMk id="5" creationId="{102A74F7-19F6-42D2-B829-D097D6436099}"/>
+          </ac:spMkLst>
+        </pc:spChg>
+        <pc:spChg chg="add mod">
+          <ac:chgData name="Phạm Thông" userId="cb1de41f-d0a9-4c8b-9095-fa88b5d4678f" providerId="ADAL" clId="{E2A0B859-04CE-4714-8C81-52AA70A7C49E}" dt="2025-12-17T09:33:55.788" v="413" actId="1076"/>
+          <ac:spMkLst>
+            <pc:docMk/>
+            <pc:sldMk cId="3124328060" sldId="260"/>
+            <ac:spMk id="6" creationId="{87033B32-854D-DB90-0FEC-75CE19139E8A}"/>
+          </ac:spMkLst>
+        </pc:spChg>
+        <pc:spChg chg="add mod">
+          <ac:chgData name="Phạm Thông" userId="cb1de41f-d0a9-4c8b-9095-fa88b5d4678f" providerId="ADAL" clId="{E2A0B859-04CE-4714-8C81-52AA70A7C49E}" dt="2025-12-17T09:38:29.641" v="428" actId="14100"/>
+          <ac:spMkLst>
+            <pc:docMk/>
+            <pc:sldMk cId="3124328060" sldId="260"/>
+            <ac:spMk id="11" creationId="{27202676-4A4C-BCC5-F094-0CFE21B4B157}"/>
+          </ac:spMkLst>
+        </pc:spChg>
+        <pc:spChg chg="add mod">
+          <ac:chgData name="Phạm Thông" userId="cb1de41f-d0a9-4c8b-9095-fa88b5d4678f" providerId="ADAL" clId="{E2A0B859-04CE-4714-8C81-52AA70A7C49E}" dt="2025-12-17T09:38:37.519" v="430" actId="1076"/>
+          <ac:spMkLst>
+            <pc:docMk/>
+            <pc:sldMk cId="3124328060" sldId="260"/>
+            <ac:spMk id="12" creationId="{D432C202-057C-80DD-A1E8-4479BAE67DED}"/>
+          </ac:spMkLst>
+        </pc:spChg>
+        <pc:spChg chg="add mod">
+          <ac:chgData name="Phạm Thông" userId="cb1de41f-d0a9-4c8b-9095-fa88b5d4678f" providerId="ADAL" clId="{E2A0B859-04CE-4714-8C81-52AA70A7C49E}" dt="2025-12-17T09:38:47.895" v="437" actId="1037"/>
+          <ac:spMkLst>
+            <pc:docMk/>
+            <pc:sldMk cId="3124328060" sldId="260"/>
+            <ac:spMk id="13" creationId="{20104AD8-2D74-F3F7-22CB-760DE816A47E}"/>
+          </ac:spMkLst>
+        </pc:spChg>
+        <pc:graphicFrameChg chg="add mod modGraphic">
+          <ac:chgData name="Phạm Thông" userId="cb1de41f-d0a9-4c8b-9095-fa88b5d4678f" providerId="ADAL" clId="{E2A0B859-04CE-4714-8C81-52AA70A7C49E}" dt="2025-12-17T09:32:37.657" v="380" actId="1076"/>
+          <ac:graphicFrameMkLst>
+            <pc:docMk/>
+            <pc:sldMk cId="3124328060" sldId="260"/>
+            <ac:graphicFrameMk id="2" creationId="{083D4EB6-0D7E-3B89-F33D-30EA238837A0}"/>
+          </ac:graphicFrameMkLst>
+        </pc:graphicFrameChg>
+        <pc:graphicFrameChg chg="add mod">
+          <ac:chgData name="Phạm Thông" userId="cb1de41f-d0a9-4c8b-9095-fa88b5d4678f" providerId="ADAL" clId="{E2A0B859-04CE-4714-8C81-52AA70A7C49E}" dt="2025-12-17T09:32:06.871" v="370"/>
+          <ac:graphicFrameMkLst>
+            <pc:docMk/>
+            <pc:sldMk cId="3124328060" sldId="260"/>
+            <ac:graphicFrameMk id="3" creationId="{648FBAF4-5C32-17C3-7125-1062F3B78DBF}"/>
+          </ac:graphicFrameMkLst>
+        </pc:graphicFrameChg>
+        <pc:graphicFrameChg chg="add mod modGraphic">
+          <ac:chgData name="Phạm Thông" userId="cb1de41f-d0a9-4c8b-9095-fa88b5d4678f" providerId="ADAL" clId="{E2A0B859-04CE-4714-8C81-52AA70A7C49E}" dt="2025-12-17T09:32:57.286" v="387" actId="20577"/>
+          <ac:graphicFrameMkLst>
+            <pc:docMk/>
+            <pc:sldMk cId="3124328060" sldId="260"/>
+            <ac:graphicFrameMk id="4" creationId="{9F872D3E-AE22-8BCA-44E5-6B9D05199019}"/>
+          </ac:graphicFrameMkLst>
+        </pc:graphicFrameChg>
+        <pc:cxnChg chg="add mod">
+          <ac:chgData name="Phạm Thông" userId="cb1de41f-d0a9-4c8b-9095-fa88b5d4678f" providerId="ADAL" clId="{E2A0B859-04CE-4714-8C81-52AA70A7C49E}" dt="2025-12-17T09:34:21.379" v="418" actId="208"/>
+          <ac:cxnSpMkLst>
+            <pc:docMk/>
+            <pc:sldMk cId="3124328060" sldId="260"/>
+            <ac:cxnSpMk id="8" creationId="{D12D209C-01FA-D21F-9F8B-6FE345B04CFC}"/>
+          </ac:cxnSpMkLst>
+        </pc:cxnChg>
+        <pc:cxnChg chg="add mod">
+          <ac:chgData name="Phạm Thông" userId="cb1de41f-d0a9-4c8b-9095-fa88b5d4678f" providerId="ADAL" clId="{E2A0B859-04CE-4714-8C81-52AA70A7C49E}" dt="2025-12-17T09:34:30.815" v="420" actId="1076"/>
+          <ac:cxnSpMkLst>
+            <pc:docMk/>
+            <pc:sldMk cId="3124328060" sldId="260"/>
+            <ac:cxnSpMk id="9" creationId="{6B28568B-B40D-1765-AE63-888AEDC45CB7}"/>
+          </ac:cxnSpMkLst>
+        </pc:cxnChg>
+        <pc:cxnChg chg="add mod">
+          <ac:chgData name="Phạm Thông" userId="cb1de41f-d0a9-4c8b-9095-fa88b5d4678f" providerId="ADAL" clId="{E2A0B859-04CE-4714-8C81-52AA70A7C49E}" dt="2025-12-17T09:34:34.517" v="422" actId="1076"/>
+          <ac:cxnSpMkLst>
+            <pc:docMk/>
+            <pc:sldMk cId="3124328060" sldId="260"/>
+            <ac:cxnSpMk id="10" creationId="{699349DD-74A4-EDF6-B90B-52CA518BD680}"/>
+          </ac:cxnSpMkLst>
+        </pc:cxnChg>
+      </pc:sldChg>
+    </pc:docChg>
+  </pc:docChgLst>
+</pc:chgInfo>
+</file>
+
 <file path=ppt/slideLayouts/slideLayout1.xml><?xml version="1.0" encoding="utf-8"?>
 <p:sldLayout xmlns:a="http://schemas.openxmlformats.org/drawingml/2006/main" xmlns:r="http://schemas.openxmlformats.org/officeDocument/2006/relationships" xmlns:p="http://schemas.openxmlformats.org/presentationml/2006/main" type="title" preserve="1">
   <p:cSld name="Title Slide">
@@ -271,7 +509,7 @@
           <a:p>
             <a:fld id="{6EB22DFD-DB99-45C6-9F20-54734D4D55A2}" type="datetimeFigureOut">
               <a:rPr lang="en-US" smtClean="0"/>
-              <a:t>12/1/2025</a:t>
+              <a:t>12/17/2025</a:t>
             </a:fld>
             <a:endParaRPr lang="en-US"/>
           </a:p>
@@ -469,7 +707,7 @@
           <a:p>
             <a:fld id="{6EB22DFD-DB99-45C6-9F20-54734D4D55A2}" type="datetimeFigureOut">
               <a:rPr lang="en-US" smtClean="0"/>
-              <a:t>12/1/2025</a:t>
+              <a:t>12/17/2025</a:t>
             </a:fld>
             <a:endParaRPr lang="en-US"/>
           </a:p>
@@ -677,7 +915,7 @@
           <a:p>
             <a:fld id="{6EB22DFD-DB99-45C6-9F20-54734D4D55A2}" type="datetimeFigureOut">
               <a:rPr lang="en-US" smtClean="0"/>
-              <a:t>12/1/2025</a:t>
+              <a:t>12/17/2025</a:t>
             </a:fld>
             <a:endParaRPr lang="en-US"/>
           </a:p>
@@ -875,7 +1113,7 @@
           <a:p>
             <a:fld id="{6EB22DFD-DB99-45C6-9F20-54734D4D55A2}" type="datetimeFigureOut">
               <a:rPr lang="en-US" smtClean="0"/>
-              <a:t>12/1/2025</a:t>
+              <a:t>12/17/2025</a:t>
             </a:fld>
             <a:endParaRPr lang="en-US"/>
           </a:p>
@@ -1150,7 +1388,7 @@
           <a:p>
             <a:fld id="{6EB22DFD-DB99-45C6-9F20-54734D4D55A2}" type="datetimeFigureOut">
               <a:rPr lang="en-US" smtClean="0"/>
-              <a:t>12/1/2025</a:t>
+              <a:t>12/17/2025</a:t>
             </a:fld>
             <a:endParaRPr lang="en-US"/>
           </a:p>
@@ -1415,7 +1653,7 @@
           <a:p>
             <a:fld id="{6EB22DFD-DB99-45C6-9F20-54734D4D55A2}" type="datetimeFigureOut">
               <a:rPr lang="en-US" smtClean="0"/>
-              <a:t>12/1/2025</a:t>
+              <a:t>12/17/2025</a:t>
             </a:fld>
             <a:endParaRPr lang="en-US"/>
           </a:p>
@@ -1827,7 +2065,7 @@
           <a:p>
             <a:fld id="{6EB22DFD-DB99-45C6-9F20-54734D4D55A2}" type="datetimeFigureOut">
               <a:rPr lang="en-US" smtClean="0"/>
-              <a:t>12/1/2025</a:t>
+              <a:t>12/17/2025</a:t>
             </a:fld>
             <a:endParaRPr lang="en-US"/>
           </a:p>
@@ -1968,7 +2206,7 @@
           <a:p>
             <a:fld id="{6EB22DFD-DB99-45C6-9F20-54734D4D55A2}" type="datetimeFigureOut">
               <a:rPr lang="en-US" smtClean="0"/>
-              <a:t>12/1/2025</a:t>
+              <a:t>12/17/2025</a:t>
             </a:fld>
             <a:endParaRPr lang="en-US"/>
           </a:p>
@@ -2081,7 +2319,7 @@
           <a:p>
             <a:fld id="{6EB22DFD-DB99-45C6-9F20-54734D4D55A2}" type="datetimeFigureOut">
               <a:rPr lang="en-US" smtClean="0"/>
-              <a:t>12/1/2025</a:t>
+              <a:t>12/17/2025</a:t>
             </a:fld>
             <a:endParaRPr lang="en-US"/>
           </a:p>
@@ -2392,7 +2630,7 @@
           <a:p>
             <a:fld id="{6EB22DFD-DB99-45C6-9F20-54734D4D55A2}" type="datetimeFigureOut">
               <a:rPr lang="en-US" smtClean="0"/>
-              <a:t>12/1/2025</a:t>
+              <a:t>12/17/2025</a:t>
             </a:fld>
             <a:endParaRPr lang="en-US"/>
           </a:p>
@@ -2680,7 +2918,7 @@
           <a:p>
             <a:fld id="{6EB22DFD-DB99-45C6-9F20-54734D4D55A2}" type="datetimeFigureOut">
               <a:rPr lang="en-US" smtClean="0"/>
-              <a:t>12/1/2025</a:t>
+              <a:t>12/17/2025</a:t>
             </a:fld>
             <a:endParaRPr lang="en-US"/>
           </a:p>
@@ -2921,7 +3159,7 @@
           <a:p>
             <a:fld id="{6EB22DFD-DB99-45C6-9F20-54734D4D55A2}" type="datetimeFigureOut">
               <a:rPr lang="en-US" smtClean="0"/>
-              <a:t>12/1/2025</a:t>
+              <a:t>12/17/2025</a:t>
             </a:fld>
             <a:endParaRPr lang="en-US"/>
           </a:p>
@@ -4396,6 +4634,3222 @@
     <p:extLst>
       <p:ext uri="{BB962C8B-B14F-4D97-AF65-F5344CB8AC3E}">
         <p14:creationId xmlns:p14="http://schemas.microsoft.com/office/powerpoint/2010/main" val="127622980"/>
+      </p:ext>
+    </p:extLst>
+  </p:cSld>
+  <p:clrMapOvr>
+    <a:masterClrMapping/>
+  </p:clrMapOvr>
+</p:sld>
+</file>
+
+<file path=ppt/slides/slide3.xml><?xml version="1.0" encoding="utf-8"?>
+<p:sld xmlns:a="http://schemas.openxmlformats.org/drawingml/2006/main" xmlns:r="http://schemas.openxmlformats.org/officeDocument/2006/relationships" xmlns:p="http://schemas.openxmlformats.org/presentationml/2006/main">
+  <p:cSld>
+    <p:spTree>
+      <p:nvGrpSpPr>
+        <p:cNvPr id="1" name=""/>
+        <p:cNvGrpSpPr/>
+        <p:nvPr/>
+      </p:nvGrpSpPr>
+      <p:grpSpPr>
+        <a:xfrm>
+          <a:off x="0" y="0"/>
+          <a:ext cx="0" cy="0"/>
+          <a:chOff x="0" y="0"/>
+          <a:chExt cx="0" cy="0"/>
+        </a:xfrm>
+      </p:grpSpPr>
+      <p:graphicFrame>
+        <p:nvGraphicFramePr>
+          <p:cNvPr id="4" name="Table 3">
+            <a:extLst>
+              <a:ext uri="{FF2B5EF4-FFF2-40B4-BE49-F238E27FC236}">
+                <a16:creationId xmlns:a16="http://schemas.microsoft.com/office/drawing/2014/main" id="{796A3EDF-2948-6450-8FB7-1A31F3A1D096}"/>
+              </a:ext>
+            </a:extLst>
+          </p:cNvPr>
+          <p:cNvGraphicFramePr>
+            <a:graphicFrameLocks noGrp="1"/>
+          </p:cNvGraphicFramePr>
+          <p:nvPr>
+            <p:extLst>
+              <p:ext uri="{D42A27DB-BD31-4B8C-83A1-F6EECF244321}">
+                <p14:modId xmlns:p14="http://schemas.microsoft.com/office/powerpoint/2010/main" val="2464787661"/>
+              </p:ext>
+            </p:extLst>
+          </p:nvPr>
+        </p:nvGraphicFramePr>
+        <p:xfrm>
+          <a:off x="997913" y="1574800"/>
+          <a:ext cx="4622500" cy="3708400"/>
+        </p:xfrm>
+        <a:graphic>
+          <a:graphicData uri="http://schemas.openxmlformats.org/drawingml/2006/table">
+            <a:tbl>
+              <a:tblPr firstRow="1" bandRow="1">
+                <a:tableStyleId>{5940675A-B579-460E-94D1-54222C63F5DA}</a:tableStyleId>
+              </a:tblPr>
+              <a:tblGrid>
+                <a:gridCol w="462250">
+                  <a:extLst>
+                    <a:ext uri="{9D8B030D-6E8A-4147-A177-3AD203B41FA5}">
+                      <a16:colId xmlns:a16="http://schemas.microsoft.com/office/drawing/2014/main" val="422131534"/>
+                    </a:ext>
+                  </a:extLst>
+                </a:gridCol>
+                <a:gridCol w="462250">
+                  <a:extLst>
+                    <a:ext uri="{9D8B030D-6E8A-4147-A177-3AD203B41FA5}">
+                      <a16:colId xmlns:a16="http://schemas.microsoft.com/office/drawing/2014/main" val="629250132"/>
+                    </a:ext>
+                  </a:extLst>
+                </a:gridCol>
+                <a:gridCol w="462250">
+                  <a:extLst>
+                    <a:ext uri="{9D8B030D-6E8A-4147-A177-3AD203B41FA5}">
+                      <a16:colId xmlns:a16="http://schemas.microsoft.com/office/drawing/2014/main" val="502619958"/>
+                    </a:ext>
+                  </a:extLst>
+                </a:gridCol>
+                <a:gridCol w="462250">
+                  <a:extLst>
+                    <a:ext uri="{9D8B030D-6E8A-4147-A177-3AD203B41FA5}">
+                      <a16:colId xmlns:a16="http://schemas.microsoft.com/office/drawing/2014/main" val="1380321012"/>
+                    </a:ext>
+                  </a:extLst>
+                </a:gridCol>
+                <a:gridCol w="462250">
+                  <a:extLst>
+                    <a:ext uri="{9D8B030D-6E8A-4147-A177-3AD203B41FA5}">
+                      <a16:colId xmlns:a16="http://schemas.microsoft.com/office/drawing/2014/main" val="659905740"/>
+                    </a:ext>
+                  </a:extLst>
+                </a:gridCol>
+                <a:gridCol w="462250">
+                  <a:extLst>
+                    <a:ext uri="{9D8B030D-6E8A-4147-A177-3AD203B41FA5}">
+                      <a16:colId xmlns:a16="http://schemas.microsoft.com/office/drawing/2014/main" val="2924599126"/>
+                    </a:ext>
+                  </a:extLst>
+                </a:gridCol>
+                <a:gridCol w="462250">
+                  <a:extLst>
+                    <a:ext uri="{9D8B030D-6E8A-4147-A177-3AD203B41FA5}">
+                      <a16:colId xmlns:a16="http://schemas.microsoft.com/office/drawing/2014/main" val="3075818111"/>
+                    </a:ext>
+                  </a:extLst>
+                </a:gridCol>
+                <a:gridCol w="462250">
+                  <a:extLst>
+                    <a:ext uri="{9D8B030D-6E8A-4147-A177-3AD203B41FA5}">
+                      <a16:colId xmlns:a16="http://schemas.microsoft.com/office/drawing/2014/main" val="3125537976"/>
+                    </a:ext>
+                  </a:extLst>
+                </a:gridCol>
+                <a:gridCol w="462250">
+                  <a:extLst>
+                    <a:ext uri="{9D8B030D-6E8A-4147-A177-3AD203B41FA5}">
+                      <a16:colId xmlns:a16="http://schemas.microsoft.com/office/drawing/2014/main" val="3213295594"/>
+                    </a:ext>
+                  </a:extLst>
+                </a:gridCol>
+                <a:gridCol w="462250">
+                  <a:extLst>
+                    <a:ext uri="{9D8B030D-6E8A-4147-A177-3AD203B41FA5}">
+                      <a16:colId xmlns:a16="http://schemas.microsoft.com/office/drawing/2014/main" val="2135092256"/>
+                    </a:ext>
+                  </a:extLst>
+                </a:gridCol>
+              </a:tblGrid>
+              <a:tr h="370840">
+                <a:tc>
+                  <a:txBody>
+                    <a:bodyPr/>
+                    <a:lstStyle/>
+                    <a:p>
+                      <a:pPr algn="ctr"/>
+                      <a:endParaRPr lang="en-US"/>
+                    </a:p>
+                  </a:txBody>
+                  <a:tcPr anchor="ctr">
+                    <a:solidFill>
+                      <a:schemeClr val="tx2">
+                        <a:lumMod val="25000"/>
+                        <a:lumOff val="75000"/>
+                      </a:schemeClr>
+                    </a:solidFill>
+                  </a:tcPr>
+                </a:tc>
+                <a:tc>
+                  <a:txBody>
+                    <a:bodyPr/>
+                    <a:lstStyle/>
+                    <a:p>
+                      <a:pPr algn="ctr"/>
+                      <a:endParaRPr lang="en-US"/>
+                    </a:p>
+                  </a:txBody>
+                  <a:tcPr anchor="ctr">
+                    <a:solidFill>
+                      <a:schemeClr val="tx2">
+                        <a:lumMod val="25000"/>
+                        <a:lumOff val="75000"/>
+                      </a:schemeClr>
+                    </a:solidFill>
+                  </a:tcPr>
+                </a:tc>
+                <a:tc>
+                  <a:txBody>
+                    <a:bodyPr/>
+                    <a:lstStyle/>
+                    <a:p>
+                      <a:pPr algn="ctr"/>
+                      <a:r>
+                        <a:rPr lang="en-US"/>
+                        <a:t>E</a:t>
+                      </a:r>
+                    </a:p>
+                  </a:txBody>
+                  <a:tcPr anchor="ctr">
+                    <a:solidFill>
+                      <a:schemeClr val="tx2">
+                        <a:lumMod val="25000"/>
+                        <a:lumOff val="75000"/>
+                      </a:schemeClr>
+                    </a:solidFill>
+                  </a:tcPr>
+                </a:tc>
+                <a:tc>
+                  <a:txBody>
+                    <a:bodyPr/>
+                    <a:lstStyle/>
+                    <a:p>
+                      <a:pPr algn="ctr"/>
+                      <a:r>
+                        <a:rPr lang="en-US"/>
+                        <a:t>L</a:t>
+                      </a:r>
+                    </a:p>
+                  </a:txBody>
+                  <a:tcPr anchor="ctr">
+                    <a:solidFill>
+                      <a:schemeClr val="tx2">
+                        <a:lumMod val="25000"/>
+                        <a:lumOff val="75000"/>
+                      </a:schemeClr>
+                    </a:solidFill>
+                  </a:tcPr>
+                </a:tc>
+                <a:tc>
+                  <a:txBody>
+                    <a:bodyPr/>
+                    <a:lstStyle/>
+                    <a:p>
+                      <a:pPr algn="ctr"/>
+                      <a:r>
+                        <a:rPr lang="en-US"/>
+                        <a:t>E</a:t>
+                      </a:r>
+                    </a:p>
+                  </a:txBody>
+                  <a:tcPr anchor="ctr">
+                    <a:solidFill>
+                      <a:schemeClr val="tx2">
+                        <a:lumMod val="25000"/>
+                        <a:lumOff val="75000"/>
+                      </a:schemeClr>
+                    </a:solidFill>
+                  </a:tcPr>
+                </a:tc>
+                <a:tc>
+                  <a:txBody>
+                    <a:bodyPr/>
+                    <a:lstStyle/>
+                    <a:p>
+                      <a:pPr algn="ctr"/>
+                      <a:r>
+                        <a:rPr lang="en-US"/>
+                        <a:t>P</a:t>
+                      </a:r>
+                    </a:p>
+                  </a:txBody>
+                  <a:tcPr anchor="ctr">
+                    <a:solidFill>
+                      <a:schemeClr val="tx2">
+                        <a:lumMod val="25000"/>
+                        <a:lumOff val="75000"/>
+                      </a:schemeClr>
+                    </a:solidFill>
+                  </a:tcPr>
+                </a:tc>
+                <a:tc>
+                  <a:txBody>
+                    <a:bodyPr/>
+                    <a:lstStyle/>
+                    <a:p>
+                      <a:pPr algn="ctr"/>
+                      <a:r>
+                        <a:rPr lang="en-US"/>
+                        <a:t>H</a:t>
+                      </a:r>
+                    </a:p>
+                  </a:txBody>
+                  <a:tcPr anchor="ctr">
+                    <a:solidFill>
+                      <a:schemeClr val="tx2">
+                        <a:lumMod val="25000"/>
+                        <a:lumOff val="75000"/>
+                      </a:schemeClr>
+                    </a:solidFill>
+                  </a:tcPr>
+                </a:tc>
+                <a:tc>
+                  <a:txBody>
+                    <a:bodyPr/>
+                    <a:lstStyle/>
+                    <a:p>
+                      <a:pPr algn="ctr"/>
+                      <a:r>
+                        <a:rPr lang="en-US"/>
+                        <a:t>A</a:t>
+                      </a:r>
+                    </a:p>
+                  </a:txBody>
+                  <a:tcPr anchor="ctr">
+                    <a:solidFill>
+                      <a:schemeClr val="tx2">
+                        <a:lumMod val="25000"/>
+                        <a:lumOff val="75000"/>
+                      </a:schemeClr>
+                    </a:solidFill>
+                  </a:tcPr>
+                </a:tc>
+                <a:tc>
+                  <a:txBody>
+                    <a:bodyPr/>
+                    <a:lstStyle/>
+                    <a:p>
+                      <a:pPr algn="ctr"/>
+                      <a:r>
+                        <a:rPr lang="en-US"/>
+                        <a:t>N</a:t>
+                      </a:r>
+                    </a:p>
+                  </a:txBody>
+                  <a:tcPr anchor="ctr">
+                    <a:solidFill>
+                      <a:schemeClr val="tx2">
+                        <a:lumMod val="25000"/>
+                        <a:lumOff val="75000"/>
+                      </a:schemeClr>
+                    </a:solidFill>
+                  </a:tcPr>
+                </a:tc>
+                <a:tc>
+                  <a:txBody>
+                    <a:bodyPr/>
+                    <a:lstStyle/>
+                    <a:p>
+                      <a:pPr algn="ctr"/>
+                      <a:r>
+                        <a:rPr lang="en-US"/>
+                        <a:t>T</a:t>
+                      </a:r>
+                    </a:p>
+                  </a:txBody>
+                  <a:tcPr anchor="ctr">
+                    <a:solidFill>
+                      <a:schemeClr val="tx2">
+                        <a:lumMod val="25000"/>
+                        <a:lumOff val="75000"/>
+                      </a:schemeClr>
+                    </a:solidFill>
+                  </a:tcPr>
+                </a:tc>
+                <a:extLst>
+                  <a:ext uri="{0D108BD9-81ED-4DB2-BD59-A6C34878D82A}">
+                    <a16:rowId xmlns:a16="http://schemas.microsoft.com/office/drawing/2014/main" val="391458514"/>
+                  </a:ext>
+                </a:extLst>
+              </a:tr>
+              <a:tr h="370840">
+                <a:tc>
+                  <a:txBody>
+                    <a:bodyPr/>
+                    <a:lstStyle/>
+                    <a:p>
+                      <a:pPr algn="ctr"/>
+                      <a:endParaRPr lang="en-US"/>
+                    </a:p>
+                  </a:txBody>
+                  <a:tcPr anchor="ctr">
+                    <a:solidFill>
+                      <a:schemeClr val="tx2">
+                        <a:lumMod val="25000"/>
+                        <a:lumOff val="75000"/>
+                      </a:schemeClr>
+                    </a:solidFill>
+                  </a:tcPr>
+                </a:tc>
+                <a:tc>
+                  <a:txBody>
+                    <a:bodyPr/>
+                    <a:lstStyle/>
+                    <a:p>
+                      <a:pPr algn="ctr"/>
+                      <a:r>
+                        <a:rPr lang="en-US"/>
+                        <a:t>0</a:t>
+                      </a:r>
+                    </a:p>
+                  </a:txBody>
+                  <a:tcPr anchor="ctr">
+                    <a:solidFill>
+                      <a:schemeClr val="accent2">
+                        <a:lumMod val="40000"/>
+                        <a:lumOff val="60000"/>
+                      </a:schemeClr>
+                    </a:solidFill>
+                  </a:tcPr>
+                </a:tc>
+                <a:tc>
+                  <a:txBody>
+                    <a:bodyPr/>
+                    <a:lstStyle/>
+                    <a:p>
+                      <a:pPr algn="ctr"/>
+                      <a:r>
+                        <a:rPr lang="en-US"/>
+                        <a:t>1</a:t>
+                      </a:r>
+                    </a:p>
+                  </a:txBody>
+                  <a:tcPr anchor="ctr"/>
+                </a:tc>
+                <a:tc>
+                  <a:txBody>
+                    <a:bodyPr/>
+                    <a:lstStyle/>
+                    <a:p>
+                      <a:pPr algn="ctr"/>
+                      <a:r>
+                        <a:rPr lang="en-US"/>
+                        <a:t>2</a:t>
+                      </a:r>
+                    </a:p>
+                  </a:txBody>
+                  <a:tcPr anchor="ctr"/>
+                </a:tc>
+                <a:tc>
+                  <a:txBody>
+                    <a:bodyPr/>
+                    <a:lstStyle/>
+                    <a:p>
+                      <a:pPr algn="ctr"/>
+                      <a:r>
+                        <a:rPr lang="en-US"/>
+                        <a:t>3</a:t>
+                      </a:r>
+                    </a:p>
+                  </a:txBody>
+                  <a:tcPr anchor="ctr"/>
+                </a:tc>
+                <a:tc>
+                  <a:txBody>
+                    <a:bodyPr/>
+                    <a:lstStyle/>
+                    <a:p>
+                      <a:pPr algn="ctr"/>
+                      <a:r>
+                        <a:rPr lang="en-US"/>
+                        <a:t>4</a:t>
+                      </a:r>
+                    </a:p>
+                  </a:txBody>
+                  <a:tcPr anchor="ctr"/>
+                </a:tc>
+                <a:tc>
+                  <a:txBody>
+                    <a:bodyPr/>
+                    <a:lstStyle/>
+                    <a:p>
+                      <a:pPr algn="ctr"/>
+                      <a:r>
+                        <a:rPr lang="en-US"/>
+                        <a:t>5</a:t>
+                      </a:r>
+                    </a:p>
+                  </a:txBody>
+                  <a:tcPr anchor="ctr"/>
+                </a:tc>
+                <a:tc>
+                  <a:txBody>
+                    <a:bodyPr/>
+                    <a:lstStyle/>
+                    <a:p>
+                      <a:pPr algn="ctr"/>
+                      <a:r>
+                        <a:rPr lang="en-US"/>
+                        <a:t>6</a:t>
+                      </a:r>
+                    </a:p>
+                  </a:txBody>
+                  <a:tcPr anchor="ctr"/>
+                </a:tc>
+                <a:tc>
+                  <a:txBody>
+                    <a:bodyPr/>
+                    <a:lstStyle/>
+                    <a:p>
+                      <a:pPr algn="ctr"/>
+                      <a:r>
+                        <a:rPr lang="en-US"/>
+                        <a:t>7</a:t>
+                      </a:r>
+                    </a:p>
+                  </a:txBody>
+                  <a:tcPr anchor="ctr"/>
+                </a:tc>
+                <a:tc>
+                  <a:txBody>
+                    <a:bodyPr/>
+                    <a:lstStyle/>
+                    <a:p>
+                      <a:pPr algn="ctr"/>
+                      <a:r>
+                        <a:rPr lang="en-US"/>
+                        <a:t>8</a:t>
+                      </a:r>
+                    </a:p>
+                  </a:txBody>
+                  <a:tcPr anchor="ctr"/>
+                </a:tc>
+                <a:extLst>
+                  <a:ext uri="{0D108BD9-81ED-4DB2-BD59-A6C34878D82A}">
+                    <a16:rowId xmlns:a16="http://schemas.microsoft.com/office/drawing/2014/main" val="2262580134"/>
+                  </a:ext>
+                </a:extLst>
+              </a:tr>
+              <a:tr h="370840">
+                <a:tc>
+                  <a:txBody>
+                    <a:bodyPr/>
+                    <a:lstStyle/>
+                    <a:p>
+                      <a:pPr algn="ctr"/>
+                      <a:r>
+                        <a:rPr lang="en-US"/>
+                        <a:t>R</a:t>
+                      </a:r>
+                    </a:p>
+                  </a:txBody>
+                  <a:tcPr anchor="ctr">
+                    <a:solidFill>
+                      <a:schemeClr val="tx2">
+                        <a:lumMod val="25000"/>
+                        <a:lumOff val="75000"/>
+                      </a:schemeClr>
+                    </a:solidFill>
+                  </a:tcPr>
+                </a:tc>
+                <a:tc>
+                  <a:txBody>
+                    <a:bodyPr/>
+                    <a:lstStyle/>
+                    <a:p>
+                      <a:pPr algn="ctr"/>
+                      <a:r>
+                        <a:rPr lang="en-US"/>
+                        <a:t>1</a:t>
+                      </a:r>
+                    </a:p>
+                  </a:txBody>
+                  <a:tcPr anchor="ctr">
+                    <a:solidFill>
+                      <a:schemeClr val="accent2">
+                        <a:lumMod val="40000"/>
+                        <a:lumOff val="60000"/>
+                      </a:schemeClr>
+                    </a:solidFill>
+                  </a:tcPr>
+                </a:tc>
+                <a:tc>
+                  <a:txBody>
+                    <a:bodyPr/>
+                    <a:lstStyle/>
+                    <a:p>
+                      <a:pPr algn="ctr"/>
+                      <a:r>
+                        <a:rPr lang="en-US"/>
+                        <a:t>1</a:t>
+                      </a:r>
+                    </a:p>
+                  </a:txBody>
+                  <a:tcPr anchor="ctr"/>
+                </a:tc>
+                <a:tc>
+                  <a:txBody>
+                    <a:bodyPr/>
+                    <a:lstStyle/>
+                    <a:p>
+                      <a:pPr algn="ctr"/>
+                      <a:r>
+                        <a:rPr lang="en-US"/>
+                        <a:t>2</a:t>
+                      </a:r>
+                    </a:p>
+                  </a:txBody>
+                  <a:tcPr anchor="ctr"/>
+                </a:tc>
+                <a:tc>
+                  <a:txBody>
+                    <a:bodyPr/>
+                    <a:lstStyle/>
+                    <a:p>
+                      <a:pPr algn="ctr"/>
+                      <a:r>
+                        <a:rPr lang="en-US"/>
+                        <a:t>3</a:t>
+                      </a:r>
+                    </a:p>
+                  </a:txBody>
+                  <a:tcPr anchor="ctr"/>
+                </a:tc>
+                <a:tc>
+                  <a:txBody>
+                    <a:bodyPr/>
+                    <a:lstStyle/>
+                    <a:p>
+                      <a:pPr algn="ctr"/>
+                      <a:r>
+                        <a:rPr lang="en-US"/>
+                        <a:t>4</a:t>
+                      </a:r>
+                    </a:p>
+                  </a:txBody>
+                  <a:tcPr anchor="ctr"/>
+                </a:tc>
+                <a:tc>
+                  <a:txBody>
+                    <a:bodyPr/>
+                    <a:lstStyle/>
+                    <a:p>
+                      <a:pPr algn="ctr"/>
+                      <a:r>
+                        <a:rPr lang="en-US"/>
+                        <a:t>5</a:t>
+                      </a:r>
+                    </a:p>
+                  </a:txBody>
+                  <a:tcPr anchor="ctr"/>
+                </a:tc>
+                <a:tc>
+                  <a:txBody>
+                    <a:bodyPr/>
+                    <a:lstStyle/>
+                    <a:p>
+                      <a:pPr algn="ctr"/>
+                      <a:r>
+                        <a:rPr lang="en-US"/>
+                        <a:t>6</a:t>
+                      </a:r>
+                    </a:p>
+                  </a:txBody>
+                  <a:tcPr anchor="ctr"/>
+                </a:tc>
+                <a:tc>
+                  <a:txBody>
+                    <a:bodyPr/>
+                    <a:lstStyle/>
+                    <a:p>
+                      <a:pPr algn="ctr"/>
+                      <a:r>
+                        <a:rPr lang="en-US"/>
+                        <a:t>7</a:t>
+                      </a:r>
+                    </a:p>
+                  </a:txBody>
+                  <a:tcPr anchor="ctr"/>
+                </a:tc>
+                <a:tc>
+                  <a:txBody>
+                    <a:bodyPr/>
+                    <a:lstStyle/>
+                    <a:p>
+                      <a:pPr algn="ctr"/>
+                      <a:r>
+                        <a:rPr lang="en-US"/>
+                        <a:t>8</a:t>
+                      </a:r>
+                    </a:p>
+                  </a:txBody>
+                  <a:tcPr anchor="ctr"/>
+                </a:tc>
+                <a:extLst>
+                  <a:ext uri="{0D108BD9-81ED-4DB2-BD59-A6C34878D82A}">
+                    <a16:rowId xmlns:a16="http://schemas.microsoft.com/office/drawing/2014/main" val="3095288255"/>
+                  </a:ext>
+                </a:extLst>
+              </a:tr>
+              <a:tr h="370840">
+                <a:tc>
+                  <a:txBody>
+                    <a:bodyPr/>
+                    <a:lstStyle/>
+                    <a:p>
+                      <a:pPr algn="ctr"/>
+                      <a:r>
+                        <a:rPr lang="en-US"/>
+                        <a:t>E</a:t>
+                      </a:r>
+                    </a:p>
+                  </a:txBody>
+                  <a:tcPr anchor="ctr">
+                    <a:solidFill>
+                      <a:schemeClr val="tx2">
+                        <a:lumMod val="25000"/>
+                        <a:lumOff val="75000"/>
+                      </a:schemeClr>
+                    </a:solidFill>
+                  </a:tcPr>
+                </a:tc>
+                <a:tc>
+                  <a:txBody>
+                    <a:bodyPr/>
+                    <a:lstStyle/>
+                    <a:p>
+                      <a:pPr algn="ctr"/>
+                      <a:r>
+                        <a:rPr lang="en-US"/>
+                        <a:t>2</a:t>
+                      </a:r>
+                    </a:p>
+                  </a:txBody>
+                  <a:tcPr anchor="ctr"/>
+                </a:tc>
+                <a:tc>
+                  <a:txBody>
+                    <a:bodyPr/>
+                    <a:lstStyle/>
+                    <a:p>
+                      <a:pPr algn="ctr"/>
+                      <a:r>
+                        <a:rPr lang="en-US"/>
+                        <a:t>1</a:t>
+                      </a:r>
+                    </a:p>
+                  </a:txBody>
+                  <a:tcPr anchor="ctr">
+                    <a:solidFill>
+                      <a:schemeClr val="accent2">
+                        <a:lumMod val="40000"/>
+                        <a:lumOff val="60000"/>
+                      </a:schemeClr>
+                    </a:solidFill>
+                  </a:tcPr>
+                </a:tc>
+                <a:tc>
+                  <a:txBody>
+                    <a:bodyPr/>
+                    <a:lstStyle/>
+                    <a:p>
+                      <a:pPr algn="ctr"/>
+                      <a:r>
+                        <a:rPr lang="en-US"/>
+                        <a:t>2</a:t>
+                      </a:r>
+                    </a:p>
+                  </a:txBody>
+                  <a:tcPr anchor="ctr"/>
+                </a:tc>
+                <a:tc>
+                  <a:txBody>
+                    <a:bodyPr/>
+                    <a:lstStyle/>
+                    <a:p>
+                      <a:pPr algn="ctr"/>
+                      <a:r>
+                        <a:rPr lang="en-US"/>
+                        <a:t>2</a:t>
+                      </a:r>
+                    </a:p>
+                  </a:txBody>
+                  <a:tcPr anchor="ctr"/>
+                </a:tc>
+                <a:tc>
+                  <a:txBody>
+                    <a:bodyPr/>
+                    <a:lstStyle/>
+                    <a:p>
+                      <a:pPr algn="ctr"/>
+                      <a:r>
+                        <a:rPr lang="en-US"/>
+                        <a:t>3</a:t>
+                      </a:r>
+                    </a:p>
+                  </a:txBody>
+                  <a:tcPr anchor="ctr"/>
+                </a:tc>
+                <a:tc>
+                  <a:txBody>
+                    <a:bodyPr/>
+                    <a:lstStyle/>
+                    <a:p>
+                      <a:pPr algn="ctr"/>
+                      <a:r>
+                        <a:rPr lang="en-US"/>
+                        <a:t>4</a:t>
+                      </a:r>
+                    </a:p>
+                  </a:txBody>
+                  <a:tcPr anchor="ctr"/>
+                </a:tc>
+                <a:tc>
+                  <a:txBody>
+                    <a:bodyPr/>
+                    <a:lstStyle/>
+                    <a:p>
+                      <a:pPr algn="ctr"/>
+                      <a:r>
+                        <a:rPr lang="en-US"/>
+                        <a:t>5</a:t>
+                      </a:r>
+                    </a:p>
+                  </a:txBody>
+                  <a:tcPr anchor="ctr"/>
+                </a:tc>
+                <a:tc>
+                  <a:txBody>
+                    <a:bodyPr/>
+                    <a:lstStyle/>
+                    <a:p>
+                      <a:pPr algn="ctr"/>
+                      <a:r>
+                        <a:rPr lang="en-US"/>
+                        <a:t>6</a:t>
+                      </a:r>
+                    </a:p>
+                  </a:txBody>
+                  <a:tcPr anchor="ctr"/>
+                </a:tc>
+                <a:tc>
+                  <a:txBody>
+                    <a:bodyPr/>
+                    <a:lstStyle/>
+                    <a:p>
+                      <a:pPr algn="ctr"/>
+                      <a:r>
+                        <a:rPr lang="en-US"/>
+                        <a:t>7</a:t>
+                      </a:r>
+                    </a:p>
+                  </a:txBody>
+                  <a:tcPr anchor="ctr"/>
+                </a:tc>
+                <a:extLst>
+                  <a:ext uri="{0D108BD9-81ED-4DB2-BD59-A6C34878D82A}">
+                    <a16:rowId xmlns:a16="http://schemas.microsoft.com/office/drawing/2014/main" val="3183104422"/>
+                  </a:ext>
+                </a:extLst>
+              </a:tr>
+              <a:tr h="370840">
+                <a:tc>
+                  <a:txBody>
+                    <a:bodyPr/>
+                    <a:lstStyle/>
+                    <a:p>
+                      <a:pPr algn="ctr"/>
+                      <a:r>
+                        <a:rPr lang="en-US"/>
+                        <a:t>L</a:t>
+                      </a:r>
+                    </a:p>
+                  </a:txBody>
+                  <a:tcPr anchor="ctr">
+                    <a:solidFill>
+                      <a:schemeClr val="tx2">
+                        <a:lumMod val="25000"/>
+                        <a:lumOff val="75000"/>
+                      </a:schemeClr>
+                    </a:solidFill>
+                  </a:tcPr>
+                </a:tc>
+                <a:tc>
+                  <a:txBody>
+                    <a:bodyPr/>
+                    <a:lstStyle/>
+                    <a:p>
+                      <a:pPr algn="ctr"/>
+                      <a:r>
+                        <a:rPr lang="en-US"/>
+                        <a:t>3</a:t>
+                      </a:r>
+                    </a:p>
+                  </a:txBody>
+                  <a:tcPr anchor="ctr"/>
+                </a:tc>
+                <a:tc>
+                  <a:txBody>
+                    <a:bodyPr/>
+                    <a:lstStyle/>
+                    <a:p>
+                      <a:pPr algn="ctr"/>
+                      <a:r>
+                        <a:rPr lang="en-US"/>
+                        <a:t>2</a:t>
+                      </a:r>
+                    </a:p>
+                  </a:txBody>
+                  <a:tcPr anchor="ctr"/>
+                </a:tc>
+                <a:tc>
+                  <a:txBody>
+                    <a:bodyPr/>
+                    <a:lstStyle/>
+                    <a:p>
+                      <a:pPr algn="ctr"/>
+                      <a:r>
+                        <a:rPr lang="en-US"/>
+                        <a:t>1</a:t>
+                      </a:r>
+                    </a:p>
+                  </a:txBody>
+                  <a:tcPr anchor="ctr">
+                    <a:solidFill>
+                      <a:schemeClr val="accent2">
+                        <a:lumMod val="40000"/>
+                        <a:lumOff val="60000"/>
+                      </a:schemeClr>
+                    </a:solidFill>
+                  </a:tcPr>
+                </a:tc>
+                <a:tc>
+                  <a:txBody>
+                    <a:bodyPr/>
+                    <a:lstStyle/>
+                    <a:p>
+                      <a:pPr algn="ctr"/>
+                      <a:r>
+                        <a:rPr lang="en-US"/>
+                        <a:t>2</a:t>
+                      </a:r>
+                    </a:p>
+                  </a:txBody>
+                  <a:tcPr anchor="ctr"/>
+                </a:tc>
+                <a:tc>
+                  <a:txBody>
+                    <a:bodyPr/>
+                    <a:lstStyle/>
+                    <a:p>
+                      <a:pPr algn="ctr"/>
+                      <a:r>
+                        <a:rPr lang="en-US"/>
+                        <a:t>3</a:t>
+                      </a:r>
+                    </a:p>
+                  </a:txBody>
+                  <a:tcPr anchor="ctr"/>
+                </a:tc>
+                <a:tc>
+                  <a:txBody>
+                    <a:bodyPr/>
+                    <a:lstStyle/>
+                    <a:p>
+                      <a:pPr algn="ctr"/>
+                      <a:r>
+                        <a:rPr lang="en-US"/>
+                        <a:t>4</a:t>
+                      </a:r>
+                    </a:p>
+                  </a:txBody>
+                  <a:tcPr anchor="ctr"/>
+                </a:tc>
+                <a:tc>
+                  <a:txBody>
+                    <a:bodyPr/>
+                    <a:lstStyle/>
+                    <a:p>
+                      <a:pPr algn="ctr"/>
+                      <a:r>
+                        <a:rPr lang="en-US"/>
+                        <a:t>5</a:t>
+                      </a:r>
+                    </a:p>
+                  </a:txBody>
+                  <a:tcPr anchor="ctr"/>
+                </a:tc>
+                <a:tc>
+                  <a:txBody>
+                    <a:bodyPr/>
+                    <a:lstStyle/>
+                    <a:p>
+                      <a:pPr algn="ctr"/>
+                      <a:r>
+                        <a:rPr lang="en-US"/>
+                        <a:t>6</a:t>
+                      </a:r>
+                    </a:p>
+                  </a:txBody>
+                  <a:tcPr anchor="ctr"/>
+                </a:tc>
+                <a:tc>
+                  <a:txBody>
+                    <a:bodyPr/>
+                    <a:lstStyle/>
+                    <a:p>
+                      <a:pPr algn="ctr"/>
+                      <a:r>
+                        <a:rPr lang="en-US"/>
+                        <a:t>7</a:t>
+                      </a:r>
+                    </a:p>
+                  </a:txBody>
+                  <a:tcPr anchor="ctr"/>
+                </a:tc>
+                <a:extLst>
+                  <a:ext uri="{0D108BD9-81ED-4DB2-BD59-A6C34878D82A}">
+                    <a16:rowId xmlns:a16="http://schemas.microsoft.com/office/drawing/2014/main" val="2776570998"/>
+                  </a:ext>
+                </a:extLst>
+              </a:tr>
+              <a:tr h="370840">
+                <a:tc>
+                  <a:txBody>
+                    <a:bodyPr/>
+                    <a:lstStyle/>
+                    <a:p>
+                      <a:pPr algn="ctr"/>
+                      <a:r>
+                        <a:rPr lang="en-US"/>
+                        <a:t>E</a:t>
+                      </a:r>
+                    </a:p>
+                  </a:txBody>
+                  <a:tcPr anchor="ctr">
+                    <a:solidFill>
+                      <a:schemeClr val="tx2">
+                        <a:lumMod val="25000"/>
+                        <a:lumOff val="75000"/>
+                      </a:schemeClr>
+                    </a:solidFill>
+                  </a:tcPr>
+                </a:tc>
+                <a:tc>
+                  <a:txBody>
+                    <a:bodyPr/>
+                    <a:lstStyle/>
+                    <a:p>
+                      <a:pPr algn="ctr"/>
+                      <a:r>
+                        <a:rPr lang="en-US"/>
+                        <a:t>4</a:t>
+                      </a:r>
+                    </a:p>
+                  </a:txBody>
+                  <a:tcPr anchor="ctr"/>
+                </a:tc>
+                <a:tc>
+                  <a:txBody>
+                    <a:bodyPr/>
+                    <a:lstStyle/>
+                    <a:p>
+                      <a:pPr algn="ctr"/>
+                      <a:r>
+                        <a:rPr lang="en-US"/>
+                        <a:t>3</a:t>
+                      </a:r>
+                    </a:p>
+                  </a:txBody>
+                  <a:tcPr anchor="ctr"/>
+                </a:tc>
+                <a:tc>
+                  <a:txBody>
+                    <a:bodyPr/>
+                    <a:lstStyle/>
+                    <a:p>
+                      <a:pPr algn="ctr"/>
+                      <a:r>
+                        <a:rPr lang="en-US"/>
+                        <a:t>2</a:t>
+                      </a:r>
+                    </a:p>
+                  </a:txBody>
+                  <a:tcPr anchor="ctr"/>
+                </a:tc>
+                <a:tc>
+                  <a:txBody>
+                    <a:bodyPr/>
+                    <a:lstStyle/>
+                    <a:p>
+                      <a:pPr algn="ctr"/>
+                      <a:r>
+                        <a:rPr lang="en-US"/>
+                        <a:t>1</a:t>
+                      </a:r>
+                    </a:p>
+                  </a:txBody>
+                  <a:tcPr anchor="ctr">
+                    <a:solidFill>
+                      <a:schemeClr val="accent2">
+                        <a:lumMod val="40000"/>
+                        <a:lumOff val="60000"/>
+                      </a:schemeClr>
+                    </a:solidFill>
+                  </a:tcPr>
+                </a:tc>
+                <a:tc>
+                  <a:txBody>
+                    <a:bodyPr/>
+                    <a:lstStyle/>
+                    <a:p>
+                      <a:pPr algn="ctr"/>
+                      <a:r>
+                        <a:rPr lang="en-US"/>
+                        <a:t>2</a:t>
+                      </a:r>
+                    </a:p>
+                  </a:txBody>
+                  <a:tcPr anchor="ctr">
+                    <a:solidFill>
+                      <a:schemeClr val="accent2">
+                        <a:lumMod val="40000"/>
+                        <a:lumOff val="60000"/>
+                      </a:schemeClr>
+                    </a:solidFill>
+                  </a:tcPr>
+                </a:tc>
+                <a:tc>
+                  <a:txBody>
+                    <a:bodyPr/>
+                    <a:lstStyle/>
+                    <a:p>
+                      <a:pPr algn="ctr"/>
+                      <a:r>
+                        <a:rPr lang="en-US"/>
+                        <a:t>3</a:t>
+                      </a:r>
+                    </a:p>
+                  </a:txBody>
+                  <a:tcPr anchor="ctr"/>
+                </a:tc>
+                <a:tc>
+                  <a:txBody>
+                    <a:bodyPr/>
+                    <a:lstStyle/>
+                    <a:p>
+                      <a:pPr algn="ctr"/>
+                      <a:r>
+                        <a:rPr lang="en-US"/>
+                        <a:t>4</a:t>
+                      </a:r>
+                    </a:p>
+                  </a:txBody>
+                  <a:tcPr anchor="ctr"/>
+                </a:tc>
+                <a:tc>
+                  <a:txBody>
+                    <a:bodyPr/>
+                    <a:lstStyle/>
+                    <a:p>
+                      <a:pPr algn="ctr"/>
+                      <a:r>
+                        <a:rPr lang="en-US"/>
+                        <a:t>5</a:t>
+                      </a:r>
+                    </a:p>
+                  </a:txBody>
+                  <a:tcPr anchor="ctr"/>
+                </a:tc>
+                <a:tc>
+                  <a:txBody>
+                    <a:bodyPr/>
+                    <a:lstStyle/>
+                    <a:p>
+                      <a:pPr algn="ctr"/>
+                      <a:r>
+                        <a:rPr lang="en-US"/>
+                        <a:t>6</a:t>
+                      </a:r>
+                    </a:p>
+                  </a:txBody>
+                  <a:tcPr anchor="ctr"/>
+                </a:tc>
+                <a:extLst>
+                  <a:ext uri="{0D108BD9-81ED-4DB2-BD59-A6C34878D82A}">
+                    <a16:rowId xmlns:a16="http://schemas.microsoft.com/office/drawing/2014/main" val="4272089998"/>
+                  </a:ext>
+                </a:extLst>
+              </a:tr>
+              <a:tr h="370840">
+                <a:tc>
+                  <a:txBody>
+                    <a:bodyPr/>
+                    <a:lstStyle/>
+                    <a:p>
+                      <a:pPr algn="ctr"/>
+                      <a:r>
+                        <a:rPr lang="en-US"/>
+                        <a:t>V</a:t>
+                      </a:r>
+                    </a:p>
+                  </a:txBody>
+                  <a:tcPr anchor="ctr">
+                    <a:solidFill>
+                      <a:schemeClr val="tx2">
+                        <a:lumMod val="25000"/>
+                        <a:lumOff val="75000"/>
+                      </a:schemeClr>
+                    </a:solidFill>
+                  </a:tcPr>
+                </a:tc>
+                <a:tc>
+                  <a:txBody>
+                    <a:bodyPr/>
+                    <a:lstStyle/>
+                    <a:p>
+                      <a:pPr algn="ctr"/>
+                      <a:r>
+                        <a:rPr lang="en-US"/>
+                        <a:t>5</a:t>
+                      </a:r>
+                    </a:p>
+                  </a:txBody>
+                  <a:tcPr anchor="ctr"/>
+                </a:tc>
+                <a:tc>
+                  <a:txBody>
+                    <a:bodyPr/>
+                    <a:lstStyle/>
+                    <a:p>
+                      <a:pPr algn="ctr"/>
+                      <a:r>
+                        <a:rPr lang="en-US"/>
+                        <a:t>4</a:t>
+                      </a:r>
+                    </a:p>
+                  </a:txBody>
+                  <a:tcPr anchor="ctr"/>
+                </a:tc>
+                <a:tc>
+                  <a:txBody>
+                    <a:bodyPr/>
+                    <a:lstStyle/>
+                    <a:p>
+                      <a:pPr algn="ctr"/>
+                      <a:r>
+                        <a:rPr lang="en-US"/>
+                        <a:t>3</a:t>
+                      </a:r>
+                    </a:p>
+                  </a:txBody>
+                  <a:tcPr anchor="ctr"/>
+                </a:tc>
+                <a:tc>
+                  <a:txBody>
+                    <a:bodyPr/>
+                    <a:lstStyle/>
+                    <a:p>
+                      <a:pPr algn="ctr"/>
+                      <a:r>
+                        <a:rPr lang="en-US"/>
+                        <a:t>2</a:t>
+                      </a:r>
+                    </a:p>
+                  </a:txBody>
+                  <a:tcPr anchor="ctr"/>
+                </a:tc>
+                <a:tc>
+                  <a:txBody>
+                    <a:bodyPr/>
+                    <a:lstStyle/>
+                    <a:p>
+                      <a:pPr algn="ctr"/>
+                      <a:r>
+                        <a:rPr lang="en-US"/>
+                        <a:t>2</a:t>
+                      </a:r>
+                    </a:p>
+                  </a:txBody>
+                  <a:tcPr anchor="ctr"/>
+                </a:tc>
+                <a:tc>
+                  <a:txBody>
+                    <a:bodyPr/>
+                    <a:lstStyle/>
+                    <a:p>
+                      <a:pPr algn="ctr"/>
+                      <a:r>
+                        <a:rPr lang="en-US"/>
+                        <a:t>3</a:t>
+                      </a:r>
+                    </a:p>
+                  </a:txBody>
+                  <a:tcPr anchor="ctr">
+                    <a:solidFill>
+                      <a:schemeClr val="accent2">
+                        <a:lumMod val="40000"/>
+                        <a:lumOff val="60000"/>
+                      </a:schemeClr>
+                    </a:solidFill>
+                  </a:tcPr>
+                </a:tc>
+                <a:tc>
+                  <a:txBody>
+                    <a:bodyPr/>
+                    <a:lstStyle/>
+                    <a:p>
+                      <a:pPr algn="ctr"/>
+                      <a:r>
+                        <a:rPr lang="en-US"/>
+                        <a:t>4</a:t>
+                      </a:r>
+                    </a:p>
+                  </a:txBody>
+                  <a:tcPr anchor="ctr"/>
+                </a:tc>
+                <a:tc>
+                  <a:txBody>
+                    <a:bodyPr/>
+                    <a:lstStyle/>
+                    <a:p>
+                      <a:pPr algn="ctr"/>
+                      <a:r>
+                        <a:rPr lang="en-US"/>
+                        <a:t>5</a:t>
+                      </a:r>
+                    </a:p>
+                  </a:txBody>
+                  <a:tcPr anchor="ctr"/>
+                </a:tc>
+                <a:tc>
+                  <a:txBody>
+                    <a:bodyPr/>
+                    <a:lstStyle/>
+                    <a:p>
+                      <a:pPr algn="ctr"/>
+                      <a:r>
+                        <a:rPr lang="en-US"/>
+                        <a:t>6</a:t>
+                      </a:r>
+                    </a:p>
+                  </a:txBody>
+                  <a:tcPr anchor="ctr"/>
+                </a:tc>
+                <a:extLst>
+                  <a:ext uri="{0D108BD9-81ED-4DB2-BD59-A6C34878D82A}">
+                    <a16:rowId xmlns:a16="http://schemas.microsoft.com/office/drawing/2014/main" val="2060323657"/>
+                  </a:ext>
+                </a:extLst>
+              </a:tr>
+              <a:tr h="370840">
+                <a:tc>
+                  <a:txBody>
+                    <a:bodyPr/>
+                    <a:lstStyle/>
+                    <a:p>
+                      <a:pPr algn="ctr"/>
+                      <a:r>
+                        <a:rPr lang="en-US"/>
+                        <a:t>A</a:t>
+                      </a:r>
+                    </a:p>
+                  </a:txBody>
+                  <a:tcPr anchor="ctr">
+                    <a:solidFill>
+                      <a:schemeClr val="tx2">
+                        <a:lumMod val="25000"/>
+                        <a:lumOff val="75000"/>
+                      </a:schemeClr>
+                    </a:solidFill>
+                  </a:tcPr>
+                </a:tc>
+                <a:tc>
+                  <a:txBody>
+                    <a:bodyPr/>
+                    <a:lstStyle/>
+                    <a:p>
+                      <a:pPr algn="ctr"/>
+                      <a:r>
+                        <a:rPr lang="en-US"/>
+                        <a:t>6</a:t>
+                      </a:r>
+                    </a:p>
+                  </a:txBody>
+                  <a:tcPr anchor="ctr"/>
+                </a:tc>
+                <a:tc>
+                  <a:txBody>
+                    <a:bodyPr/>
+                    <a:lstStyle/>
+                    <a:p>
+                      <a:pPr algn="ctr"/>
+                      <a:r>
+                        <a:rPr lang="en-US"/>
+                        <a:t>5</a:t>
+                      </a:r>
+                    </a:p>
+                  </a:txBody>
+                  <a:tcPr anchor="ctr"/>
+                </a:tc>
+                <a:tc>
+                  <a:txBody>
+                    <a:bodyPr/>
+                    <a:lstStyle/>
+                    <a:p>
+                      <a:pPr algn="ctr"/>
+                      <a:r>
+                        <a:rPr lang="en-US"/>
+                        <a:t>4</a:t>
+                      </a:r>
+                    </a:p>
+                  </a:txBody>
+                  <a:tcPr anchor="ctr"/>
+                </a:tc>
+                <a:tc>
+                  <a:txBody>
+                    <a:bodyPr/>
+                    <a:lstStyle/>
+                    <a:p>
+                      <a:pPr algn="ctr"/>
+                      <a:r>
+                        <a:rPr lang="en-US"/>
+                        <a:t>3</a:t>
+                      </a:r>
+                    </a:p>
+                  </a:txBody>
+                  <a:tcPr anchor="ctr"/>
+                </a:tc>
+                <a:tc>
+                  <a:txBody>
+                    <a:bodyPr/>
+                    <a:lstStyle/>
+                    <a:p>
+                      <a:pPr algn="ctr"/>
+                      <a:r>
+                        <a:rPr lang="en-US"/>
+                        <a:t>3</a:t>
+                      </a:r>
+                    </a:p>
+                  </a:txBody>
+                  <a:tcPr anchor="ctr"/>
+                </a:tc>
+                <a:tc>
+                  <a:txBody>
+                    <a:bodyPr/>
+                    <a:lstStyle/>
+                    <a:p>
+                      <a:pPr algn="ctr"/>
+                      <a:r>
+                        <a:rPr lang="en-US"/>
+                        <a:t>3</a:t>
+                      </a:r>
+                    </a:p>
+                  </a:txBody>
+                  <a:tcPr anchor="ctr"/>
+                </a:tc>
+                <a:tc>
+                  <a:txBody>
+                    <a:bodyPr/>
+                    <a:lstStyle/>
+                    <a:p>
+                      <a:pPr algn="ctr"/>
+                      <a:r>
+                        <a:rPr lang="en-US"/>
+                        <a:t>3</a:t>
+                      </a:r>
+                    </a:p>
+                  </a:txBody>
+                  <a:tcPr anchor="ctr">
+                    <a:solidFill>
+                      <a:schemeClr val="accent2">
+                        <a:lumMod val="40000"/>
+                        <a:lumOff val="60000"/>
+                      </a:schemeClr>
+                    </a:solidFill>
+                  </a:tcPr>
+                </a:tc>
+                <a:tc>
+                  <a:txBody>
+                    <a:bodyPr/>
+                    <a:lstStyle/>
+                    <a:p>
+                      <a:pPr algn="ctr"/>
+                      <a:r>
+                        <a:rPr lang="en-US"/>
+                        <a:t>4</a:t>
+                      </a:r>
+                    </a:p>
+                  </a:txBody>
+                  <a:tcPr anchor="ctr"/>
+                </a:tc>
+                <a:tc>
+                  <a:txBody>
+                    <a:bodyPr/>
+                    <a:lstStyle/>
+                    <a:p>
+                      <a:pPr algn="ctr"/>
+                      <a:r>
+                        <a:rPr lang="en-US"/>
+                        <a:t>5</a:t>
+                      </a:r>
+                    </a:p>
+                  </a:txBody>
+                  <a:tcPr anchor="ctr"/>
+                </a:tc>
+                <a:extLst>
+                  <a:ext uri="{0D108BD9-81ED-4DB2-BD59-A6C34878D82A}">
+                    <a16:rowId xmlns:a16="http://schemas.microsoft.com/office/drawing/2014/main" val="3030508028"/>
+                  </a:ext>
+                </a:extLst>
+              </a:tr>
+              <a:tr h="370840">
+                <a:tc>
+                  <a:txBody>
+                    <a:bodyPr/>
+                    <a:lstStyle/>
+                    <a:p>
+                      <a:pPr algn="ctr"/>
+                      <a:r>
+                        <a:rPr lang="en-US"/>
+                        <a:t>N</a:t>
+                      </a:r>
+                    </a:p>
+                  </a:txBody>
+                  <a:tcPr anchor="ctr">
+                    <a:solidFill>
+                      <a:schemeClr val="tx2">
+                        <a:lumMod val="25000"/>
+                        <a:lumOff val="75000"/>
+                      </a:schemeClr>
+                    </a:solidFill>
+                  </a:tcPr>
+                </a:tc>
+                <a:tc>
+                  <a:txBody>
+                    <a:bodyPr/>
+                    <a:lstStyle/>
+                    <a:p>
+                      <a:pPr algn="ctr"/>
+                      <a:r>
+                        <a:rPr lang="en-US"/>
+                        <a:t>7</a:t>
+                      </a:r>
+                    </a:p>
+                  </a:txBody>
+                  <a:tcPr anchor="ctr"/>
+                </a:tc>
+                <a:tc>
+                  <a:txBody>
+                    <a:bodyPr/>
+                    <a:lstStyle/>
+                    <a:p>
+                      <a:pPr algn="ctr"/>
+                      <a:r>
+                        <a:rPr lang="en-US"/>
+                        <a:t>6</a:t>
+                      </a:r>
+                    </a:p>
+                  </a:txBody>
+                  <a:tcPr anchor="ctr"/>
+                </a:tc>
+                <a:tc>
+                  <a:txBody>
+                    <a:bodyPr/>
+                    <a:lstStyle/>
+                    <a:p>
+                      <a:pPr algn="ctr"/>
+                      <a:r>
+                        <a:rPr lang="en-US"/>
+                        <a:t>5</a:t>
+                      </a:r>
+                    </a:p>
+                  </a:txBody>
+                  <a:tcPr anchor="ctr"/>
+                </a:tc>
+                <a:tc>
+                  <a:txBody>
+                    <a:bodyPr/>
+                    <a:lstStyle/>
+                    <a:p>
+                      <a:pPr algn="ctr"/>
+                      <a:r>
+                        <a:rPr lang="en-US"/>
+                        <a:t>4</a:t>
+                      </a:r>
+                    </a:p>
+                  </a:txBody>
+                  <a:tcPr anchor="ctr"/>
+                </a:tc>
+                <a:tc>
+                  <a:txBody>
+                    <a:bodyPr/>
+                    <a:lstStyle/>
+                    <a:p>
+                      <a:pPr algn="ctr"/>
+                      <a:r>
+                        <a:rPr lang="en-US"/>
+                        <a:t>4</a:t>
+                      </a:r>
+                    </a:p>
+                  </a:txBody>
+                  <a:tcPr anchor="ctr"/>
+                </a:tc>
+                <a:tc>
+                  <a:txBody>
+                    <a:bodyPr/>
+                    <a:lstStyle/>
+                    <a:p>
+                      <a:pPr algn="ctr"/>
+                      <a:r>
+                        <a:rPr lang="en-US"/>
+                        <a:t>4</a:t>
+                      </a:r>
+                    </a:p>
+                  </a:txBody>
+                  <a:tcPr anchor="ctr"/>
+                </a:tc>
+                <a:tc>
+                  <a:txBody>
+                    <a:bodyPr/>
+                    <a:lstStyle/>
+                    <a:p>
+                      <a:pPr algn="ctr"/>
+                      <a:r>
+                        <a:rPr lang="en-US"/>
+                        <a:t>4</a:t>
+                      </a:r>
+                    </a:p>
+                  </a:txBody>
+                  <a:tcPr anchor="ctr"/>
+                </a:tc>
+                <a:tc>
+                  <a:txBody>
+                    <a:bodyPr/>
+                    <a:lstStyle/>
+                    <a:p>
+                      <a:pPr algn="ctr"/>
+                      <a:r>
+                        <a:rPr lang="en-US"/>
+                        <a:t>3</a:t>
+                      </a:r>
+                    </a:p>
+                  </a:txBody>
+                  <a:tcPr anchor="ctr">
+                    <a:solidFill>
+                      <a:schemeClr val="accent2">
+                        <a:lumMod val="40000"/>
+                        <a:lumOff val="60000"/>
+                      </a:schemeClr>
+                    </a:solidFill>
+                  </a:tcPr>
+                </a:tc>
+                <a:tc>
+                  <a:txBody>
+                    <a:bodyPr/>
+                    <a:lstStyle/>
+                    <a:p>
+                      <a:pPr algn="ctr"/>
+                      <a:r>
+                        <a:rPr lang="en-US"/>
+                        <a:t>4</a:t>
+                      </a:r>
+                    </a:p>
+                  </a:txBody>
+                  <a:tcPr anchor="ctr"/>
+                </a:tc>
+                <a:extLst>
+                  <a:ext uri="{0D108BD9-81ED-4DB2-BD59-A6C34878D82A}">
+                    <a16:rowId xmlns:a16="http://schemas.microsoft.com/office/drawing/2014/main" val="2577924057"/>
+                  </a:ext>
+                </a:extLst>
+              </a:tr>
+              <a:tr h="370840">
+                <a:tc>
+                  <a:txBody>
+                    <a:bodyPr/>
+                    <a:lstStyle/>
+                    <a:p>
+                      <a:pPr algn="ctr"/>
+                      <a:r>
+                        <a:rPr lang="en-US"/>
+                        <a:t>T</a:t>
+                      </a:r>
+                    </a:p>
+                  </a:txBody>
+                  <a:tcPr anchor="ctr">
+                    <a:solidFill>
+                      <a:schemeClr val="tx2">
+                        <a:lumMod val="25000"/>
+                        <a:lumOff val="75000"/>
+                      </a:schemeClr>
+                    </a:solidFill>
+                  </a:tcPr>
+                </a:tc>
+                <a:tc>
+                  <a:txBody>
+                    <a:bodyPr/>
+                    <a:lstStyle/>
+                    <a:p>
+                      <a:pPr algn="ctr"/>
+                      <a:r>
+                        <a:rPr lang="en-US"/>
+                        <a:t>8</a:t>
+                      </a:r>
+                    </a:p>
+                  </a:txBody>
+                  <a:tcPr anchor="ctr"/>
+                </a:tc>
+                <a:tc>
+                  <a:txBody>
+                    <a:bodyPr/>
+                    <a:lstStyle/>
+                    <a:p>
+                      <a:pPr algn="ctr"/>
+                      <a:r>
+                        <a:rPr lang="en-US"/>
+                        <a:t>7</a:t>
+                      </a:r>
+                    </a:p>
+                  </a:txBody>
+                  <a:tcPr anchor="ctr"/>
+                </a:tc>
+                <a:tc>
+                  <a:txBody>
+                    <a:bodyPr/>
+                    <a:lstStyle/>
+                    <a:p>
+                      <a:pPr algn="ctr"/>
+                      <a:r>
+                        <a:rPr lang="en-US"/>
+                        <a:t>6</a:t>
+                      </a:r>
+                    </a:p>
+                  </a:txBody>
+                  <a:tcPr anchor="ctr"/>
+                </a:tc>
+                <a:tc>
+                  <a:txBody>
+                    <a:bodyPr/>
+                    <a:lstStyle/>
+                    <a:p>
+                      <a:pPr algn="ctr"/>
+                      <a:r>
+                        <a:rPr lang="en-US"/>
+                        <a:t>5</a:t>
+                      </a:r>
+                    </a:p>
+                  </a:txBody>
+                  <a:tcPr anchor="ctr"/>
+                </a:tc>
+                <a:tc>
+                  <a:txBody>
+                    <a:bodyPr/>
+                    <a:lstStyle/>
+                    <a:p>
+                      <a:pPr algn="ctr"/>
+                      <a:r>
+                        <a:rPr lang="en-US"/>
+                        <a:t>5</a:t>
+                      </a:r>
+                    </a:p>
+                  </a:txBody>
+                  <a:tcPr anchor="ctr"/>
+                </a:tc>
+                <a:tc>
+                  <a:txBody>
+                    <a:bodyPr/>
+                    <a:lstStyle/>
+                    <a:p>
+                      <a:pPr algn="ctr"/>
+                      <a:r>
+                        <a:rPr lang="en-US"/>
+                        <a:t>5</a:t>
+                      </a:r>
+                    </a:p>
+                  </a:txBody>
+                  <a:tcPr anchor="ctr"/>
+                </a:tc>
+                <a:tc>
+                  <a:txBody>
+                    <a:bodyPr/>
+                    <a:lstStyle/>
+                    <a:p>
+                      <a:pPr algn="ctr"/>
+                      <a:r>
+                        <a:rPr lang="en-US"/>
+                        <a:t>5</a:t>
+                      </a:r>
+                    </a:p>
+                  </a:txBody>
+                  <a:tcPr anchor="ctr"/>
+                </a:tc>
+                <a:tc>
+                  <a:txBody>
+                    <a:bodyPr/>
+                    <a:lstStyle/>
+                    <a:p>
+                      <a:pPr algn="ctr"/>
+                      <a:r>
+                        <a:rPr lang="en-US"/>
+                        <a:t>4</a:t>
+                      </a:r>
+                    </a:p>
+                  </a:txBody>
+                  <a:tcPr anchor="ctr"/>
+                </a:tc>
+                <a:tc>
+                  <a:txBody>
+                    <a:bodyPr/>
+                    <a:lstStyle/>
+                    <a:p>
+                      <a:pPr algn="ctr"/>
+                      <a:r>
+                        <a:rPr lang="en-US"/>
+                        <a:t>3</a:t>
+                      </a:r>
+                    </a:p>
+                  </a:txBody>
+                  <a:tcPr anchor="ctr">
+                    <a:solidFill>
+                      <a:schemeClr val="accent2">
+                        <a:lumMod val="40000"/>
+                        <a:lumOff val="60000"/>
+                      </a:schemeClr>
+                    </a:solidFill>
+                  </a:tcPr>
+                </a:tc>
+                <a:extLst>
+                  <a:ext uri="{0D108BD9-81ED-4DB2-BD59-A6C34878D82A}">
+                    <a16:rowId xmlns:a16="http://schemas.microsoft.com/office/drawing/2014/main" val="2020531070"/>
+                  </a:ext>
+                </a:extLst>
+              </a:tr>
+            </a:tbl>
+          </a:graphicData>
+        </a:graphic>
+      </p:graphicFrame>
+      <p:sp>
+        <p:nvSpPr>
+          <p:cNvPr id="5" name="TextBox 4">
+            <a:extLst>
+              <a:ext uri="{FF2B5EF4-FFF2-40B4-BE49-F238E27FC236}">
+                <a16:creationId xmlns:a16="http://schemas.microsoft.com/office/drawing/2014/main" id="{BB2666C0-A672-84C8-E163-BC31F78754CC}"/>
+              </a:ext>
+            </a:extLst>
+          </p:cNvPr>
+          <p:cNvSpPr txBox="1"/>
+          <p:nvPr/>
+        </p:nvSpPr>
+        <p:spPr>
+          <a:xfrm>
+            <a:off x="6292560" y="2416160"/>
+            <a:ext cx="4039888" cy="707886"/>
+          </a:xfrm>
+          <a:prstGeom prst="rect">
+            <a:avLst/>
+          </a:prstGeom>
+          <a:noFill/>
+        </p:spPr>
+        <p:txBody>
+          <a:bodyPr wrap="square" rtlCol="0">
+            <a:spAutoFit/>
+          </a:bodyPr>
+          <a:lstStyle/>
+          <a:p>
+            <a:r>
+              <a:rPr lang="en-US" sz="4000"/>
+              <a:t>E  L  E  P  H  A  N  T</a:t>
+            </a:r>
+          </a:p>
+        </p:txBody>
+      </p:sp>
+      <p:sp>
+        <p:nvSpPr>
+          <p:cNvPr id="6" name="TextBox 5">
+            <a:extLst>
+              <a:ext uri="{FF2B5EF4-FFF2-40B4-BE49-F238E27FC236}">
+                <a16:creationId xmlns:a16="http://schemas.microsoft.com/office/drawing/2014/main" id="{2CFB5071-3481-210D-66BB-9ECB03B17FFF}"/>
+              </a:ext>
+            </a:extLst>
+          </p:cNvPr>
+          <p:cNvSpPr txBox="1"/>
+          <p:nvPr/>
+        </p:nvSpPr>
+        <p:spPr>
+          <a:xfrm>
+            <a:off x="6349828" y="3647452"/>
+            <a:ext cx="4075155" cy="707886"/>
+          </a:xfrm>
+          <a:prstGeom prst="rect">
+            <a:avLst/>
+          </a:prstGeom>
+          <a:noFill/>
+        </p:spPr>
+        <p:txBody>
+          <a:bodyPr wrap="square" rtlCol="0">
+            <a:spAutoFit/>
+          </a:bodyPr>
+          <a:lstStyle/>
+          <a:p>
+            <a:r>
+              <a:rPr lang="en-US" sz="4000">
+                <a:solidFill>
+                  <a:schemeClr val="bg2">
+                    <a:lumMod val="90000"/>
+                  </a:schemeClr>
+                </a:solidFill>
+              </a:rPr>
+              <a:t>R  </a:t>
+            </a:r>
+            <a:r>
+              <a:rPr lang="en-US" sz="4000"/>
+              <a:t>E  L  E	 V  A  N  T</a:t>
+            </a:r>
+          </a:p>
+        </p:txBody>
+      </p:sp>
+      <p:sp>
+        <p:nvSpPr>
+          <p:cNvPr id="7" name="TextBox 6">
+            <a:extLst>
+              <a:ext uri="{FF2B5EF4-FFF2-40B4-BE49-F238E27FC236}">
+                <a16:creationId xmlns:a16="http://schemas.microsoft.com/office/drawing/2014/main" id="{3FF7B088-2672-4DBA-4014-684B633AF162}"/>
+              </a:ext>
+            </a:extLst>
+          </p:cNvPr>
+          <p:cNvSpPr txBox="1"/>
+          <p:nvPr/>
+        </p:nvSpPr>
+        <p:spPr>
+          <a:xfrm>
+            <a:off x="6201088" y="4265653"/>
+            <a:ext cx="813492" cy="369332"/>
+          </a:xfrm>
+          <a:prstGeom prst="rect">
+            <a:avLst/>
+          </a:prstGeom>
+          <a:noFill/>
+        </p:spPr>
+        <p:txBody>
+          <a:bodyPr wrap="square" rtlCol="0">
+            <a:spAutoFit/>
+          </a:bodyPr>
+          <a:lstStyle/>
+          <a:p>
+            <a:r>
+              <a:rPr lang="en-US">
+                <a:solidFill>
+                  <a:schemeClr val="tx2">
+                    <a:lumMod val="50000"/>
+                    <a:lumOff val="50000"/>
+                  </a:schemeClr>
+                </a:solidFill>
+              </a:rPr>
+              <a:t>delete</a:t>
+            </a:r>
+          </a:p>
+        </p:txBody>
+      </p:sp>
+      <p:sp>
+        <p:nvSpPr>
+          <p:cNvPr id="8" name="TextBox 7">
+            <a:extLst>
+              <a:ext uri="{FF2B5EF4-FFF2-40B4-BE49-F238E27FC236}">
+                <a16:creationId xmlns:a16="http://schemas.microsoft.com/office/drawing/2014/main" id="{8D06E57F-793A-7D3F-FD92-D01A9CC5D175}"/>
+              </a:ext>
+            </a:extLst>
+          </p:cNvPr>
+          <p:cNvSpPr txBox="1"/>
+          <p:nvPr/>
+        </p:nvSpPr>
+        <p:spPr>
+          <a:xfrm>
+            <a:off x="8331935" y="4283870"/>
+            <a:ext cx="752129" cy="369332"/>
+          </a:xfrm>
+          <a:prstGeom prst="rect">
+            <a:avLst/>
+          </a:prstGeom>
+          <a:noFill/>
+        </p:spPr>
+        <p:txBody>
+          <a:bodyPr wrap="square" rtlCol="0">
+            <a:spAutoFit/>
+          </a:bodyPr>
+          <a:lstStyle/>
+          <a:p>
+            <a:r>
+              <a:rPr lang="en-US">
+                <a:solidFill>
+                  <a:schemeClr val="tx2">
+                    <a:lumMod val="50000"/>
+                    <a:lumOff val="50000"/>
+                  </a:schemeClr>
+                </a:solidFill>
+              </a:rPr>
+              <a:t>insert</a:t>
+            </a:r>
+          </a:p>
+        </p:txBody>
+      </p:sp>
+      <p:sp>
+        <p:nvSpPr>
+          <p:cNvPr id="9" name="TextBox 8">
+            <a:extLst>
+              <a:ext uri="{FF2B5EF4-FFF2-40B4-BE49-F238E27FC236}">
+                <a16:creationId xmlns:a16="http://schemas.microsoft.com/office/drawing/2014/main" id="{13CA4451-23AA-A1B3-276E-88C22E383155}"/>
+              </a:ext>
+            </a:extLst>
+          </p:cNvPr>
+          <p:cNvSpPr txBox="1"/>
+          <p:nvPr/>
+        </p:nvSpPr>
+        <p:spPr>
+          <a:xfrm>
+            <a:off x="8504283" y="3201083"/>
+            <a:ext cx="936538" cy="369332"/>
+          </a:xfrm>
+          <a:prstGeom prst="rect">
+            <a:avLst/>
+          </a:prstGeom>
+          <a:noFill/>
+        </p:spPr>
+        <p:txBody>
+          <a:bodyPr wrap="square" rtlCol="0">
+            <a:spAutoFit/>
+          </a:bodyPr>
+          <a:lstStyle/>
+          <a:p>
+            <a:r>
+              <a:rPr lang="en-US">
+                <a:solidFill>
+                  <a:schemeClr val="tx2">
+                    <a:lumMod val="50000"/>
+                    <a:lumOff val="50000"/>
+                  </a:schemeClr>
+                </a:solidFill>
+              </a:rPr>
+              <a:t>replace</a:t>
+            </a:r>
+          </a:p>
+        </p:txBody>
+      </p:sp>
+      <p:cxnSp>
+        <p:nvCxnSpPr>
+          <p:cNvPr id="11" name="Straight Connector 10">
+            <a:extLst>
+              <a:ext uri="{FF2B5EF4-FFF2-40B4-BE49-F238E27FC236}">
+                <a16:creationId xmlns:a16="http://schemas.microsoft.com/office/drawing/2014/main" id="{5A86706F-5368-EB6E-4012-4509FE4CADDE}"/>
+              </a:ext>
+            </a:extLst>
+          </p:cNvPr>
+          <p:cNvCxnSpPr>
+            <a:cxnSpLocks/>
+          </p:cNvCxnSpPr>
+          <p:nvPr/>
+        </p:nvCxnSpPr>
+        <p:spPr>
+          <a:xfrm>
+            <a:off x="8504283" y="3021697"/>
+            <a:ext cx="0" cy="738019"/>
+          </a:xfrm>
+          <a:prstGeom prst="line">
+            <a:avLst/>
+          </a:prstGeom>
+          <a:ln>
+            <a:solidFill>
+              <a:schemeClr val="tx2">
+                <a:lumMod val="50000"/>
+                <a:lumOff val="50000"/>
+              </a:schemeClr>
+            </a:solidFill>
+          </a:ln>
+        </p:spPr>
+        <p:style>
+          <a:lnRef idx="2">
+            <a:schemeClr val="accent1"/>
+          </a:lnRef>
+          <a:fillRef idx="0">
+            <a:schemeClr val="accent1"/>
+          </a:fillRef>
+          <a:effectRef idx="1">
+            <a:schemeClr val="accent1"/>
+          </a:effectRef>
+          <a:fontRef idx="minor">
+            <a:schemeClr val="tx1"/>
+          </a:fontRef>
+        </p:style>
+      </p:cxnSp>
+      <p:cxnSp>
+        <p:nvCxnSpPr>
+          <p:cNvPr id="12" name="Straight Connector 11">
+            <a:extLst>
+              <a:ext uri="{FF2B5EF4-FFF2-40B4-BE49-F238E27FC236}">
+                <a16:creationId xmlns:a16="http://schemas.microsoft.com/office/drawing/2014/main" id="{E79F5465-4852-9EAE-DF5F-FDE60C52C463}"/>
+              </a:ext>
+            </a:extLst>
+          </p:cNvPr>
+          <p:cNvCxnSpPr>
+            <a:cxnSpLocks/>
+          </p:cNvCxnSpPr>
+          <p:nvPr/>
+        </p:nvCxnSpPr>
+        <p:spPr>
+          <a:xfrm flipH="1">
+            <a:off x="6292560" y="3759716"/>
+            <a:ext cx="553714" cy="505937"/>
+          </a:xfrm>
+          <a:prstGeom prst="line">
+            <a:avLst/>
+          </a:prstGeom>
+          <a:ln>
+            <a:solidFill>
+              <a:schemeClr val="tx2">
+                <a:lumMod val="50000"/>
+                <a:lumOff val="50000"/>
+              </a:schemeClr>
+            </a:solidFill>
+          </a:ln>
+        </p:spPr>
+        <p:style>
+          <a:lnRef idx="2">
+            <a:schemeClr val="accent1"/>
+          </a:lnRef>
+          <a:fillRef idx="0">
+            <a:schemeClr val="accent1"/>
+          </a:fillRef>
+          <a:effectRef idx="1">
+            <a:schemeClr val="accent1"/>
+          </a:effectRef>
+          <a:fontRef idx="minor">
+            <a:schemeClr val="tx1"/>
+          </a:fontRef>
+        </p:style>
+      </p:cxnSp>
+      <p:sp>
+        <p:nvSpPr>
+          <p:cNvPr id="16" name="TextBox 15">
+            <a:extLst>
+              <a:ext uri="{FF2B5EF4-FFF2-40B4-BE49-F238E27FC236}">
+                <a16:creationId xmlns:a16="http://schemas.microsoft.com/office/drawing/2014/main" id="{A9FC8192-3985-30F0-2892-750CDDE8E02B}"/>
+              </a:ext>
+            </a:extLst>
+          </p:cNvPr>
+          <p:cNvSpPr txBox="1"/>
+          <p:nvPr/>
+        </p:nvSpPr>
+        <p:spPr>
+          <a:xfrm>
+            <a:off x="8078492" y="4760772"/>
+            <a:ext cx="442750" cy="707886"/>
+          </a:xfrm>
+          <a:prstGeom prst="rect">
+            <a:avLst/>
+          </a:prstGeom>
+          <a:noFill/>
+        </p:spPr>
+        <p:txBody>
+          <a:bodyPr wrap="square" rtlCol="0">
+            <a:spAutoFit/>
+          </a:bodyPr>
+          <a:lstStyle/>
+          <a:p>
+            <a:r>
+              <a:rPr lang="en-US" sz="4000" spc="-300">
+                <a:solidFill>
+                  <a:schemeClr val="tx2">
+                    <a:lumMod val="50000"/>
+                    <a:lumOff val="50000"/>
+                  </a:schemeClr>
+                </a:solidFill>
+              </a:rPr>
+              <a:t>P</a:t>
+            </a:r>
+          </a:p>
+        </p:txBody>
+      </p:sp>
+      <p:cxnSp>
+        <p:nvCxnSpPr>
+          <p:cNvPr id="20" name="Straight Arrow Connector 19">
+            <a:extLst>
+              <a:ext uri="{FF2B5EF4-FFF2-40B4-BE49-F238E27FC236}">
+                <a16:creationId xmlns:a16="http://schemas.microsoft.com/office/drawing/2014/main" id="{D1F3BBAD-DC0D-0092-ADAA-0645CD01CACF}"/>
+              </a:ext>
+            </a:extLst>
+          </p:cNvPr>
+          <p:cNvCxnSpPr>
+            <a:cxnSpLocks/>
+          </p:cNvCxnSpPr>
+          <p:nvPr/>
+        </p:nvCxnSpPr>
+        <p:spPr>
+          <a:xfrm flipV="1">
+            <a:off x="8299867" y="4052886"/>
+            <a:ext cx="0" cy="725314"/>
+          </a:xfrm>
+          <a:prstGeom prst="straightConnector1">
+            <a:avLst/>
+          </a:prstGeom>
+          <a:ln>
+            <a:solidFill>
+              <a:schemeClr val="tx2">
+                <a:lumMod val="50000"/>
+                <a:lumOff val="50000"/>
+              </a:schemeClr>
+            </a:solidFill>
+            <a:tailEnd type="triangle"/>
+          </a:ln>
+        </p:spPr>
+        <p:style>
+          <a:lnRef idx="2">
+            <a:schemeClr val="accent1"/>
+          </a:lnRef>
+          <a:fillRef idx="0">
+            <a:schemeClr val="accent1"/>
+          </a:fillRef>
+          <a:effectRef idx="1">
+            <a:schemeClr val="accent1"/>
+          </a:effectRef>
+          <a:fontRef idx="minor">
+            <a:schemeClr val="tx1"/>
+          </a:fontRef>
+        </p:style>
+      </p:cxnSp>
+    </p:spTree>
+    <p:extLst>
+      <p:ext uri="{BB962C8B-B14F-4D97-AF65-F5344CB8AC3E}">
+        <p14:creationId xmlns:p14="http://schemas.microsoft.com/office/powerpoint/2010/main" val="1982739507"/>
+      </p:ext>
+    </p:extLst>
+  </p:cSld>
+  <p:clrMapOvr>
+    <a:masterClrMapping/>
+  </p:clrMapOvr>
+</p:sld>
+</file>
+
+<file path=ppt/slides/slide4.xml><?xml version="1.0" encoding="utf-8"?>
+<p:sld xmlns:a="http://schemas.openxmlformats.org/drawingml/2006/main" xmlns:r="http://schemas.openxmlformats.org/officeDocument/2006/relationships" xmlns:p="http://schemas.openxmlformats.org/presentationml/2006/main">
+  <p:cSld>
+    <p:spTree>
+      <p:nvGrpSpPr>
+        <p:cNvPr id="1" name=""/>
+        <p:cNvGrpSpPr/>
+        <p:nvPr/>
+      </p:nvGrpSpPr>
+      <p:grpSpPr>
+        <a:xfrm>
+          <a:off x="0" y="0"/>
+          <a:ext cx="0" cy="0"/>
+          <a:chOff x="0" y="0"/>
+          <a:chExt cx="0" cy="0"/>
+        </a:xfrm>
+      </p:grpSpPr>
+      <p:graphicFrame>
+        <p:nvGraphicFramePr>
+          <p:cNvPr id="2" name="Table 1">
+            <a:extLst>
+              <a:ext uri="{FF2B5EF4-FFF2-40B4-BE49-F238E27FC236}">
+                <a16:creationId xmlns:a16="http://schemas.microsoft.com/office/drawing/2014/main" id="{083D4EB6-0D7E-3B89-F33D-30EA238837A0}"/>
+              </a:ext>
+            </a:extLst>
+          </p:cNvPr>
+          <p:cNvGraphicFramePr>
+            <a:graphicFrameLocks noGrp="1"/>
+          </p:cNvGraphicFramePr>
+          <p:nvPr>
+            <p:extLst>
+              <p:ext uri="{D42A27DB-BD31-4B8C-83A1-F6EECF244321}">
+                <p14:modId xmlns:p14="http://schemas.microsoft.com/office/powerpoint/2010/main" val="3730468607"/>
+              </p:ext>
+            </p:extLst>
+          </p:nvPr>
+        </p:nvGraphicFramePr>
+        <p:xfrm>
+          <a:off x="3798564" y="1303733"/>
+          <a:ext cx="4459760" cy="370840"/>
+        </p:xfrm>
+        <a:graphic>
+          <a:graphicData uri="http://schemas.openxmlformats.org/drawingml/2006/table">
+            <a:tbl>
+              <a:tblPr firstRow="1" bandRow="1">
+                <a:tableStyleId>{5940675A-B579-460E-94D1-54222C63F5DA}</a:tableStyleId>
+              </a:tblPr>
+              <a:tblGrid>
+                <a:gridCol w="445976">
+                  <a:extLst>
+                    <a:ext uri="{9D8B030D-6E8A-4147-A177-3AD203B41FA5}">
+                      <a16:colId xmlns:a16="http://schemas.microsoft.com/office/drawing/2014/main" val="1485278154"/>
+                    </a:ext>
+                  </a:extLst>
+                </a:gridCol>
+                <a:gridCol w="445976">
+                  <a:extLst>
+                    <a:ext uri="{9D8B030D-6E8A-4147-A177-3AD203B41FA5}">
+                      <a16:colId xmlns:a16="http://schemas.microsoft.com/office/drawing/2014/main" val="2881787232"/>
+                    </a:ext>
+                  </a:extLst>
+                </a:gridCol>
+                <a:gridCol w="445976">
+                  <a:extLst>
+                    <a:ext uri="{9D8B030D-6E8A-4147-A177-3AD203B41FA5}">
+                      <a16:colId xmlns:a16="http://schemas.microsoft.com/office/drawing/2014/main" val="3000371429"/>
+                    </a:ext>
+                  </a:extLst>
+                </a:gridCol>
+                <a:gridCol w="445976">
+                  <a:extLst>
+                    <a:ext uri="{9D8B030D-6E8A-4147-A177-3AD203B41FA5}">
+                      <a16:colId xmlns:a16="http://schemas.microsoft.com/office/drawing/2014/main" val="2998613425"/>
+                    </a:ext>
+                  </a:extLst>
+                </a:gridCol>
+                <a:gridCol w="445976">
+                  <a:extLst>
+                    <a:ext uri="{9D8B030D-6E8A-4147-A177-3AD203B41FA5}">
+                      <a16:colId xmlns:a16="http://schemas.microsoft.com/office/drawing/2014/main" val="2374108893"/>
+                    </a:ext>
+                  </a:extLst>
+                </a:gridCol>
+                <a:gridCol w="445976">
+                  <a:extLst>
+                    <a:ext uri="{9D8B030D-6E8A-4147-A177-3AD203B41FA5}">
+                      <a16:colId xmlns:a16="http://schemas.microsoft.com/office/drawing/2014/main" val="4071556999"/>
+                    </a:ext>
+                  </a:extLst>
+                </a:gridCol>
+                <a:gridCol w="445976">
+                  <a:extLst>
+                    <a:ext uri="{9D8B030D-6E8A-4147-A177-3AD203B41FA5}">
+                      <a16:colId xmlns:a16="http://schemas.microsoft.com/office/drawing/2014/main" val="80334061"/>
+                    </a:ext>
+                  </a:extLst>
+                </a:gridCol>
+                <a:gridCol w="445976">
+                  <a:extLst>
+                    <a:ext uri="{9D8B030D-6E8A-4147-A177-3AD203B41FA5}">
+                      <a16:colId xmlns:a16="http://schemas.microsoft.com/office/drawing/2014/main" val="523278044"/>
+                    </a:ext>
+                  </a:extLst>
+                </a:gridCol>
+                <a:gridCol w="445976">
+                  <a:extLst>
+                    <a:ext uri="{9D8B030D-6E8A-4147-A177-3AD203B41FA5}">
+                      <a16:colId xmlns:a16="http://schemas.microsoft.com/office/drawing/2014/main" val="662703729"/>
+                    </a:ext>
+                  </a:extLst>
+                </a:gridCol>
+                <a:gridCol w="445976">
+                  <a:extLst>
+                    <a:ext uri="{9D8B030D-6E8A-4147-A177-3AD203B41FA5}">
+                      <a16:colId xmlns:a16="http://schemas.microsoft.com/office/drawing/2014/main" val="1774477568"/>
+                    </a:ext>
+                  </a:extLst>
+                </a:gridCol>
+              </a:tblGrid>
+              <a:tr h="370840">
+                <a:tc>
+                  <a:txBody>
+                    <a:bodyPr/>
+                    <a:lstStyle/>
+                    <a:p>
+                      <a:pPr algn="ctr"/>
+                      <a:r>
+                        <a:rPr lang="en-US"/>
+                        <a:t>1</a:t>
+                      </a:r>
+                    </a:p>
+                  </a:txBody>
+                  <a:tcPr anchor="ctr"/>
+                </a:tc>
+                <a:tc>
+                  <a:txBody>
+                    <a:bodyPr/>
+                    <a:lstStyle/>
+                    <a:p>
+                      <a:pPr algn="ctr"/>
+                      <a:r>
+                        <a:rPr lang="en-US"/>
+                        <a:t>0</a:t>
+                      </a:r>
+                    </a:p>
+                  </a:txBody>
+                  <a:tcPr anchor="ctr"/>
+                </a:tc>
+                <a:tc>
+                  <a:txBody>
+                    <a:bodyPr/>
+                    <a:lstStyle/>
+                    <a:p>
+                      <a:pPr algn="ctr"/>
+                      <a:r>
+                        <a:rPr lang="en-US"/>
+                        <a:t>1</a:t>
+                      </a:r>
+                    </a:p>
+                  </a:txBody>
+                  <a:tcPr anchor="ctr"/>
+                </a:tc>
+                <a:tc>
+                  <a:txBody>
+                    <a:bodyPr/>
+                    <a:lstStyle/>
+                    <a:p>
+                      <a:pPr algn="ctr"/>
+                      <a:r>
+                        <a:rPr lang="en-US"/>
+                        <a:t>1</a:t>
+                      </a:r>
+                    </a:p>
+                  </a:txBody>
+                  <a:tcPr anchor="ctr"/>
+                </a:tc>
+                <a:tc>
+                  <a:txBody>
+                    <a:bodyPr/>
+                    <a:lstStyle/>
+                    <a:p>
+                      <a:pPr algn="ctr"/>
+                      <a:r>
+                        <a:rPr lang="en-US"/>
+                        <a:t>0</a:t>
+                      </a:r>
+                    </a:p>
+                  </a:txBody>
+                  <a:tcPr anchor="ctr"/>
+                </a:tc>
+                <a:tc>
+                  <a:txBody>
+                    <a:bodyPr/>
+                    <a:lstStyle/>
+                    <a:p>
+                      <a:pPr algn="ctr"/>
+                      <a:r>
+                        <a:rPr lang="en-US"/>
+                        <a:t>0</a:t>
+                      </a:r>
+                    </a:p>
+                  </a:txBody>
+                  <a:tcPr anchor="ctr"/>
+                </a:tc>
+                <a:tc>
+                  <a:txBody>
+                    <a:bodyPr/>
+                    <a:lstStyle/>
+                    <a:p>
+                      <a:pPr algn="ctr"/>
+                      <a:r>
+                        <a:rPr lang="en-US"/>
+                        <a:t>1</a:t>
+                      </a:r>
+                    </a:p>
+                  </a:txBody>
+                  <a:tcPr anchor="ctr"/>
+                </a:tc>
+                <a:tc>
+                  <a:txBody>
+                    <a:bodyPr/>
+                    <a:lstStyle/>
+                    <a:p>
+                      <a:pPr algn="ctr"/>
+                      <a:r>
+                        <a:rPr lang="en-US"/>
+                        <a:t>0</a:t>
+                      </a:r>
+                    </a:p>
+                  </a:txBody>
+                  <a:tcPr anchor="ctr"/>
+                </a:tc>
+                <a:tc>
+                  <a:txBody>
+                    <a:bodyPr/>
+                    <a:lstStyle/>
+                    <a:p>
+                      <a:pPr algn="ctr"/>
+                      <a:r>
+                        <a:rPr lang="en-US"/>
+                        <a:t>0</a:t>
+                      </a:r>
+                    </a:p>
+                  </a:txBody>
+                  <a:tcPr anchor="ctr"/>
+                </a:tc>
+                <a:tc>
+                  <a:txBody>
+                    <a:bodyPr/>
+                    <a:lstStyle/>
+                    <a:p>
+                      <a:pPr algn="ctr"/>
+                      <a:r>
+                        <a:rPr lang="en-US"/>
+                        <a:t>1</a:t>
+                      </a:r>
+                    </a:p>
+                  </a:txBody>
+                  <a:tcPr anchor="ctr"/>
+                </a:tc>
+                <a:extLst>
+                  <a:ext uri="{0D108BD9-81ED-4DB2-BD59-A6C34878D82A}">
+                    <a16:rowId xmlns:a16="http://schemas.microsoft.com/office/drawing/2014/main" val="799017895"/>
+                  </a:ext>
+                </a:extLst>
+              </a:tr>
+            </a:tbl>
+          </a:graphicData>
+        </a:graphic>
+      </p:graphicFrame>
+      <p:graphicFrame>
+        <p:nvGraphicFramePr>
+          <p:cNvPr id="4" name="Table 3">
+            <a:extLst>
+              <a:ext uri="{FF2B5EF4-FFF2-40B4-BE49-F238E27FC236}">
+                <a16:creationId xmlns:a16="http://schemas.microsoft.com/office/drawing/2014/main" id="{9F872D3E-AE22-8BCA-44E5-6B9D05199019}"/>
+              </a:ext>
+            </a:extLst>
+          </p:cNvPr>
+          <p:cNvGraphicFramePr>
+            <a:graphicFrameLocks noGrp="1"/>
+          </p:cNvGraphicFramePr>
+          <p:nvPr>
+            <p:extLst>
+              <p:ext uri="{D42A27DB-BD31-4B8C-83A1-F6EECF244321}">
+                <p14:modId xmlns:p14="http://schemas.microsoft.com/office/powerpoint/2010/main" val="2729297590"/>
+              </p:ext>
+            </p:extLst>
+          </p:nvPr>
+        </p:nvGraphicFramePr>
+        <p:xfrm>
+          <a:off x="3798564" y="1915727"/>
+          <a:ext cx="4459760" cy="370840"/>
+        </p:xfrm>
+        <a:graphic>
+          <a:graphicData uri="http://schemas.openxmlformats.org/drawingml/2006/table">
+            <a:tbl>
+              <a:tblPr firstRow="1" bandRow="1">
+                <a:tableStyleId>{5940675A-B579-460E-94D1-54222C63F5DA}</a:tableStyleId>
+              </a:tblPr>
+              <a:tblGrid>
+                <a:gridCol w="445976">
+                  <a:extLst>
+                    <a:ext uri="{9D8B030D-6E8A-4147-A177-3AD203B41FA5}">
+                      <a16:colId xmlns:a16="http://schemas.microsoft.com/office/drawing/2014/main" val="1485278154"/>
+                    </a:ext>
+                  </a:extLst>
+                </a:gridCol>
+                <a:gridCol w="445976">
+                  <a:extLst>
+                    <a:ext uri="{9D8B030D-6E8A-4147-A177-3AD203B41FA5}">
+                      <a16:colId xmlns:a16="http://schemas.microsoft.com/office/drawing/2014/main" val="2881787232"/>
+                    </a:ext>
+                  </a:extLst>
+                </a:gridCol>
+                <a:gridCol w="445976">
+                  <a:extLst>
+                    <a:ext uri="{9D8B030D-6E8A-4147-A177-3AD203B41FA5}">
+                      <a16:colId xmlns:a16="http://schemas.microsoft.com/office/drawing/2014/main" val="3000371429"/>
+                    </a:ext>
+                  </a:extLst>
+                </a:gridCol>
+                <a:gridCol w="445976">
+                  <a:extLst>
+                    <a:ext uri="{9D8B030D-6E8A-4147-A177-3AD203B41FA5}">
+                      <a16:colId xmlns:a16="http://schemas.microsoft.com/office/drawing/2014/main" val="2998613425"/>
+                    </a:ext>
+                  </a:extLst>
+                </a:gridCol>
+                <a:gridCol w="445976">
+                  <a:extLst>
+                    <a:ext uri="{9D8B030D-6E8A-4147-A177-3AD203B41FA5}">
+                      <a16:colId xmlns:a16="http://schemas.microsoft.com/office/drawing/2014/main" val="2374108893"/>
+                    </a:ext>
+                  </a:extLst>
+                </a:gridCol>
+                <a:gridCol w="445976">
+                  <a:extLst>
+                    <a:ext uri="{9D8B030D-6E8A-4147-A177-3AD203B41FA5}">
+                      <a16:colId xmlns:a16="http://schemas.microsoft.com/office/drawing/2014/main" val="4071556999"/>
+                    </a:ext>
+                  </a:extLst>
+                </a:gridCol>
+                <a:gridCol w="445976">
+                  <a:extLst>
+                    <a:ext uri="{9D8B030D-6E8A-4147-A177-3AD203B41FA5}">
+                      <a16:colId xmlns:a16="http://schemas.microsoft.com/office/drawing/2014/main" val="80334061"/>
+                    </a:ext>
+                  </a:extLst>
+                </a:gridCol>
+                <a:gridCol w="445976">
+                  <a:extLst>
+                    <a:ext uri="{9D8B030D-6E8A-4147-A177-3AD203B41FA5}">
+                      <a16:colId xmlns:a16="http://schemas.microsoft.com/office/drawing/2014/main" val="523278044"/>
+                    </a:ext>
+                  </a:extLst>
+                </a:gridCol>
+                <a:gridCol w="445976">
+                  <a:extLst>
+                    <a:ext uri="{9D8B030D-6E8A-4147-A177-3AD203B41FA5}">
+                      <a16:colId xmlns:a16="http://schemas.microsoft.com/office/drawing/2014/main" val="662703729"/>
+                    </a:ext>
+                  </a:extLst>
+                </a:gridCol>
+                <a:gridCol w="445976">
+                  <a:extLst>
+                    <a:ext uri="{9D8B030D-6E8A-4147-A177-3AD203B41FA5}">
+                      <a16:colId xmlns:a16="http://schemas.microsoft.com/office/drawing/2014/main" val="1774477568"/>
+                    </a:ext>
+                  </a:extLst>
+                </a:gridCol>
+              </a:tblGrid>
+              <a:tr h="370840">
+                <a:tc>
+                  <a:txBody>
+                    <a:bodyPr/>
+                    <a:lstStyle/>
+                    <a:p>
+                      <a:pPr algn="ctr"/>
+                      <a:r>
+                        <a:rPr lang="en-US"/>
+                        <a:t>1</a:t>
+                      </a:r>
+                    </a:p>
+                  </a:txBody>
+                  <a:tcPr anchor="ctr"/>
+                </a:tc>
+                <a:tc>
+                  <a:txBody>
+                    <a:bodyPr/>
+                    <a:lstStyle/>
+                    <a:p>
+                      <a:pPr algn="ctr"/>
+                      <a:r>
+                        <a:rPr lang="en-US"/>
+                        <a:t>0</a:t>
+                      </a:r>
+                    </a:p>
+                  </a:txBody>
+                  <a:tcPr anchor="ctr"/>
+                </a:tc>
+                <a:tc>
+                  <a:txBody>
+                    <a:bodyPr/>
+                    <a:lstStyle/>
+                    <a:p>
+                      <a:pPr algn="ctr"/>
+                      <a:r>
+                        <a:rPr lang="en-US"/>
+                        <a:t>0</a:t>
+                      </a:r>
+                    </a:p>
+                  </a:txBody>
+                  <a:tcPr anchor="ctr"/>
+                </a:tc>
+                <a:tc>
+                  <a:txBody>
+                    <a:bodyPr/>
+                    <a:lstStyle/>
+                    <a:p>
+                      <a:pPr algn="ctr"/>
+                      <a:r>
+                        <a:rPr lang="en-US"/>
+                        <a:t>1</a:t>
+                      </a:r>
+                    </a:p>
+                  </a:txBody>
+                  <a:tcPr anchor="ctr"/>
+                </a:tc>
+                <a:tc>
+                  <a:txBody>
+                    <a:bodyPr/>
+                    <a:lstStyle/>
+                    <a:p>
+                      <a:pPr algn="ctr"/>
+                      <a:r>
+                        <a:rPr lang="en-US"/>
+                        <a:t>0</a:t>
+                      </a:r>
+                    </a:p>
+                  </a:txBody>
+                  <a:tcPr anchor="ctr"/>
+                </a:tc>
+                <a:tc>
+                  <a:txBody>
+                    <a:bodyPr/>
+                    <a:lstStyle/>
+                    <a:p>
+                      <a:pPr algn="ctr"/>
+                      <a:r>
+                        <a:rPr lang="en-US"/>
+                        <a:t>0</a:t>
+                      </a:r>
+                    </a:p>
+                  </a:txBody>
+                  <a:tcPr anchor="ctr"/>
+                </a:tc>
+                <a:tc>
+                  <a:txBody>
+                    <a:bodyPr/>
+                    <a:lstStyle/>
+                    <a:p>
+                      <a:pPr algn="ctr"/>
+                      <a:r>
+                        <a:rPr lang="en-US"/>
+                        <a:t>0</a:t>
+                      </a:r>
+                    </a:p>
+                  </a:txBody>
+                  <a:tcPr anchor="ctr"/>
+                </a:tc>
+                <a:tc>
+                  <a:txBody>
+                    <a:bodyPr/>
+                    <a:lstStyle/>
+                    <a:p>
+                      <a:pPr algn="ctr"/>
+                      <a:r>
+                        <a:rPr lang="en-US"/>
+                        <a:t>0</a:t>
+                      </a:r>
+                    </a:p>
+                  </a:txBody>
+                  <a:tcPr anchor="ctr"/>
+                </a:tc>
+                <a:tc>
+                  <a:txBody>
+                    <a:bodyPr/>
+                    <a:lstStyle/>
+                    <a:p>
+                      <a:pPr algn="ctr"/>
+                      <a:r>
+                        <a:rPr lang="en-US"/>
+                        <a:t>1</a:t>
+                      </a:r>
+                    </a:p>
+                  </a:txBody>
+                  <a:tcPr anchor="ctr"/>
+                </a:tc>
+                <a:tc>
+                  <a:txBody>
+                    <a:bodyPr/>
+                    <a:lstStyle/>
+                    <a:p>
+                      <a:pPr algn="ctr"/>
+                      <a:r>
+                        <a:rPr lang="en-US"/>
+                        <a:t>1</a:t>
+                      </a:r>
+                    </a:p>
+                  </a:txBody>
+                  <a:tcPr anchor="ctr"/>
+                </a:tc>
+                <a:extLst>
+                  <a:ext uri="{0D108BD9-81ED-4DB2-BD59-A6C34878D82A}">
+                    <a16:rowId xmlns:a16="http://schemas.microsoft.com/office/drawing/2014/main" val="799017895"/>
+                  </a:ext>
+                </a:extLst>
+              </a:tr>
+            </a:tbl>
+          </a:graphicData>
+        </a:graphic>
+      </p:graphicFrame>
+      <mc:AlternateContent xmlns:mc="http://schemas.openxmlformats.org/markup-compatibility/2006">
+        <mc:Choice xmlns:a14="http://schemas.microsoft.com/office/drawing/2010/main" Requires="a14">
+          <p:sp>
+            <p:nvSpPr>
+              <p:cNvPr id="5" name="TextBox 4">
+                <a:extLst>
+                  <a:ext uri="{FF2B5EF4-FFF2-40B4-BE49-F238E27FC236}">
+                    <a16:creationId xmlns:a16="http://schemas.microsoft.com/office/drawing/2014/main" id="{102A74F7-19F6-42D2-B829-D097D6436099}"/>
+                  </a:ext>
+                </a:extLst>
+              </p:cNvPr>
+              <p:cNvSpPr txBox="1"/>
+              <p:nvPr/>
+            </p:nvSpPr>
+            <p:spPr>
+              <a:xfrm>
+                <a:off x="3322743" y="1243686"/>
+                <a:ext cx="425818" cy="430887"/>
+              </a:xfrm>
+              <a:prstGeom prst="rect">
+                <a:avLst/>
+              </a:prstGeom>
+              <a:noFill/>
+            </p:spPr>
+            <p:txBody>
+              <a:bodyPr wrap="square" lIns="0" tIns="0" rIns="0" bIns="0" rtlCol="0">
+                <a:spAutoFit/>
+              </a:bodyPr>
+              <a:lstStyle/>
+              <a:p>
+                <a14:m>
+                  <m:oMathPara xmlns:m="http://schemas.openxmlformats.org/officeDocument/2006/math">
+                    <m:oMathParaPr>
+                      <m:jc m:val="centerGroup"/>
+                    </m:oMathParaPr>
+                    <m:oMath xmlns:m="http://schemas.openxmlformats.org/officeDocument/2006/math">
+                      <m:r>
+                        <a:rPr lang="en-US" sz="2800" i="1" smtClean="0">
+                          <a:latin typeface="Cambria Math" panose="02040503050406030204" pitchFamily="18" charset="0"/>
+                        </a:rPr>
+                        <m:t>𝑥</m:t>
+                      </m:r>
+                    </m:oMath>
+                  </m:oMathPara>
+                </a14:m>
+                <a:endParaRPr lang="en-US" sz="3200"/>
+              </a:p>
+            </p:txBody>
+          </p:sp>
+        </mc:Choice>
+        <mc:Fallback>
+          <p:sp>
+            <p:nvSpPr>
+              <p:cNvPr id="5" name="TextBox 4">
+                <a:extLst>
+                  <a:ext uri="{FF2B5EF4-FFF2-40B4-BE49-F238E27FC236}">
+                    <a16:creationId xmlns:a16="http://schemas.microsoft.com/office/drawing/2014/main" id="{102A74F7-19F6-42D2-B829-D097D6436099}"/>
+                  </a:ext>
+                </a:extLst>
+              </p:cNvPr>
+              <p:cNvSpPr txBox="1">
+                <a:spLocks noRot="1" noChangeAspect="1" noMove="1" noResize="1" noEditPoints="1" noAdjustHandles="1" noChangeArrowheads="1" noChangeShapeType="1" noTextEdit="1"/>
+              </p:cNvSpPr>
+              <p:nvPr/>
+            </p:nvSpPr>
+            <p:spPr>
+              <a:xfrm>
+                <a:off x="3322743" y="1243686"/>
+                <a:ext cx="425818" cy="430887"/>
+              </a:xfrm>
+              <a:prstGeom prst="rect">
+                <a:avLst/>
+              </a:prstGeom>
+              <a:blipFill>
+                <a:blip r:embed="rId2"/>
+                <a:stretch>
+                  <a:fillRect/>
+                </a:stretch>
+              </a:blipFill>
+            </p:spPr>
+            <p:txBody>
+              <a:bodyPr/>
+              <a:lstStyle/>
+              <a:p>
+                <a:r>
+                  <a:rPr lang="en-US">
+                    <a:noFill/>
+                  </a:rPr>
+                  <a:t> </a:t>
+                </a:r>
+              </a:p>
+            </p:txBody>
+          </p:sp>
+        </mc:Fallback>
+      </mc:AlternateContent>
+      <mc:AlternateContent xmlns:mc="http://schemas.openxmlformats.org/markup-compatibility/2006">
+        <mc:Choice xmlns:a14="http://schemas.microsoft.com/office/drawing/2010/main" Requires="a14">
+          <p:sp>
+            <p:nvSpPr>
+              <p:cNvPr id="6" name="TextBox 5">
+                <a:extLst>
+                  <a:ext uri="{FF2B5EF4-FFF2-40B4-BE49-F238E27FC236}">
+                    <a16:creationId xmlns:a16="http://schemas.microsoft.com/office/drawing/2014/main" id="{87033B32-854D-DB90-0FEC-75CE19139E8A}"/>
+                  </a:ext>
+                </a:extLst>
+              </p:cNvPr>
+              <p:cNvSpPr txBox="1"/>
+              <p:nvPr/>
+            </p:nvSpPr>
+            <p:spPr>
+              <a:xfrm>
+                <a:off x="3322743" y="1844959"/>
+                <a:ext cx="425818" cy="430887"/>
+              </a:xfrm>
+              <a:prstGeom prst="rect">
+                <a:avLst/>
+              </a:prstGeom>
+              <a:noFill/>
+            </p:spPr>
+            <p:txBody>
+              <a:bodyPr wrap="square" lIns="0" tIns="0" rIns="0" bIns="0" rtlCol="0">
+                <a:spAutoFit/>
+              </a:bodyPr>
+              <a:lstStyle/>
+              <a:p>
+                <a14:m>
+                  <m:oMathPara xmlns:m="http://schemas.openxmlformats.org/officeDocument/2006/math">
+                    <m:oMathParaPr>
+                      <m:jc m:val="centerGroup"/>
+                    </m:oMathParaPr>
+                    <m:oMath xmlns:m="http://schemas.openxmlformats.org/officeDocument/2006/math">
+                      <m:r>
+                        <a:rPr lang="en-US" sz="2800" b="0" i="1" smtClean="0">
+                          <a:latin typeface="Cambria Math" panose="02040503050406030204" pitchFamily="18" charset="0"/>
+                        </a:rPr>
+                        <m:t>𝑦</m:t>
+                      </m:r>
+                    </m:oMath>
+                  </m:oMathPara>
+                </a14:m>
+                <a:endParaRPr lang="en-US" sz="2800"/>
+              </a:p>
+            </p:txBody>
+          </p:sp>
+        </mc:Choice>
+        <mc:Fallback>
+          <p:sp>
+            <p:nvSpPr>
+              <p:cNvPr id="6" name="TextBox 5">
+                <a:extLst>
+                  <a:ext uri="{FF2B5EF4-FFF2-40B4-BE49-F238E27FC236}">
+                    <a16:creationId xmlns:a16="http://schemas.microsoft.com/office/drawing/2014/main" id="{87033B32-854D-DB90-0FEC-75CE19139E8A}"/>
+                  </a:ext>
+                </a:extLst>
+              </p:cNvPr>
+              <p:cNvSpPr txBox="1">
+                <a:spLocks noRot="1" noChangeAspect="1" noMove="1" noResize="1" noEditPoints="1" noAdjustHandles="1" noChangeArrowheads="1" noChangeShapeType="1" noTextEdit="1"/>
+              </p:cNvSpPr>
+              <p:nvPr/>
+            </p:nvSpPr>
+            <p:spPr>
+              <a:xfrm>
+                <a:off x="3322743" y="1844959"/>
+                <a:ext cx="425818" cy="430887"/>
+              </a:xfrm>
+              <a:prstGeom prst="rect">
+                <a:avLst/>
+              </a:prstGeom>
+              <a:blipFill>
+                <a:blip r:embed="rId3"/>
+                <a:stretch>
+                  <a:fillRect/>
+                </a:stretch>
+              </a:blipFill>
+            </p:spPr>
+            <p:txBody>
+              <a:bodyPr/>
+              <a:lstStyle/>
+              <a:p>
+                <a:r>
+                  <a:rPr lang="en-US">
+                    <a:noFill/>
+                  </a:rPr>
+                  <a:t> </a:t>
+                </a:r>
+              </a:p>
+            </p:txBody>
+          </p:sp>
+        </mc:Fallback>
+      </mc:AlternateContent>
+      <p:cxnSp>
+        <p:nvCxnSpPr>
+          <p:cNvPr id="8" name="Straight Arrow Connector 7">
+            <a:extLst>
+              <a:ext uri="{FF2B5EF4-FFF2-40B4-BE49-F238E27FC236}">
+                <a16:creationId xmlns:a16="http://schemas.microsoft.com/office/drawing/2014/main" id="{D12D209C-01FA-D21F-9F8B-6FE345B04CFC}"/>
+              </a:ext>
+            </a:extLst>
+          </p:cNvPr>
+          <p:cNvCxnSpPr/>
+          <p:nvPr/>
+        </p:nvCxnSpPr>
+        <p:spPr>
+          <a:xfrm>
+            <a:off x="4922134" y="1674573"/>
+            <a:ext cx="0" cy="241154"/>
+          </a:xfrm>
+          <a:prstGeom prst="straightConnector1">
+            <a:avLst/>
+          </a:prstGeom>
+          <a:ln>
+            <a:solidFill>
+              <a:schemeClr val="tx2">
+                <a:lumMod val="50000"/>
+                <a:lumOff val="50000"/>
+              </a:schemeClr>
+            </a:solidFill>
+            <a:headEnd type="triangle"/>
+            <a:tailEnd type="triangle"/>
+          </a:ln>
+        </p:spPr>
+        <p:style>
+          <a:lnRef idx="2">
+            <a:schemeClr val="accent1"/>
+          </a:lnRef>
+          <a:fillRef idx="0">
+            <a:schemeClr val="accent1"/>
+          </a:fillRef>
+          <a:effectRef idx="1">
+            <a:schemeClr val="accent1"/>
+          </a:effectRef>
+          <a:fontRef idx="minor">
+            <a:schemeClr val="tx1"/>
+          </a:fontRef>
+        </p:style>
+      </p:cxnSp>
+      <p:cxnSp>
+        <p:nvCxnSpPr>
+          <p:cNvPr id="9" name="Straight Arrow Connector 8">
+            <a:extLst>
+              <a:ext uri="{FF2B5EF4-FFF2-40B4-BE49-F238E27FC236}">
+                <a16:creationId xmlns:a16="http://schemas.microsoft.com/office/drawing/2014/main" id="{6B28568B-B40D-1765-AE63-888AEDC45CB7}"/>
+              </a:ext>
+            </a:extLst>
+          </p:cNvPr>
+          <p:cNvCxnSpPr/>
+          <p:nvPr/>
+        </p:nvCxnSpPr>
+        <p:spPr>
+          <a:xfrm>
+            <a:off x="6694990" y="1674573"/>
+            <a:ext cx="0" cy="241154"/>
+          </a:xfrm>
+          <a:prstGeom prst="straightConnector1">
+            <a:avLst/>
+          </a:prstGeom>
+          <a:ln>
+            <a:solidFill>
+              <a:schemeClr val="tx2">
+                <a:lumMod val="50000"/>
+                <a:lumOff val="50000"/>
+              </a:schemeClr>
+            </a:solidFill>
+            <a:headEnd type="triangle"/>
+            <a:tailEnd type="triangle"/>
+          </a:ln>
+        </p:spPr>
+        <p:style>
+          <a:lnRef idx="2">
+            <a:schemeClr val="accent1"/>
+          </a:lnRef>
+          <a:fillRef idx="0">
+            <a:schemeClr val="accent1"/>
+          </a:fillRef>
+          <a:effectRef idx="1">
+            <a:schemeClr val="accent1"/>
+          </a:effectRef>
+          <a:fontRef idx="minor">
+            <a:schemeClr val="tx1"/>
+          </a:fontRef>
+        </p:style>
+      </p:cxnSp>
+      <p:cxnSp>
+        <p:nvCxnSpPr>
+          <p:cNvPr id="10" name="Straight Arrow Connector 9">
+            <a:extLst>
+              <a:ext uri="{FF2B5EF4-FFF2-40B4-BE49-F238E27FC236}">
+                <a16:creationId xmlns:a16="http://schemas.microsoft.com/office/drawing/2014/main" id="{699349DD-74A4-EDF6-B90B-52CA518BD680}"/>
+              </a:ext>
+            </a:extLst>
+          </p:cNvPr>
+          <p:cNvCxnSpPr/>
+          <p:nvPr/>
+        </p:nvCxnSpPr>
+        <p:spPr>
+          <a:xfrm>
+            <a:off x="7593958" y="1674573"/>
+            <a:ext cx="0" cy="241154"/>
+          </a:xfrm>
+          <a:prstGeom prst="straightConnector1">
+            <a:avLst/>
+          </a:prstGeom>
+          <a:ln>
+            <a:solidFill>
+              <a:schemeClr val="tx2">
+                <a:lumMod val="50000"/>
+                <a:lumOff val="50000"/>
+              </a:schemeClr>
+            </a:solidFill>
+            <a:headEnd type="triangle"/>
+            <a:tailEnd type="triangle"/>
+          </a:ln>
+        </p:spPr>
+        <p:style>
+          <a:lnRef idx="2">
+            <a:schemeClr val="accent1"/>
+          </a:lnRef>
+          <a:fillRef idx="0">
+            <a:schemeClr val="accent1"/>
+          </a:fillRef>
+          <a:effectRef idx="1">
+            <a:schemeClr val="accent1"/>
+          </a:effectRef>
+          <a:fontRef idx="minor">
+            <a:schemeClr val="tx1"/>
+          </a:fontRef>
+        </p:style>
+      </p:cxnSp>
+      <p:sp>
+        <p:nvSpPr>
+          <p:cNvPr id="11" name="Rectangle 10">
+            <a:extLst>
+              <a:ext uri="{FF2B5EF4-FFF2-40B4-BE49-F238E27FC236}">
+                <a16:creationId xmlns:a16="http://schemas.microsoft.com/office/drawing/2014/main" id="{27202676-4A4C-BCC5-F094-0CFE21B4B157}"/>
+              </a:ext>
+            </a:extLst>
+          </p:cNvPr>
+          <p:cNvSpPr/>
+          <p:nvPr/>
+        </p:nvSpPr>
+        <p:spPr>
+          <a:xfrm>
+            <a:off x="4692092" y="1183511"/>
+            <a:ext cx="442724" cy="1224023"/>
+          </a:xfrm>
+          <a:prstGeom prst="rect">
+            <a:avLst/>
+          </a:prstGeom>
+          <a:noFill/>
+          <a:ln>
+            <a:solidFill>
+              <a:schemeClr val="tx2">
+                <a:lumMod val="50000"/>
+                <a:lumOff val="50000"/>
+              </a:schemeClr>
+            </a:solidFill>
+          </a:ln>
+        </p:spPr>
+        <p:style>
+          <a:lnRef idx="2">
+            <a:schemeClr val="accent1">
+              <a:shade val="15000"/>
+            </a:schemeClr>
+          </a:lnRef>
+          <a:fillRef idx="1">
+            <a:schemeClr val="accent1"/>
+          </a:fillRef>
+          <a:effectRef idx="0">
+            <a:schemeClr val="accent1"/>
+          </a:effectRef>
+          <a:fontRef idx="minor">
+            <a:schemeClr val="lt1"/>
+          </a:fontRef>
+        </p:style>
+        <p:txBody>
+          <a:bodyPr rtlCol="0" anchor="ctr"/>
+          <a:lstStyle/>
+          <a:p>
+            <a:pPr algn="ctr"/>
+            <a:endParaRPr lang="en-US"/>
+          </a:p>
+        </p:txBody>
+      </p:sp>
+      <p:sp>
+        <p:nvSpPr>
+          <p:cNvPr id="12" name="Rectangle 11">
+            <a:extLst>
+              <a:ext uri="{FF2B5EF4-FFF2-40B4-BE49-F238E27FC236}">
+                <a16:creationId xmlns:a16="http://schemas.microsoft.com/office/drawing/2014/main" id="{D432C202-057C-80DD-A1E8-4479BAE67DED}"/>
+              </a:ext>
+            </a:extLst>
+          </p:cNvPr>
+          <p:cNvSpPr/>
+          <p:nvPr/>
+        </p:nvSpPr>
+        <p:spPr>
+          <a:xfrm>
+            <a:off x="6473628" y="1183138"/>
+            <a:ext cx="442724" cy="1224023"/>
+          </a:xfrm>
+          <a:prstGeom prst="rect">
+            <a:avLst/>
+          </a:prstGeom>
+          <a:noFill/>
+          <a:ln>
+            <a:solidFill>
+              <a:schemeClr val="tx2">
+                <a:lumMod val="50000"/>
+                <a:lumOff val="50000"/>
+              </a:schemeClr>
+            </a:solidFill>
+          </a:ln>
+        </p:spPr>
+        <p:style>
+          <a:lnRef idx="2">
+            <a:schemeClr val="accent1">
+              <a:shade val="15000"/>
+            </a:schemeClr>
+          </a:lnRef>
+          <a:fillRef idx="1">
+            <a:schemeClr val="accent1"/>
+          </a:fillRef>
+          <a:effectRef idx="0">
+            <a:schemeClr val="accent1"/>
+          </a:effectRef>
+          <a:fontRef idx="minor">
+            <a:schemeClr val="lt1"/>
+          </a:fontRef>
+        </p:style>
+        <p:txBody>
+          <a:bodyPr rtlCol="0" anchor="ctr"/>
+          <a:lstStyle/>
+          <a:p>
+            <a:pPr algn="ctr"/>
+            <a:endParaRPr lang="en-US"/>
+          </a:p>
+        </p:txBody>
+      </p:sp>
+      <p:sp>
+        <p:nvSpPr>
+          <p:cNvPr id="13" name="Rectangle 12">
+            <a:extLst>
+              <a:ext uri="{FF2B5EF4-FFF2-40B4-BE49-F238E27FC236}">
+                <a16:creationId xmlns:a16="http://schemas.microsoft.com/office/drawing/2014/main" id="{20104AD8-2D74-F3F7-22CB-760DE816A47E}"/>
+              </a:ext>
+            </a:extLst>
+          </p:cNvPr>
+          <p:cNvSpPr/>
+          <p:nvPr/>
+        </p:nvSpPr>
+        <p:spPr>
+          <a:xfrm>
+            <a:off x="7365361" y="1183138"/>
+            <a:ext cx="442724" cy="1224023"/>
+          </a:xfrm>
+          <a:prstGeom prst="rect">
+            <a:avLst/>
+          </a:prstGeom>
+          <a:noFill/>
+          <a:ln>
+            <a:solidFill>
+              <a:schemeClr val="tx2">
+                <a:lumMod val="50000"/>
+                <a:lumOff val="50000"/>
+              </a:schemeClr>
+            </a:solidFill>
+          </a:ln>
+        </p:spPr>
+        <p:style>
+          <a:lnRef idx="2">
+            <a:schemeClr val="accent1">
+              <a:shade val="15000"/>
+            </a:schemeClr>
+          </a:lnRef>
+          <a:fillRef idx="1">
+            <a:schemeClr val="accent1"/>
+          </a:fillRef>
+          <a:effectRef idx="0">
+            <a:schemeClr val="accent1"/>
+          </a:effectRef>
+          <a:fontRef idx="minor">
+            <a:schemeClr val="lt1"/>
+          </a:fontRef>
+        </p:style>
+        <p:txBody>
+          <a:bodyPr rtlCol="0" anchor="ctr"/>
+          <a:lstStyle/>
+          <a:p>
+            <a:pPr algn="ctr"/>
+            <a:endParaRPr lang="en-US"/>
+          </a:p>
+        </p:txBody>
+      </p:sp>
+    </p:spTree>
+    <p:extLst>
+      <p:ext uri="{BB962C8B-B14F-4D97-AF65-F5344CB8AC3E}">
+        <p14:creationId xmlns:p14="http://schemas.microsoft.com/office/powerpoint/2010/main" val="3124328060"/>
       </p:ext>
     </p:extLst>
   </p:cSld>

--- a/images/kd-draw.pptx
+++ b/images/kd-draw.pptx
@@ -9,6 +9,8 @@
     <p:sldId id="258" r:id="rId3"/>
     <p:sldId id="259" r:id="rId4"/>
     <p:sldId id="260" r:id="rId5"/>
+    <p:sldId id="261" r:id="rId6"/>
+    <p:sldId id="262" r:id="rId7"/>
   </p:sldIdLst>
   <p:sldSz cx="12192000" cy="6858000"/>
   <p:notesSz cx="6858000" cy="9144000"/>
@@ -129,7 +131,7 @@
 <file path=ppt/revisionInfo.xml><?xml version="1.0" encoding="utf-8"?>
 <p1510:revInfo xmlns:a="http://schemas.openxmlformats.org/drawingml/2006/main" xmlns:r="http://schemas.openxmlformats.org/officeDocument/2006/relationships" xmlns:p1510="http://schemas.microsoft.com/office/powerpoint/2015/10/main">
   <p1510:revLst>
-    <p1510:client id="{9403B015-2769-46C7-9465-E136DCA63CCF}" v="33" dt="2025-12-17T09:38:38.033"/>
+    <p1510:client id="{9403B015-2769-46C7-9465-E136DCA63CCF}" v="226" dt="2025-12-22T04:16:29.133"/>
   </p1510:revLst>
 </p1510:revInfo>
 </file>
@@ -139,7 +141,7 @@
   <pc:docChgLst>
     <pc:chgData name="Phạm Thông" userId="cb1de41f-d0a9-4c8b-9095-fa88b5d4678f" providerId="ADAL" clId="{E2A0B859-04CE-4714-8C81-52AA70A7C49E}"/>
     <pc:docChg chg="undo custSel addSld modSld">
-      <pc:chgData name="Phạm Thông" userId="cb1de41f-d0a9-4c8b-9095-fa88b5d4678f" providerId="ADAL" clId="{E2A0B859-04CE-4714-8C81-52AA70A7C49E}" dt="2025-12-17T09:38:47.895" v="437" actId="1037"/>
+      <pc:chgData name="Phạm Thông" userId="cb1de41f-d0a9-4c8b-9095-fa88b5d4678f" providerId="ADAL" clId="{E2A0B859-04CE-4714-8C81-52AA70A7C49E}" dt="2025-12-22T04:16:51.599" v="915" actId="1036"/>
       <pc:docMkLst>
         <pc:docMk/>
       </pc:docMkLst>
@@ -149,22 +151,6 @@
           <pc:docMk/>
           <pc:sldMk cId="1982739507" sldId="259"/>
         </pc:sldMkLst>
-        <pc:spChg chg="del">
-          <ac:chgData name="Phạm Thông" userId="cb1de41f-d0a9-4c8b-9095-fa88b5d4678f" providerId="ADAL" clId="{E2A0B859-04CE-4714-8C81-52AA70A7C49E}" dt="2025-12-16T17:52:56.351" v="1" actId="478"/>
-          <ac:spMkLst>
-            <pc:docMk/>
-            <pc:sldMk cId="1982739507" sldId="259"/>
-            <ac:spMk id="2" creationId="{76A4C110-80C5-A607-A7C2-3D1F74B34C5F}"/>
-          </ac:spMkLst>
-        </pc:spChg>
-        <pc:spChg chg="del">
-          <ac:chgData name="Phạm Thông" userId="cb1de41f-d0a9-4c8b-9095-fa88b5d4678f" providerId="ADAL" clId="{E2A0B859-04CE-4714-8C81-52AA70A7C49E}" dt="2025-12-16T17:52:56.351" v="1" actId="478"/>
-          <ac:spMkLst>
-            <pc:docMk/>
-            <pc:sldMk cId="1982739507" sldId="259"/>
-            <ac:spMk id="3" creationId="{32A548C5-D65F-D741-6FAB-0E0D7AD9A59C}"/>
-          </ac:spMkLst>
-        </pc:spChg>
         <pc:spChg chg="add mod">
           <ac:chgData name="Phạm Thông" userId="cb1de41f-d0a9-4c8b-9095-fa88b5d4678f" providerId="ADAL" clId="{E2A0B859-04CE-4714-8C81-52AA70A7C49E}" dt="2025-12-17T08:09:02.471" v="350" actId="1076"/>
           <ac:spMkLst>
@@ -205,14 +191,6 @@
             <ac:spMk id="9" creationId="{13CA4451-23AA-A1B3-276E-88C22E383155}"/>
           </ac:spMkLst>
         </pc:spChg>
-        <pc:spChg chg="add del">
-          <ac:chgData name="Phạm Thông" userId="cb1de41f-d0a9-4c8b-9095-fa88b5d4678f" providerId="ADAL" clId="{E2A0B859-04CE-4714-8C81-52AA70A7C49E}" dt="2025-12-16T18:04:27.974" v="267" actId="22"/>
-          <ac:spMkLst>
-            <pc:docMk/>
-            <pc:sldMk cId="1982739507" sldId="259"/>
-            <ac:spMk id="15" creationId="{11B961F8-F39A-1F54-71DE-CF1FE28A4615}"/>
-          </ac:spMkLst>
-        </pc:spChg>
         <pc:spChg chg="add mod">
           <ac:chgData name="Phạm Thông" userId="cb1de41f-d0a9-4c8b-9095-fa88b5d4678f" providerId="ADAL" clId="{E2A0B859-04CE-4714-8C81-52AA70A7C49E}" dt="2025-12-17T08:09:02.471" v="350" actId="1076"/>
           <ac:spMkLst>
@@ -243,14 +221,6 @@
             <pc:docMk/>
             <pc:sldMk cId="1982739507" sldId="259"/>
             <ac:cxnSpMk id="12" creationId="{E79F5465-4852-9EAE-DF5F-FDE60C52C463}"/>
-          </ac:cxnSpMkLst>
-        </pc:cxnChg>
-        <pc:cxnChg chg="add del">
-          <ac:chgData name="Phạm Thông" userId="cb1de41f-d0a9-4c8b-9095-fa88b5d4678f" providerId="ADAL" clId="{E2A0B859-04CE-4714-8C81-52AA70A7C49E}" dt="2025-12-16T18:05:02.129" v="278" actId="11529"/>
-          <ac:cxnSpMkLst>
-            <pc:docMk/>
-            <pc:sldMk cId="1982739507" sldId="259"/>
-            <ac:cxnSpMk id="18" creationId="{8F8E8038-003F-1752-9393-2264BAD0426A}"/>
           </ac:cxnSpMkLst>
         </pc:cxnChg>
         <pc:cxnChg chg="add mod">
@@ -316,14 +286,6 @@
             <ac:graphicFrameMk id="2" creationId="{083D4EB6-0D7E-3B89-F33D-30EA238837A0}"/>
           </ac:graphicFrameMkLst>
         </pc:graphicFrameChg>
-        <pc:graphicFrameChg chg="add mod">
-          <ac:chgData name="Phạm Thông" userId="cb1de41f-d0a9-4c8b-9095-fa88b5d4678f" providerId="ADAL" clId="{E2A0B859-04CE-4714-8C81-52AA70A7C49E}" dt="2025-12-17T09:32:06.871" v="370"/>
-          <ac:graphicFrameMkLst>
-            <pc:docMk/>
-            <pc:sldMk cId="3124328060" sldId="260"/>
-            <ac:graphicFrameMk id="3" creationId="{648FBAF4-5C32-17C3-7125-1062F3B78DBF}"/>
-          </ac:graphicFrameMkLst>
-        </pc:graphicFrameChg>
         <pc:graphicFrameChg chg="add mod modGraphic">
           <ac:chgData name="Phạm Thông" userId="cb1de41f-d0a9-4c8b-9095-fa88b5d4678f" providerId="ADAL" clId="{E2A0B859-04CE-4714-8C81-52AA70A7C49E}" dt="2025-12-17T09:32:57.286" v="387" actId="20577"/>
           <ac:graphicFrameMkLst>
@@ -356,6 +318,164 @@
             <ac:cxnSpMk id="10" creationId="{699349DD-74A4-EDF6-B90B-52CA518BD680}"/>
           </ac:cxnSpMkLst>
         </pc:cxnChg>
+      </pc:sldChg>
+      <pc:sldChg chg="addSp modSp new mod">
+        <pc:chgData name="Phạm Thông" userId="cb1de41f-d0a9-4c8b-9095-fa88b5d4678f" providerId="ADAL" clId="{E2A0B859-04CE-4714-8C81-52AA70A7C49E}" dt="2025-12-22T04:01:39.864" v="484" actId="1076"/>
+        <pc:sldMkLst>
+          <pc:docMk/>
+          <pc:sldMk cId="2157018924" sldId="261"/>
+        </pc:sldMkLst>
+        <pc:spChg chg="add mod">
+          <ac:chgData name="Phạm Thông" userId="cb1de41f-d0a9-4c8b-9095-fa88b5d4678f" providerId="ADAL" clId="{E2A0B859-04CE-4714-8C81-52AA70A7C49E}" dt="2025-12-22T04:01:31.805" v="483" actId="1076"/>
+          <ac:spMkLst>
+            <pc:docMk/>
+            <pc:sldMk cId="2157018924" sldId="261"/>
+            <ac:spMk id="4" creationId="{17CBBC60-B6DF-0658-5798-F732CD007897}"/>
+          </ac:spMkLst>
+        </pc:spChg>
+        <pc:spChg chg="add mod">
+          <ac:chgData name="Phạm Thông" userId="cb1de41f-d0a9-4c8b-9095-fa88b5d4678f" providerId="ADAL" clId="{E2A0B859-04CE-4714-8C81-52AA70A7C49E}" dt="2025-12-22T04:01:39.864" v="484" actId="1076"/>
+          <ac:spMkLst>
+            <pc:docMk/>
+            <pc:sldMk cId="2157018924" sldId="261"/>
+            <ac:spMk id="5" creationId="{7047CFA3-EE6F-5366-D92B-92BCB07E1B47}"/>
+          </ac:spMkLst>
+        </pc:spChg>
+        <pc:picChg chg="add mod">
+          <ac:chgData name="Phạm Thông" userId="cb1de41f-d0a9-4c8b-9095-fa88b5d4678f" providerId="ADAL" clId="{E2A0B859-04CE-4714-8C81-52AA70A7C49E}" dt="2025-12-22T04:01:25.363" v="482" actId="1076"/>
+          <ac:picMkLst>
+            <pc:docMk/>
+            <pc:sldMk cId="2157018924" sldId="261"/>
+            <ac:picMk id="3" creationId="{EE9099FA-FA64-5FA3-5CCD-EBF9B6AAD20F}"/>
+          </ac:picMkLst>
+        </pc:picChg>
+      </pc:sldChg>
+      <pc:sldChg chg="addSp modSp new mod">
+        <pc:chgData name="Phạm Thông" userId="cb1de41f-d0a9-4c8b-9095-fa88b5d4678f" providerId="ADAL" clId="{E2A0B859-04CE-4714-8C81-52AA70A7C49E}" dt="2025-12-22T04:16:51.599" v="915" actId="1036"/>
+        <pc:sldMkLst>
+          <pc:docMk/>
+          <pc:sldMk cId="1254439374" sldId="262"/>
+        </pc:sldMkLst>
+        <pc:spChg chg="add mod">
+          <ac:chgData name="Phạm Thông" userId="cb1de41f-d0a9-4c8b-9095-fa88b5d4678f" providerId="ADAL" clId="{E2A0B859-04CE-4714-8C81-52AA70A7C49E}" dt="2025-12-22T04:15:45.363" v="799" actId="1035"/>
+          <ac:spMkLst>
+            <pc:docMk/>
+            <pc:sldMk cId="1254439374" sldId="262"/>
+            <ac:spMk id="4" creationId="{0D9BDEA9-FC50-DDF8-97A3-1090599B86D4}"/>
+          </ac:spMkLst>
+        </pc:spChg>
+        <pc:spChg chg="add mod">
+          <ac:chgData name="Phạm Thông" userId="cb1de41f-d0a9-4c8b-9095-fa88b5d4678f" providerId="ADAL" clId="{E2A0B859-04CE-4714-8C81-52AA70A7C49E}" dt="2025-12-22T04:16:13.614" v="843" actId="1037"/>
+          <ac:spMkLst>
+            <pc:docMk/>
+            <pc:sldMk cId="1254439374" sldId="262"/>
+            <ac:spMk id="5" creationId="{0584EADF-9E7B-F41E-29AA-9043BD324EE5}"/>
+          </ac:spMkLst>
+        </pc:spChg>
+        <pc:spChg chg="add mod">
+          <ac:chgData name="Phạm Thông" userId="cb1de41f-d0a9-4c8b-9095-fa88b5d4678f" providerId="ADAL" clId="{E2A0B859-04CE-4714-8C81-52AA70A7C49E}" dt="2025-12-22T04:16:07.413" v="835" actId="1036"/>
+          <ac:spMkLst>
+            <pc:docMk/>
+            <pc:sldMk cId="1254439374" sldId="262"/>
+            <ac:spMk id="6" creationId="{8E971AE7-6F5D-9507-1F2B-1A927D5E88D0}"/>
+          </ac:spMkLst>
+        </pc:spChg>
+        <pc:spChg chg="add mod">
+          <ac:chgData name="Phạm Thông" userId="cb1de41f-d0a9-4c8b-9095-fa88b5d4678f" providerId="ADAL" clId="{E2A0B859-04CE-4714-8C81-52AA70A7C49E}" dt="2025-12-22T04:16:02.289" v="830" actId="1036"/>
+          <ac:spMkLst>
+            <pc:docMk/>
+            <pc:sldMk cId="1254439374" sldId="262"/>
+            <ac:spMk id="7" creationId="{047FA349-78C2-4032-4412-2C68CFD92713}"/>
+          </ac:spMkLst>
+        </pc:spChg>
+        <pc:spChg chg="add mod">
+          <ac:chgData name="Phạm Thông" userId="cb1de41f-d0a9-4c8b-9095-fa88b5d4678f" providerId="ADAL" clId="{E2A0B859-04CE-4714-8C81-52AA70A7C49E}" dt="2025-12-22T04:15:56.639" v="826" actId="1036"/>
+          <ac:spMkLst>
+            <pc:docMk/>
+            <pc:sldMk cId="1254439374" sldId="262"/>
+            <ac:spMk id="8" creationId="{3E59DC15-6224-7DF5-6157-150831AAFABE}"/>
+          </ac:spMkLst>
+        </pc:spChg>
+        <pc:spChg chg="add mod">
+          <ac:chgData name="Phạm Thông" userId="cb1de41f-d0a9-4c8b-9095-fa88b5d4678f" providerId="ADAL" clId="{E2A0B859-04CE-4714-8C81-52AA70A7C49E}" dt="2025-12-22T04:15:33.775" v="785" actId="1076"/>
+          <ac:spMkLst>
+            <pc:docMk/>
+            <pc:sldMk cId="1254439374" sldId="262"/>
+            <ac:spMk id="9" creationId="{31459236-C13C-F462-7E8C-1EC248865111}"/>
+          </ac:spMkLst>
+        </pc:spChg>
+        <pc:spChg chg="add mod">
+          <ac:chgData name="Phạm Thông" userId="cb1de41f-d0a9-4c8b-9095-fa88b5d4678f" providerId="ADAL" clId="{E2A0B859-04CE-4714-8C81-52AA70A7C49E}" dt="2025-12-22T04:16:22.878" v="853" actId="1036"/>
+          <ac:spMkLst>
+            <pc:docMk/>
+            <pc:sldMk cId="1254439374" sldId="262"/>
+            <ac:spMk id="10" creationId="{DDB9E504-415D-F6CF-3EEC-C1881488066A}"/>
+          </ac:spMkLst>
+        </pc:spChg>
+        <pc:spChg chg="add mod">
+          <ac:chgData name="Phạm Thông" userId="cb1de41f-d0a9-4c8b-9095-fa88b5d4678f" providerId="ADAL" clId="{E2A0B859-04CE-4714-8C81-52AA70A7C49E}" dt="2025-12-22T04:16:33.850" v="860" actId="1035"/>
+          <ac:spMkLst>
+            <pc:docMk/>
+            <pc:sldMk cId="1254439374" sldId="262"/>
+            <ac:spMk id="11" creationId="{5AD849E9-AA77-21A0-BBDB-E31E39CDB1DB}"/>
+          </ac:spMkLst>
+        </pc:spChg>
+        <pc:spChg chg="add mod">
+          <ac:chgData name="Phạm Thông" userId="cb1de41f-d0a9-4c8b-9095-fa88b5d4678f" providerId="ADAL" clId="{E2A0B859-04CE-4714-8C81-52AA70A7C49E}" dt="2025-12-22T04:16:41.678" v="884" actId="1036"/>
+          <ac:spMkLst>
+            <pc:docMk/>
+            <pc:sldMk cId="1254439374" sldId="262"/>
+            <ac:spMk id="12" creationId="{F6FDC299-5ED1-0534-4EC4-AD44F7F18F82}"/>
+          </ac:spMkLst>
+        </pc:spChg>
+        <pc:spChg chg="add mod">
+          <ac:chgData name="Phạm Thông" userId="cb1de41f-d0a9-4c8b-9095-fa88b5d4678f" providerId="ADAL" clId="{E2A0B859-04CE-4714-8C81-52AA70A7C49E}" dt="2025-12-22T04:16:46.040" v="903" actId="1038"/>
+          <ac:spMkLst>
+            <pc:docMk/>
+            <pc:sldMk cId="1254439374" sldId="262"/>
+            <ac:spMk id="13" creationId="{9CA381FA-6D84-A699-F542-5E46EAF1804E}"/>
+          </ac:spMkLst>
+        </pc:spChg>
+        <pc:spChg chg="add mod">
+          <ac:chgData name="Phạm Thông" userId="cb1de41f-d0a9-4c8b-9095-fa88b5d4678f" providerId="ADAL" clId="{E2A0B859-04CE-4714-8C81-52AA70A7C49E}" dt="2025-12-22T04:16:51.599" v="915" actId="1036"/>
+          <ac:spMkLst>
+            <pc:docMk/>
+            <pc:sldMk cId="1254439374" sldId="262"/>
+            <ac:spMk id="14" creationId="{950381AC-2A7F-3C72-5F68-7CFA62EFA367}"/>
+          </ac:spMkLst>
+        </pc:spChg>
+        <pc:spChg chg="add mod ord">
+          <ac:chgData name="Phạm Thông" userId="cb1de41f-d0a9-4c8b-9095-fa88b5d4678f" providerId="ADAL" clId="{E2A0B859-04CE-4714-8C81-52AA70A7C49E}" dt="2025-12-22T04:15:38.332" v="787" actId="1076"/>
+          <ac:spMkLst>
+            <pc:docMk/>
+            <pc:sldMk cId="1254439374" sldId="262"/>
+            <ac:spMk id="15" creationId="{68F657CB-7E90-9DC3-A742-E0F57E338D52}"/>
+          </ac:spMkLst>
+        </pc:spChg>
+        <pc:spChg chg="add mod ord">
+          <ac:chgData name="Phạm Thông" userId="cb1de41f-d0a9-4c8b-9095-fa88b5d4678f" providerId="ADAL" clId="{E2A0B859-04CE-4714-8C81-52AA70A7C49E}" dt="2025-12-22T04:13:17.017" v="768" actId="167"/>
+          <ac:spMkLst>
+            <pc:docMk/>
+            <pc:sldMk cId="1254439374" sldId="262"/>
+            <ac:spMk id="16" creationId="{43DA85D0-0269-8E9A-DAA9-3E053B95CA91}"/>
+          </ac:spMkLst>
+        </pc:spChg>
+        <pc:picChg chg="add mod ord modCrop">
+          <ac:chgData name="Phạm Thông" userId="cb1de41f-d0a9-4c8b-9095-fa88b5d4678f" providerId="ADAL" clId="{E2A0B859-04CE-4714-8C81-52AA70A7C49E}" dt="2025-12-22T04:15:07.007" v="780" actId="12788"/>
+          <ac:picMkLst>
+            <pc:docMk/>
+            <pc:sldMk cId="1254439374" sldId="262"/>
+            <ac:picMk id="3" creationId="{3EA9C69C-C618-5E5C-A1A5-C00B0EA4B2E8}"/>
+          </ac:picMkLst>
+        </pc:picChg>
+        <pc:picChg chg="add mod ord modCrop">
+          <ac:chgData name="Phạm Thông" userId="cb1de41f-d0a9-4c8b-9095-fa88b5d4678f" providerId="ADAL" clId="{E2A0B859-04CE-4714-8C81-52AA70A7C49E}" dt="2025-12-22T04:15:20.528" v="784" actId="171"/>
+          <ac:picMkLst>
+            <pc:docMk/>
+            <pc:sldMk cId="1254439374" sldId="262"/>
+            <ac:picMk id="18" creationId="{3F7D8D6B-91A0-3AEA-31F4-CE8487FC695B}"/>
+          </ac:picMkLst>
+        </pc:picChg>
       </pc:sldChg>
     </pc:docChg>
   </pc:docChgLst>
@@ -509,7 +629,7 @@
           <a:p>
             <a:fld id="{6EB22DFD-DB99-45C6-9F20-54734D4D55A2}" type="datetimeFigureOut">
               <a:rPr lang="en-US" smtClean="0"/>
-              <a:t>12/17/2025</a:t>
+              <a:t>12/22/2025</a:t>
             </a:fld>
             <a:endParaRPr lang="en-US"/>
           </a:p>
@@ -707,7 +827,7 @@
           <a:p>
             <a:fld id="{6EB22DFD-DB99-45C6-9F20-54734D4D55A2}" type="datetimeFigureOut">
               <a:rPr lang="en-US" smtClean="0"/>
-              <a:t>12/17/2025</a:t>
+              <a:t>12/22/2025</a:t>
             </a:fld>
             <a:endParaRPr lang="en-US"/>
           </a:p>
@@ -915,7 +1035,7 @@
           <a:p>
             <a:fld id="{6EB22DFD-DB99-45C6-9F20-54734D4D55A2}" type="datetimeFigureOut">
               <a:rPr lang="en-US" smtClean="0"/>
-              <a:t>12/17/2025</a:t>
+              <a:t>12/22/2025</a:t>
             </a:fld>
             <a:endParaRPr lang="en-US"/>
           </a:p>
@@ -1113,7 +1233,7 @@
           <a:p>
             <a:fld id="{6EB22DFD-DB99-45C6-9F20-54734D4D55A2}" type="datetimeFigureOut">
               <a:rPr lang="en-US" smtClean="0"/>
-              <a:t>12/17/2025</a:t>
+              <a:t>12/22/2025</a:t>
             </a:fld>
             <a:endParaRPr lang="en-US"/>
           </a:p>
@@ -1388,7 +1508,7 @@
           <a:p>
             <a:fld id="{6EB22DFD-DB99-45C6-9F20-54734D4D55A2}" type="datetimeFigureOut">
               <a:rPr lang="en-US" smtClean="0"/>
-              <a:t>12/17/2025</a:t>
+              <a:t>12/22/2025</a:t>
             </a:fld>
             <a:endParaRPr lang="en-US"/>
           </a:p>
@@ -1653,7 +1773,7 @@
           <a:p>
             <a:fld id="{6EB22DFD-DB99-45C6-9F20-54734D4D55A2}" type="datetimeFigureOut">
               <a:rPr lang="en-US" smtClean="0"/>
-              <a:t>12/17/2025</a:t>
+              <a:t>12/22/2025</a:t>
             </a:fld>
             <a:endParaRPr lang="en-US"/>
           </a:p>
@@ -2065,7 +2185,7 @@
           <a:p>
             <a:fld id="{6EB22DFD-DB99-45C6-9F20-54734D4D55A2}" type="datetimeFigureOut">
               <a:rPr lang="en-US" smtClean="0"/>
-              <a:t>12/17/2025</a:t>
+              <a:t>12/22/2025</a:t>
             </a:fld>
             <a:endParaRPr lang="en-US"/>
           </a:p>
@@ -2206,7 +2326,7 @@
           <a:p>
             <a:fld id="{6EB22DFD-DB99-45C6-9F20-54734D4D55A2}" type="datetimeFigureOut">
               <a:rPr lang="en-US" smtClean="0"/>
-              <a:t>12/17/2025</a:t>
+              <a:t>12/22/2025</a:t>
             </a:fld>
             <a:endParaRPr lang="en-US"/>
           </a:p>
@@ -2319,7 +2439,7 @@
           <a:p>
             <a:fld id="{6EB22DFD-DB99-45C6-9F20-54734D4D55A2}" type="datetimeFigureOut">
               <a:rPr lang="en-US" smtClean="0"/>
-              <a:t>12/17/2025</a:t>
+              <a:t>12/22/2025</a:t>
             </a:fld>
             <a:endParaRPr lang="en-US"/>
           </a:p>
@@ -2630,7 +2750,7 @@
           <a:p>
             <a:fld id="{6EB22DFD-DB99-45C6-9F20-54734D4D55A2}" type="datetimeFigureOut">
               <a:rPr lang="en-US" smtClean="0"/>
-              <a:t>12/17/2025</a:t>
+              <a:t>12/22/2025</a:t>
             </a:fld>
             <a:endParaRPr lang="en-US"/>
           </a:p>
@@ -2918,7 +3038,7 @@
           <a:p>
             <a:fld id="{6EB22DFD-DB99-45C6-9F20-54734D4D55A2}" type="datetimeFigureOut">
               <a:rPr lang="en-US" smtClean="0"/>
-              <a:t>12/17/2025</a:t>
+              <a:t>12/22/2025</a:t>
             </a:fld>
             <a:endParaRPr lang="en-US"/>
           </a:p>
@@ -3159,7 +3279,7 @@
           <a:p>
             <a:fld id="{6EB22DFD-DB99-45C6-9F20-54734D4D55A2}" type="datetimeFigureOut">
               <a:rPr lang="en-US" smtClean="0"/>
-              <a:t>12/17/2025</a:t>
+              <a:t>12/22/2025</a:t>
             </a:fld>
             <a:endParaRPr lang="en-US"/>
           </a:p>
@@ -7353,8 +7473,8 @@
           </a:graphicData>
         </a:graphic>
       </p:graphicFrame>
-      <mc:AlternateContent xmlns:mc="http://schemas.openxmlformats.org/markup-compatibility/2006">
-        <mc:Choice xmlns:a14="http://schemas.microsoft.com/office/drawing/2010/main" Requires="a14">
+      <mc:AlternateContent xmlns:mc="http://schemas.openxmlformats.org/markup-compatibility/2006" xmlns:a14="http://schemas.microsoft.com/office/drawing/2010/main">
+        <mc:Choice Requires="a14">
           <p:sp>
             <p:nvSpPr>
               <p:cNvPr id="5" name="TextBox 4">
@@ -7383,6 +7503,7 @@
               </a:bodyPr>
               <a:lstStyle/>
               <a:p>
+                <a:pPr/>
                 <a14:m>
                   <m:oMathPara xmlns:m="http://schemas.openxmlformats.org/officeDocument/2006/math">
                     <m:oMathParaPr>
@@ -7403,7 +7524,7 @@
             </p:txBody>
           </p:sp>
         </mc:Choice>
-        <mc:Fallback>
+        <mc:Fallback xmlns="">
           <p:sp>
             <p:nvSpPr>
               <p:cNvPr id="5" name="TextBox 4">
@@ -7448,8 +7569,8 @@
           </p:sp>
         </mc:Fallback>
       </mc:AlternateContent>
-      <mc:AlternateContent xmlns:mc="http://schemas.openxmlformats.org/markup-compatibility/2006">
-        <mc:Choice xmlns:a14="http://schemas.microsoft.com/office/drawing/2010/main" Requires="a14">
+      <mc:AlternateContent xmlns:mc="http://schemas.openxmlformats.org/markup-compatibility/2006" xmlns:a14="http://schemas.microsoft.com/office/drawing/2010/main">
+        <mc:Choice Requires="a14">
           <p:sp>
             <p:nvSpPr>
               <p:cNvPr id="6" name="TextBox 5">
@@ -7478,6 +7599,7 @@
               </a:bodyPr>
               <a:lstStyle/>
               <a:p>
+                <a:pPr/>
                 <a14:m>
                   <m:oMathPara xmlns:m="http://schemas.openxmlformats.org/officeDocument/2006/math">
                     <m:oMathParaPr>
@@ -7498,7 +7620,7 @@
             </p:txBody>
           </p:sp>
         </mc:Choice>
-        <mc:Fallback>
+        <mc:Fallback xmlns="">
           <p:sp>
             <p:nvSpPr>
               <p:cNvPr id="6" name="TextBox 5">
@@ -7850,6 +7972,2485 @@
     <p:extLst>
       <p:ext uri="{BB962C8B-B14F-4D97-AF65-F5344CB8AC3E}">
         <p14:creationId xmlns:p14="http://schemas.microsoft.com/office/powerpoint/2010/main" val="3124328060"/>
+      </p:ext>
+    </p:extLst>
+  </p:cSld>
+  <p:clrMapOvr>
+    <a:masterClrMapping/>
+  </p:clrMapOvr>
+</p:sld>
+</file>
+
+<file path=ppt/slides/slide5.xml><?xml version="1.0" encoding="utf-8"?>
+<p:sld xmlns:a="http://schemas.openxmlformats.org/drawingml/2006/main" xmlns:r="http://schemas.openxmlformats.org/officeDocument/2006/relationships" xmlns:p="http://schemas.openxmlformats.org/presentationml/2006/main">
+  <p:cSld>
+    <p:spTree>
+      <p:nvGrpSpPr>
+        <p:cNvPr id="1" name=""/>
+        <p:cNvGrpSpPr/>
+        <p:nvPr/>
+      </p:nvGrpSpPr>
+      <p:grpSpPr>
+        <a:xfrm>
+          <a:off x="0" y="0"/>
+          <a:ext cx="0" cy="0"/>
+          <a:chOff x="0" y="0"/>
+          <a:chExt cx="0" cy="0"/>
+        </a:xfrm>
+      </p:grpSpPr>
+      <p:pic>
+        <p:nvPicPr>
+          <p:cNvPr id="3" name="Picture 2">
+            <a:extLst>
+              <a:ext uri="{FF2B5EF4-FFF2-40B4-BE49-F238E27FC236}">
+                <a16:creationId xmlns:a16="http://schemas.microsoft.com/office/drawing/2014/main" id="{EE9099FA-FA64-5FA3-5CCD-EBF9B6AAD20F}"/>
+              </a:ext>
+            </a:extLst>
+          </p:cNvPr>
+          <p:cNvPicPr>
+            <a:picLocks noChangeAspect="1"/>
+          </p:cNvPicPr>
+          <p:nvPr/>
+        </p:nvPicPr>
+        <p:blipFill>
+          <a:blip r:embed="rId2">
+            <a:extLst>
+              <a:ext uri="{28A0092B-C50C-407E-A947-70E740481C1C}">
+                <a14:useLocalDpi xmlns:a14="http://schemas.microsoft.com/office/drawing/2010/main" val="0"/>
+              </a:ext>
+            </a:extLst>
+          </a:blip>
+          <a:stretch>
+            <a:fillRect/>
+          </a:stretch>
+        </p:blipFill>
+        <p:spPr>
+          <a:xfrm>
+            <a:off x="893256" y="0"/>
+            <a:ext cx="9444789" cy="6858000"/>
+          </a:xfrm>
+          <a:prstGeom prst="rect">
+            <a:avLst/>
+          </a:prstGeom>
+        </p:spPr>
+      </p:pic>
+      <mc:AlternateContent xmlns:mc="http://schemas.openxmlformats.org/markup-compatibility/2006">
+        <mc:Choice xmlns:a14="http://schemas.microsoft.com/office/drawing/2010/main" Requires="a14">
+          <p:sp>
+            <p:nvSpPr>
+              <p:cNvPr id="4" name="TextBox 3">
+                <a:extLst>
+                  <a:ext uri="{FF2B5EF4-FFF2-40B4-BE49-F238E27FC236}">
+                    <a16:creationId xmlns:a16="http://schemas.microsoft.com/office/drawing/2014/main" id="{17CBBC60-B6DF-0658-5798-F732CD007897}"/>
+                  </a:ext>
+                </a:extLst>
+              </p:cNvPr>
+              <p:cNvSpPr txBox="1"/>
+              <p:nvPr/>
+            </p:nvSpPr>
+            <p:spPr>
+              <a:xfrm>
+                <a:off x="464553" y="4564174"/>
+                <a:ext cx="1797993" cy="276999"/>
+              </a:xfrm>
+              <a:prstGeom prst="rect">
+                <a:avLst/>
+              </a:prstGeom>
+              <a:noFill/>
+            </p:spPr>
+            <p:txBody>
+              <a:bodyPr wrap="none" lIns="0" tIns="0" rIns="0" bIns="0" rtlCol="0">
+                <a:spAutoFit/>
+              </a:bodyPr>
+              <a:lstStyle/>
+              <a:p>
+                <a14:m>
+                  <m:oMathPara xmlns:m="http://schemas.openxmlformats.org/officeDocument/2006/math">
+                    <m:oMathParaPr>
+                      <m:jc m:val="centerGroup"/>
+                    </m:oMathParaPr>
+                    <m:oMath xmlns:m="http://schemas.openxmlformats.org/officeDocument/2006/math">
+                      <m:r>
+                        <a:rPr lang="en-US" b="0" i="1" smtClean="0">
+                          <a:latin typeface="Cambria Math" panose="02040503050406030204" pitchFamily="18" charset="0"/>
+                        </a:rPr>
+                        <m:t>𝐶</m:t>
+                      </m:r>
+                      <m:r>
+                        <a:rPr lang="en-US" b="0" i="1" smtClean="0">
+                          <a:latin typeface="Cambria Math" panose="02040503050406030204" pitchFamily="18" charset="0"/>
+                        </a:rPr>
+                        <m:t>={</m:t>
+                      </m:r>
+                      <m:sSub>
+                        <m:sSubPr>
+                          <m:ctrlPr>
+                            <a:rPr lang="en-US" b="0" i="1" smtClean="0">
+                              <a:latin typeface="Cambria Math" panose="02040503050406030204" pitchFamily="18" charset="0"/>
+                            </a:rPr>
+                          </m:ctrlPr>
+                        </m:sSubPr>
+                        <m:e>
+                          <m:r>
+                            <a:rPr lang="en-US" b="0" i="1" smtClean="0">
+                              <a:latin typeface="Cambria Math" panose="02040503050406030204" pitchFamily="18" charset="0"/>
+                            </a:rPr>
+                            <m:t>𝑐</m:t>
+                          </m:r>
+                        </m:e>
+                        <m:sub>
+                          <m:r>
+                            <a:rPr lang="en-US" b="0" i="1" smtClean="0">
+                              <a:latin typeface="Cambria Math" panose="02040503050406030204" pitchFamily="18" charset="0"/>
+                            </a:rPr>
+                            <m:t>1</m:t>
+                          </m:r>
+                        </m:sub>
+                      </m:sSub>
+                      <m:r>
+                        <a:rPr lang="en-US" b="0" i="1" smtClean="0">
+                          <a:latin typeface="Cambria Math" panose="02040503050406030204" pitchFamily="18" charset="0"/>
+                        </a:rPr>
+                        <m:t>, </m:t>
+                      </m:r>
+                      <m:sSub>
+                        <m:sSubPr>
+                          <m:ctrlPr>
+                            <a:rPr lang="en-US" b="0" i="1" smtClean="0">
+                              <a:latin typeface="Cambria Math" panose="02040503050406030204" pitchFamily="18" charset="0"/>
+                            </a:rPr>
+                          </m:ctrlPr>
+                        </m:sSubPr>
+                        <m:e>
+                          <m:r>
+                            <a:rPr lang="en-US" b="0" i="1" smtClean="0">
+                              <a:latin typeface="Cambria Math" panose="02040503050406030204" pitchFamily="18" charset="0"/>
+                            </a:rPr>
+                            <m:t>𝑐</m:t>
+                          </m:r>
+                        </m:e>
+                        <m:sub>
+                          <m:r>
+                            <a:rPr lang="en-US" b="0" i="1" smtClean="0">
+                              <a:latin typeface="Cambria Math" panose="02040503050406030204" pitchFamily="18" charset="0"/>
+                            </a:rPr>
+                            <m:t>2</m:t>
+                          </m:r>
+                        </m:sub>
+                      </m:sSub>
+                      <m:r>
+                        <a:rPr lang="en-US" b="0" i="1" smtClean="0">
+                          <a:latin typeface="Cambria Math" panose="02040503050406030204" pitchFamily="18" charset="0"/>
+                        </a:rPr>
+                        <m:t>,…, </m:t>
+                      </m:r>
+                      <m:sSub>
+                        <m:sSubPr>
+                          <m:ctrlPr>
+                            <a:rPr lang="en-US" b="0" i="1" smtClean="0">
+                              <a:latin typeface="Cambria Math" panose="02040503050406030204" pitchFamily="18" charset="0"/>
+                            </a:rPr>
+                          </m:ctrlPr>
+                        </m:sSubPr>
+                        <m:e>
+                          <m:r>
+                            <a:rPr lang="en-US" b="0" i="1" smtClean="0">
+                              <a:latin typeface="Cambria Math" panose="02040503050406030204" pitchFamily="18" charset="0"/>
+                            </a:rPr>
+                            <m:t>𝑐</m:t>
+                          </m:r>
+                        </m:e>
+                        <m:sub>
+                          <m:r>
+                            <a:rPr lang="en-US" b="0" i="1" smtClean="0">
+                              <a:latin typeface="Cambria Math" panose="02040503050406030204" pitchFamily="18" charset="0"/>
+                            </a:rPr>
+                            <m:t>𝑘</m:t>
+                          </m:r>
+                        </m:sub>
+                      </m:sSub>
+                      <m:r>
+                        <a:rPr lang="en-US" b="0" i="1" smtClean="0">
+                          <a:latin typeface="Cambria Math" panose="02040503050406030204" pitchFamily="18" charset="0"/>
+                        </a:rPr>
+                        <m:t>}</m:t>
+                      </m:r>
+                    </m:oMath>
+                  </m:oMathPara>
+                </a14:m>
+                <a:endParaRPr lang="en-US"/>
+              </a:p>
+            </p:txBody>
+          </p:sp>
+        </mc:Choice>
+        <mc:Fallback>
+          <p:sp>
+            <p:nvSpPr>
+              <p:cNvPr id="4" name="TextBox 3">
+                <a:extLst>
+                  <a:ext uri="{FF2B5EF4-FFF2-40B4-BE49-F238E27FC236}">
+                    <a16:creationId xmlns:a16="http://schemas.microsoft.com/office/drawing/2014/main" id="{17CBBC60-B6DF-0658-5798-F732CD007897}"/>
+                  </a:ext>
+                </a:extLst>
+              </p:cNvPr>
+              <p:cNvSpPr txBox="1">
+                <a:spLocks noRot="1" noChangeAspect="1" noMove="1" noResize="1" noEditPoints="1" noAdjustHandles="1" noChangeArrowheads="1" noChangeShapeType="1" noTextEdit="1"/>
+              </p:cNvSpPr>
+              <p:nvPr/>
+            </p:nvSpPr>
+            <p:spPr>
+              <a:xfrm>
+                <a:off x="464553" y="4564174"/>
+                <a:ext cx="1797993" cy="276999"/>
+              </a:xfrm>
+              <a:prstGeom prst="rect">
+                <a:avLst/>
+              </a:prstGeom>
+              <a:blipFill>
+                <a:blip r:embed="rId3"/>
+                <a:stretch>
+                  <a:fillRect l="-2034" t="-4444" r="-4068" b="-37778"/>
+                </a:stretch>
+              </a:blipFill>
+            </p:spPr>
+            <p:txBody>
+              <a:bodyPr/>
+              <a:lstStyle/>
+              <a:p>
+                <a:r>
+                  <a:rPr lang="en-US">
+                    <a:noFill/>
+                  </a:rPr>
+                  <a:t> </a:t>
+                </a:r>
+              </a:p>
+            </p:txBody>
+          </p:sp>
+        </mc:Fallback>
+      </mc:AlternateContent>
+      <mc:AlternateContent xmlns:mc="http://schemas.openxmlformats.org/markup-compatibility/2006">
+        <mc:Choice xmlns:a14="http://schemas.microsoft.com/office/drawing/2010/main" Requires="a14">
+          <p:sp>
+            <p:nvSpPr>
+              <p:cNvPr id="5" name="TextBox 4">
+                <a:extLst>
+                  <a:ext uri="{FF2B5EF4-FFF2-40B4-BE49-F238E27FC236}">
+                    <a16:creationId xmlns:a16="http://schemas.microsoft.com/office/drawing/2014/main" id="{7047CFA3-EE6F-5366-D92B-92BCB07E1B47}"/>
+                  </a:ext>
+                </a:extLst>
+              </p:cNvPr>
+              <p:cNvSpPr txBox="1"/>
+              <p:nvPr/>
+            </p:nvSpPr>
+            <p:spPr>
+              <a:xfrm>
+                <a:off x="9332104" y="4380501"/>
+                <a:ext cx="2592313" cy="367345"/>
+              </a:xfrm>
+              <a:prstGeom prst="rect">
+                <a:avLst/>
+              </a:prstGeom>
+              <a:noFill/>
+            </p:spPr>
+            <p:txBody>
+              <a:bodyPr wrap="none" lIns="0" tIns="0" rIns="0" bIns="0" rtlCol="0">
+                <a:spAutoFit/>
+              </a:bodyPr>
+              <a:lstStyle/>
+              <a:p>
+                <a14:m>
+                  <m:oMathPara xmlns:m="http://schemas.openxmlformats.org/officeDocument/2006/math">
+                    <m:oMathParaPr>
+                      <m:jc m:val="centerGroup"/>
+                    </m:oMathParaPr>
+                    <m:oMath xmlns:m="http://schemas.openxmlformats.org/officeDocument/2006/math">
+                      <m:r>
+                        <a:rPr lang="en-US" i="1" smtClean="0">
+                          <a:latin typeface="Cambria Math" panose="02040503050406030204" pitchFamily="18" charset="0"/>
+                        </a:rPr>
+                        <m:t>𝑖</m:t>
+                      </m:r>
+                      <m:d>
+                        <m:dPr>
+                          <m:ctrlPr>
+                            <a:rPr lang="en-US" i="1">
+                              <a:latin typeface="Cambria Math" panose="02040503050406030204" pitchFamily="18" charset="0"/>
+                            </a:rPr>
+                          </m:ctrlPr>
+                        </m:dPr>
+                        <m:e>
+                          <m:r>
+                            <a:rPr lang="en-US" i="1">
+                              <a:latin typeface="Cambria Math" panose="02040503050406030204" pitchFamily="18" charset="0"/>
+                            </a:rPr>
+                            <m:t>𝑥</m:t>
+                          </m:r>
+                        </m:e>
+                      </m:d>
+                      <m:r>
+                        <a:rPr lang="en-US" i="1">
+                          <a:latin typeface="Cambria Math" panose="02040503050406030204" pitchFamily="18" charset="0"/>
+                        </a:rPr>
+                        <m:t>=</m:t>
+                      </m:r>
+                      <m:r>
+                        <a:rPr lang="en-US" i="1">
+                          <a:latin typeface="Cambria Math" panose="02040503050406030204" pitchFamily="18" charset="0"/>
+                        </a:rPr>
+                        <m:t>𝑎𝑟𝑔𝑚𝑖</m:t>
+                      </m:r>
+                      <m:sSub>
+                        <m:sSubPr>
+                          <m:ctrlPr>
+                            <a:rPr lang="en-US" i="1">
+                              <a:latin typeface="Cambria Math" panose="02040503050406030204" pitchFamily="18" charset="0"/>
+                            </a:rPr>
+                          </m:ctrlPr>
+                        </m:sSubPr>
+                        <m:e>
+                          <m:r>
+                            <a:rPr lang="en-US" i="1">
+                              <a:latin typeface="Cambria Math" panose="02040503050406030204" pitchFamily="18" charset="0"/>
+                            </a:rPr>
+                            <m:t>𝑛</m:t>
+                          </m:r>
+                        </m:e>
+                        <m:sub>
+                          <m:r>
+                            <a:rPr lang="en-US" i="1">
+                              <a:latin typeface="Cambria Math" panose="02040503050406030204" pitchFamily="18" charset="0"/>
+                            </a:rPr>
+                            <m:t>𝑖</m:t>
+                          </m:r>
+                        </m:sub>
+                      </m:sSub>
+                      <m:sSup>
+                        <m:sSupPr>
+                          <m:ctrlPr>
+                            <a:rPr lang="en-US" i="1">
+                              <a:latin typeface="Cambria Math" panose="02040503050406030204" pitchFamily="18" charset="0"/>
+                            </a:rPr>
+                          </m:ctrlPr>
+                        </m:sSupPr>
+                        <m:e>
+                          <m:d>
+                            <m:dPr>
+                              <m:begChr m:val="|"/>
+                              <m:endChr m:val="|"/>
+                              <m:ctrlPr>
+                                <a:rPr lang="en-US" i="1">
+                                  <a:latin typeface="Cambria Math" panose="02040503050406030204" pitchFamily="18" charset="0"/>
+                                </a:rPr>
+                              </m:ctrlPr>
+                            </m:dPr>
+                            <m:e>
+                              <m:d>
+                                <m:dPr>
+                                  <m:begChr m:val="|"/>
+                                  <m:endChr m:val="|"/>
+                                  <m:ctrlPr>
+                                    <a:rPr lang="en-US" i="1">
+                                      <a:latin typeface="Cambria Math" panose="02040503050406030204" pitchFamily="18" charset="0"/>
+                                    </a:rPr>
+                                  </m:ctrlPr>
+                                </m:dPr>
+                                <m:e>
+                                  <m:r>
+                                    <a:rPr lang="en-US" i="1">
+                                      <a:latin typeface="Cambria Math" panose="02040503050406030204" pitchFamily="18" charset="0"/>
+                                    </a:rPr>
+                                    <m:t>𝑥</m:t>
+                                  </m:r>
+                                  <m:r>
+                                    <a:rPr lang="en-US" i="1">
+                                      <a:latin typeface="Cambria Math" panose="02040503050406030204" pitchFamily="18" charset="0"/>
+                                    </a:rPr>
+                                    <m:t>−</m:t>
+                                  </m:r>
+                                  <m:sSub>
+                                    <m:sSubPr>
+                                      <m:ctrlPr>
+                                        <a:rPr lang="en-US" i="1">
+                                          <a:latin typeface="Cambria Math" panose="02040503050406030204" pitchFamily="18" charset="0"/>
+                                        </a:rPr>
+                                      </m:ctrlPr>
+                                    </m:sSubPr>
+                                    <m:e>
+                                      <m:r>
+                                        <a:rPr lang="en-US" i="1">
+                                          <a:latin typeface="Cambria Math" panose="02040503050406030204" pitchFamily="18" charset="0"/>
+                                        </a:rPr>
+                                        <m:t>𝑐</m:t>
+                                      </m:r>
+                                    </m:e>
+                                    <m:sub>
+                                      <m:r>
+                                        <a:rPr lang="en-US" i="1">
+                                          <a:latin typeface="Cambria Math" panose="02040503050406030204" pitchFamily="18" charset="0"/>
+                                        </a:rPr>
+                                        <m:t>𝑖</m:t>
+                                      </m:r>
+                                    </m:sub>
+                                  </m:sSub>
+                                </m:e>
+                              </m:d>
+                            </m:e>
+                          </m:d>
+                        </m:e>
+                        <m:sup>
+                          <m:r>
+                            <a:rPr lang="en-US" i="1">
+                              <a:latin typeface="Cambria Math" panose="02040503050406030204" pitchFamily="18" charset="0"/>
+                            </a:rPr>
+                            <m:t>2</m:t>
+                          </m:r>
+                        </m:sup>
+                      </m:sSup>
+                    </m:oMath>
+                  </m:oMathPara>
+                </a14:m>
+                <a:endParaRPr lang="en-US"/>
+              </a:p>
+            </p:txBody>
+          </p:sp>
+        </mc:Choice>
+        <mc:Fallback>
+          <p:sp>
+            <p:nvSpPr>
+              <p:cNvPr id="5" name="TextBox 4">
+                <a:extLst>
+                  <a:ext uri="{FF2B5EF4-FFF2-40B4-BE49-F238E27FC236}">
+                    <a16:creationId xmlns:a16="http://schemas.microsoft.com/office/drawing/2014/main" id="{7047CFA3-EE6F-5366-D92B-92BCB07E1B47}"/>
+                  </a:ext>
+                </a:extLst>
+              </p:cNvPr>
+              <p:cNvSpPr txBox="1">
+                <a:spLocks noRot="1" noChangeAspect="1" noMove="1" noResize="1" noEditPoints="1" noAdjustHandles="1" noChangeArrowheads="1" noChangeShapeType="1" noTextEdit="1"/>
+              </p:cNvSpPr>
+              <p:nvPr/>
+            </p:nvSpPr>
+            <p:spPr>
+              <a:xfrm>
+                <a:off x="9332104" y="4380501"/>
+                <a:ext cx="2592313" cy="367345"/>
+              </a:xfrm>
+              <a:prstGeom prst="rect">
+                <a:avLst/>
+              </a:prstGeom>
+              <a:blipFill>
+                <a:blip r:embed="rId4"/>
+                <a:stretch>
+                  <a:fillRect l="-1882" r="-471" b="-23333"/>
+                </a:stretch>
+              </a:blipFill>
+            </p:spPr>
+            <p:txBody>
+              <a:bodyPr/>
+              <a:lstStyle/>
+              <a:p>
+                <a:r>
+                  <a:rPr lang="en-US">
+                    <a:noFill/>
+                  </a:rPr>
+                  <a:t> </a:t>
+                </a:r>
+              </a:p>
+            </p:txBody>
+          </p:sp>
+        </mc:Fallback>
+      </mc:AlternateContent>
+    </p:spTree>
+    <p:extLst>
+      <p:ext uri="{BB962C8B-B14F-4D97-AF65-F5344CB8AC3E}">
+        <p14:creationId xmlns:p14="http://schemas.microsoft.com/office/powerpoint/2010/main" val="2157018924"/>
+      </p:ext>
+    </p:extLst>
+  </p:cSld>
+  <p:clrMapOvr>
+    <a:masterClrMapping/>
+  </p:clrMapOvr>
+</p:sld>
+</file>
+
+<file path=ppt/slides/slide6.xml><?xml version="1.0" encoding="utf-8"?>
+<p:sld xmlns:a="http://schemas.openxmlformats.org/drawingml/2006/main" xmlns:r="http://schemas.openxmlformats.org/officeDocument/2006/relationships" xmlns:p="http://schemas.openxmlformats.org/presentationml/2006/main">
+  <p:cSld>
+    <p:spTree>
+      <p:nvGrpSpPr>
+        <p:cNvPr id="1" name=""/>
+        <p:cNvGrpSpPr/>
+        <p:nvPr/>
+      </p:nvGrpSpPr>
+      <p:grpSpPr>
+        <a:xfrm>
+          <a:off x="0" y="0"/>
+          <a:ext cx="0" cy="0"/>
+          <a:chOff x="0" y="0"/>
+          <a:chExt cx="0" cy="0"/>
+        </a:xfrm>
+      </p:grpSpPr>
+      <p:pic>
+        <p:nvPicPr>
+          <p:cNvPr id="3" name="Picture 2">
+            <a:extLst>
+              <a:ext uri="{FF2B5EF4-FFF2-40B4-BE49-F238E27FC236}">
+                <a16:creationId xmlns:a16="http://schemas.microsoft.com/office/drawing/2014/main" id="{3EA9C69C-C618-5E5C-A1A5-C00B0EA4B2E8}"/>
+              </a:ext>
+            </a:extLst>
+          </p:cNvPr>
+          <p:cNvPicPr>
+            <a:picLocks noChangeAspect="1"/>
+          </p:cNvPicPr>
+          <p:nvPr/>
+        </p:nvPicPr>
+        <p:blipFill>
+          <a:blip r:embed="rId2">
+            <a:extLst>
+              <a:ext uri="{28A0092B-C50C-407E-A947-70E740481C1C}">
+                <a14:useLocalDpi xmlns:a14="http://schemas.microsoft.com/office/drawing/2010/main" val="0"/>
+              </a:ext>
+            </a:extLst>
+          </a:blip>
+          <a:srcRect b="46751"/>
+          <a:stretch>
+            <a:fillRect/>
+          </a:stretch>
+        </p:blipFill>
+        <p:spPr>
+          <a:xfrm>
+            <a:off x="1623442" y="125412"/>
+            <a:ext cx="8945116" cy="3526402"/>
+          </a:xfrm>
+          <a:prstGeom prst="rect">
+            <a:avLst/>
+          </a:prstGeom>
+        </p:spPr>
+      </p:pic>
+      <p:sp>
+        <p:nvSpPr>
+          <p:cNvPr id="16" name="Rectangle 15">
+            <a:extLst>
+              <a:ext uri="{FF2B5EF4-FFF2-40B4-BE49-F238E27FC236}">
+                <a16:creationId xmlns:a16="http://schemas.microsoft.com/office/drawing/2014/main" id="{43DA85D0-0269-8E9A-DAA9-3E053B95CA91}"/>
+              </a:ext>
+            </a:extLst>
+          </p:cNvPr>
+          <p:cNvSpPr/>
+          <p:nvPr/>
+        </p:nvSpPr>
+        <p:spPr>
+          <a:xfrm>
+            <a:off x="9440208" y="1387994"/>
+            <a:ext cx="1127478" cy="264591"/>
+          </a:xfrm>
+          <a:prstGeom prst="rect">
+            <a:avLst/>
+          </a:prstGeom>
+          <a:solidFill>
+            <a:schemeClr val="bg1"/>
+          </a:solidFill>
+          <a:ln>
+            <a:noFill/>
+          </a:ln>
+        </p:spPr>
+        <p:style>
+          <a:lnRef idx="2">
+            <a:schemeClr val="accent1">
+              <a:shade val="15000"/>
+            </a:schemeClr>
+          </a:lnRef>
+          <a:fillRef idx="1">
+            <a:schemeClr val="accent1"/>
+          </a:fillRef>
+          <a:effectRef idx="0">
+            <a:schemeClr val="accent1"/>
+          </a:effectRef>
+          <a:fontRef idx="minor">
+            <a:schemeClr val="lt1"/>
+          </a:fontRef>
+        </p:style>
+        <p:txBody>
+          <a:bodyPr rtlCol="0" anchor="ctr"/>
+          <a:lstStyle/>
+          <a:p>
+            <a:pPr algn="ctr"/>
+            <a:endParaRPr lang="en-US"/>
+          </a:p>
+        </p:txBody>
+      </p:sp>
+      <p:sp>
+        <p:nvSpPr>
+          <p:cNvPr id="15" name="Rectangle 14">
+            <a:extLst>
+              <a:ext uri="{FF2B5EF4-FFF2-40B4-BE49-F238E27FC236}">
+                <a16:creationId xmlns:a16="http://schemas.microsoft.com/office/drawing/2014/main" id="{68F657CB-7E90-9DC3-A742-E0F57E338D52}"/>
+              </a:ext>
+            </a:extLst>
+          </p:cNvPr>
+          <p:cNvSpPr/>
+          <p:nvPr/>
+        </p:nvSpPr>
+        <p:spPr>
+          <a:xfrm>
+            <a:off x="9281149" y="292549"/>
+            <a:ext cx="1127478" cy="289310"/>
+          </a:xfrm>
+          <a:prstGeom prst="rect">
+            <a:avLst/>
+          </a:prstGeom>
+          <a:solidFill>
+            <a:schemeClr val="bg1"/>
+          </a:solidFill>
+          <a:ln>
+            <a:noFill/>
+          </a:ln>
+        </p:spPr>
+        <p:style>
+          <a:lnRef idx="2">
+            <a:schemeClr val="accent1">
+              <a:shade val="15000"/>
+            </a:schemeClr>
+          </a:lnRef>
+          <a:fillRef idx="1">
+            <a:schemeClr val="accent1"/>
+          </a:fillRef>
+          <a:effectRef idx="0">
+            <a:schemeClr val="accent1"/>
+          </a:effectRef>
+          <a:fontRef idx="minor">
+            <a:schemeClr val="lt1"/>
+          </a:fontRef>
+        </p:style>
+        <p:txBody>
+          <a:bodyPr rtlCol="0" anchor="ctr"/>
+          <a:lstStyle/>
+          <a:p>
+            <a:pPr algn="ctr"/>
+            <a:endParaRPr lang="en-US"/>
+          </a:p>
+        </p:txBody>
+      </p:sp>
+      <mc:AlternateContent xmlns:mc="http://schemas.openxmlformats.org/markup-compatibility/2006">
+        <mc:Choice xmlns:a14="http://schemas.microsoft.com/office/drawing/2010/main" Requires="a14">
+          <p:sp>
+            <p:nvSpPr>
+              <p:cNvPr id="4" name="TextBox 3">
+                <a:extLst>
+                  <a:ext uri="{FF2B5EF4-FFF2-40B4-BE49-F238E27FC236}">
+                    <a16:creationId xmlns:a16="http://schemas.microsoft.com/office/drawing/2014/main" id="{0D9BDEA9-FC50-DDF8-97A3-1090599B86D4}"/>
+                  </a:ext>
+                </a:extLst>
+              </p:cNvPr>
+              <p:cNvSpPr txBox="1"/>
+              <p:nvPr/>
+            </p:nvSpPr>
+            <p:spPr>
+              <a:xfrm>
+                <a:off x="9307211" y="253172"/>
+                <a:ext cx="787588" cy="289310"/>
+              </a:xfrm>
+              <a:prstGeom prst="rect">
+                <a:avLst/>
+              </a:prstGeom>
+              <a:noFill/>
+            </p:spPr>
+            <p:txBody>
+              <a:bodyPr wrap="none" lIns="0" tIns="0" rIns="0" bIns="0" rtlCol="0">
+                <a:spAutoFit/>
+              </a:bodyPr>
+              <a:lstStyle/>
+              <a:p>
+                <a14:m>
+                  <m:oMathPara xmlns:m="http://schemas.openxmlformats.org/officeDocument/2006/math">
+                    <m:oMathParaPr>
+                      <m:jc m:val="centerGroup"/>
+                    </m:oMathParaPr>
+                    <m:oMath xmlns:m="http://schemas.openxmlformats.org/officeDocument/2006/math">
+                      <m:r>
+                        <a:rPr lang="en-US" b="0" i="1" smtClean="0">
+                          <a:latin typeface="Cambria Math" panose="02040503050406030204" pitchFamily="18" charset="0"/>
+                        </a:rPr>
+                        <m:t>𝑥</m:t>
+                      </m:r>
+                      <m:r>
+                        <a:rPr lang="en-US" b="0" i="1" smtClean="0">
+                          <a:latin typeface="Cambria Math" panose="02040503050406030204" pitchFamily="18" charset="0"/>
+                        </a:rPr>
+                        <m:t> ∈</m:t>
+                      </m:r>
+                      <m:sSup>
+                        <m:sSupPr>
+                          <m:ctrlPr>
+                            <a:rPr lang="en-US" b="0" i="1" smtClean="0">
+                              <a:latin typeface="Cambria Math" panose="02040503050406030204" pitchFamily="18" charset="0"/>
+                            </a:rPr>
+                          </m:ctrlPr>
+                        </m:sSupPr>
+                        <m:e>
+                          <m:r>
+                            <a:rPr lang="en-US" b="0" i="1" smtClean="0">
+                              <a:latin typeface="Cambria Math" panose="02040503050406030204" pitchFamily="18" charset="0"/>
+                            </a:rPr>
+                            <m:t>ℝ</m:t>
+                          </m:r>
+                        </m:e>
+                        <m:sup>
+                          <m:r>
+                            <m:rPr>
+                              <m:sty m:val="p"/>
+                            </m:rPr>
+                            <a:rPr lang="en-US" b="0" i="1" smtClean="0">
+                              <a:latin typeface="Cambria Math" panose="02040503050406030204" pitchFamily="18" charset="0"/>
+                            </a:rPr>
+                            <m:t>d</m:t>
+                          </m:r>
+                        </m:sup>
+                      </m:sSup>
+                    </m:oMath>
+                  </m:oMathPara>
+                </a14:m>
+                <a:endParaRPr lang="en-US"/>
+              </a:p>
+            </p:txBody>
+          </p:sp>
+        </mc:Choice>
+        <mc:Fallback>
+          <p:sp>
+            <p:nvSpPr>
+              <p:cNvPr id="4" name="TextBox 3">
+                <a:extLst>
+                  <a:ext uri="{FF2B5EF4-FFF2-40B4-BE49-F238E27FC236}">
+                    <a16:creationId xmlns:a16="http://schemas.microsoft.com/office/drawing/2014/main" id="{0D9BDEA9-FC50-DDF8-97A3-1090599B86D4}"/>
+                  </a:ext>
+                </a:extLst>
+              </p:cNvPr>
+              <p:cNvSpPr txBox="1">
+                <a:spLocks noRot="1" noChangeAspect="1" noMove="1" noResize="1" noEditPoints="1" noAdjustHandles="1" noChangeArrowheads="1" noChangeShapeType="1" noTextEdit="1"/>
+              </p:cNvSpPr>
+              <p:nvPr/>
+            </p:nvSpPr>
+            <p:spPr>
+              <a:xfrm>
+                <a:off x="9307211" y="253172"/>
+                <a:ext cx="787588" cy="289310"/>
+              </a:xfrm>
+              <a:prstGeom prst="rect">
+                <a:avLst/>
+              </a:prstGeom>
+              <a:blipFill>
+                <a:blip r:embed="rId3"/>
+                <a:stretch>
+                  <a:fillRect l="-4651" t="-4255" r="-3101" b="-6383"/>
+                </a:stretch>
+              </a:blipFill>
+            </p:spPr>
+            <p:txBody>
+              <a:bodyPr/>
+              <a:lstStyle/>
+              <a:p>
+                <a:r>
+                  <a:rPr lang="en-US">
+                    <a:noFill/>
+                  </a:rPr>
+                  <a:t> </a:t>
+                </a:r>
+              </a:p>
+            </p:txBody>
+          </p:sp>
+        </mc:Fallback>
+      </mc:AlternateContent>
+      <mc:AlternateContent xmlns:mc="http://schemas.openxmlformats.org/markup-compatibility/2006">
+        <mc:Choice xmlns:a14="http://schemas.microsoft.com/office/drawing/2010/main" Requires="a14">
+          <p:sp>
+            <p:nvSpPr>
+              <p:cNvPr id="5" name="TextBox 4">
+                <a:extLst>
+                  <a:ext uri="{FF2B5EF4-FFF2-40B4-BE49-F238E27FC236}">
+                    <a16:creationId xmlns:a16="http://schemas.microsoft.com/office/drawing/2014/main" id="{0584EADF-9E7B-F41E-29AA-9043BD324EE5}"/>
+                  </a:ext>
+                </a:extLst>
+              </p:cNvPr>
+              <p:cNvSpPr txBox="1"/>
+              <p:nvPr/>
+            </p:nvSpPr>
+            <p:spPr>
+              <a:xfrm>
+                <a:off x="3057697" y="1459946"/>
+                <a:ext cx="241028" cy="299313"/>
+              </a:xfrm>
+              <a:prstGeom prst="rect">
+                <a:avLst/>
+              </a:prstGeom>
+              <a:noFill/>
+            </p:spPr>
+            <p:txBody>
+              <a:bodyPr wrap="none" lIns="0" tIns="0" rIns="0" bIns="0" rtlCol="0">
+                <a:spAutoFit/>
+              </a:bodyPr>
+              <a:lstStyle/>
+              <a:p>
+                <a14:m>
+                  <m:oMathPara xmlns:m="http://schemas.openxmlformats.org/officeDocument/2006/math">
+                    <m:oMathParaPr>
+                      <m:jc m:val="centerGroup"/>
+                    </m:oMathParaPr>
+                    <m:oMath xmlns:m="http://schemas.openxmlformats.org/officeDocument/2006/math">
+                      <m:sSub>
+                        <m:sSubPr>
+                          <m:ctrlPr>
+                            <a:rPr lang="en-US" b="0" i="1" smtClean="0">
+                              <a:latin typeface="Cambria Math" panose="02040503050406030204" pitchFamily="18" charset="0"/>
+                            </a:rPr>
+                          </m:ctrlPr>
+                        </m:sSubPr>
+                        <m:e>
+                          <m:r>
+                            <a:rPr lang="en-US" b="0" i="1" smtClean="0">
+                              <a:latin typeface="Cambria Math" panose="02040503050406030204" pitchFamily="18" charset="0"/>
+                            </a:rPr>
+                            <m:t>𝑥</m:t>
+                          </m:r>
+                        </m:e>
+                        <m:sub>
+                          <m:r>
+                            <a:rPr lang="en-US" b="0" i="1" smtClean="0">
+                              <a:latin typeface="Cambria Math" panose="02040503050406030204" pitchFamily="18" charset="0"/>
+                            </a:rPr>
+                            <m:t>𝑗</m:t>
+                          </m:r>
+                        </m:sub>
+                      </m:sSub>
+                    </m:oMath>
+                  </m:oMathPara>
+                </a14:m>
+                <a:endParaRPr lang="en-US"/>
+              </a:p>
+            </p:txBody>
+          </p:sp>
+        </mc:Choice>
+        <mc:Fallback>
+          <p:sp>
+            <p:nvSpPr>
+              <p:cNvPr id="5" name="TextBox 4">
+                <a:extLst>
+                  <a:ext uri="{FF2B5EF4-FFF2-40B4-BE49-F238E27FC236}">
+                    <a16:creationId xmlns:a16="http://schemas.microsoft.com/office/drawing/2014/main" id="{0584EADF-9E7B-F41E-29AA-9043BD324EE5}"/>
+                  </a:ext>
+                </a:extLst>
+              </p:cNvPr>
+              <p:cNvSpPr txBox="1">
+                <a:spLocks noRot="1" noChangeAspect="1" noMove="1" noResize="1" noEditPoints="1" noAdjustHandles="1" noChangeArrowheads="1" noChangeShapeType="1" noTextEdit="1"/>
+              </p:cNvSpPr>
+              <p:nvPr/>
+            </p:nvSpPr>
+            <p:spPr>
+              <a:xfrm>
+                <a:off x="3057697" y="1459946"/>
+                <a:ext cx="241028" cy="299313"/>
+              </a:xfrm>
+              <a:prstGeom prst="rect">
+                <a:avLst/>
+              </a:prstGeom>
+              <a:blipFill>
+                <a:blip r:embed="rId4"/>
+                <a:stretch>
+                  <a:fillRect l="-15385" r="-17949" b="-22000"/>
+                </a:stretch>
+              </a:blipFill>
+            </p:spPr>
+            <p:txBody>
+              <a:bodyPr/>
+              <a:lstStyle/>
+              <a:p>
+                <a:r>
+                  <a:rPr lang="en-US">
+                    <a:noFill/>
+                  </a:rPr>
+                  <a:t> </a:t>
+                </a:r>
+              </a:p>
+            </p:txBody>
+          </p:sp>
+        </mc:Fallback>
+      </mc:AlternateContent>
+      <mc:AlternateContent xmlns:mc="http://schemas.openxmlformats.org/markup-compatibility/2006">
+        <mc:Choice xmlns:a14="http://schemas.microsoft.com/office/drawing/2010/main" Requires="a14">
+          <p:sp>
+            <p:nvSpPr>
+              <p:cNvPr id="6" name="TextBox 5">
+                <a:extLst>
+                  <a:ext uri="{FF2B5EF4-FFF2-40B4-BE49-F238E27FC236}">
+                    <a16:creationId xmlns:a16="http://schemas.microsoft.com/office/drawing/2014/main" id="{8E971AE7-6F5D-9507-1F2B-1A927D5E88D0}"/>
+                  </a:ext>
+                </a:extLst>
+              </p:cNvPr>
+              <p:cNvSpPr txBox="1"/>
+              <p:nvPr/>
+            </p:nvSpPr>
+            <p:spPr>
+              <a:xfrm>
+                <a:off x="4779276" y="1459946"/>
+                <a:ext cx="241028" cy="299313"/>
+              </a:xfrm>
+              <a:prstGeom prst="rect">
+                <a:avLst/>
+              </a:prstGeom>
+              <a:noFill/>
+            </p:spPr>
+            <p:txBody>
+              <a:bodyPr wrap="none" lIns="0" tIns="0" rIns="0" bIns="0" rtlCol="0">
+                <a:spAutoFit/>
+              </a:bodyPr>
+              <a:lstStyle/>
+              <a:p>
+                <a14:m>
+                  <m:oMathPara xmlns:m="http://schemas.openxmlformats.org/officeDocument/2006/math">
+                    <m:oMathParaPr>
+                      <m:jc m:val="centerGroup"/>
+                    </m:oMathParaPr>
+                    <m:oMath xmlns:m="http://schemas.openxmlformats.org/officeDocument/2006/math">
+                      <m:sSub>
+                        <m:sSubPr>
+                          <m:ctrlPr>
+                            <a:rPr lang="en-US" b="0" i="1" smtClean="0">
+                              <a:latin typeface="Cambria Math" panose="02040503050406030204" pitchFamily="18" charset="0"/>
+                            </a:rPr>
+                          </m:ctrlPr>
+                        </m:sSubPr>
+                        <m:e>
+                          <m:r>
+                            <a:rPr lang="en-US" b="0" i="1" smtClean="0">
+                              <a:latin typeface="Cambria Math" panose="02040503050406030204" pitchFamily="18" charset="0"/>
+                            </a:rPr>
+                            <m:t>𝑥</m:t>
+                          </m:r>
+                        </m:e>
+                        <m:sub>
+                          <m:r>
+                            <a:rPr lang="en-US" b="0" i="1" smtClean="0">
+                              <a:latin typeface="Cambria Math" panose="02040503050406030204" pitchFamily="18" charset="0"/>
+                            </a:rPr>
+                            <m:t>𝑗</m:t>
+                          </m:r>
+                        </m:sub>
+                      </m:sSub>
+                    </m:oMath>
+                  </m:oMathPara>
+                </a14:m>
+                <a:endParaRPr lang="en-US"/>
+              </a:p>
+            </p:txBody>
+          </p:sp>
+        </mc:Choice>
+        <mc:Fallback>
+          <p:sp>
+            <p:nvSpPr>
+              <p:cNvPr id="6" name="TextBox 5">
+                <a:extLst>
+                  <a:ext uri="{FF2B5EF4-FFF2-40B4-BE49-F238E27FC236}">
+                    <a16:creationId xmlns:a16="http://schemas.microsoft.com/office/drawing/2014/main" id="{8E971AE7-6F5D-9507-1F2B-1A927D5E88D0}"/>
+                  </a:ext>
+                </a:extLst>
+              </p:cNvPr>
+              <p:cNvSpPr txBox="1">
+                <a:spLocks noRot="1" noChangeAspect="1" noMove="1" noResize="1" noEditPoints="1" noAdjustHandles="1" noChangeArrowheads="1" noChangeShapeType="1" noTextEdit="1"/>
+              </p:cNvSpPr>
+              <p:nvPr/>
+            </p:nvSpPr>
+            <p:spPr>
+              <a:xfrm>
+                <a:off x="4779276" y="1459946"/>
+                <a:ext cx="241028" cy="299313"/>
+              </a:xfrm>
+              <a:prstGeom prst="rect">
+                <a:avLst/>
+              </a:prstGeom>
+              <a:blipFill>
+                <a:blip r:embed="rId5"/>
+                <a:stretch>
+                  <a:fillRect l="-15000" r="-15000" b="-22000"/>
+                </a:stretch>
+              </a:blipFill>
+            </p:spPr>
+            <p:txBody>
+              <a:bodyPr/>
+              <a:lstStyle/>
+              <a:p>
+                <a:r>
+                  <a:rPr lang="en-US">
+                    <a:noFill/>
+                  </a:rPr>
+                  <a:t> </a:t>
+                </a:r>
+              </a:p>
+            </p:txBody>
+          </p:sp>
+        </mc:Fallback>
+      </mc:AlternateContent>
+      <mc:AlternateContent xmlns:mc="http://schemas.openxmlformats.org/markup-compatibility/2006">
+        <mc:Choice xmlns:a14="http://schemas.microsoft.com/office/drawing/2010/main" Requires="a14">
+          <p:sp>
+            <p:nvSpPr>
+              <p:cNvPr id="7" name="TextBox 6">
+                <a:extLst>
+                  <a:ext uri="{FF2B5EF4-FFF2-40B4-BE49-F238E27FC236}">
+                    <a16:creationId xmlns:a16="http://schemas.microsoft.com/office/drawing/2014/main" id="{047FA349-78C2-4032-4412-2C68CFD92713}"/>
+                  </a:ext>
+                </a:extLst>
+              </p:cNvPr>
+              <p:cNvSpPr txBox="1"/>
+              <p:nvPr/>
+            </p:nvSpPr>
+            <p:spPr>
+              <a:xfrm>
+                <a:off x="6421039" y="1465588"/>
+                <a:ext cx="241028" cy="299313"/>
+              </a:xfrm>
+              <a:prstGeom prst="rect">
+                <a:avLst/>
+              </a:prstGeom>
+              <a:noFill/>
+            </p:spPr>
+            <p:txBody>
+              <a:bodyPr wrap="none" lIns="0" tIns="0" rIns="0" bIns="0" rtlCol="0">
+                <a:spAutoFit/>
+              </a:bodyPr>
+              <a:lstStyle/>
+              <a:p>
+                <a14:m>
+                  <m:oMathPara xmlns:m="http://schemas.openxmlformats.org/officeDocument/2006/math">
+                    <m:oMathParaPr>
+                      <m:jc m:val="centerGroup"/>
+                    </m:oMathParaPr>
+                    <m:oMath xmlns:m="http://schemas.openxmlformats.org/officeDocument/2006/math">
+                      <m:sSub>
+                        <m:sSubPr>
+                          <m:ctrlPr>
+                            <a:rPr lang="en-US" b="0" i="1" smtClean="0">
+                              <a:latin typeface="Cambria Math" panose="02040503050406030204" pitchFamily="18" charset="0"/>
+                            </a:rPr>
+                          </m:ctrlPr>
+                        </m:sSubPr>
+                        <m:e>
+                          <m:r>
+                            <a:rPr lang="en-US" b="0" i="1" smtClean="0">
+                              <a:latin typeface="Cambria Math" panose="02040503050406030204" pitchFamily="18" charset="0"/>
+                            </a:rPr>
+                            <m:t>𝑥</m:t>
+                          </m:r>
+                        </m:e>
+                        <m:sub>
+                          <m:r>
+                            <a:rPr lang="en-US" b="0" i="1" smtClean="0">
+                              <a:latin typeface="Cambria Math" panose="02040503050406030204" pitchFamily="18" charset="0"/>
+                            </a:rPr>
+                            <m:t>𝑗</m:t>
+                          </m:r>
+                        </m:sub>
+                      </m:sSub>
+                    </m:oMath>
+                  </m:oMathPara>
+                </a14:m>
+                <a:endParaRPr lang="en-US"/>
+              </a:p>
+            </p:txBody>
+          </p:sp>
+        </mc:Choice>
+        <mc:Fallback>
+          <p:sp>
+            <p:nvSpPr>
+              <p:cNvPr id="7" name="TextBox 6">
+                <a:extLst>
+                  <a:ext uri="{FF2B5EF4-FFF2-40B4-BE49-F238E27FC236}">
+                    <a16:creationId xmlns:a16="http://schemas.microsoft.com/office/drawing/2014/main" id="{047FA349-78C2-4032-4412-2C68CFD92713}"/>
+                  </a:ext>
+                </a:extLst>
+              </p:cNvPr>
+              <p:cNvSpPr txBox="1">
+                <a:spLocks noRot="1" noChangeAspect="1" noMove="1" noResize="1" noEditPoints="1" noAdjustHandles="1" noChangeArrowheads="1" noChangeShapeType="1" noTextEdit="1"/>
+              </p:cNvSpPr>
+              <p:nvPr/>
+            </p:nvSpPr>
+            <p:spPr>
+              <a:xfrm>
+                <a:off x="6421039" y="1465588"/>
+                <a:ext cx="241028" cy="299313"/>
+              </a:xfrm>
+              <a:prstGeom prst="rect">
+                <a:avLst/>
+              </a:prstGeom>
+              <a:blipFill>
+                <a:blip r:embed="rId6"/>
+                <a:stretch>
+                  <a:fillRect l="-15000" r="-15000" b="-22000"/>
+                </a:stretch>
+              </a:blipFill>
+            </p:spPr>
+            <p:txBody>
+              <a:bodyPr/>
+              <a:lstStyle/>
+              <a:p>
+                <a:r>
+                  <a:rPr lang="en-US">
+                    <a:noFill/>
+                  </a:rPr>
+                  <a:t> </a:t>
+                </a:r>
+              </a:p>
+            </p:txBody>
+          </p:sp>
+        </mc:Fallback>
+      </mc:AlternateContent>
+      <mc:AlternateContent xmlns:mc="http://schemas.openxmlformats.org/markup-compatibility/2006">
+        <mc:Choice xmlns:a14="http://schemas.microsoft.com/office/drawing/2010/main" Requires="a14">
+          <p:sp>
+            <p:nvSpPr>
+              <p:cNvPr id="8" name="TextBox 7">
+                <a:extLst>
+                  <a:ext uri="{FF2B5EF4-FFF2-40B4-BE49-F238E27FC236}">
+                    <a16:creationId xmlns:a16="http://schemas.microsoft.com/office/drawing/2014/main" id="{3E59DC15-6224-7DF5-6157-150831AAFABE}"/>
+                  </a:ext>
+                </a:extLst>
+              </p:cNvPr>
+              <p:cNvSpPr txBox="1"/>
+              <p:nvPr/>
+            </p:nvSpPr>
+            <p:spPr>
+              <a:xfrm>
+                <a:off x="8074376" y="1469014"/>
+                <a:ext cx="241028" cy="299313"/>
+              </a:xfrm>
+              <a:prstGeom prst="rect">
+                <a:avLst/>
+              </a:prstGeom>
+              <a:noFill/>
+            </p:spPr>
+            <p:txBody>
+              <a:bodyPr wrap="none" lIns="0" tIns="0" rIns="0" bIns="0" rtlCol="0">
+                <a:spAutoFit/>
+              </a:bodyPr>
+              <a:lstStyle/>
+              <a:p>
+                <a14:m>
+                  <m:oMathPara xmlns:m="http://schemas.openxmlformats.org/officeDocument/2006/math">
+                    <m:oMathParaPr>
+                      <m:jc m:val="centerGroup"/>
+                    </m:oMathParaPr>
+                    <m:oMath xmlns:m="http://schemas.openxmlformats.org/officeDocument/2006/math">
+                      <m:sSub>
+                        <m:sSubPr>
+                          <m:ctrlPr>
+                            <a:rPr lang="en-US" b="0" i="1" smtClean="0">
+                              <a:latin typeface="Cambria Math" panose="02040503050406030204" pitchFamily="18" charset="0"/>
+                            </a:rPr>
+                          </m:ctrlPr>
+                        </m:sSubPr>
+                        <m:e>
+                          <m:r>
+                            <a:rPr lang="en-US" b="0" i="1" smtClean="0">
+                              <a:latin typeface="Cambria Math" panose="02040503050406030204" pitchFamily="18" charset="0"/>
+                            </a:rPr>
+                            <m:t>𝑥</m:t>
+                          </m:r>
+                        </m:e>
+                        <m:sub>
+                          <m:r>
+                            <a:rPr lang="en-US" b="0" i="1" smtClean="0">
+                              <a:latin typeface="Cambria Math" panose="02040503050406030204" pitchFamily="18" charset="0"/>
+                            </a:rPr>
+                            <m:t>𝑗</m:t>
+                          </m:r>
+                        </m:sub>
+                      </m:sSub>
+                    </m:oMath>
+                  </m:oMathPara>
+                </a14:m>
+                <a:endParaRPr lang="en-US"/>
+              </a:p>
+            </p:txBody>
+          </p:sp>
+        </mc:Choice>
+        <mc:Fallback>
+          <p:sp>
+            <p:nvSpPr>
+              <p:cNvPr id="8" name="TextBox 7">
+                <a:extLst>
+                  <a:ext uri="{FF2B5EF4-FFF2-40B4-BE49-F238E27FC236}">
+                    <a16:creationId xmlns:a16="http://schemas.microsoft.com/office/drawing/2014/main" id="{3E59DC15-6224-7DF5-6157-150831AAFABE}"/>
+                  </a:ext>
+                </a:extLst>
+              </p:cNvPr>
+              <p:cNvSpPr txBox="1">
+                <a:spLocks noRot="1" noChangeAspect="1" noMove="1" noResize="1" noEditPoints="1" noAdjustHandles="1" noChangeArrowheads="1" noChangeShapeType="1" noTextEdit="1"/>
+              </p:cNvSpPr>
+              <p:nvPr/>
+            </p:nvSpPr>
+            <p:spPr>
+              <a:xfrm>
+                <a:off x="8074376" y="1469014"/>
+                <a:ext cx="241028" cy="299313"/>
+              </a:xfrm>
+              <a:prstGeom prst="rect">
+                <a:avLst/>
+              </a:prstGeom>
+              <a:blipFill>
+                <a:blip r:embed="rId7"/>
+                <a:stretch>
+                  <a:fillRect l="-15385" r="-17949" b="-24490"/>
+                </a:stretch>
+              </a:blipFill>
+            </p:spPr>
+            <p:txBody>
+              <a:bodyPr/>
+              <a:lstStyle/>
+              <a:p>
+                <a:r>
+                  <a:rPr lang="en-US">
+                    <a:noFill/>
+                  </a:rPr>
+                  <a:t> </a:t>
+                </a:r>
+              </a:p>
+            </p:txBody>
+          </p:sp>
+        </mc:Fallback>
+      </mc:AlternateContent>
+      <mc:AlternateContent xmlns:mc="http://schemas.openxmlformats.org/markup-compatibility/2006">
+        <mc:Choice xmlns:a14="http://schemas.microsoft.com/office/drawing/2010/main" Requires="a14">
+          <p:sp>
+            <p:nvSpPr>
+              <p:cNvPr id="9" name="TextBox 8">
+                <a:extLst>
+                  <a:ext uri="{FF2B5EF4-FFF2-40B4-BE49-F238E27FC236}">
+                    <a16:creationId xmlns:a16="http://schemas.microsoft.com/office/drawing/2014/main" id="{31459236-C13C-F462-7E8C-1EC248865111}"/>
+                  </a:ext>
+                </a:extLst>
+              </p:cNvPr>
+              <p:cNvSpPr txBox="1"/>
+              <p:nvPr/>
+            </p:nvSpPr>
+            <p:spPr>
+              <a:xfrm>
+                <a:off x="9281149" y="1448372"/>
+                <a:ext cx="1939057" cy="310598"/>
+              </a:xfrm>
+              <a:prstGeom prst="rect">
+                <a:avLst/>
+              </a:prstGeom>
+              <a:noFill/>
+            </p:spPr>
+            <p:txBody>
+              <a:bodyPr wrap="none" lIns="0" tIns="0" rIns="0" bIns="0" rtlCol="0">
+                <a:spAutoFit/>
+              </a:bodyPr>
+              <a:lstStyle/>
+              <a:p>
+                <a14:m>
+                  <m:oMathPara xmlns:m="http://schemas.openxmlformats.org/officeDocument/2006/math">
+                    <m:oMathParaPr>
+                      <m:jc m:val="centerGroup"/>
+                    </m:oMathParaPr>
+                    <m:oMath xmlns:m="http://schemas.openxmlformats.org/officeDocument/2006/math">
+                      <m:r>
+                        <m:rPr>
+                          <m:nor/>
+                        </m:rPr>
+                        <a:rPr lang="en-US" i="0" smtClean="0">
+                          <a:latin typeface="Cambria Math" panose="02040503050406030204" pitchFamily="18" charset="0"/>
+                        </a:rPr>
+                        <m:t>subvectors</m:t>
+                      </m:r>
+                      <m:sSub>
+                        <m:sSubPr>
+                          <m:ctrlPr>
+                            <a:rPr lang="en-US" i="1" smtClean="0">
+                              <a:latin typeface="Cambria Math" panose="02040503050406030204" pitchFamily="18" charset="0"/>
+                            </a:rPr>
+                          </m:ctrlPr>
+                        </m:sSubPr>
+                        <m:e>
+                          <m:r>
+                            <a:rPr lang="en-US" b="0" i="1" smtClean="0">
+                              <a:latin typeface="Cambria Math" panose="02040503050406030204" pitchFamily="18" charset="0"/>
+                            </a:rPr>
+                            <m:t> </m:t>
+                          </m:r>
+                          <m:r>
+                            <a:rPr lang="en-US" i="1" smtClean="0">
+                              <a:latin typeface="Cambria Math" panose="02040503050406030204" pitchFamily="18" charset="0"/>
+                            </a:rPr>
+                            <m:t>𝑥</m:t>
+                          </m:r>
+                        </m:e>
+                        <m:sub>
+                          <m:r>
+                            <a:rPr lang="en-US" i="1" smtClean="0">
+                              <a:latin typeface="Cambria Math" panose="02040503050406030204" pitchFamily="18" charset="0"/>
+                            </a:rPr>
+                            <m:t>𝑗</m:t>
+                          </m:r>
+                        </m:sub>
+                      </m:sSub>
+                      <m:r>
+                        <a:rPr lang="en-US" b="0" i="1" smtClean="0">
+                          <a:latin typeface="Cambria Math" panose="02040503050406030204" pitchFamily="18" charset="0"/>
+                        </a:rPr>
+                        <m:t>∈</m:t>
+                      </m:r>
+                      <m:sSup>
+                        <m:sSupPr>
+                          <m:ctrlPr>
+                            <a:rPr lang="en-US" i="1" smtClean="0">
+                              <a:latin typeface="Cambria Math" panose="02040503050406030204" pitchFamily="18" charset="0"/>
+                            </a:rPr>
+                          </m:ctrlPr>
+                        </m:sSupPr>
+                        <m:e>
+                          <m:r>
+                            <a:rPr lang="en-US" b="0" i="1" smtClean="0">
+                              <a:latin typeface="Cambria Math" panose="02040503050406030204" pitchFamily="18" charset="0"/>
+                            </a:rPr>
+                            <m:t>ℝ</m:t>
+                          </m:r>
+                        </m:e>
+                        <m:sup>
+                          <m:r>
+                            <a:rPr lang="en-US" i="1">
+                              <a:latin typeface="Cambria Math" panose="02040503050406030204" pitchFamily="18" charset="0"/>
+                            </a:rPr>
+                            <m:t>𝑑</m:t>
+                          </m:r>
+                        </m:sup>
+                      </m:sSup>
+                    </m:oMath>
+                  </m:oMathPara>
+                </a14:m>
+                <a:endParaRPr lang="en-US"/>
+              </a:p>
+            </p:txBody>
+          </p:sp>
+        </mc:Choice>
+        <mc:Fallback>
+          <p:sp>
+            <p:nvSpPr>
+              <p:cNvPr id="9" name="TextBox 8">
+                <a:extLst>
+                  <a:ext uri="{FF2B5EF4-FFF2-40B4-BE49-F238E27FC236}">
+                    <a16:creationId xmlns:a16="http://schemas.microsoft.com/office/drawing/2014/main" id="{31459236-C13C-F462-7E8C-1EC248865111}"/>
+                  </a:ext>
+                </a:extLst>
+              </p:cNvPr>
+              <p:cNvSpPr txBox="1">
+                <a:spLocks noRot="1" noChangeAspect="1" noMove="1" noResize="1" noEditPoints="1" noAdjustHandles="1" noChangeArrowheads="1" noChangeShapeType="1" noTextEdit="1"/>
+              </p:cNvSpPr>
+              <p:nvPr/>
+            </p:nvSpPr>
+            <p:spPr>
+              <a:xfrm>
+                <a:off x="9281149" y="1448372"/>
+                <a:ext cx="1939057" cy="310598"/>
+              </a:xfrm>
+              <a:prstGeom prst="rect">
+                <a:avLst/>
+              </a:prstGeom>
+              <a:blipFill>
+                <a:blip r:embed="rId8"/>
+                <a:stretch>
+                  <a:fillRect l="-2821" r="-313" b="-21569"/>
+                </a:stretch>
+              </a:blipFill>
+            </p:spPr>
+            <p:txBody>
+              <a:bodyPr/>
+              <a:lstStyle/>
+              <a:p>
+                <a:r>
+                  <a:rPr lang="en-US">
+                    <a:noFill/>
+                  </a:rPr>
+                  <a:t> </a:t>
+                </a:r>
+              </a:p>
+            </p:txBody>
+          </p:sp>
+        </mc:Fallback>
+      </mc:AlternateContent>
+      <mc:AlternateContent xmlns:mc="http://schemas.openxmlformats.org/markup-compatibility/2006">
+        <mc:Choice xmlns:a14="http://schemas.microsoft.com/office/drawing/2010/main" Requires="a14">
+          <p:sp>
+            <p:nvSpPr>
+              <p:cNvPr id="10" name="TextBox 9">
+                <a:extLst>
+                  <a:ext uri="{FF2B5EF4-FFF2-40B4-BE49-F238E27FC236}">
+                    <a16:creationId xmlns:a16="http://schemas.microsoft.com/office/drawing/2014/main" id="{DDB9E504-415D-F6CF-3EEC-C1881488066A}"/>
+                  </a:ext>
+                </a:extLst>
+              </p:cNvPr>
+              <p:cNvSpPr txBox="1"/>
+              <p:nvPr/>
+            </p:nvSpPr>
+            <p:spPr>
+              <a:xfrm>
+                <a:off x="2261066" y="3567954"/>
+                <a:ext cx="1666354" cy="232756"/>
+              </a:xfrm>
+              <a:prstGeom prst="rect">
+                <a:avLst/>
+              </a:prstGeom>
+              <a:noFill/>
+            </p:spPr>
+            <p:txBody>
+              <a:bodyPr wrap="none" lIns="0" tIns="0" rIns="0" bIns="0" rtlCol="0">
+                <a:spAutoFit/>
+              </a:bodyPr>
+              <a:lstStyle/>
+              <a:p>
+                <a14:m>
+                  <m:oMathPara xmlns:m="http://schemas.openxmlformats.org/officeDocument/2006/math">
+                    <m:oMathParaPr>
+                      <m:jc m:val="centerGroup"/>
+                    </m:oMathParaPr>
+                    <m:oMath xmlns:m="http://schemas.openxmlformats.org/officeDocument/2006/math">
+                      <m:sSub>
+                        <m:sSubPr>
+                          <m:ctrlPr>
+                            <a:rPr lang="en-US" sz="1400" i="1" smtClean="0">
+                              <a:latin typeface="Cambria Math" panose="02040503050406030204" pitchFamily="18" charset="0"/>
+                            </a:rPr>
+                          </m:ctrlPr>
+                        </m:sSubPr>
+                        <m:e>
+                          <m:r>
+                            <a:rPr lang="en-US" sz="1400" i="1" smtClean="0">
+                              <a:latin typeface="Cambria Math" panose="02040503050406030204" pitchFamily="18" charset="0"/>
+                            </a:rPr>
+                            <m:t>𝐶</m:t>
+                          </m:r>
+                        </m:e>
+                        <m:sub>
+                          <m:r>
+                            <a:rPr lang="en-US" sz="1400" i="1" smtClean="0">
+                              <a:latin typeface="Cambria Math" panose="02040503050406030204" pitchFamily="18" charset="0"/>
+                            </a:rPr>
+                            <m:t>𝑗</m:t>
+                          </m:r>
+                        </m:sub>
+                      </m:sSub>
+                      <m:r>
+                        <a:rPr lang="en-US" sz="1400" i="1" smtClean="0">
+                          <a:latin typeface="Cambria Math" panose="02040503050406030204" pitchFamily="18" charset="0"/>
+                        </a:rPr>
+                        <m:t>=</m:t>
+                      </m:r>
+                      <m:sSub>
+                        <m:sSubPr>
+                          <m:ctrlPr>
+                            <a:rPr lang="en-US" sz="1400" i="1" smtClean="0">
+                              <a:latin typeface="Cambria Math" panose="02040503050406030204" pitchFamily="18" charset="0"/>
+                            </a:rPr>
+                          </m:ctrlPr>
+                        </m:sSubPr>
+                        <m:e>
+                          <m:r>
+                            <a:rPr lang="en-US" sz="1400" b="0" i="1" smtClean="0">
+                              <a:latin typeface="Cambria Math" panose="02040503050406030204" pitchFamily="18" charset="0"/>
+                            </a:rPr>
+                            <m:t>{</m:t>
+                          </m:r>
+                          <m:r>
+                            <a:rPr lang="en-US" sz="1400" i="1" smtClean="0">
+                              <a:latin typeface="Cambria Math" panose="02040503050406030204" pitchFamily="18" charset="0"/>
+                            </a:rPr>
+                            <m:t>𝑐</m:t>
+                          </m:r>
+                        </m:e>
+                        <m:sub>
+                          <m:r>
+                            <a:rPr lang="en-US" sz="1400" i="1" smtClean="0">
+                              <a:latin typeface="Cambria Math" panose="02040503050406030204" pitchFamily="18" charset="0"/>
+                            </a:rPr>
+                            <m:t>𝑗</m:t>
+                          </m:r>
+                          <m:r>
+                            <a:rPr lang="en-US" sz="1400" i="1" smtClean="0">
+                              <a:latin typeface="Cambria Math" panose="02040503050406030204" pitchFamily="18" charset="0"/>
+                            </a:rPr>
+                            <m:t>,1</m:t>
+                          </m:r>
+                        </m:sub>
+                      </m:sSub>
+                      <m:r>
+                        <a:rPr lang="en-US" sz="1400" i="1" smtClean="0">
+                          <a:latin typeface="Cambria Math" panose="02040503050406030204" pitchFamily="18" charset="0"/>
+                        </a:rPr>
+                        <m:t>,</m:t>
+                      </m:r>
+                      <m:sSub>
+                        <m:sSubPr>
+                          <m:ctrlPr>
+                            <a:rPr lang="en-US" sz="1400" i="1" smtClean="0">
+                              <a:latin typeface="Cambria Math" panose="02040503050406030204" pitchFamily="18" charset="0"/>
+                            </a:rPr>
+                          </m:ctrlPr>
+                        </m:sSubPr>
+                        <m:e>
+                          <m:r>
+                            <a:rPr lang="en-US" sz="1400" i="1" smtClean="0">
+                              <a:latin typeface="Cambria Math" panose="02040503050406030204" pitchFamily="18" charset="0"/>
+                            </a:rPr>
+                            <m:t>𝑐</m:t>
+                          </m:r>
+                        </m:e>
+                        <m:sub>
+                          <m:r>
+                            <a:rPr lang="en-US" sz="1400" i="1" smtClean="0">
+                              <a:latin typeface="Cambria Math" panose="02040503050406030204" pitchFamily="18" charset="0"/>
+                            </a:rPr>
+                            <m:t>𝑗</m:t>
+                          </m:r>
+                          <m:r>
+                            <a:rPr lang="en-US" sz="1400" i="1" smtClean="0">
+                              <a:latin typeface="Cambria Math" panose="02040503050406030204" pitchFamily="18" charset="0"/>
+                            </a:rPr>
+                            <m:t>,2</m:t>
+                          </m:r>
+                        </m:sub>
+                      </m:sSub>
+                      <m:r>
+                        <a:rPr lang="en-US" sz="1400" i="1" smtClean="0">
+                          <a:latin typeface="Cambria Math" panose="02040503050406030204" pitchFamily="18" charset="0"/>
+                        </a:rPr>
+                        <m:t>,</m:t>
+                      </m:r>
+                      <m:r>
+                        <a:rPr lang="en-US" sz="1400" b="0" i="1" smtClean="0">
+                          <a:latin typeface="Cambria Math" panose="02040503050406030204" pitchFamily="18" charset="0"/>
+                        </a:rPr>
+                        <m:t>…</m:t>
+                      </m:r>
+                      <m:r>
+                        <a:rPr lang="en-US" sz="1400" i="1" smtClean="0">
+                          <a:latin typeface="Cambria Math" panose="02040503050406030204" pitchFamily="18" charset="0"/>
+                        </a:rPr>
+                        <m:t>,</m:t>
+                      </m:r>
+                      <m:sSub>
+                        <m:sSubPr>
+                          <m:ctrlPr>
+                            <a:rPr lang="en-US" sz="1400" i="1" smtClean="0">
+                              <a:latin typeface="Cambria Math" panose="02040503050406030204" pitchFamily="18" charset="0"/>
+                            </a:rPr>
+                          </m:ctrlPr>
+                        </m:sSubPr>
+                        <m:e>
+                          <m:r>
+                            <a:rPr lang="en-US" sz="1400" i="1" smtClean="0">
+                              <a:latin typeface="Cambria Math" panose="02040503050406030204" pitchFamily="18" charset="0"/>
+                            </a:rPr>
+                            <m:t>𝑐</m:t>
+                          </m:r>
+                        </m:e>
+                        <m:sub>
+                          <m:r>
+                            <a:rPr lang="en-US" sz="1400" i="1" smtClean="0">
+                              <a:latin typeface="Cambria Math" panose="02040503050406030204" pitchFamily="18" charset="0"/>
+                            </a:rPr>
+                            <m:t>𝑗</m:t>
+                          </m:r>
+                          <m:r>
+                            <a:rPr lang="en-US" sz="1400" i="1" smtClean="0">
+                              <a:latin typeface="Cambria Math" panose="02040503050406030204" pitchFamily="18" charset="0"/>
+                            </a:rPr>
+                            <m:t>,</m:t>
+                          </m:r>
+                          <m:r>
+                            <a:rPr lang="en-US" sz="1400" i="1" smtClean="0">
+                              <a:latin typeface="Cambria Math" panose="02040503050406030204" pitchFamily="18" charset="0"/>
+                            </a:rPr>
+                            <m:t>𝑘</m:t>
+                          </m:r>
+                        </m:sub>
+                      </m:sSub>
+                      <m:r>
+                        <a:rPr lang="en-US" sz="1400" b="0" i="1" smtClean="0">
+                          <a:latin typeface="Cambria Math" panose="02040503050406030204" pitchFamily="18" charset="0"/>
+                        </a:rPr>
+                        <m:t>}</m:t>
+                      </m:r>
+                    </m:oMath>
+                  </m:oMathPara>
+                </a14:m>
+                <a:endParaRPr lang="en-US" sz="1400"/>
+              </a:p>
+            </p:txBody>
+          </p:sp>
+        </mc:Choice>
+        <mc:Fallback>
+          <p:sp>
+            <p:nvSpPr>
+              <p:cNvPr id="10" name="TextBox 9">
+                <a:extLst>
+                  <a:ext uri="{FF2B5EF4-FFF2-40B4-BE49-F238E27FC236}">
+                    <a16:creationId xmlns:a16="http://schemas.microsoft.com/office/drawing/2014/main" id="{DDB9E504-415D-F6CF-3EEC-C1881488066A}"/>
+                  </a:ext>
+                </a:extLst>
+              </p:cNvPr>
+              <p:cNvSpPr txBox="1">
+                <a:spLocks noRot="1" noChangeAspect="1" noMove="1" noResize="1" noEditPoints="1" noAdjustHandles="1" noChangeArrowheads="1" noChangeShapeType="1" noTextEdit="1"/>
+              </p:cNvSpPr>
+              <p:nvPr/>
+            </p:nvSpPr>
+            <p:spPr>
+              <a:xfrm>
+                <a:off x="2261066" y="3567954"/>
+                <a:ext cx="1666354" cy="232756"/>
+              </a:xfrm>
+              <a:prstGeom prst="rect">
+                <a:avLst/>
+              </a:prstGeom>
+              <a:blipFill>
+                <a:blip r:embed="rId9"/>
+                <a:stretch>
+                  <a:fillRect l="-2198" r="-3663" b="-26316"/>
+                </a:stretch>
+              </a:blipFill>
+            </p:spPr>
+            <p:txBody>
+              <a:bodyPr/>
+              <a:lstStyle/>
+              <a:p>
+                <a:r>
+                  <a:rPr lang="en-US">
+                    <a:noFill/>
+                  </a:rPr>
+                  <a:t> </a:t>
+                </a:r>
+              </a:p>
+            </p:txBody>
+          </p:sp>
+        </mc:Fallback>
+      </mc:AlternateContent>
+      <p:pic>
+        <p:nvPicPr>
+          <p:cNvPr id="18" name="Picture 17">
+            <a:extLst>
+              <a:ext uri="{FF2B5EF4-FFF2-40B4-BE49-F238E27FC236}">
+                <a16:creationId xmlns:a16="http://schemas.microsoft.com/office/drawing/2014/main" id="{3F7D8D6B-91A0-3AEA-31F4-CE8487FC695B}"/>
+              </a:ext>
+            </a:extLst>
+          </p:cNvPr>
+          <p:cNvPicPr>
+            <a:picLocks noChangeAspect="1"/>
+          </p:cNvPicPr>
+          <p:nvPr/>
+        </p:nvPicPr>
+        <p:blipFill>
+          <a:blip r:embed="rId2">
+            <a:extLst>
+              <a:ext uri="{28A0092B-C50C-407E-A947-70E740481C1C}">
+                <a14:useLocalDpi xmlns:a14="http://schemas.microsoft.com/office/drawing/2010/main" val="0"/>
+              </a:ext>
+            </a:extLst>
+          </a:blip>
+          <a:srcRect t="54829"/>
+          <a:stretch>
+            <a:fillRect/>
+          </a:stretch>
+        </p:blipFill>
+        <p:spPr>
+          <a:xfrm>
+            <a:off x="1623442" y="3866586"/>
+            <a:ext cx="8945116" cy="2991414"/>
+          </a:xfrm>
+          <a:prstGeom prst="rect">
+            <a:avLst/>
+          </a:prstGeom>
+        </p:spPr>
+      </p:pic>
+      <mc:AlternateContent xmlns:mc="http://schemas.openxmlformats.org/markup-compatibility/2006">
+        <mc:Choice xmlns:a14="http://schemas.microsoft.com/office/drawing/2010/main" Requires="a14">
+          <p:sp>
+            <p:nvSpPr>
+              <p:cNvPr id="11" name="TextBox 10">
+                <a:extLst>
+                  <a:ext uri="{FF2B5EF4-FFF2-40B4-BE49-F238E27FC236}">
+                    <a16:creationId xmlns:a16="http://schemas.microsoft.com/office/drawing/2014/main" id="{5AD849E9-AA77-21A0-BBDB-E31E39CDB1DB}"/>
+                  </a:ext>
+                </a:extLst>
+              </p:cNvPr>
+              <p:cNvSpPr txBox="1"/>
+              <p:nvPr/>
+            </p:nvSpPr>
+            <p:spPr>
+              <a:xfrm>
+                <a:off x="2556086" y="4669323"/>
+                <a:ext cx="1290546" cy="246221"/>
+              </a:xfrm>
+              <a:prstGeom prst="rect">
+                <a:avLst/>
+              </a:prstGeom>
+              <a:noFill/>
+            </p:spPr>
+            <p:txBody>
+              <a:bodyPr wrap="none" lIns="0" tIns="0" rIns="0" bIns="0" rtlCol="0">
+                <a:spAutoFit/>
+              </a:bodyPr>
+              <a:lstStyle/>
+              <a:p>
+                <a14:m>
+                  <m:oMathPara xmlns:m="http://schemas.openxmlformats.org/officeDocument/2006/math">
+                    <m:oMathParaPr>
+                      <m:jc m:val="centerGroup"/>
+                    </m:oMathParaPr>
+                    <m:oMath xmlns:m="http://schemas.openxmlformats.org/officeDocument/2006/math">
+                      <m:sSub>
+                        <m:sSubPr>
+                          <m:ctrlPr>
+                            <a:rPr lang="fr-FR" sz="1600" i="1" smtClean="0">
+                              <a:latin typeface="Cambria Math" panose="02040503050406030204" pitchFamily="18" charset="0"/>
+                            </a:rPr>
+                          </m:ctrlPr>
+                        </m:sSubPr>
+                        <m:e>
+                          <m:r>
+                            <a:rPr lang="fr-FR" sz="1600" i="1">
+                              <a:latin typeface="Cambria Math" panose="02040503050406030204" pitchFamily="18" charset="0"/>
+                            </a:rPr>
+                            <m:t>𝑞</m:t>
+                          </m:r>
+                        </m:e>
+                        <m:sub>
+                          <m:r>
+                            <a:rPr lang="fr-FR" sz="1600" i="1">
+                              <a:latin typeface="Cambria Math" panose="02040503050406030204" pitchFamily="18" charset="0"/>
+                            </a:rPr>
+                            <m:t>1</m:t>
+                          </m:r>
+                        </m:sub>
+                      </m:sSub>
+                      <m:sSub>
+                        <m:sSubPr>
+                          <m:ctrlPr>
+                            <a:rPr lang="fr-FR" sz="1600" i="1">
+                              <a:latin typeface="Cambria Math" panose="02040503050406030204" pitchFamily="18" charset="0"/>
+                            </a:rPr>
+                          </m:ctrlPr>
+                        </m:sSubPr>
+                        <m:e>
+                          <m:r>
+                            <a:rPr lang="fr-FR" sz="1600" i="1">
+                              <a:latin typeface="Cambria Math" panose="02040503050406030204" pitchFamily="18" charset="0"/>
+                            </a:rPr>
+                            <m:t>𝑥</m:t>
+                          </m:r>
+                        </m:e>
+                        <m:sub>
+                          <m:r>
+                            <a:rPr lang="fr-FR" sz="1600" i="1">
+                              <a:latin typeface="Cambria Math" panose="02040503050406030204" pitchFamily="18" charset="0"/>
+                            </a:rPr>
+                            <m:t>1</m:t>
+                          </m:r>
+                        </m:sub>
+                      </m:sSub>
+                      <m:r>
+                        <a:rPr lang="fr-FR" sz="1600" i="1">
+                          <a:latin typeface="Cambria Math" panose="02040503050406030204" pitchFamily="18" charset="0"/>
+                        </a:rPr>
+                        <m:t>,…,</m:t>
+                      </m:r>
+                      <m:sSub>
+                        <m:sSubPr>
+                          <m:ctrlPr>
+                            <a:rPr lang="fr-FR" sz="1600" i="1">
+                              <a:latin typeface="Cambria Math" panose="02040503050406030204" pitchFamily="18" charset="0"/>
+                            </a:rPr>
+                          </m:ctrlPr>
+                        </m:sSubPr>
+                        <m:e>
+                          <m:r>
+                            <a:rPr lang="fr-FR" sz="1600" i="1">
+                              <a:latin typeface="Cambria Math" panose="02040503050406030204" pitchFamily="18" charset="0"/>
+                            </a:rPr>
+                            <m:t>𝑞</m:t>
+                          </m:r>
+                        </m:e>
+                        <m:sub>
+                          <m:r>
+                            <a:rPr lang="fr-FR" sz="1600" i="1">
+                              <a:latin typeface="Cambria Math" panose="02040503050406030204" pitchFamily="18" charset="0"/>
+                            </a:rPr>
+                            <m:t>𝑚</m:t>
+                          </m:r>
+                        </m:sub>
+                      </m:sSub>
+                      <m:sSub>
+                        <m:sSubPr>
+                          <m:ctrlPr>
+                            <a:rPr lang="fr-FR" sz="1600" i="1">
+                              <a:latin typeface="Cambria Math" panose="02040503050406030204" pitchFamily="18" charset="0"/>
+                            </a:rPr>
+                          </m:ctrlPr>
+                        </m:sSubPr>
+                        <m:e>
+                          <m:r>
+                            <a:rPr lang="fr-FR" sz="1600" i="1">
+                              <a:latin typeface="Cambria Math" panose="02040503050406030204" pitchFamily="18" charset="0"/>
+                            </a:rPr>
+                            <m:t>𝑥</m:t>
+                          </m:r>
+                        </m:e>
+                        <m:sub>
+                          <m:r>
+                            <a:rPr lang="fr-FR" sz="1600" i="1">
+                              <a:latin typeface="Cambria Math" panose="02040503050406030204" pitchFamily="18" charset="0"/>
+                            </a:rPr>
+                            <m:t>𝑚</m:t>
+                          </m:r>
+                        </m:sub>
+                      </m:sSub>
+                    </m:oMath>
+                  </m:oMathPara>
+                </a14:m>
+                <a:endParaRPr lang="en-US" sz="1600"/>
+              </a:p>
+            </p:txBody>
+          </p:sp>
+        </mc:Choice>
+        <mc:Fallback>
+          <p:sp>
+            <p:nvSpPr>
+              <p:cNvPr id="11" name="TextBox 10">
+                <a:extLst>
+                  <a:ext uri="{FF2B5EF4-FFF2-40B4-BE49-F238E27FC236}">
+                    <a16:creationId xmlns:a16="http://schemas.microsoft.com/office/drawing/2014/main" id="{5AD849E9-AA77-21A0-BBDB-E31E39CDB1DB}"/>
+                  </a:ext>
+                </a:extLst>
+              </p:cNvPr>
+              <p:cNvSpPr txBox="1">
+                <a:spLocks noRot="1" noChangeAspect="1" noMove="1" noResize="1" noEditPoints="1" noAdjustHandles="1" noChangeArrowheads="1" noChangeShapeType="1" noTextEdit="1"/>
+              </p:cNvSpPr>
+              <p:nvPr/>
+            </p:nvSpPr>
+            <p:spPr>
+              <a:xfrm>
+                <a:off x="2556086" y="4669323"/>
+                <a:ext cx="1290546" cy="246221"/>
+              </a:xfrm>
+              <a:prstGeom prst="rect">
+                <a:avLst/>
+              </a:prstGeom>
+              <a:blipFill>
+                <a:blip r:embed="rId10"/>
+                <a:stretch>
+                  <a:fillRect l="-3774" b="-25000"/>
+                </a:stretch>
+              </a:blipFill>
+            </p:spPr>
+            <p:txBody>
+              <a:bodyPr/>
+              <a:lstStyle/>
+              <a:p>
+                <a:r>
+                  <a:rPr lang="en-US">
+                    <a:noFill/>
+                  </a:rPr>
+                  <a:t> </a:t>
+                </a:r>
+              </a:p>
+            </p:txBody>
+          </p:sp>
+        </mc:Fallback>
+      </mc:AlternateContent>
+      <mc:AlternateContent xmlns:mc="http://schemas.openxmlformats.org/markup-compatibility/2006">
+        <mc:Choice xmlns:a14="http://schemas.microsoft.com/office/drawing/2010/main" Requires="a14">
+          <p:sp>
+            <p:nvSpPr>
+              <p:cNvPr id="12" name="TextBox 11">
+                <a:extLst>
+                  <a:ext uri="{FF2B5EF4-FFF2-40B4-BE49-F238E27FC236}">
+                    <a16:creationId xmlns:a16="http://schemas.microsoft.com/office/drawing/2014/main" id="{F6FDC299-5ED1-0534-4EC4-AD44F7F18F82}"/>
+                  </a:ext>
+                </a:extLst>
+              </p:cNvPr>
+              <p:cNvSpPr txBox="1"/>
+              <p:nvPr/>
+            </p:nvSpPr>
+            <p:spPr>
+              <a:xfrm>
+                <a:off x="4214116" y="4655914"/>
+                <a:ext cx="1290546" cy="246221"/>
+              </a:xfrm>
+              <a:prstGeom prst="rect">
+                <a:avLst/>
+              </a:prstGeom>
+              <a:noFill/>
+            </p:spPr>
+            <p:txBody>
+              <a:bodyPr wrap="none" lIns="0" tIns="0" rIns="0" bIns="0" rtlCol="0">
+                <a:spAutoFit/>
+              </a:bodyPr>
+              <a:lstStyle/>
+              <a:p>
+                <a14:m>
+                  <m:oMathPara xmlns:m="http://schemas.openxmlformats.org/officeDocument/2006/math">
+                    <m:oMathParaPr>
+                      <m:jc m:val="centerGroup"/>
+                    </m:oMathParaPr>
+                    <m:oMath xmlns:m="http://schemas.openxmlformats.org/officeDocument/2006/math">
+                      <m:sSub>
+                        <m:sSubPr>
+                          <m:ctrlPr>
+                            <a:rPr lang="fr-FR" sz="1600" i="1" smtClean="0">
+                              <a:latin typeface="Cambria Math" panose="02040503050406030204" pitchFamily="18" charset="0"/>
+                            </a:rPr>
+                          </m:ctrlPr>
+                        </m:sSubPr>
+                        <m:e>
+                          <m:r>
+                            <a:rPr lang="fr-FR" sz="1600" i="1">
+                              <a:latin typeface="Cambria Math" panose="02040503050406030204" pitchFamily="18" charset="0"/>
+                            </a:rPr>
+                            <m:t>𝑞</m:t>
+                          </m:r>
+                        </m:e>
+                        <m:sub>
+                          <m:r>
+                            <a:rPr lang="fr-FR" sz="1600" i="1">
+                              <a:latin typeface="Cambria Math" panose="02040503050406030204" pitchFamily="18" charset="0"/>
+                            </a:rPr>
+                            <m:t>1</m:t>
+                          </m:r>
+                        </m:sub>
+                      </m:sSub>
+                      <m:sSub>
+                        <m:sSubPr>
+                          <m:ctrlPr>
+                            <a:rPr lang="fr-FR" sz="1600" i="1">
+                              <a:latin typeface="Cambria Math" panose="02040503050406030204" pitchFamily="18" charset="0"/>
+                            </a:rPr>
+                          </m:ctrlPr>
+                        </m:sSubPr>
+                        <m:e>
+                          <m:r>
+                            <a:rPr lang="fr-FR" sz="1600" i="1">
+                              <a:latin typeface="Cambria Math" panose="02040503050406030204" pitchFamily="18" charset="0"/>
+                            </a:rPr>
+                            <m:t>𝑥</m:t>
+                          </m:r>
+                        </m:e>
+                        <m:sub>
+                          <m:r>
+                            <a:rPr lang="fr-FR" sz="1600" i="1">
+                              <a:latin typeface="Cambria Math" panose="02040503050406030204" pitchFamily="18" charset="0"/>
+                            </a:rPr>
+                            <m:t>1</m:t>
+                          </m:r>
+                        </m:sub>
+                      </m:sSub>
+                      <m:r>
+                        <a:rPr lang="fr-FR" sz="1600" i="1">
+                          <a:latin typeface="Cambria Math" panose="02040503050406030204" pitchFamily="18" charset="0"/>
+                        </a:rPr>
+                        <m:t>,…,</m:t>
+                      </m:r>
+                      <m:sSub>
+                        <m:sSubPr>
+                          <m:ctrlPr>
+                            <a:rPr lang="fr-FR" sz="1600" i="1">
+                              <a:latin typeface="Cambria Math" panose="02040503050406030204" pitchFamily="18" charset="0"/>
+                            </a:rPr>
+                          </m:ctrlPr>
+                        </m:sSubPr>
+                        <m:e>
+                          <m:r>
+                            <a:rPr lang="fr-FR" sz="1600" i="1">
+                              <a:latin typeface="Cambria Math" panose="02040503050406030204" pitchFamily="18" charset="0"/>
+                            </a:rPr>
+                            <m:t>𝑞</m:t>
+                          </m:r>
+                        </m:e>
+                        <m:sub>
+                          <m:r>
+                            <a:rPr lang="fr-FR" sz="1600" i="1">
+                              <a:latin typeface="Cambria Math" panose="02040503050406030204" pitchFamily="18" charset="0"/>
+                            </a:rPr>
+                            <m:t>𝑚</m:t>
+                          </m:r>
+                        </m:sub>
+                      </m:sSub>
+                      <m:sSub>
+                        <m:sSubPr>
+                          <m:ctrlPr>
+                            <a:rPr lang="fr-FR" sz="1600" i="1">
+                              <a:latin typeface="Cambria Math" panose="02040503050406030204" pitchFamily="18" charset="0"/>
+                            </a:rPr>
+                          </m:ctrlPr>
+                        </m:sSubPr>
+                        <m:e>
+                          <m:r>
+                            <a:rPr lang="fr-FR" sz="1600" i="1">
+                              <a:latin typeface="Cambria Math" panose="02040503050406030204" pitchFamily="18" charset="0"/>
+                            </a:rPr>
+                            <m:t>𝑥</m:t>
+                          </m:r>
+                        </m:e>
+                        <m:sub>
+                          <m:r>
+                            <a:rPr lang="fr-FR" sz="1600" i="1">
+                              <a:latin typeface="Cambria Math" panose="02040503050406030204" pitchFamily="18" charset="0"/>
+                            </a:rPr>
+                            <m:t>𝑚</m:t>
+                          </m:r>
+                        </m:sub>
+                      </m:sSub>
+                    </m:oMath>
+                  </m:oMathPara>
+                </a14:m>
+                <a:endParaRPr lang="en-US" sz="1600"/>
+              </a:p>
+            </p:txBody>
+          </p:sp>
+        </mc:Choice>
+        <mc:Fallback>
+          <p:sp>
+            <p:nvSpPr>
+              <p:cNvPr id="12" name="TextBox 11">
+                <a:extLst>
+                  <a:ext uri="{FF2B5EF4-FFF2-40B4-BE49-F238E27FC236}">
+                    <a16:creationId xmlns:a16="http://schemas.microsoft.com/office/drawing/2014/main" id="{F6FDC299-5ED1-0534-4EC4-AD44F7F18F82}"/>
+                  </a:ext>
+                </a:extLst>
+              </p:cNvPr>
+              <p:cNvSpPr txBox="1">
+                <a:spLocks noRot="1" noChangeAspect="1" noMove="1" noResize="1" noEditPoints="1" noAdjustHandles="1" noChangeArrowheads="1" noChangeShapeType="1" noTextEdit="1"/>
+              </p:cNvSpPr>
+              <p:nvPr/>
+            </p:nvSpPr>
+            <p:spPr>
+              <a:xfrm>
+                <a:off x="4214116" y="4655914"/>
+                <a:ext cx="1290546" cy="246221"/>
+              </a:xfrm>
+              <a:prstGeom prst="rect">
+                <a:avLst/>
+              </a:prstGeom>
+              <a:blipFill>
+                <a:blip r:embed="rId11"/>
+                <a:stretch>
+                  <a:fillRect l="-3774" b="-25000"/>
+                </a:stretch>
+              </a:blipFill>
+            </p:spPr>
+            <p:txBody>
+              <a:bodyPr/>
+              <a:lstStyle/>
+              <a:p>
+                <a:r>
+                  <a:rPr lang="en-US">
+                    <a:noFill/>
+                  </a:rPr>
+                  <a:t> </a:t>
+                </a:r>
+              </a:p>
+            </p:txBody>
+          </p:sp>
+        </mc:Fallback>
+      </mc:AlternateContent>
+      <mc:AlternateContent xmlns:mc="http://schemas.openxmlformats.org/markup-compatibility/2006">
+        <mc:Choice xmlns:a14="http://schemas.microsoft.com/office/drawing/2010/main" Requires="a14">
+          <p:sp>
+            <p:nvSpPr>
+              <p:cNvPr id="13" name="TextBox 12">
+                <a:extLst>
+                  <a:ext uri="{FF2B5EF4-FFF2-40B4-BE49-F238E27FC236}">
+                    <a16:creationId xmlns:a16="http://schemas.microsoft.com/office/drawing/2014/main" id="{9CA381FA-6D84-A699-F542-5E46EAF1804E}"/>
+                  </a:ext>
+                </a:extLst>
+              </p:cNvPr>
+              <p:cNvSpPr txBox="1"/>
+              <p:nvPr/>
+            </p:nvSpPr>
+            <p:spPr>
+              <a:xfrm>
+                <a:off x="5849972" y="4667490"/>
+                <a:ext cx="1290546" cy="246221"/>
+              </a:xfrm>
+              <a:prstGeom prst="rect">
+                <a:avLst/>
+              </a:prstGeom>
+              <a:noFill/>
+            </p:spPr>
+            <p:txBody>
+              <a:bodyPr wrap="none" lIns="0" tIns="0" rIns="0" bIns="0" rtlCol="0">
+                <a:spAutoFit/>
+              </a:bodyPr>
+              <a:lstStyle/>
+              <a:p>
+                <a14:m>
+                  <m:oMathPara xmlns:m="http://schemas.openxmlformats.org/officeDocument/2006/math">
+                    <m:oMathParaPr>
+                      <m:jc m:val="centerGroup"/>
+                    </m:oMathParaPr>
+                    <m:oMath xmlns:m="http://schemas.openxmlformats.org/officeDocument/2006/math">
+                      <m:sSub>
+                        <m:sSubPr>
+                          <m:ctrlPr>
+                            <a:rPr lang="fr-FR" sz="1600" i="1" smtClean="0">
+                              <a:latin typeface="Cambria Math" panose="02040503050406030204" pitchFamily="18" charset="0"/>
+                            </a:rPr>
+                          </m:ctrlPr>
+                        </m:sSubPr>
+                        <m:e>
+                          <m:r>
+                            <a:rPr lang="fr-FR" sz="1600" i="1">
+                              <a:latin typeface="Cambria Math" panose="02040503050406030204" pitchFamily="18" charset="0"/>
+                            </a:rPr>
+                            <m:t>𝑞</m:t>
+                          </m:r>
+                        </m:e>
+                        <m:sub>
+                          <m:r>
+                            <a:rPr lang="fr-FR" sz="1600" i="1">
+                              <a:latin typeface="Cambria Math" panose="02040503050406030204" pitchFamily="18" charset="0"/>
+                            </a:rPr>
+                            <m:t>1</m:t>
+                          </m:r>
+                        </m:sub>
+                      </m:sSub>
+                      <m:sSub>
+                        <m:sSubPr>
+                          <m:ctrlPr>
+                            <a:rPr lang="fr-FR" sz="1600" i="1">
+                              <a:latin typeface="Cambria Math" panose="02040503050406030204" pitchFamily="18" charset="0"/>
+                            </a:rPr>
+                          </m:ctrlPr>
+                        </m:sSubPr>
+                        <m:e>
+                          <m:r>
+                            <a:rPr lang="fr-FR" sz="1600" i="1">
+                              <a:latin typeface="Cambria Math" panose="02040503050406030204" pitchFamily="18" charset="0"/>
+                            </a:rPr>
+                            <m:t>𝑥</m:t>
+                          </m:r>
+                        </m:e>
+                        <m:sub>
+                          <m:r>
+                            <a:rPr lang="fr-FR" sz="1600" i="1">
+                              <a:latin typeface="Cambria Math" panose="02040503050406030204" pitchFamily="18" charset="0"/>
+                            </a:rPr>
+                            <m:t>1</m:t>
+                          </m:r>
+                        </m:sub>
+                      </m:sSub>
+                      <m:r>
+                        <a:rPr lang="fr-FR" sz="1600" i="1">
+                          <a:latin typeface="Cambria Math" panose="02040503050406030204" pitchFamily="18" charset="0"/>
+                        </a:rPr>
+                        <m:t>,…,</m:t>
+                      </m:r>
+                      <m:sSub>
+                        <m:sSubPr>
+                          <m:ctrlPr>
+                            <a:rPr lang="fr-FR" sz="1600" i="1">
+                              <a:latin typeface="Cambria Math" panose="02040503050406030204" pitchFamily="18" charset="0"/>
+                            </a:rPr>
+                          </m:ctrlPr>
+                        </m:sSubPr>
+                        <m:e>
+                          <m:r>
+                            <a:rPr lang="fr-FR" sz="1600" i="1">
+                              <a:latin typeface="Cambria Math" panose="02040503050406030204" pitchFamily="18" charset="0"/>
+                            </a:rPr>
+                            <m:t>𝑞</m:t>
+                          </m:r>
+                        </m:e>
+                        <m:sub>
+                          <m:r>
+                            <a:rPr lang="fr-FR" sz="1600" i="1">
+                              <a:latin typeface="Cambria Math" panose="02040503050406030204" pitchFamily="18" charset="0"/>
+                            </a:rPr>
+                            <m:t>𝑚</m:t>
+                          </m:r>
+                        </m:sub>
+                      </m:sSub>
+                      <m:sSub>
+                        <m:sSubPr>
+                          <m:ctrlPr>
+                            <a:rPr lang="fr-FR" sz="1600" i="1">
+                              <a:latin typeface="Cambria Math" panose="02040503050406030204" pitchFamily="18" charset="0"/>
+                            </a:rPr>
+                          </m:ctrlPr>
+                        </m:sSubPr>
+                        <m:e>
+                          <m:r>
+                            <a:rPr lang="fr-FR" sz="1600" i="1">
+                              <a:latin typeface="Cambria Math" panose="02040503050406030204" pitchFamily="18" charset="0"/>
+                            </a:rPr>
+                            <m:t>𝑥</m:t>
+                          </m:r>
+                        </m:e>
+                        <m:sub>
+                          <m:r>
+                            <a:rPr lang="fr-FR" sz="1600" i="1">
+                              <a:latin typeface="Cambria Math" panose="02040503050406030204" pitchFamily="18" charset="0"/>
+                            </a:rPr>
+                            <m:t>𝑚</m:t>
+                          </m:r>
+                        </m:sub>
+                      </m:sSub>
+                    </m:oMath>
+                  </m:oMathPara>
+                </a14:m>
+                <a:endParaRPr lang="en-US" sz="1600"/>
+              </a:p>
+            </p:txBody>
+          </p:sp>
+        </mc:Choice>
+        <mc:Fallback>
+          <p:sp>
+            <p:nvSpPr>
+              <p:cNvPr id="13" name="TextBox 12">
+                <a:extLst>
+                  <a:ext uri="{FF2B5EF4-FFF2-40B4-BE49-F238E27FC236}">
+                    <a16:creationId xmlns:a16="http://schemas.microsoft.com/office/drawing/2014/main" id="{9CA381FA-6D84-A699-F542-5E46EAF1804E}"/>
+                  </a:ext>
+                </a:extLst>
+              </p:cNvPr>
+              <p:cNvSpPr txBox="1">
+                <a:spLocks noRot="1" noChangeAspect="1" noMove="1" noResize="1" noEditPoints="1" noAdjustHandles="1" noChangeArrowheads="1" noChangeShapeType="1" noTextEdit="1"/>
+              </p:cNvSpPr>
+              <p:nvPr/>
+            </p:nvSpPr>
+            <p:spPr>
+              <a:xfrm>
+                <a:off x="5849972" y="4667490"/>
+                <a:ext cx="1290546" cy="246221"/>
+              </a:xfrm>
+              <a:prstGeom prst="rect">
+                <a:avLst/>
+              </a:prstGeom>
+              <a:blipFill>
+                <a:blip r:embed="rId12"/>
+                <a:stretch>
+                  <a:fillRect l="-3791" b="-25000"/>
+                </a:stretch>
+              </a:blipFill>
+            </p:spPr>
+            <p:txBody>
+              <a:bodyPr/>
+              <a:lstStyle/>
+              <a:p>
+                <a:r>
+                  <a:rPr lang="en-US">
+                    <a:noFill/>
+                  </a:rPr>
+                  <a:t> </a:t>
+                </a:r>
+              </a:p>
+            </p:txBody>
+          </p:sp>
+        </mc:Fallback>
+      </mc:AlternateContent>
+      <mc:AlternateContent xmlns:mc="http://schemas.openxmlformats.org/markup-compatibility/2006">
+        <mc:Choice xmlns:a14="http://schemas.microsoft.com/office/drawing/2010/main" Requires="a14">
+          <p:sp>
+            <p:nvSpPr>
+              <p:cNvPr id="14" name="TextBox 13">
+                <a:extLst>
+                  <a:ext uri="{FF2B5EF4-FFF2-40B4-BE49-F238E27FC236}">
+                    <a16:creationId xmlns:a16="http://schemas.microsoft.com/office/drawing/2014/main" id="{950381AC-2A7F-3C72-5F68-7CFA62EFA367}"/>
+                  </a:ext>
+                </a:extLst>
+              </p:cNvPr>
+              <p:cNvSpPr txBox="1"/>
+              <p:nvPr/>
+            </p:nvSpPr>
+            <p:spPr>
+              <a:xfrm>
+                <a:off x="7514765" y="4661700"/>
+                <a:ext cx="1290546" cy="246221"/>
+              </a:xfrm>
+              <a:prstGeom prst="rect">
+                <a:avLst/>
+              </a:prstGeom>
+              <a:noFill/>
+            </p:spPr>
+            <p:txBody>
+              <a:bodyPr wrap="none" lIns="0" tIns="0" rIns="0" bIns="0" rtlCol="0">
+                <a:spAutoFit/>
+              </a:bodyPr>
+              <a:lstStyle/>
+              <a:p>
+                <a14:m>
+                  <m:oMathPara xmlns:m="http://schemas.openxmlformats.org/officeDocument/2006/math">
+                    <m:oMathParaPr>
+                      <m:jc m:val="centerGroup"/>
+                    </m:oMathParaPr>
+                    <m:oMath xmlns:m="http://schemas.openxmlformats.org/officeDocument/2006/math">
+                      <m:sSub>
+                        <m:sSubPr>
+                          <m:ctrlPr>
+                            <a:rPr lang="fr-FR" sz="1600" i="1" smtClean="0">
+                              <a:latin typeface="Cambria Math" panose="02040503050406030204" pitchFamily="18" charset="0"/>
+                            </a:rPr>
+                          </m:ctrlPr>
+                        </m:sSubPr>
+                        <m:e>
+                          <m:r>
+                            <a:rPr lang="fr-FR" sz="1600" i="1">
+                              <a:latin typeface="Cambria Math" panose="02040503050406030204" pitchFamily="18" charset="0"/>
+                            </a:rPr>
+                            <m:t>𝑞</m:t>
+                          </m:r>
+                        </m:e>
+                        <m:sub>
+                          <m:r>
+                            <a:rPr lang="fr-FR" sz="1600" i="1">
+                              <a:latin typeface="Cambria Math" panose="02040503050406030204" pitchFamily="18" charset="0"/>
+                            </a:rPr>
+                            <m:t>1</m:t>
+                          </m:r>
+                        </m:sub>
+                      </m:sSub>
+                      <m:sSub>
+                        <m:sSubPr>
+                          <m:ctrlPr>
+                            <a:rPr lang="fr-FR" sz="1600" i="1">
+                              <a:latin typeface="Cambria Math" panose="02040503050406030204" pitchFamily="18" charset="0"/>
+                            </a:rPr>
+                          </m:ctrlPr>
+                        </m:sSubPr>
+                        <m:e>
+                          <m:r>
+                            <a:rPr lang="fr-FR" sz="1600" i="1">
+                              <a:latin typeface="Cambria Math" panose="02040503050406030204" pitchFamily="18" charset="0"/>
+                            </a:rPr>
+                            <m:t>𝑥</m:t>
+                          </m:r>
+                        </m:e>
+                        <m:sub>
+                          <m:r>
+                            <a:rPr lang="fr-FR" sz="1600" i="1">
+                              <a:latin typeface="Cambria Math" panose="02040503050406030204" pitchFamily="18" charset="0"/>
+                            </a:rPr>
+                            <m:t>1</m:t>
+                          </m:r>
+                        </m:sub>
+                      </m:sSub>
+                      <m:r>
+                        <a:rPr lang="fr-FR" sz="1600" i="1">
+                          <a:latin typeface="Cambria Math" panose="02040503050406030204" pitchFamily="18" charset="0"/>
+                        </a:rPr>
+                        <m:t>,…,</m:t>
+                      </m:r>
+                      <m:sSub>
+                        <m:sSubPr>
+                          <m:ctrlPr>
+                            <a:rPr lang="fr-FR" sz="1600" i="1">
+                              <a:latin typeface="Cambria Math" panose="02040503050406030204" pitchFamily="18" charset="0"/>
+                            </a:rPr>
+                          </m:ctrlPr>
+                        </m:sSubPr>
+                        <m:e>
+                          <m:r>
+                            <a:rPr lang="fr-FR" sz="1600" i="1">
+                              <a:latin typeface="Cambria Math" panose="02040503050406030204" pitchFamily="18" charset="0"/>
+                            </a:rPr>
+                            <m:t>𝑞</m:t>
+                          </m:r>
+                        </m:e>
+                        <m:sub>
+                          <m:r>
+                            <a:rPr lang="fr-FR" sz="1600" i="1">
+                              <a:latin typeface="Cambria Math" panose="02040503050406030204" pitchFamily="18" charset="0"/>
+                            </a:rPr>
+                            <m:t>𝑚</m:t>
+                          </m:r>
+                        </m:sub>
+                      </m:sSub>
+                      <m:sSub>
+                        <m:sSubPr>
+                          <m:ctrlPr>
+                            <a:rPr lang="fr-FR" sz="1600" i="1">
+                              <a:latin typeface="Cambria Math" panose="02040503050406030204" pitchFamily="18" charset="0"/>
+                            </a:rPr>
+                          </m:ctrlPr>
+                        </m:sSubPr>
+                        <m:e>
+                          <m:r>
+                            <a:rPr lang="fr-FR" sz="1600" i="1">
+                              <a:latin typeface="Cambria Math" panose="02040503050406030204" pitchFamily="18" charset="0"/>
+                            </a:rPr>
+                            <m:t>𝑥</m:t>
+                          </m:r>
+                        </m:e>
+                        <m:sub>
+                          <m:r>
+                            <a:rPr lang="fr-FR" sz="1600" i="1">
+                              <a:latin typeface="Cambria Math" panose="02040503050406030204" pitchFamily="18" charset="0"/>
+                            </a:rPr>
+                            <m:t>𝑚</m:t>
+                          </m:r>
+                        </m:sub>
+                      </m:sSub>
+                    </m:oMath>
+                  </m:oMathPara>
+                </a14:m>
+                <a:endParaRPr lang="en-US" sz="1600"/>
+              </a:p>
+            </p:txBody>
+          </p:sp>
+        </mc:Choice>
+        <mc:Fallback>
+          <p:sp>
+            <p:nvSpPr>
+              <p:cNvPr id="14" name="TextBox 13">
+                <a:extLst>
+                  <a:ext uri="{FF2B5EF4-FFF2-40B4-BE49-F238E27FC236}">
+                    <a16:creationId xmlns:a16="http://schemas.microsoft.com/office/drawing/2014/main" id="{950381AC-2A7F-3C72-5F68-7CFA62EFA367}"/>
+                  </a:ext>
+                </a:extLst>
+              </p:cNvPr>
+              <p:cNvSpPr txBox="1">
+                <a:spLocks noRot="1" noChangeAspect="1" noMove="1" noResize="1" noEditPoints="1" noAdjustHandles="1" noChangeArrowheads="1" noChangeShapeType="1" noTextEdit="1"/>
+              </p:cNvSpPr>
+              <p:nvPr/>
+            </p:nvSpPr>
+            <p:spPr>
+              <a:xfrm>
+                <a:off x="7514765" y="4661700"/>
+                <a:ext cx="1290546" cy="246221"/>
+              </a:xfrm>
+              <a:prstGeom prst="rect">
+                <a:avLst/>
+              </a:prstGeom>
+              <a:blipFill>
+                <a:blip r:embed="rId13"/>
+                <a:stretch>
+                  <a:fillRect l="-3791" b="-25000"/>
+                </a:stretch>
+              </a:blipFill>
+            </p:spPr>
+            <p:txBody>
+              <a:bodyPr/>
+              <a:lstStyle/>
+              <a:p>
+                <a:r>
+                  <a:rPr lang="en-US">
+                    <a:noFill/>
+                  </a:rPr>
+                  <a:t> </a:t>
+                </a:r>
+              </a:p>
+            </p:txBody>
+          </p:sp>
+        </mc:Fallback>
+      </mc:AlternateContent>
+    </p:spTree>
+    <p:extLst>
+      <p:ext uri="{BB962C8B-B14F-4D97-AF65-F5344CB8AC3E}">
+        <p14:creationId xmlns:p14="http://schemas.microsoft.com/office/powerpoint/2010/main" val="1254439374"/>
       </p:ext>
     </p:extLst>
   </p:cSld>

--- a/images/kd-draw.pptx
+++ b/images/kd-draw.pptx
@@ -131,7 +131,7 @@
 <file path=ppt/revisionInfo.xml><?xml version="1.0" encoding="utf-8"?>
 <p1510:revInfo xmlns:a="http://schemas.openxmlformats.org/drawingml/2006/main" xmlns:r="http://schemas.openxmlformats.org/officeDocument/2006/relationships" xmlns:p1510="http://schemas.microsoft.com/office/powerpoint/2015/10/main">
   <p1510:revLst>
-    <p1510:client id="{9403B015-2769-46C7-9465-E136DCA63CCF}" v="226" dt="2025-12-22T04:16:29.133"/>
+    <p1510:client id="{9403B015-2769-46C7-9465-E136DCA63CCF}" v="299" dt="2025-12-23T10:09:26.241"/>
   </p1510:revLst>
 </p1510:revInfo>
 </file>
@@ -141,7 +141,7 @@
   <pc:docChgLst>
     <pc:chgData name="Phạm Thông" userId="cb1de41f-d0a9-4c8b-9095-fa88b5d4678f" providerId="ADAL" clId="{E2A0B859-04CE-4714-8C81-52AA70A7C49E}"/>
     <pc:docChg chg="undo custSel addSld modSld">
-      <pc:chgData name="Phạm Thông" userId="cb1de41f-d0a9-4c8b-9095-fa88b5d4678f" providerId="ADAL" clId="{E2A0B859-04CE-4714-8C81-52AA70A7C49E}" dt="2025-12-22T04:16:51.599" v="915" actId="1036"/>
+      <pc:chgData name="Phạm Thông" userId="cb1de41f-d0a9-4c8b-9095-fa88b5d4678f" providerId="ADAL" clId="{E2A0B859-04CE-4714-8C81-52AA70A7C49E}" dt="2025-12-23T10:09:26.241" v="1001" actId="114"/>
       <pc:docMkLst>
         <pc:docMk/>
       </pc:docMkLst>
@@ -351,13 +351,13 @@
         </pc:picChg>
       </pc:sldChg>
       <pc:sldChg chg="addSp modSp new mod">
-        <pc:chgData name="Phạm Thông" userId="cb1de41f-d0a9-4c8b-9095-fa88b5d4678f" providerId="ADAL" clId="{E2A0B859-04CE-4714-8C81-52AA70A7C49E}" dt="2025-12-22T04:16:51.599" v="915" actId="1036"/>
+        <pc:chgData name="Phạm Thông" userId="cb1de41f-d0a9-4c8b-9095-fa88b5d4678f" providerId="ADAL" clId="{E2A0B859-04CE-4714-8C81-52AA70A7C49E}" dt="2025-12-23T10:09:26.241" v="1001" actId="114"/>
         <pc:sldMkLst>
           <pc:docMk/>
           <pc:sldMk cId="1254439374" sldId="262"/>
         </pc:sldMkLst>
         <pc:spChg chg="add mod">
-          <ac:chgData name="Phạm Thông" userId="cb1de41f-d0a9-4c8b-9095-fa88b5d4678f" providerId="ADAL" clId="{E2A0B859-04CE-4714-8C81-52AA70A7C49E}" dt="2025-12-22T04:15:45.363" v="799" actId="1035"/>
+          <ac:chgData name="Phạm Thông" userId="cb1de41f-d0a9-4c8b-9095-fa88b5d4678f" providerId="ADAL" clId="{E2A0B859-04CE-4714-8C81-52AA70A7C49E}" dt="2025-12-23T10:06:54.121" v="916" actId="20577"/>
           <ac:spMkLst>
             <pc:docMk/>
             <pc:sldMk cId="1254439374" sldId="262"/>
@@ -365,7 +365,7 @@
           </ac:spMkLst>
         </pc:spChg>
         <pc:spChg chg="add mod">
-          <ac:chgData name="Phạm Thông" userId="cb1de41f-d0a9-4c8b-9095-fa88b5d4678f" providerId="ADAL" clId="{E2A0B859-04CE-4714-8C81-52AA70A7C49E}" dt="2025-12-22T04:16:13.614" v="843" actId="1037"/>
+          <ac:chgData name="Phạm Thông" userId="cb1de41f-d0a9-4c8b-9095-fa88b5d4678f" providerId="ADAL" clId="{E2A0B859-04CE-4714-8C81-52AA70A7C49E}" dt="2025-12-23T10:07:11.885" v="921" actId="20577"/>
           <ac:spMkLst>
             <pc:docMk/>
             <pc:sldMk cId="1254439374" sldId="262"/>
@@ -373,7 +373,7 @@
           </ac:spMkLst>
         </pc:spChg>
         <pc:spChg chg="add mod">
-          <ac:chgData name="Phạm Thông" userId="cb1de41f-d0a9-4c8b-9095-fa88b5d4678f" providerId="ADAL" clId="{E2A0B859-04CE-4714-8C81-52AA70A7C49E}" dt="2025-12-22T04:16:07.413" v="835" actId="1036"/>
+          <ac:chgData name="Phạm Thông" userId="cb1de41f-d0a9-4c8b-9095-fa88b5d4678f" providerId="ADAL" clId="{E2A0B859-04CE-4714-8C81-52AA70A7C49E}" dt="2025-12-23T10:07:19.354" v="925" actId="20577"/>
           <ac:spMkLst>
             <pc:docMk/>
             <pc:sldMk cId="1254439374" sldId="262"/>
@@ -381,7 +381,7 @@
           </ac:spMkLst>
         </pc:spChg>
         <pc:spChg chg="add mod">
-          <ac:chgData name="Phạm Thông" userId="cb1de41f-d0a9-4c8b-9095-fa88b5d4678f" providerId="ADAL" clId="{E2A0B859-04CE-4714-8C81-52AA70A7C49E}" dt="2025-12-22T04:16:02.289" v="830" actId="1036"/>
+          <ac:chgData name="Phạm Thông" userId="cb1de41f-d0a9-4c8b-9095-fa88b5d4678f" providerId="ADAL" clId="{E2A0B859-04CE-4714-8C81-52AA70A7C49E}" dt="2025-12-23T10:07:26.173" v="943" actId="20577"/>
           <ac:spMkLst>
             <pc:docMk/>
             <pc:sldMk cId="1254439374" sldId="262"/>
@@ -389,7 +389,7 @@
           </ac:spMkLst>
         </pc:spChg>
         <pc:spChg chg="add mod">
-          <ac:chgData name="Phạm Thông" userId="cb1de41f-d0a9-4c8b-9095-fa88b5d4678f" providerId="ADAL" clId="{E2A0B859-04CE-4714-8C81-52AA70A7C49E}" dt="2025-12-22T04:15:56.639" v="826" actId="1036"/>
+          <ac:chgData name="Phạm Thông" userId="cb1de41f-d0a9-4c8b-9095-fa88b5d4678f" providerId="ADAL" clId="{E2A0B859-04CE-4714-8C81-52AA70A7C49E}" dt="2025-12-23T10:09:26.241" v="1001" actId="114"/>
           <ac:spMkLst>
             <pc:docMk/>
             <pc:sldMk cId="1254439374" sldId="262"/>
@@ -413,7 +413,7 @@
           </ac:spMkLst>
         </pc:spChg>
         <pc:spChg chg="add mod">
-          <ac:chgData name="Phạm Thông" userId="cb1de41f-d0a9-4c8b-9095-fa88b5d4678f" providerId="ADAL" clId="{E2A0B859-04CE-4714-8C81-52AA70A7C49E}" dt="2025-12-22T04:16:33.850" v="860" actId="1035"/>
+          <ac:chgData name="Phạm Thông" userId="cb1de41f-d0a9-4c8b-9095-fa88b5d4678f" providerId="ADAL" clId="{E2A0B859-04CE-4714-8C81-52AA70A7C49E}" dt="2025-12-23T10:08:15.060" v="957" actId="1076"/>
           <ac:spMkLst>
             <pc:docMk/>
             <pc:sldMk cId="1254439374" sldId="262"/>
@@ -421,7 +421,7 @@
           </ac:spMkLst>
         </pc:spChg>
         <pc:spChg chg="add mod">
-          <ac:chgData name="Phạm Thông" userId="cb1de41f-d0a9-4c8b-9095-fa88b5d4678f" providerId="ADAL" clId="{E2A0B859-04CE-4714-8C81-52AA70A7C49E}" dt="2025-12-22T04:16:41.678" v="884" actId="1036"/>
+          <ac:chgData name="Phạm Thông" userId="cb1de41f-d0a9-4c8b-9095-fa88b5d4678f" providerId="ADAL" clId="{E2A0B859-04CE-4714-8C81-52AA70A7C49E}" dt="2025-12-23T10:08:46.090" v="979" actId="1076"/>
           <ac:spMkLst>
             <pc:docMk/>
             <pc:sldMk cId="1254439374" sldId="262"/>
@@ -429,7 +429,7 @@
           </ac:spMkLst>
         </pc:spChg>
         <pc:spChg chg="add mod">
-          <ac:chgData name="Phạm Thông" userId="cb1de41f-d0a9-4c8b-9095-fa88b5d4678f" providerId="ADAL" clId="{E2A0B859-04CE-4714-8C81-52AA70A7C49E}" dt="2025-12-22T04:16:46.040" v="903" actId="1038"/>
+          <ac:chgData name="Phạm Thông" userId="cb1de41f-d0a9-4c8b-9095-fa88b5d4678f" providerId="ADAL" clId="{E2A0B859-04CE-4714-8C81-52AA70A7C49E}" dt="2025-12-23T10:08:54.981" v="994" actId="1076"/>
           <ac:spMkLst>
             <pc:docMk/>
             <pc:sldMk cId="1254439374" sldId="262"/>
@@ -437,7 +437,7 @@
           </ac:spMkLst>
         </pc:spChg>
         <pc:spChg chg="add mod">
-          <ac:chgData name="Phạm Thông" userId="cb1de41f-d0a9-4c8b-9095-fa88b5d4678f" providerId="ADAL" clId="{E2A0B859-04CE-4714-8C81-52AA70A7C49E}" dt="2025-12-22T04:16:51.599" v="915" actId="1036"/>
+          <ac:chgData name="Phạm Thông" userId="cb1de41f-d0a9-4c8b-9095-fa88b5d4678f" providerId="ADAL" clId="{E2A0B859-04CE-4714-8C81-52AA70A7C49E}" dt="2025-12-23T10:09:07.850" v="999" actId="1038"/>
           <ac:spMkLst>
             <pc:docMk/>
             <pc:sldMk cId="1254439374" sldId="262"/>
@@ -469,7 +469,7 @@
           </ac:picMkLst>
         </pc:picChg>
         <pc:picChg chg="add mod ord modCrop">
-          <ac:chgData name="Phạm Thông" userId="cb1de41f-d0a9-4c8b-9095-fa88b5d4678f" providerId="ADAL" clId="{E2A0B859-04CE-4714-8C81-52AA70A7C49E}" dt="2025-12-22T04:15:20.528" v="784" actId="171"/>
+          <ac:chgData name="Phạm Thông" userId="cb1de41f-d0a9-4c8b-9095-fa88b5d4678f" providerId="ADAL" clId="{E2A0B859-04CE-4714-8C81-52AA70A7C49E}" dt="2025-12-23T10:08:10.369" v="956" actId="1076"/>
           <ac:picMkLst>
             <pc:docMk/>
             <pc:sldMk cId="1254439374" sldId="262"/>
@@ -629,7 +629,7 @@
           <a:p>
             <a:fld id="{6EB22DFD-DB99-45C6-9F20-54734D4D55A2}" type="datetimeFigureOut">
               <a:rPr lang="en-US" smtClean="0"/>
-              <a:t>12/22/2025</a:t>
+              <a:t>12/23/2025</a:t>
             </a:fld>
             <a:endParaRPr lang="en-US"/>
           </a:p>
@@ -827,7 +827,7 @@
           <a:p>
             <a:fld id="{6EB22DFD-DB99-45C6-9F20-54734D4D55A2}" type="datetimeFigureOut">
               <a:rPr lang="en-US" smtClean="0"/>
-              <a:t>12/22/2025</a:t>
+              <a:t>12/23/2025</a:t>
             </a:fld>
             <a:endParaRPr lang="en-US"/>
           </a:p>
@@ -1035,7 +1035,7 @@
           <a:p>
             <a:fld id="{6EB22DFD-DB99-45C6-9F20-54734D4D55A2}" type="datetimeFigureOut">
               <a:rPr lang="en-US" smtClean="0"/>
-              <a:t>12/22/2025</a:t>
+              <a:t>12/23/2025</a:t>
             </a:fld>
             <a:endParaRPr lang="en-US"/>
           </a:p>
@@ -1233,7 +1233,7 @@
           <a:p>
             <a:fld id="{6EB22DFD-DB99-45C6-9F20-54734D4D55A2}" type="datetimeFigureOut">
               <a:rPr lang="en-US" smtClean="0"/>
-              <a:t>12/22/2025</a:t>
+              <a:t>12/23/2025</a:t>
             </a:fld>
             <a:endParaRPr lang="en-US"/>
           </a:p>
@@ -1508,7 +1508,7 @@
           <a:p>
             <a:fld id="{6EB22DFD-DB99-45C6-9F20-54734D4D55A2}" type="datetimeFigureOut">
               <a:rPr lang="en-US" smtClean="0"/>
-              <a:t>12/22/2025</a:t>
+              <a:t>12/23/2025</a:t>
             </a:fld>
             <a:endParaRPr lang="en-US"/>
           </a:p>
@@ -1773,7 +1773,7 @@
           <a:p>
             <a:fld id="{6EB22DFD-DB99-45C6-9F20-54734D4D55A2}" type="datetimeFigureOut">
               <a:rPr lang="en-US" smtClean="0"/>
-              <a:t>12/22/2025</a:t>
+              <a:t>12/23/2025</a:t>
             </a:fld>
             <a:endParaRPr lang="en-US"/>
           </a:p>
@@ -2185,7 +2185,7 @@
           <a:p>
             <a:fld id="{6EB22DFD-DB99-45C6-9F20-54734D4D55A2}" type="datetimeFigureOut">
               <a:rPr lang="en-US" smtClean="0"/>
-              <a:t>12/22/2025</a:t>
+              <a:t>12/23/2025</a:t>
             </a:fld>
             <a:endParaRPr lang="en-US"/>
           </a:p>
@@ -2326,7 +2326,7 @@
           <a:p>
             <a:fld id="{6EB22DFD-DB99-45C6-9F20-54734D4D55A2}" type="datetimeFigureOut">
               <a:rPr lang="en-US" smtClean="0"/>
-              <a:t>12/22/2025</a:t>
+              <a:t>12/23/2025</a:t>
             </a:fld>
             <a:endParaRPr lang="en-US"/>
           </a:p>
@@ -2439,7 +2439,7 @@
           <a:p>
             <a:fld id="{6EB22DFD-DB99-45C6-9F20-54734D4D55A2}" type="datetimeFigureOut">
               <a:rPr lang="en-US" smtClean="0"/>
-              <a:t>12/22/2025</a:t>
+              <a:t>12/23/2025</a:t>
             </a:fld>
             <a:endParaRPr lang="en-US"/>
           </a:p>
@@ -2750,7 +2750,7 @@
           <a:p>
             <a:fld id="{6EB22DFD-DB99-45C6-9F20-54734D4D55A2}" type="datetimeFigureOut">
               <a:rPr lang="en-US" smtClean="0"/>
-              <a:t>12/22/2025</a:t>
+              <a:t>12/23/2025</a:t>
             </a:fld>
             <a:endParaRPr lang="en-US"/>
           </a:p>
@@ -3038,7 +3038,7 @@
           <a:p>
             <a:fld id="{6EB22DFD-DB99-45C6-9F20-54734D4D55A2}" type="datetimeFigureOut">
               <a:rPr lang="en-US" smtClean="0"/>
-              <a:t>12/22/2025</a:t>
+              <a:t>12/23/2025</a:t>
             </a:fld>
             <a:endParaRPr lang="en-US"/>
           </a:p>
@@ -3279,7 +3279,7 @@
           <a:p>
             <a:fld id="{6EB22DFD-DB99-45C6-9F20-54734D4D55A2}" type="datetimeFigureOut">
               <a:rPr lang="en-US" smtClean="0"/>
-              <a:t>12/22/2025</a:t>
+              <a:t>12/23/2025</a:t>
             </a:fld>
             <a:endParaRPr lang="en-US"/>
           </a:p>
@@ -8034,8 +8034,8 @@
           </a:prstGeom>
         </p:spPr>
       </p:pic>
-      <mc:AlternateContent xmlns:mc="http://schemas.openxmlformats.org/markup-compatibility/2006">
-        <mc:Choice xmlns:a14="http://schemas.microsoft.com/office/drawing/2010/main" Requires="a14">
+      <mc:AlternateContent xmlns:mc="http://schemas.openxmlformats.org/markup-compatibility/2006" xmlns:a14="http://schemas.microsoft.com/office/drawing/2010/main">
+        <mc:Choice Requires="a14">
           <p:sp>
             <p:nvSpPr>
               <p:cNvPr id="4" name="TextBox 3">
@@ -8064,6 +8064,7 @@
               </a:bodyPr>
               <a:lstStyle/>
               <a:p>
+                <a:pPr/>
                 <a14:m>
                   <m:oMathPara xmlns:m="http://schemas.openxmlformats.org/officeDocument/2006/math">
                     <m:oMathParaPr>
@@ -8183,7 +8184,7 @@
             </p:txBody>
           </p:sp>
         </mc:Choice>
-        <mc:Fallback>
+        <mc:Fallback xmlns="">
           <p:sp>
             <p:nvSpPr>
               <p:cNvPr id="4" name="TextBox 3">
@@ -8228,8 +8229,8 @@
           </p:sp>
         </mc:Fallback>
       </mc:AlternateContent>
-      <mc:AlternateContent xmlns:mc="http://schemas.openxmlformats.org/markup-compatibility/2006">
-        <mc:Choice xmlns:a14="http://schemas.microsoft.com/office/drawing/2010/main" Requires="a14">
+      <mc:AlternateContent xmlns:mc="http://schemas.openxmlformats.org/markup-compatibility/2006" xmlns:a14="http://schemas.microsoft.com/office/drawing/2010/main">
+        <mc:Choice Requires="a14">
           <p:sp>
             <p:nvSpPr>
               <p:cNvPr id="5" name="TextBox 4">
@@ -8258,6 +8259,7 @@
               </a:bodyPr>
               <a:lstStyle/>
               <a:p>
+                <a:pPr/>
                 <a14:m>
                   <m:oMathPara xmlns:m="http://schemas.openxmlformats.org/officeDocument/2006/math">
                     <m:oMathParaPr>
@@ -8414,7 +8416,7 @@
             </p:txBody>
           </p:sp>
         </mc:Choice>
-        <mc:Fallback>
+        <mc:Fallback xmlns="">
           <p:sp>
             <p:nvSpPr>
               <p:cNvPr id="5" name="TextBox 4">
@@ -8647,7 +8649,7 @@
             <p:spPr>
               <a:xfrm>
                 <a:off x="9307211" y="253172"/>
-                <a:ext cx="787588" cy="289310"/>
+                <a:ext cx="805220" cy="281937"/>
               </a:xfrm>
               <a:prstGeom prst="rect">
                 <a:avLst/>
@@ -8660,6 +8662,7 @@
               </a:bodyPr>
               <a:lstStyle/>
               <a:p>
+                <a:pPr/>
                 <a14:m>
                   <m:oMathPara xmlns:m="http://schemas.openxmlformats.org/officeDocument/2006/math">
                     <m:oMathParaPr>
@@ -8702,7 +8705,7 @@
                             <a:rPr lang="en-US" b="0" i="1" smtClean="0">
                               <a:latin typeface="Cambria Math" panose="02040503050406030204" pitchFamily="18" charset="0"/>
                             </a:rPr>
-                            <m:t>d</m:t>
+                            <m:t>D</m:t>
                           </m:r>
                         </m:sup>
                       </m:sSup>
@@ -8732,7 +8735,7 @@
             <p:spPr>
               <a:xfrm>
                 <a:off x="9307211" y="253172"/>
-                <a:ext cx="787588" cy="289310"/>
+                <a:ext cx="805220" cy="281937"/>
               </a:xfrm>
               <a:prstGeom prst="rect">
                 <a:avLst/>
@@ -8740,7 +8743,7 @@
               <a:blipFill>
                 <a:blip r:embed="rId3"/>
                 <a:stretch>
-                  <a:fillRect l="-4651" t="-4255" r="-3101" b="-6383"/>
+                  <a:fillRect l="-4545" t="-2174" r="-2273" b="-6522"/>
                 </a:stretch>
               </a:blipFill>
             </p:spPr>
@@ -8776,7 +8779,7 @@
             <p:spPr>
               <a:xfrm>
                 <a:off x="3057697" y="1459946"/>
-                <a:ext cx="241028" cy="299313"/>
+                <a:ext cx="269689" cy="276999"/>
               </a:xfrm>
               <a:prstGeom prst="rect">
                 <a:avLst/>
@@ -8789,6 +8792,7 @@
               </a:bodyPr>
               <a:lstStyle/>
               <a:p>
+                <a:pPr/>
                 <a14:m>
                   <m:oMathPara xmlns:m="http://schemas.openxmlformats.org/officeDocument/2006/math">
                     <m:oMathParaPr>
@@ -8816,7 +8820,7 @@
                             <a:rPr lang="en-US" b="0" i="1" smtClean="0">
                               <a:latin typeface="Cambria Math" panose="02040503050406030204" pitchFamily="18" charset="0"/>
                             </a:rPr>
-                            <m:t>𝑗</m:t>
+                            <m:t>1</m:t>
                           </m:r>
                         </m:sub>
                       </m:sSub>
@@ -8846,7 +8850,7 @@
             <p:spPr>
               <a:xfrm>
                 <a:off x="3057697" y="1459946"/>
-                <a:ext cx="241028" cy="299313"/>
+                <a:ext cx="269689" cy="276999"/>
               </a:xfrm>
               <a:prstGeom prst="rect">
                 <a:avLst/>
@@ -8854,7 +8858,7 @@
               <a:blipFill>
                 <a:blip r:embed="rId4"/>
                 <a:stretch>
-                  <a:fillRect l="-15385" r="-17949" b="-22000"/>
+                  <a:fillRect l="-13636" r="-9091" b="-13043"/>
                 </a:stretch>
               </a:blipFill>
             </p:spPr>
@@ -8890,7 +8894,7 @@
             <p:spPr>
               <a:xfrm>
                 <a:off x="4779276" y="1459946"/>
-                <a:ext cx="241028" cy="299313"/>
+                <a:ext cx="275011" cy="276999"/>
               </a:xfrm>
               <a:prstGeom prst="rect">
                 <a:avLst/>
@@ -8903,6 +8907,7 @@
               </a:bodyPr>
               <a:lstStyle/>
               <a:p>
+                <a:pPr/>
                 <a14:m>
                   <m:oMathPara xmlns:m="http://schemas.openxmlformats.org/officeDocument/2006/math">
                     <m:oMathParaPr>
@@ -8930,7 +8935,7 @@
                             <a:rPr lang="en-US" b="0" i="1" smtClean="0">
                               <a:latin typeface="Cambria Math" panose="02040503050406030204" pitchFamily="18" charset="0"/>
                             </a:rPr>
-                            <m:t>𝑗</m:t>
+                            <m:t>2</m:t>
                           </m:r>
                         </m:sub>
                       </m:sSub>
@@ -8960,7 +8965,7 @@
             <p:spPr>
               <a:xfrm>
                 <a:off x="4779276" y="1459946"/>
-                <a:ext cx="241028" cy="299313"/>
+                <a:ext cx="275011" cy="276999"/>
               </a:xfrm>
               <a:prstGeom prst="rect">
                 <a:avLst/>
@@ -8968,7 +8973,7 @@
               <a:blipFill>
                 <a:blip r:embed="rId5"/>
                 <a:stretch>
-                  <a:fillRect l="-15000" r="-15000" b="-22000"/>
+                  <a:fillRect l="-13333" r="-8889" b="-13043"/>
                 </a:stretch>
               </a:blipFill>
             </p:spPr>
@@ -9004,7 +9009,7 @@
             <p:spPr>
               <a:xfrm>
                 <a:off x="6421039" y="1465588"/>
-                <a:ext cx="241028" cy="299313"/>
+                <a:ext cx="219611" cy="276999"/>
               </a:xfrm>
               <a:prstGeom prst="rect">
                 <a:avLst/>
@@ -9017,37 +9022,19 @@
               </a:bodyPr>
               <a:lstStyle/>
               <a:p>
+                <a:pPr/>
                 <a14:m>
                   <m:oMathPara xmlns:m="http://schemas.openxmlformats.org/officeDocument/2006/math">
                     <m:oMathParaPr>
                       <m:jc m:val="centerGroup"/>
                     </m:oMathParaPr>
                     <m:oMath xmlns:m="http://schemas.openxmlformats.org/officeDocument/2006/math">
-                      <m:sSub>
-                        <m:sSubPr>
-                          <m:ctrlPr>
-                            <a:rPr lang="en-US" b="0" i="1" smtClean="0">
-                              <a:latin typeface="Cambria Math" panose="02040503050406030204" pitchFamily="18" charset="0"/>
-                            </a:rPr>
-                          </m:ctrlPr>
-                        </m:sSubPr>
-                        <m:e>
-                          <m:r>
-                            <a:rPr lang="en-US" b="0" i="1" smtClean="0">
-                              <a:latin typeface="Cambria Math" panose="02040503050406030204" pitchFamily="18" charset="0"/>
-                            </a:rPr>
-                            <m:t>𝑥</m:t>
-                          </m:r>
-                        </m:e>
-                        <m:sub>
-                          <m:r>
-                            <a:rPr lang="en-US" b="0" i="1" smtClean="0">
-                              <a:latin typeface="Cambria Math" panose="02040503050406030204" pitchFamily="18" charset="0"/>
-                            </a:rPr>
-                            <m:t>𝑗</m:t>
-                          </m:r>
-                        </m:sub>
-                      </m:sSub>
+                      <m:r>
+                        <a:rPr lang="en-US" b="0" i="1" smtClean="0">
+                          <a:latin typeface="Cambria Math" panose="02040503050406030204" pitchFamily="18" charset="0"/>
+                        </a:rPr>
+                        <m:t>…</m:t>
+                      </m:r>
                     </m:oMath>
                   </m:oMathPara>
                 </a14:m>
@@ -9074,7 +9061,7 @@
             <p:spPr>
               <a:xfrm>
                 <a:off x="6421039" y="1465588"/>
-                <a:ext cx="241028" cy="299313"/>
+                <a:ext cx="219611" cy="276999"/>
               </a:xfrm>
               <a:prstGeom prst="rect">
                 <a:avLst/>
@@ -9082,7 +9069,7 @@
               <a:blipFill>
                 <a:blip r:embed="rId6"/>
                 <a:stretch>
-                  <a:fillRect l="-15000" r="-15000" b="-22000"/>
+                  <a:fillRect/>
                 </a:stretch>
               </a:blipFill>
             </p:spPr>
@@ -9118,7 +9105,7 @@
             <p:spPr>
               <a:xfrm>
                 <a:off x="8074376" y="1469014"/>
-                <a:ext cx="241028" cy="299313"/>
+                <a:ext cx="337207" cy="276999"/>
               </a:xfrm>
               <a:prstGeom prst="rect">
                 <a:avLst/>
@@ -9131,6 +9118,7 @@
               </a:bodyPr>
               <a:lstStyle/>
               <a:p>
+                <a:pPr/>
                 <a14:m>
                   <m:oMathPara xmlns:m="http://schemas.openxmlformats.org/officeDocument/2006/math">
                     <m:oMathParaPr>
@@ -9158,7 +9146,7 @@
                             <a:rPr lang="en-US" b="0" i="1" smtClean="0">
                               <a:latin typeface="Cambria Math" panose="02040503050406030204" pitchFamily="18" charset="0"/>
                             </a:rPr>
-                            <m:t>𝑗</m:t>
+                            <m:t>𝑚</m:t>
                           </m:r>
                         </m:sub>
                       </m:sSub>
@@ -9188,7 +9176,7 @@
             <p:spPr>
               <a:xfrm>
                 <a:off x="8074376" y="1469014"/>
-                <a:ext cx="241028" cy="299313"/>
+                <a:ext cx="337207" cy="276999"/>
               </a:xfrm>
               <a:prstGeom prst="rect">
                 <a:avLst/>
@@ -9196,7 +9184,7 @@
               <a:blipFill>
                 <a:blip r:embed="rId7"/>
                 <a:stretch>
-                  <a:fillRect l="-15385" r="-17949" b="-24490"/>
+                  <a:fillRect l="-10909" r="-1818" b="-11111"/>
                 </a:stretch>
               </a:blipFill>
             </p:spPr>
@@ -9215,8 +9203,8 @@
           </p:sp>
         </mc:Fallback>
       </mc:AlternateContent>
-      <mc:AlternateContent xmlns:mc="http://schemas.openxmlformats.org/markup-compatibility/2006">
-        <mc:Choice xmlns:a14="http://schemas.microsoft.com/office/drawing/2010/main" Requires="a14">
+      <mc:AlternateContent xmlns:mc="http://schemas.openxmlformats.org/markup-compatibility/2006" xmlns:a14="http://schemas.microsoft.com/office/drawing/2010/main">
+        <mc:Choice Requires="a14">
           <p:sp>
             <p:nvSpPr>
               <p:cNvPr id="9" name="TextBox 8">
@@ -9245,6 +9233,7 @@
               </a:bodyPr>
               <a:lstStyle/>
               <a:p>
+                <a:pPr/>
                 <a14:m>
                   <m:oMathPara xmlns:m="http://schemas.openxmlformats.org/officeDocument/2006/math">
                     <m:oMathParaPr>
@@ -9330,7 +9319,7 @@
             </p:txBody>
           </p:sp>
         </mc:Choice>
-        <mc:Fallback>
+        <mc:Fallback xmlns="">
           <p:sp>
             <p:nvSpPr>
               <p:cNvPr id="9" name="TextBox 8">
@@ -9375,8 +9364,8 @@
           </p:sp>
         </mc:Fallback>
       </mc:AlternateContent>
-      <mc:AlternateContent xmlns:mc="http://schemas.openxmlformats.org/markup-compatibility/2006">
-        <mc:Choice xmlns:a14="http://schemas.microsoft.com/office/drawing/2010/main" Requires="a14">
+      <mc:AlternateContent xmlns:mc="http://schemas.openxmlformats.org/markup-compatibility/2006" xmlns:a14="http://schemas.microsoft.com/office/drawing/2010/main">
+        <mc:Choice Requires="a14">
           <p:sp>
             <p:nvSpPr>
               <p:cNvPr id="10" name="TextBox 9">
@@ -9405,6 +9394,7 @@
               </a:bodyPr>
               <a:lstStyle/>
               <a:p>
+                <a:pPr/>
                 <a14:m>
                   <m:oMathPara xmlns:m="http://schemas.openxmlformats.org/officeDocument/2006/math">
                     <m:oMathParaPr>
@@ -9585,7 +9575,7 @@
             </p:txBody>
           </p:sp>
         </mc:Choice>
-        <mc:Fallback>
+        <mc:Fallback xmlns="">
           <p:sp>
             <p:nvSpPr>
               <p:cNvPr id="10" name="TextBox 9">
@@ -9683,8 +9673,8 @@
             </p:nvSpPr>
             <p:spPr>
               <a:xfrm>
-                <a:off x="2556086" y="4669323"/>
-                <a:ext cx="1290546" cy="246221"/>
+                <a:off x="2974532" y="4669323"/>
+                <a:ext cx="436017" cy="246221"/>
               </a:xfrm>
               <a:prstGeom prst="rect">
                 <a:avLst/>
@@ -9697,6 +9687,7 @@
               </a:bodyPr>
               <a:lstStyle/>
               <a:p>
+                <a:pPr/>
                 <a14:m>
                   <m:oMathPara xmlns:m="http://schemas.openxmlformats.org/officeDocument/2006/math">
                     <m:oMathParaPr>
@@ -9753,62 +9744,6 @@
                           </m:r>
                         </m:sub>
                       </m:sSub>
-                      <m:r>
-                        <a:rPr lang="fr-FR" sz="1600" i="1">
-                          <a:latin typeface="Cambria Math" panose="02040503050406030204" pitchFamily="18" charset="0"/>
-                        </a:rPr>
-                        <m:t>,…,</m:t>
-                      </m:r>
-                      <m:sSub>
-                        <m:sSubPr>
-                          <m:ctrlPr>
-                            <a:rPr lang="fr-FR" sz="1600" i="1">
-                              <a:latin typeface="Cambria Math" panose="02040503050406030204" pitchFamily="18" charset="0"/>
-                            </a:rPr>
-                          </m:ctrlPr>
-                        </m:sSubPr>
-                        <m:e>
-                          <m:r>
-                            <a:rPr lang="fr-FR" sz="1600" i="1">
-                              <a:latin typeface="Cambria Math" panose="02040503050406030204" pitchFamily="18" charset="0"/>
-                            </a:rPr>
-                            <m:t>𝑞</m:t>
-                          </m:r>
-                        </m:e>
-                        <m:sub>
-                          <m:r>
-                            <a:rPr lang="fr-FR" sz="1600" i="1">
-                              <a:latin typeface="Cambria Math" panose="02040503050406030204" pitchFamily="18" charset="0"/>
-                            </a:rPr>
-                            <m:t>𝑚</m:t>
-                          </m:r>
-                        </m:sub>
-                      </m:sSub>
-                      <m:sSub>
-                        <m:sSubPr>
-                          <m:ctrlPr>
-                            <a:rPr lang="fr-FR" sz="1600" i="1">
-                              <a:latin typeface="Cambria Math" panose="02040503050406030204" pitchFamily="18" charset="0"/>
-                            </a:rPr>
-                          </m:ctrlPr>
-                        </m:sSubPr>
-                        <m:e>
-                          <m:r>
-                            <a:rPr lang="fr-FR" sz="1600" i="1">
-                              <a:latin typeface="Cambria Math" panose="02040503050406030204" pitchFamily="18" charset="0"/>
-                            </a:rPr>
-                            <m:t>𝑥</m:t>
-                          </m:r>
-                        </m:e>
-                        <m:sub>
-                          <m:r>
-                            <a:rPr lang="fr-FR" sz="1600" i="1">
-                              <a:latin typeface="Cambria Math" panose="02040503050406030204" pitchFamily="18" charset="0"/>
-                            </a:rPr>
-                            <m:t>𝑚</m:t>
-                          </m:r>
-                        </m:sub>
-                      </m:sSub>
                     </m:oMath>
                   </m:oMathPara>
                 </a14:m>
@@ -9834,8 +9769,8 @@
             </p:nvSpPr>
             <p:spPr>
               <a:xfrm>
-                <a:off x="2556086" y="4669323"/>
-                <a:ext cx="1290546" cy="246221"/>
+                <a:off x="2974532" y="4669323"/>
+                <a:ext cx="436017" cy="246221"/>
               </a:xfrm>
               <a:prstGeom prst="rect">
                 <a:avLst/>
@@ -9843,7 +9778,7 @@
               <a:blipFill>
                 <a:blip r:embed="rId10"/>
                 <a:stretch>
-                  <a:fillRect l="-3774" b="-25000"/>
+                  <a:fillRect l="-11268" r="-5634" b="-25000"/>
                 </a:stretch>
               </a:blipFill>
             </p:spPr>
@@ -9878,8 +9813,8 @@
             </p:nvSpPr>
             <p:spPr>
               <a:xfrm>
-                <a:off x="4214116" y="4655914"/>
-                <a:ext cx="1290546" cy="246221"/>
+                <a:off x="4608780" y="4655914"/>
+                <a:ext cx="445507" cy="246221"/>
               </a:xfrm>
               <a:prstGeom prst="rect">
                 <a:avLst/>
@@ -9892,6 +9827,7 @@
               </a:bodyPr>
               <a:lstStyle/>
               <a:p>
+                <a:pPr/>
                 <a14:m>
                   <m:oMathPara xmlns:m="http://schemas.openxmlformats.org/officeDocument/2006/math">
                     <m:oMathParaPr>
@@ -9916,10 +9852,10 @@
                         </m:e>
                         <m:sub>
                           <m:r>
-                            <a:rPr lang="fr-FR" sz="1600" i="1">
+                            <a:rPr lang="en-US" sz="1600" b="0" i="1" smtClean="0">
                               <a:latin typeface="Cambria Math" panose="02040503050406030204" pitchFamily="18" charset="0"/>
                             </a:rPr>
-                            <m:t>1</m:t>
+                            <m:t>2</m:t>
                           </m:r>
                         </m:sub>
                       </m:sSub>
@@ -9941,66 +9877,10 @@
                         </m:e>
                         <m:sub>
                           <m:r>
-                            <a:rPr lang="fr-FR" sz="1600" i="1">
+                            <a:rPr lang="en-US" sz="1600" b="0" i="1" smtClean="0">
                               <a:latin typeface="Cambria Math" panose="02040503050406030204" pitchFamily="18" charset="0"/>
                             </a:rPr>
-                            <m:t>1</m:t>
-                          </m:r>
-                        </m:sub>
-                      </m:sSub>
-                      <m:r>
-                        <a:rPr lang="fr-FR" sz="1600" i="1">
-                          <a:latin typeface="Cambria Math" panose="02040503050406030204" pitchFamily="18" charset="0"/>
-                        </a:rPr>
-                        <m:t>,…,</m:t>
-                      </m:r>
-                      <m:sSub>
-                        <m:sSubPr>
-                          <m:ctrlPr>
-                            <a:rPr lang="fr-FR" sz="1600" i="1">
-                              <a:latin typeface="Cambria Math" panose="02040503050406030204" pitchFamily="18" charset="0"/>
-                            </a:rPr>
-                          </m:ctrlPr>
-                        </m:sSubPr>
-                        <m:e>
-                          <m:r>
-                            <a:rPr lang="fr-FR" sz="1600" i="1">
-                              <a:latin typeface="Cambria Math" panose="02040503050406030204" pitchFamily="18" charset="0"/>
-                            </a:rPr>
-                            <m:t>𝑞</m:t>
-                          </m:r>
-                        </m:e>
-                        <m:sub>
-                          <m:r>
-                            <a:rPr lang="fr-FR" sz="1600" i="1">
-                              <a:latin typeface="Cambria Math" panose="02040503050406030204" pitchFamily="18" charset="0"/>
-                            </a:rPr>
-                            <m:t>𝑚</m:t>
-                          </m:r>
-                        </m:sub>
-                      </m:sSub>
-                      <m:sSub>
-                        <m:sSubPr>
-                          <m:ctrlPr>
-                            <a:rPr lang="fr-FR" sz="1600" i="1">
-                              <a:latin typeface="Cambria Math" panose="02040503050406030204" pitchFamily="18" charset="0"/>
-                            </a:rPr>
-                          </m:ctrlPr>
-                        </m:sSubPr>
-                        <m:e>
-                          <m:r>
-                            <a:rPr lang="fr-FR" sz="1600" i="1">
-                              <a:latin typeface="Cambria Math" panose="02040503050406030204" pitchFamily="18" charset="0"/>
-                            </a:rPr>
-                            <m:t>𝑥</m:t>
-                          </m:r>
-                        </m:e>
-                        <m:sub>
-                          <m:r>
-                            <a:rPr lang="fr-FR" sz="1600" i="1">
-                              <a:latin typeface="Cambria Math" panose="02040503050406030204" pitchFamily="18" charset="0"/>
-                            </a:rPr>
-                            <m:t>𝑚</m:t>
+                            <m:t>2</m:t>
                           </m:r>
                         </m:sub>
                       </m:sSub>
@@ -10029,8 +9909,8 @@
             </p:nvSpPr>
             <p:spPr>
               <a:xfrm>
-                <a:off x="4214116" y="4655914"/>
-                <a:ext cx="1290546" cy="246221"/>
+                <a:off x="4608780" y="4655914"/>
+                <a:ext cx="445507" cy="246221"/>
               </a:xfrm>
               <a:prstGeom prst="rect">
                 <a:avLst/>
@@ -10038,7 +9918,7 @@
               <a:blipFill>
                 <a:blip r:embed="rId11"/>
                 <a:stretch>
-                  <a:fillRect l="-3774" b="-25000"/>
+                  <a:fillRect l="-10959" r="-4110" b="-25000"/>
                 </a:stretch>
               </a:blipFill>
             </p:spPr>
@@ -10073,8 +9953,8 @@
             </p:nvSpPr>
             <p:spPr>
               <a:xfrm>
-                <a:off x="5849972" y="4667490"/>
-                <a:ext cx="1290546" cy="246221"/>
+                <a:off x="6445084" y="4667490"/>
+                <a:ext cx="195566" cy="246221"/>
               </a:xfrm>
               <a:prstGeom prst="rect">
                 <a:avLst/>
@@ -10087,118 +9967,19 @@
               </a:bodyPr>
               <a:lstStyle/>
               <a:p>
+                <a:pPr/>
                 <a14:m>
                   <m:oMathPara xmlns:m="http://schemas.openxmlformats.org/officeDocument/2006/math">
                     <m:oMathParaPr>
                       <m:jc m:val="centerGroup"/>
                     </m:oMathParaPr>
                     <m:oMath xmlns:m="http://schemas.openxmlformats.org/officeDocument/2006/math">
-                      <m:sSub>
-                        <m:sSubPr>
-                          <m:ctrlPr>
-                            <a:rPr lang="fr-FR" sz="1600" i="1" smtClean="0">
-                              <a:latin typeface="Cambria Math" panose="02040503050406030204" pitchFamily="18" charset="0"/>
-                            </a:rPr>
-                          </m:ctrlPr>
-                        </m:sSubPr>
-                        <m:e>
-                          <m:r>
-                            <a:rPr lang="fr-FR" sz="1600" i="1">
-                              <a:latin typeface="Cambria Math" panose="02040503050406030204" pitchFamily="18" charset="0"/>
-                            </a:rPr>
-                            <m:t>𝑞</m:t>
-                          </m:r>
-                        </m:e>
-                        <m:sub>
-                          <m:r>
-                            <a:rPr lang="fr-FR" sz="1600" i="1">
-                              <a:latin typeface="Cambria Math" panose="02040503050406030204" pitchFamily="18" charset="0"/>
-                            </a:rPr>
-                            <m:t>1</m:t>
-                          </m:r>
-                        </m:sub>
-                      </m:sSub>
-                      <m:sSub>
-                        <m:sSubPr>
-                          <m:ctrlPr>
-                            <a:rPr lang="fr-FR" sz="1600" i="1">
-                              <a:latin typeface="Cambria Math" panose="02040503050406030204" pitchFamily="18" charset="0"/>
-                            </a:rPr>
-                          </m:ctrlPr>
-                        </m:sSubPr>
-                        <m:e>
-                          <m:r>
-                            <a:rPr lang="fr-FR" sz="1600" i="1">
-                              <a:latin typeface="Cambria Math" panose="02040503050406030204" pitchFamily="18" charset="0"/>
-                            </a:rPr>
-                            <m:t>𝑥</m:t>
-                          </m:r>
-                        </m:e>
-                        <m:sub>
-                          <m:r>
-                            <a:rPr lang="fr-FR" sz="1600" i="1">
-                              <a:latin typeface="Cambria Math" panose="02040503050406030204" pitchFamily="18" charset="0"/>
-                            </a:rPr>
-                            <m:t>1</m:t>
-                          </m:r>
-                        </m:sub>
-                      </m:sSub>
                       <m:r>
-                        <a:rPr lang="fr-FR" sz="1600" i="1">
+                        <a:rPr lang="en-US" sz="1600" b="0" i="1" smtClean="0">
                           <a:latin typeface="Cambria Math" panose="02040503050406030204" pitchFamily="18" charset="0"/>
                         </a:rPr>
-                        <m:t>,…,</m:t>
+                        <m:t>…</m:t>
                       </m:r>
-                      <m:sSub>
-                        <m:sSubPr>
-                          <m:ctrlPr>
-                            <a:rPr lang="fr-FR" sz="1600" i="1">
-                              <a:latin typeface="Cambria Math" panose="02040503050406030204" pitchFamily="18" charset="0"/>
-                            </a:rPr>
-                          </m:ctrlPr>
-                        </m:sSubPr>
-                        <m:e>
-                          <m:r>
-                            <a:rPr lang="fr-FR" sz="1600" i="1">
-                              <a:latin typeface="Cambria Math" panose="02040503050406030204" pitchFamily="18" charset="0"/>
-                            </a:rPr>
-                            <m:t>𝑞</m:t>
-                          </m:r>
-                        </m:e>
-                        <m:sub>
-                          <m:r>
-                            <a:rPr lang="fr-FR" sz="1600" i="1">
-                              <a:latin typeface="Cambria Math" panose="02040503050406030204" pitchFamily="18" charset="0"/>
-                            </a:rPr>
-                            <m:t>𝑚</m:t>
-                          </m:r>
-                        </m:sub>
-                      </m:sSub>
-                      <m:sSub>
-                        <m:sSubPr>
-                          <m:ctrlPr>
-                            <a:rPr lang="fr-FR" sz="1600" i="1">
-                              <a:latin typeface="Cambria Math" panose="02040503050406030204" pitchFamily="18" charset="0"/>
-                            </a:rPr>
-                          </m:ctrlPr>
-                        </m:sSubPr>
-                        <m:e>
-                          <m:r>
-                            <a:rPr lang="fr-FR" sz="1600" i="1">
-                              <a:latin typeface="Cambria Math" panose="02040503050406030204" pitchFamily="18" charset="0"/>
-                            </a:rPr>
-                            <m:t>𝑥</m:t>
-                          </m:r>
-                        </m:e>
-                        <m:sub>
-                          <m:r>
-                            <a:rPr lang="fr-FR" sz="1600" i="1">
-                              <a:latin typeface="Cambria Math" panose="02040503050406030204" pitchFamily="18" charset="0"/>
-                            </a:rPr>
-                            <m:t>𝑚</m:t>
-                          </m:r>
-                        </m:sub>
-                      </m:sSub>
                     </m:oMath>
                   </m:oMathPara>
                 </a14:m>
@@ -10224,8 +10005,8 @@
             </p:nvSpPr>
             <p:spPr>
               <a:xfrm>
-                <a:off x="5849972" y="4667490"/>
-                <a:ext cx="1290546" cy="246221"/>
+                <a:off x="6445084" y="4667490"/>
+                <a:ext cx="195566" cy="246221"/>
               </a:xfrm>
               <a:prstGeom prst="rect">
                 <a:avLst/>
@@ -10233,7 +10014,7 @@
               <a:blipFill>
                 <a:blip r:embed="rId12"/>
                 <a:stretch>
-                  <a:fillRect l="-3791" b="-25000"/>
+                  <a:fillRect/>
                 </a:stretch>
               </a:blipFill>
             </p:spPr>
@@ -10268,8 +10049,8 @@
             </p:nvSpPr>
             <p:spPr>
               <a:xfrm>
-                <a:off x="7514765" y="4661700"/>
-                <a:ext cx="1290546" cy="246221"/>
+                <a:off x="7865022" y="4661700"/>
+                <a:ext cx="556434" cy="246221"/>
               </a:xfrm>
               <a:prstGeom prst="rect">
                 <a:avLst/>
@@ -10282,68 +10063,13 @@
               </a:bodyPr>
               <a:lstStyle/>
               <a:p>
+                <a:pPr/>
                 <a14:m>
                   <m:oMathPara xmlns:m="http://schemas.openxmlformats.org/officeDocument/2006/math">
                     <m:oMathParaPr>
                       <m:jc m:val="centerGroup"/>
                     </m:oMathParaPr>
                     <m:oMath xmlns:m="http://schemas.openxmlformats.org/officeDocument/2006/math">
-                      <m:sSub>
-                        <m:sSubPr>
-                          <m:ctrlPr>
-                            <a:rPr lang="fr-FR" sz="1600" i="1" smtClean="0">
-                              <a:latin typeface="Cambria Math" panose="02040503050406030204" pitchFamily="18" charset="0"/>
-                            </a:rPr>
-                          </m:ctrlPr>
-                        </m:sSubPr>
-                        <m:e>
-                          <m:r>
-                            <a:rPr lang="fr-FR" sz="1600" i="1">
-                              <a:latin typeface="Cambria Math" panose="02040503050406030204" pitchFamily="18" charset="0"/>
-                            </a:rPr>
-                            <m:t>𝑞</m:t>
-                          </m:r>
-                        </m:e>
-                        <m:sub>
-                          <m:r>
-                            <a:rPr lang="fr-FR" sz="1600" i="1">
-                              <a:latin typeface="Cambria Math" panose="02040503050406030204" pitchFamily="18" charset="0"/>
-                            </a:rPr>
-                            <m:t>1</m:t>
-                          </m:r>
-                        </m:sub>
-                      </m:sSub>
-                      <m:sSub>
-                        <m:sSubPr>
-                          <m:ctrlPr>
-                            <a:rPr lang="fr-FR" sz="1600" i="1">
-                              <a:latin typeface="Cambria Math" panose="02040503050406030204" pitchFamily="18" charset="0"/>
-                            </a:rPr>
-                          </m:ctrlPr>
-                        </m:sSubPr>
-                        <m:e>
-                          <m:r>
-                            <a:rPr lang="fr-FR" sz="1600" i="1">
-                              <a:latin typeface="Cambria Math" panose="02040503050406030204" pitchFamily="18" charset="0"/>
-                            </a:rPr>
-                            <m:t>𝑥</m:t>
-                          </m:r>
-                        </m:e>
-                        <m:sub>
-                          <m:r>
-                            <a:rPr lang="fr-FR" sz="1600" i="1">
-                              <a:latin typeface="Cambria Math" panose="02040503050406030204" pitchFamily="18" charset="0"/>
-                            </a:rPr>
-                            <m:t>1</m:t>
-                          </m:r>
-                        </m:sub>
-                      </m:sSub>
-                      <m:r>
-                        <a:rPr lang="fr-FR" sz="1600" i="1">
-                          <a:latin typeface="Cambria Math" panose="02040503050406030204" pitchFamily="18" charset="0"/>
-                        </a:rPr>
-                        <m:t>,…,</m:t>
-                      </m:r>
                       <m:sSub>
                         <m:sSubPr>
                           <m:ctrlPr>
@@ -10419,8 +10145,8 @@
             </p:nvSpPr>
             <p:spPr>
               <a:xfrm>
-                <a:off x="7514765" y="4661700"/>
-                <a:ext cx="1290546" cy="246221"/>
+                <a:off x="7865022" y="4661700"/>
+                <a:ext cx="556434" cy="246221"/>
               </a:xfrm>
               <a:prstGeom prst="rect">
                 <a:avLst/>
@@ -10428,7 +10154,7 @@
               <a:blipFill>
                 <a:blip r:embed="rId13"/>
                 <a:stretch>
-                  <a:fillRect l="-3791" b="-25000"/>
+                  <a:fillRect l="-8791" r="-2198" b="-25000"/>
                 </a:stretch>
               </a:blipFill>
             </p:spPr>

--- a/images/kd-draw.pptx
+++ b/images/kd-draw.pptx
@@ -4,6 +4,9 @@
   <p:sldMasterIdLst>
     <p:sldMasterId id="2147483648" r:id="rId1"/>
   </p:sldMasterIdLst>
+  <p:notesMasterIdLst>
+    <p:notesMasterId r:id="rId10"/>
+  </p:notesMasterIdLst>
   <p:sldIdLst>
     <p:sldId id="256" r:id="rId2"/>
     <p:sldId id="258" r:id="rId3"/>
@@ -11,6 +14,8 @@
     <p:sldId id="260" r:id="rId5"/>
     <p:sldId id="261" r:id="rId6"/>
     <p:sldId id="262" r:id="rId7"/>
+    <p:sldId id="263" r:id="rId8"/>
+    <p:sldId id="264" r:id="rId9"/>
   </p:sldIdLst>
   <p:sldSz cx="12192000" cy="6858000"/>
   <p:notesSz cx="6858000" cy="9144000"/>
@@ -131,7 +136,7 @@
 <file path=ppt/revisionInfo.xml><?xml version="1.0" encoding="utf-8"?>
 <p1510:revInfo xmlns:a="http://schemas.openxmlformats.org/drawingml/2006/main" xmlns:r="http://schemas.openxmlformats.org/officeDocument/2006/relationships" xmlns:p1510="http://schemas.microsoft.com/office/powerpoint/2015/10/main">
   <p1510:revLst>
-    <p1510:client id="{9403B015-2769-46C7-9465-E136DCA63CCF}" v="299" dt="2025-12-23T10:09:26.241"/>
+    <p1510:client id="{9403B015-2769-46C7-9465-E136DCA63CCF}" v="431" dt="2025-12-25T12:06:38.901"/>
   </p1510:revLst>
 </p1510:revInfo>
 </file>
@@ -140,8 +145,8 @@
 <pc:chgInfo xmlns:a="http://schemas.openxmlformats.org/drawingml/2006/main" xmlns:r="http://schemas.openxmlformats.org/officeDocument/2006/relationships" xmlns:ac="http://schemas.microsoft.com/office/drawing/2013/main/command" xmlns:pc="http://schemas.microsoft.com/office/powerpoint/2013/main/command">
   <pc:docChgLst>
     <pc:chgData name="Phạm Thông" userId="cb1de41f-d0a9-4c8b-9095-fa88b5d4678f" providerId="ADAL" clId="{E2A0B859-04CE-4714-8C81-52AA70A7C49E}"/>
-    <pc:docChg chg="undo custSel addSld modSld">
-      <pc:chgData name="Phạm Thông" userId="cb1de41f-d0a9-4c8b-9095-fa88b5d4678f" providerId="ADAL" clId="{E2A0B859-04CE-4714-8C81-52AA70A7C49E}" dt="2025-12-23T10:09:26.241" v="1001" actId="114"/>
+    <pc:docChg chg="undo redo custSel addSld modSld">
+      <pc:chgData name="Phạm Thông" userId="cb1de41f-d0a9-4c8b-9095-fa88b5d4678f" providerId="ADAL" clId="{E2A0B859-04CE-4714-8C81-52AA70A7C49E}" dt="2025-12-25T12:06:45.120" v="1485" actId="1076"/>
       <pc:docMkLst>
         <pc:docMk/>
       </pc:docMkLst>
@@ -477,9 +482,1536 @@
           </ac:picMkLst>
         </pc:picChg>
       </pc:sldChg>
+      <pc:sldChg chg="addSp delSp modSp new mod">
+        <pc:chgData name="Phạm Thông" userId="cb1de41f-d0a9-4c8b-9095-fa88b5d4678f" providerId="ADAL" clId="{E2A0B859-04CE-4714-8C81-52AA70A7C49E}" dt="2025-12-25T11:36:16.930" v="1404" actId="1076"/>
+        <pc:sldMkLst>
+          <pc:docMk/>
+          <pc:sldMk cId="2573557612" sldId="263"/>
+        </pc:sldMkLst>
+        <pc:spChg chg="add mod">
+          <ac:chgData name="Phạm Thông" userId="cb1de41f-d0a9-4c8b-9095-fa88b5d4678f" providerId="ADAL" clId="{E2A0B859-04CE-4714-8C81-52AA70A7C49E}" dt="2025-12-25T10:06:49.173" v="1185"/>
+          <ac:spMkLst>
+            <pc:docMk/>
+            <pc:sldMk cId="2573557612" sldId="263"/>
+            <ac:spMk id="2" creationId="{16D1EFE5-24B5-4AE9-70AB-FDC326F85AC2}"/>
+          </ac:spMkLst>
+        </pc:spChg>
+        <pc:spChg chg="add mod">
+          <ac:chgData name="Phạm Thông" userId="cb1de41f-d0a9-4c8b-9095-fa88b5d4678f" providerId="ADAL" clId="{E2A0B859-04CE-4714-8C81-52AA70A7C49E}" dt="2025-12-25T11:34:16.395" v="1390"/>
+          <ac:spMkLst>
+            <pc:docMk/>
+            <pc:sldMk cId="2573557612" sldId="263"/>
+            <ac:spMk id="3" creationId="{26C308B8-AD59-6CAD-AE51-5F3337C4A731}"/>
+          </ac:spMkLst>
+        </pc:spChg>
+        <pc:spChg chg="add mod">
+          <ac:chgData name="Phạm Thông" userId="cb1de41f-d0a9-4c8b-9095-fa88b5d4678f" providerId="ADAL" clId="{E2A0B859-04CE-4714-8C81-52AA70A7C49E}" dt="2025-12-25T11:33:52.992" v="1384" actId="1076"/>
+          <ac:spMkLst>
+            <pc:docMk/>
+            <pc:sldMk cId="2573557612" sldId="263"/>
+            <ac:spMk id="4" creationId="{EA5918C9-0B09-2A78-00E3-AF52FC682799}"/>
+          </ac:spMkLst>
+        </pc:spChg>
+        <pc:spChg chg="add mod ord">
+          <ac:chgData name="Phạm Thông" userId="cb1de41f-d0a9-4c8b-9095-fa88b5d4678f" providerId="ADAL" clId="{E2A0B859-04CE-4714-8C81-52AA70A7C49E}" dt="2025-12-25T11:34:16.395" v="1390"/>
+          <ac:spMkLst>
+            <pc:docMk/>
+            <pc:sldMk cId="2573557612" sldId="263"/>
+            <ac:spMk id="5" creationId="{DF4BA13C-4FC0-02DB-1761-205351ABD93E}"/>
+          </ac:spMkLst>
+        </pc:spChg>
+        <pc:spChg chg="add mod">
+          <ac:chgData name="Phạm Thông" userId="cb1de41f-d0a9-4c8b-9095-fa88b5d4678f" providerId="ADAL" clId="{E2A0B859-04CE-4714-8C81-52AA70A7C49E}" dt="2025-12-25T11:33:52.992" v="1384" actId="1076"/>
+          <ac:spMkLst>
+            <pc:docMk/>
+            <pc:sldMk cId="2573557612" sldId="263"/>
+            <ac:spMk id="6" creationId="{0C80F49D-BE41-ED29-B888-EC7AB59E7B40}"/>
+          </ac:spMkLst>
+        </pc:spChg>
+        <pc:spChg chg="add mod">
+          <ac:chgData name="Phạm Thông" userId="cb1de41f-d0a9-4c8b-9095-fa88b5d4678f" providerId="ADAL" clId="{E2A0B859-04CE-4714-8C81-52AA70A7C49E}" dt="2025-12-25T11:33:52.992" v="1384" actId="1076"/>
+          <ac:spMkLst>
+            <pc:docMk/>
+            <pc:sldMk cId="2573557612" sldId="263"/>
+            <ac:spMk id="7" creationId="{7B04C046-5D3F-9211-E532-B8646109932B}"/>
+          </ac:spMkLst>
+        </pc:spChg>
+        <pc:spChg chg="add mod">
+          <ac:chgData name="Phạm Thông" userId="cb1de41f-d0a9-4c8b-9095-fa88b5d4678f" providerId="ADAL" clId="{E2A0B859-04CE-4714-8C81-52AA70A7C49E}" dt="2025-12-25T11:34:16.395" v="1390"/>
+          <ac:spMkLst>
+            <pc:docMk/>
+            <pc:sldMk cId="2573557612" sldId="263"/>
+            <ac:spMk id="8" creationId="{042236A2-6D0A-E2FD-C249-5B435C9167A3}"/>
+          </ac:spMkLst>
+        </pc:spChg>
+        <pc:spChg chg="add mod ord">
+          <ac:chgData name="Phạm Thông" userId="cb1de41f-d0a9-4c8b-9095-fa88b5d4678f" providerId="ADAL" clId="{E2A0B859-04CE-4714-8C81-52AA70A7C49E}" dt="2025-12-25T11:34:16.395" v="1390"/>
+          <ac:spMkLst>
+            <pc:docMk/>
+            <pc:sldMk cId="2573557612" sldId="263"/>
+            <ac:spMk id="9" creationId="{504F7D07-D6F4-DBE0-48EF-9029431A5A3F}"/>
+          </ac:spMkLst>
+        </pc:spChg>
+        <pc:spChg chg="add mod">
+          <ac:chgData name="Phạm Thông" userId="cb1de41f-d0a9-4c8b-9095-fa88b5d4678f" providerId="ADAL" clId="{E2A0B859-04CE-4714-8C81-52AA70A7C49E}" dt="2025-12-25T11:34:16.395" v="1390"/>
+          <ac:spMkLst>
+            <pc:docMk/>
+            <pc:sldMk cId="2573557612" sldId="263"/>
+            <ac:spMk id="10" creationId="{D5AB5669-26B8-BDAF-CC32-16C7957A1E42}"/>
+          </ac:spMkLst>
+        </pc:spChg>
+        <pc:spChg chg="add mod">
+          <ac:chgData name="Phạm Thông" userId="cb1de41f-d0a9-4c8b-9095-fa88b5d4678f" providerId="ADAL" clId="{E2A0B859-04CE-4714-8C81-52AA70A7C49E}" dt="2025-12-25T11:34:16.395" v="1390"/>
+          <ac:spMkLst>
+            <pc:docMk/>
+            <pc:sldMk cId="2573557612" sldId="263"/>
+            <ac:spMk id="11" creationId="{4759778D-76AB-68EC-813D-804A05E54794}"/>
+          </ac:spMkLst>
+        </pc:spChg>
+        <pc:spChg chg="add del mod">
+          <ac:chgData name="Phạm Thông" userId="cb1de41f-d0a9-4c8b-9095-fa88b5d4678f" providerId="ADAL" clId="{E2A0B859-04CE-4714-8C81-52AA70A7C49E}" dt="2025-12-25T09:54:04.164" v="1038" actId="478"/>
+          <ac:spMkLst>
+            <pc:docMk/>
+            <pc:sldMk cId="2573557612" sldId="263"/>
+            <ac:spMk id="12" creationId="{87F2D236-E68F-C816-7016-FF4BFCEA5C14}"/>
+          </ac:spMkLst>
+        </pc:spChg>
+        <pc:spChg chg="add del mod">
+          <ac:chgData name="Phạm Thông" userId="cb1de41f-d0a9-4c8b-9095-fa88b5d4678f" providerId="ADAL" clId="{E2A0B859-04CE-4714-8C81-52AA70A7C49E}" dt="2025-12-25T09:54:04.917" v="1039" actId="478"/>
+          <ac:spMkLst>
+            <pc:docMk/>
+            <pc:sldMk cId="2573557612" sldId="263"/>
+            <ac:spMk id="13" creationId="{1F63B1E6-7F52-0EAF-C216-9C13D6D5758A}"/>
+          </ac:spMkLst>
+        </pc:spChg>
+        <pc:spChg chg="add del mod">
+          <ac:chgData name="Phạm Thông" userId="cb1de41f-d0a9-4c8b-9095-fa88b5d4678f" providerId="ADAL" clId="{E2A0B859-04CE-4714-8C81-52AA70A7C49E}" dt="2025-12-25T09:54:04.917" v="1039" actId="478"/>
+          <ac:spMkLst>
+            <pc:docMk/>
+            <pc:sldMk cId="2573557612" sldId="263"/>
+            <ac:spMk id="14" creationId="{4BDEBBD2-1C67-161A-60FF-DB2EE42089FA}"/>
+          </ac:spMkLst>
+        </pc:spChg>
+        <pc:spChg chg="add del mod">
+          <ac:chgData name="Phạm Thông" userId="cb1de41f-d0a9-4c8b-9095-fa88b5d4678f" providerId="ADAL" clId="{E2A0B859-04CE-4714-8C81-52AA70A7C49E}" dt="2025-12-25T09:54:04.917" v="1039" actId="478"/>
+          <ac:spMkLst>
+            <pc:docMk/>
+            <pc:sldMk cId="2573557612" sldId="263"/>
+            <ac:spMk id="15" creationId="{C1B0064E-3B68-A1BE-B730-250FB341FC85}"/>
+          </ac:spMkLst>
+        </pc:spChg>
+        <pc:spChg chg="add del mod">
+          <ac:chgData name="Phạm Thông" userId="cb1de41f-d0a9-4c8b-9095-fa88b5d4678f" providerId="ADAL" clId="{E2A0B859-04CE-4714-8C81-52AA70A7C49E}" dt="2025-12-25T09:54:04.917" v="1039" actId="478"/>
+          <ac:spMkLst>
+            <pc:docMk/>
+            <pc:sldMk cId="2573557612" sldId="263"/>
+            <ac:spMk id="16" creationId="{6A4F97EA-713C-137F-C863-653BAAD37919}"/>
+          </ac:spMkLst>
+        </pc:spChg>
+        <pc:spChg chg="add del mod">
+          <ac:chgData name="Phạm Thông" userId="cb1de41f-d0a9-4c8b-9095-fa88b5d4678f" providerId="ADAL" clId="{E2A0B859-04CE-4714-8C81-52AA70A7C49E}" dt="2025-12-25T09:54:04.917" v="1039" actId="478"/>
+          <ac:spMkLst>
+            <pc:docMk/>
+            <pc:sldMk cId="2573557612" sldId="263"/>
+            <ac:spMk id="17" creationId="{9AB5E573-8FAB-BAD8-C576-82DFE2DAC58C}"/>
+          </ac:spMkLst>
+        </pc:spChg>
+        <pc:spChg chg="add del mod">
+          <ac:chgData name="Phạm Thông" userId="cb1de41f-d0a9-4c8b-9095-fa88b5d4678f" providerId="ADAL" clId="{E2A0B859-04CE-4714-8C81-52AA70A7C49E}" dt="2025-12-25T09:54:04.917" v="1039" actId="478"/>
+          <ac:spMkLst>
+            <pc:docMk/>
+            <pc:sldMk cId="2573557612" sldId="263"/>
+            <ac:spMk id="18" creationId="{3DED3D4F-80E3-91FF-B9CE-A97DCC2BF1E3}"/>
+          </ac:spMkLst>
+        </pc:spChg>
+        <pc:spChg chg="add del mod">
+          <ac:chgData name="Phạm Thông" userId="cb1de41f-d0a9-4c8b-9095-fa88b5d4678f" providerId="ADAL" clId="{E2A0B859-04CE-4714-8C81-52AA70A7C49E}" dt="2025-12-25T09:54:04.917" v="1039" actId="478"/>
+          <ac:spMkLst>
+            <pc:docMk/>
+            <pc:sldMk cId="2573557612" sldId="263"/>
+            <ac:spMk id="19" creationId="{71CF3D35-BB0E-FC5B-A1F2-F67133575720}"/>
+          </ac:spMkLst>
+        </pc:spChg>
+        <pc:spChg chg="add del mod">
+          <ac:chgData name="Phạm Thông" userId="cb1de41f-d0a9-4c8b-9095-fa88b5d4678f" providerId="ADAL" clId="{E2A0B859-04CE-4714-8C81-52AA70A7C49E}" dt="2025-12-25T09:54:04.917" v="1039" actId="478"/>
+          <ac:spMkLst>
+            <pc:docMk/>
+            <pc:sldMk cId="2573557612" sldId="263"/>
+            <ac:spMk id="20" creationId="{2087085A-B90D-C8E3-EA23-BD6302A672A7}"/>
+          </ac:spMkLst>
+        </pc:spChg>
+        <pc:spChg chg="add del mod">
+          <ac:chgData name="Phạm Thông" userId="cb1de41f-d0a9-4c8b-9095-fa88b5d4678f" providerId="ADAL" clId="{E2A0B859-04CE-4714-8C81-52AA70A7C49E}" dt="2025-12-25T09:54:04.917" v="1039" actId="478"/>
+          <ac:spMkLst>
+            <pc:docMk/>
+            <pc:sldMk cId="2573557612" sldId="263"/>
+            <ac:spMk id="21" creationId="{DF8D44F7-C8DC-E885-F470-606D8A17C55B}"/>
+          </ac:spMkLst>
+        </pc:spChg>
+        <pc:spChg chg="add mod">
+          <ac:chgData name="Phạm Thông" userId="cb1de41f-d0a9-4c8b-9095-fa88b5d4678f" providerId="ADAL" clId="{E2A0B859-04CE-4714-8C81-52AA70A7C49E}" dt="2025-12-25T09:54:37.610" v="1053"/>
+          <ac:spMkLst>
+            <pc:docMk/>
+            <pc:sldMk cId="2573557612" sldId="263"/>
+            <ac:spMk id="22" creationId="{D8DDDC99-8EC8-F28D-B8DA-99333E1D1CC1}"/>
+          </ac:spMkLst>
+        </pc:spChg>
+        <pc:spChg chg="add mod">
+          <ac:chgData name="Phạm Thông" userId="cb1de41f-d0a9-4c8b-9095-fa88b5d4678f" providerId="ADAL" clId="{E2A0B859-04CE-4714-8C81-52AA70A7C49E}" dt="2025-12-25T09:54:37.610" v="1053"/>
+          <ac:spMkLst>
+            <pc:docMk/>
+            <pc:sldMk cId="2573557612" sldId="263"/>
+            <ac:spMk id="23" creationId="{2FFD638A-A1A7-B20C-ABDE-FEAEBC5BDDE5}"/>
+          </ac:spMkLst>
+        </pc:spChg>
+        <pc:spChg chg="add mod">
+          <ac:chgData name="Phạm Thông" userId="cb1de41f-d0a9-4c8b-9095-fa88b5d4678f" providerId="ADAL" clId="{E2A0B859-04CE-4714-8C81-52AA70A7C49E}" dt="2025-12-25T09:54:37.610" v="1053"/>
+          <ac:spMkLst>
+            <pc:docMk/>
+            <pc:sldMk cId="2573557612" sldId="263"/>
+            <ac:spMk id="24" creationId="{12BAFD2A-2745-72B6-7FB2-AD5CB21095C5}"/>
+          </ac:spMkLst>
+        </pc:spChg>
+        <pc:spChg chg="add mod">
+          <ac:chgData name="Phạm Thông" userId="cb1de41f-d0a9-4c8b-9095-fa88b5d4678f" providerId="ADAL" clId="{E2A0B859-04CE-4714-8C81-52AA70A7C49E}" dt="2025-12-25T09:54:37.610" v="1053"/>
+          <ac:spMkLst>
+            <pc:docMk/>
+            <pc:sldMk cId="2573557612" sldId="263"/>
+            <ac:spMk id="25" creationId="{A4780910-40D8-2D29-B017-66EDD2857B84}"/>
+          </ac:spMkLst>
+        </pc:spChg>
+        <pc:spChg chg="add mod">
+          <ac:chgData name="Phạm Thông" userId="cb1de41f-d0a9-4c8b-9095-fa88b5d4678f" providerId="ADAL" clId="{E2A0B859-04CE-4714-8C81-52AA70A7C49E}" dt="2025-12-25T09:54:37.610" v="1053"/>
+          <ac:spMkLst>
+            <pc:docMk/>
+            <pc:sldMk cId="2573557612" sldId="263"/>
+            <ac:spMk id="26" creationId="{A7327B43-2FB7-3CD4-26A8-4C4D8A17DCD0}"/>
+          </ac:spMkLst>
+        </pc:spChg>
+        <pc:spChg chg="add mod">
+          <ac:chgData name="Phạm Thông" userId="cb1de41f-d0a9-4c8b-9095-fa88b5d4678f" providerId="ADAL" clId="{E2A0B859-04CE-4714-8C81-52AA70A7C49E}" dt="2025-12-25T09:54:37.610" v="1053"/>
+          <ac:spMkLst>
+            <pc:docMk/>
+            <pc:sldMk cId="2573557612" sldId="263"/>
+            <ac:spMk id="27" creationId="{F77FBE57-E9B2-555F-D5D3-88121272A125}"/>
+          </ac:spMkLst>
+        </pc:spChg>
+        <pc:spChg chg="add mod">
+          <ac:chgData name="Phạm Thông" userId="cb1de41f-d0a9-4c8b-9095-fa88b5d4678f" providerId="ADAL" clId="{E2A0B859-04CE-4714-8C81-52AA70A7C49E}" dt="2025-12-25T09:54:37.610" v="1053"/>
+          <ac:spMkLst>
+            <pc:docMk/>
+            <pc:sldMk cId="2573557612" sldId="263"/>
+            <ac:spMk id="28" creationId="{02F39196-D084-20E9-3D27-5F6C312A8EFA}"/>
+          </ac:spMkLst>
+        </pc:spChg>
+        <pc:spChg chg="add mod">
+          <ac:chgData name="Phạm Thông" userId="cb1de41f-d0a9-4c8b-9095-fa88b5d4678f" providerId="ADAL" clId="{E2A0B859-04CE-4714-8C81-52AA70A7C49E}" dt="2025-12-25T09:54:37.610" v="1053"/>
+          <ac:spMkLst>
+            <pc:docMk/>
+            <pc:sldMk cId="2573557612" sldId="263"/>
+            <ac:spMk id="29" creationId="{59B754BC-93AB-6BAE-15ED-715DDB74B148}"/>
+          </ac:spMkLst>
+        </pc:spChg>
+        <pc:spChg chg="add mod">
+          <ac:chgData name="Phạm Thông" userId="cb1de41f-d0a9-4c8b-9095-fa88b5d4678f" providerId="ADAL" clId="{E2A0B859-04CE-4714-8C81-52AA70A7C49E}" dt="2025-12-25T09:54:37.610" v="1053"/>
+          <ac:spMkLst>
+            <pc:docMk/>
+            <pc:sldMk cId="2573557612" sldId="263"/>
+            <ac:spMk id="30" creationId="{E13C793F-8DAE-364A-11C6-EE64D738560E}"/>
+          </ac:spMkLst>
+        </pc:spChg>
+        <pc:spChg chg="add mod">
+          <ac:chgData name="Phạm Thông" userId="cb1de41f-d0a9-4c8b-9095-fa88b5d4678f" providerId="ADAL" clId="{E2A0B859-04CE-4714-8C81-52AA70A7C49E}" dt="2025-12-25T09:54:37.610" v="1053"/>
+          <ac:spMkLst>
+            <pc:docMk/>
+            <pc:sldMk cId="2573557612" sldId="263"/>
+            <ac:spMk id="31" creationId="{44C7D6CD-EF29-DFFE-72A3-431A663229F2}"/>
+          </ac:spMkLst>
+        </pc:spChg>
+        <pc:spChg chg="add del mod">
+          <ac:chgData name="Phạm Thông" userId="cb1de41f-d0a9-4c8b-9095-fa88b5d4678f" providerId="ADAL" clId="{E2A0B859-04CE-4714-8C81-52AA70A7C49E}" dt="2025-12-25T10:03:00.946" v="1139" actId="478"/>
+          <ac:spMkLst>
+            <pc:docMk/>
+            <pc:sldMk cId="2573557612" sldId="263"/>
+            <ac:spMk id="32" creationId="{424BDC3E-831B-D028-7B45-D234C2554338}"/>
+          </ac:spMkLst>
+        </pc:spChg>
+        <pc:spChg chg="add del mod">
+          <ac:chgData name="Phạm Thông" userId="cb1de41f-d0a9-4c8b-9095-fa88b5d4678f" providerId="ADAL" clId="{E2A0B859-04CE-4714-8C81-52AA70A7C49E}" dt="2025-12-25T10:03:00.946" v="1139" actId="478"/>
+          <ac:spMkLst>
+            <pc:docMk/>
+            <pc:sldMk cId="2573557612" sldId="263"/>
+            <ac:spMk id="33" creationId="{BBC9625B-DE05-9D5F-972A-E71F798A973E}"/>
+          </ac:spMkLst>
+        </pc:spChg>
+        <pc:spChg chg="add del mod">
+          <ac:chgData name="Phạm Thông" userId="cb1de41f-d0a9-4c8b-9095-fa88b5d4678f" providerId="ADAL" clId="{E2A0B859-04CE-4714-8C81-52AA70A7C49E}" dt="2025-12-25T10:03:00.946" v="1139" actId="478"/>
+          <ac:spMkLst>
+            <pc:docMk/>
+            <pc:sldMk cId="2573557612" sldId="263"/>
+            <ac:spMk id="34" creationId="{7957CFA2-E233-AD06-A3BF-0BD92BA14C86}"/>
+          </ac:spMkLst>
+        </pc:spChg>
+        <pc:spChg chg="add del mod">
+          <ac:chgData name="Phạm Thông" userId="cb1de41f-d0a9-4c8b-9095-fa88b5d4678f" providerId="ADAL" clId="{E2A0B859-04CE-4714-8C81-52AA70A7C49E}" dt="2025-12-25T10:03:00.946" v="1139" actId="478"/>
+          <ac:spMkLst>
+            <pc:docMk/>
+            <pc:sldMk cId="2573557612" sldId="263"/>
+            <ac:spMk id="35" creationId="{D6EB932D-E554-E956-A0D0-4647E43B5E29}"/>
+          </ac:spMkLst>
+        </pc:spChg>
+        <pc:spChg chg="add del mod">
+          <ac:chgData name="Phạm Thông" userId="cb1de41f-d0a9-4c8b-9095-fa88b5d4678f" providerId="ADAL" clId="{E2A0B859-04CE-4714-8C81-52AA70A7C49E}" dt="2025-12-25T10:03:00.946" v="1139" actId="478"/>
+          <ac:spMkLst>
+            <pc:docMk/>
+            <pc:sldMk cId="2573557612" sldId="263"/>
+            <ac:spMk id="36" creationId="{8F5883B2-7699-B354-D338-BF020F303895}"/>
+          </ac:spMkLst>
+        </pc:spChg>
+        <pc:spChg chg="add del mod">
+          <ac:chgData name="Phạm Thông" userId="cb1de41f-d0a9-4c8b-9095-fa88b5d4678f" providerId="ADAL" clId="{E2A0B859-04CE-4714-8C81-52AA70A7C49E}" dt="2025-12-25T10:03:00.946" v="1139" actId="478"/>
+          <ac:spMkLst>
+            <pc:docMk/>
+            <pc:sldMk cId="2573557612" sldId="263"/>
+            <ac:spMk id="37" creationId="{CDB13274-27DF-D438-6B74-DA558CBFB79E}"/>
+          </ac:spMkLst>
+        </pc:spChg>
+        <pc:spChg chg="add del mod">
+          <ac:chgData name="Phạm Thông" userId="cb1de41f-d0a9-4c8b-9095-fa88b5d4678f" providerId="ADAL" clId="{E2A0B859-04CE-4714-8C81-52AA70A7C49E}" dt="2025-12-25T10:03:00.946" v="1139" actId="478"/>
+          <ac:spMkLst>
+            <pc:docMk/>
+            <pc:sldMk cId="2573557612" sldId="263"/>
+            <ac:spMk id="38" creationId="{13744022-8D56-8BEF-8DAA-46D8D157A669}"/>
+          </ac:spMkLst>
+        </pc:spChg>
+        <pc:spChg chg="add del mod">
+          <ac:chgData name="Phạm Thông" userId="cb1de41f-d0a9-4c8b-9095-fa88b5d4678f" providerId="ADAL" clId="{E2A0B859-04CE-4714-8C81-52AA70A7C49E}" dt="2025-12-25T10:03:00.946" v="1139" actId="478"/>
+          <ac:spMkLst>
+            <pc:docMk/>
+            <pc:sldMk cId="2573557612" sldId="263"/>
+            <ac:spMk id="39" creationId="{220EF963-396C-210A-72CF-D2601EEFCA23}"/>
+          </ac:spMkLst>
+        </pc:spChg>
+        <pc:spChg chg="add mod">
+          <ac:chgData name="Phạm Thông" userId="cb1de41f-d0a9-4c8b-9095-fa88b5d4678f" providerId="ADAL" clId="{E2A0B859-04CE-4714-8C81-52AA70A7C49E}" dt="2025-12-25T09:54:46.752" v="1056" actId="1076"/>
+          <ac:spMkLst>
+            <pc:docMk/>
+            <pc:sldMk cId="2573557612" sldId="263"/>
+            <ac:spMk id="40" creationId="{7E1531BE-674F-967E-EE95-B23374F6B4A8}"/>
+          </ac:spMkLst>
+        </pc:spChg>
+        <pc:spChg chg="add del mod">
+          <ac:chgData name="Phạm Thông" userId="cb1de41f-d0a9-4c8b-9095-fa88b5d4678f" providerId="ADAL" clId="{E2A0B859-04CE-4714-8C81-52AA70A7C49E}" dt="2025-12-25T10:03:00.946" v="1139" actId="478"/>
+          <ac:spMkLst>
+            <pc:docMk/>
+            <pc:sldMk cId="2573557612" sldId="263"/>
+            <ac:spMk id="41" creationId="{4992DCB6-DF7D-B7B3-C7BF-16ED6721F456}"/>
+          </ac:spMkLst>
+        </pc:spChg>
+        <pc:spChg chg="add del mod">
+          <ac:chgData name="Phạm Thông" userId="cb1de41f-d0a9-4c8b-9095-fa88b5d4678f" providerId="ADAL" clId="{E2A0B859-04CE-4714-8C81-52AA70A7C49E}" dt="2025-12-25T10:03:00.946" v="1139" actId="478"/>
+          <ac:spMkLst>
+            <pc:docMk/>
+            <pc:sldMk cId="2573557612" sldId="263"/>
+            <ac:spMk id="42" creationId="{74416763-4401-0563-B930-9B191F106351}"/>
+          </ac:spMkLst>
+        </pc:spChg>
+        <pc:spChg chg="add mod">
+          <ac:chgData name="Phạm Thông" userId="cb1de41f-d0a9-4c8b-9095-fa88b5d4678f" providerId="ADAL" clId="{E2A0B859-04CE-4714-8C81-52AA70A7C49E}" dt="2025-12-25T10:03:47.862" v="1145"/>
+          <ac:spMkLst>
+            <pc:docMk/>
+            <pc:sldMk cId="2573557612" sldId="263"/>
+            <ac:spMk id="45" creationId="{08A53F88-C781-FEC1-C9B3-A841DEF66E65}"/>
+          </ac:spMkLst>
+        </pc:spChg>
+        <pc:spChg chg="add mod">
+          <ac:chgData name="Phạm Thông" userId="cb1de41f-d0a9-4c8b-9095-fa88b5d4678f" providerId="ADAL" clId="{E2A0B859-04CE-4714-8C81-52AA70A7C49E}" dt="2025-12-25T10:03:47.862" v="1145"/>
+          <ac:spMkLst>
+            <pc:docMk/>
+            <pc:sldMk cId="2573557612" sldId="263"/>
+            <ac:spMk id="46" creationId="{D254520D-6DDC-9059-37C7-2D166EEB2F1B}"/>
+          </ac:spMkLst>
+        </pc:spChg>
+        <pc:spChg chg="add mod">
+          <ac:chgData name="Phạm Thông" userId="cb1de41f-d0a9-4c8b-9095-fa88b5d4678f" providerId="ADAL" clId="{E2A0B859-04CE-4714-8C81-52AA70A7C49E}" dt="2025-12-25T10:03:47.862" v="1145"/>
+          <ac:spMkLst>
+            <pc:docMk/>
+            <pc:sldMk cId="2573557612" sldId="263"/>
+            <ac:spMk id="47" creationId="{12C7D565-A76D-50CB-7157-938D12AE3261}"/>
+          </ac:spMkLst>
+        </pc:spChg>
+        <pc:spChg chg="add mod">
+          <ac:chgData name="Phạm Thông" userId="cb1de41f-d0a9-4c8b-9095-fa88b5d4678f" providerId="ADAL" clId="{E2A0B859-04CE-4714-8C81-52AA70A7C49E}" dt="2025-12-25T10:03:47.862" v="1145"/>
+          <ac:spMkLst>
+            <pc:docMk/>
+            <pc:sldMk cId="2573557612" sldId="263"/>
+            <ac:spMk id="48" creationId="{2CECF6A4-D9D7-0716-F19E-05E0E44E846F}"/>
+          </ac:spMkLst>
+        </pc:spChg>
+        <pc:spChg chg="add mod">
+          <ac:chgData name="Phạm Thông" userId="cb1de41f-d0a9-4c8b-9095-fa88b5d4678f" providerId="ADAL" clId="{E2A0B859-04CE-4714-8C81-52AA70A7C49E}" dt="2025-12-25T10:03:47.862" v="1145"/>
+          <ac:spMkLst>
+            <pc:docMk/>
+            <pc:sldMk cId="2573557612" sldId="263"/>
+            <ac:spMk id="49" creationId="{40CC8E0E-F885-BB5F-05CC-3B5A364B7E6F}"/>
+          </ac:spMkLst>
+        </pc:spChg>
+        <pc:spChg chg="add mod">
+          <ac:chgData name="Phạm Thông" userId="cb1de41f-d0a9-4c8b-9095-fa88b5d4678f" providerId="ADAL" clId="{E2A0B859-04CE-4714-8C81-52AA70A7C49E}" dt="2025-12-25T10:03:47.862" v="1145"/>
+          <ac:spMkLst>
+            <pc:docMk/>
+            <pc:sldMk cId="2573557612" sldId="263"/>
+            <ac:spMk id="50" creationId="{14148E55-12BD-9BD0-1CA2-91B105158E6D}"/>
+          </ac:spMkLst>
+        </pc:spChg>
+        <pc:spChg chg="add mod">
+          <ac:chgData name="Phạm Thông" userId="cb1de41f-d0a9-4c8b-9095-fa88b5d4678f" providerId="ADAL" clId="{E2A0B859-04CE-4714-8C81-52AA70A7C49E}" dt="2025-12-25T10:03:47.862" v="1145"/>
+          <ac:spMkLst>
+            <pc:docMk/>
+            <pc:sldMk cId="2573557612" sldId="263"/>
+            <ac:spMk id="51" creationId="{F8EF3FEC-6B45-BE2C-3A97-3A237EA85AD8}"/>
+          </ac:spMkLst>
+        </pc:spChg>
+        <pc:spChg chg="add mod">
+          <ac:chgData name="Phạm Thông" userId="cb1de41f-d0a9-4c8b-9095-fa88b5d4678f" providerId="ADAL" clId="{E2A0B859-04CE-4714-8C81-52AA70A7C49E}" dt="2025-12-25T10:03:47.862" v="1145"/>
+          <ac:spMkLst>
+            <pc:docMk/>
+            <pc:sldMk cId="2573557612" sldId="263"/>
+            <ac:spMk id="52" creationId="{5DCF8E68-9A3C-99E4-5F45-9C0DE3AEC273}"/>
+          </ac:spMkLst>
+        </pc:spChg>
+        <pc:spChg chg="add mod">
+          <ac:chgData name="Phạm Thông" userId="cb1de41f-d0a9-4c8b-9095-fa88b5d4678f" providerId="ADAL" clId="{E2A0B859-04CE-4714-8C81-52AA70A7C49E}" dt="2025-12-25T10:03:47.862" v="1145"/>
+          <ac:spMkLst>
+            <pc:docMk/>
+            <pc:sldMk cId="2573557612" sldId="263"/>
+            <ac:spMk id="53" creationId="{549ED1D2-2674-2194-6E65-77294FAD80AA}"/>
+          </ac:spMkLst>
+        </pc:spChg>
+        <pc:spChg chg="add mod">
+          <ac:chgData name="Phạm Thông" userId="cb1de41f-d0a9-4c8b-9095-fa88b5d4678f" providerId="ADAL" clId="{E2A0B859-04CE-4714-8C81-52AA70A7C49E}" dt="2025-12-25T10:03:47.862" v="1145"/>
+          <ac:spMkLst>
+            <pc:docMk/>
+            <pc:sldMk cId="2573557612" sldId="263"/>
+            <ac:spMk id="54" creationId="{E28AE97E-8FC7-5482-8A0E-4015E06DCE8A}"/>
+          </ac:spMkLst>
+        </pc:spChg>
+        <pc:spChg chg="add mod">
+          <ac:chgData name="Phạm Thông" userId="cb1de41f-d0a9-4c8b-9095-fa88b5d4678f" providerId="ADAL" clId="{E2A0B859-04CE-4714-8C81-52AA70A7C49E}" dt="2025-12-25T10:06:49.173" v="1185"/>
+          <ac:spMkLst>
+            <pc:docMk/>
+            <pc:sldMk cId="2573557612" sldId="263"/>
+            <ac:spMk id="55" creationId="{7F9A0996-E69C-6B16-D808-B28FEA95712D}"/>
+          </ac:spMkLst>
+        </pc:spChg>
+        <pc:spChg chg="add mod">
+          <ac:chgData name="Phạm Thông" userId="cb1de41f-d0a9-4c8b-9095-fa88b5d4678f" providerId="ADAL" clId="{E2A0B859-04CE-4714-8C81-52AA70A7C49E}" dt="2025-12-25T10:04:32.642" v="1155"/>
+          <ac:spMkLst>
+            <pc:docMk/>
+            <pc:sldMk cId="2573557612" sldId="263"/>
+            <ac:spMk id="57" creationId="{5DDF5798-FCD1-E8CD-0292-540C1E52C467}"/>
+          </ac:spMkLst>
+        </pc:spChg>
+        <pc:spChg chg="add mod">
+          <ac:chgData name="Phạm Thông" userId="cb1de41f-d0a9-4c8b-9095-fa88b5d4678f" providerId="ADAL" clId="{E2A0B859-04CE-4714-8C81-52AA70A7C49E}" dt="2025-12-25T10:04:32.642" v="1155"/>
+          <ac:spMkLst>
+            <pc:docMk/>
+            <pc:sldMk cId="2573557612" sldId="263"/>
+            <ac:spMk id="58" creationId="{2976AF6C-EC16-2AD1-8D64-9AC469062844}"/>
+          </ac:spMkLst>
+        </pc:spChg>
+        <pc:spChg chg="add mod">
+          <ac:chgData name="Phạm Thông" userId="cb1de41f-d0a9-4c8b-9095-fa88b5d4678f" providerId="ADAL" clId="{E2A0B859-04CE-4714-8C81-52AA70A7C49E}" dt="2025-12-25T10:04:32.642" v="1155"/>
+          <ac:spMkLst>
+            <pc:docMk/>
+            <pc:sldMk cId="2573557612" sldId="263"/>
+            <ac:spMk id="59" creationId="{8B485A5E-86C4-ADAC-4606-22EFBB2B2CFB}"/>
+          </ac:spMkLst>
+        </pc:spChg>
+        <pc:spChg chg="add mod">
+          <ac:chgData name="Phạm Thông" userId="cb1de41f-d0a9-4c8b-9095-fa88b5d4678f" providerId="ADAL" clId="{E2A0B859-04CE-4714-8C81-52AA70A7C49E}" dt="2025-12-25T10:04:32.642" v="1155"/>
+          <ac:spMkLst>
+            <pc:docMk/>
+            <pc:sldMk cId="2573557612" sldId="263"/>
+            <ac:spMk id="60" creationId="{4D781617-9975-9BE1-F9A4-C53F050E18F1}"/>
+          </ac:spMkLst>
+        </pc:spChg>
+        <pc:spChg chg="add mod">
+          <ac:chgData name="Phạm Thông" userId="cb1de41f-d0a9-4c8b-9095-fa88b5d4678f" providerId="ADAL" clId="{E2A0B859-04CE-4714-8C81-52AA70A7C49E}" dt="2025-12-25T10:04:32.642" v="1155"/>
+          <ac:spMkLst>
+            <pc:docMk/>
+            <pc:sldMk cId="2573557612" sldId="263"/>
+            <ac:spMk id="61" creationId="{854F9F75-E585-3F2D-3056-AB1F37E83B45}"/>
+          </ac:spMkLst>
+        </pc:spChg>
+        <pc:spChg chg="add mod">
+          <ac:chgData name="Phạm Thông" userId="cb1de41f-d0a9-4c8b-9095-fa88b5d4678f" providerId="ADAL" clId="{E2A0B859-04CE-4714-8C81-52AA70A7C49E}" dt="2025-12-25T10:04:32.642" v="1155"/>
+          <ac:spMkLst>
+            <pc:docMk/>
+            <pc:sldMk cId="2573557612" sldId="263"/>
+            <ac:spMk id="63" creationId="{334477BE-0CCE-B029-4CE3-8AE355DBB496}"/>
+          </ac:spMkLst>
+        </pc:spChg>
+        <pc:spChg chg="add mod">
+          <ac:chgData name="Phạm Thông" userId="cb1de41f-d0a9-4c8b-9095-fa88b5d4678f" providerId="ADAL" clId="{E2A0B859-04CE-4714-8C81-52AA70A7C49E}" dt="2025-12-25T10:04:32.642" v="1155"/>
+          <ac:spMkLst>
+            <pc:docMk/>
+            <pc:sldMk cId="2573557612" sldId="263"/>
+            <ac:spMk id="64" creationId="{0E0A6221-2470-00A3-5F7C-DE8396F37766}"/>
+          </ac:spMkLst>
+        </pc:spChg>
+        <pc:spChg chg="add mod">
+          <ac:chgData name="Phạm Thông" userId="cb1de41f-d0a9-4c8b-9095-fa88b5d4678f" providerId="ADAL" clId="{E2A0B859-04CE-4714-8C81-52AA70A7C49E}" dt="2025-12-25T10:04:32.642" v="1155"/>
+          <ac:spMkLst>
+            <pc:docMk/>
+            <pc:sldMk cId="2573557612" sldId="263"/>
+            <ac:spMk id="65" creationId="{3E3D2970-0F97-84F2-AA6D-7818D290934F}"/>
+          </ac:spMkLst>
+        </pc:spChg>
+        <pc:spChg chg="mod">
+          <ac:chgData name="Phạm Thông" userId="cb1de41f-d0a9-4c8b-9095-fa88b5d4678f" providerId="ADAL" clId="{E2A0B859-04CE-4714-8C81-52AA70A7C49E}" dt="2025-12-25T10:04:32.642" v="1155"/>
+          <ac:spMkLst>
+            <pc:docMk/>
+            <pc:sldMk cId="2573557612" sldId="263"/>
+            <ac:spMk id="67" creationId="{A14BB5C2-7E3C-9275-2EBE-47AD433387D4}"/>
+          </ac:spMkLst>
+        </pc:spChg>
+        <pc:spChg chg="mod">
+          <ac:chgData name="Phạm Thông" userId="cb1de41f-d0a9-4c8b-9095-fa88b5d4678f" providerId="ADAL" clId="{E2A0B859-04CE-4714-8C81-52AA70A7C49E}" dt="2025-12-25T10:04:32.642" v="1155"/>
+          <ac:spMkLst>
+            <pc:docMk/>
+            <pc:sldMk cId="2573557612" sldId="263"/>
+            <ac:spMk id="68" creationId="{68D69DE0-A138-F482-578E-0F7D525CC591}"/>
+          </ac:spMkLst>
+        </pc:spChg>
+        <pc:spChg chg="add mod">
+          <ac:chgData name="Phạm Thông" userId="cb1de41f-d0a9-4c8b-9095-fa88b5d4678f" providerId="ADAL" clId="{E2A0B859-04CE-4714-8C81-52AA70A7C49E}" dt="2025-12-25T11:32:47.031" v="1379" actId="164"/>
+          <ac:spMkLst>
+            <pc:docMk/>
+            <pc:sldMk cId="2573557612" sldId="263"/>
+            <ac:spMk id="69" creationId="{48798317-845F-DAC4-539A-7F17517EF009}"/>
+          </ac:spMkLst>
+        </pc:spChg>
+        <pc:spChg chg="add del mod">
+          <ac:chgData name="Phạm Thông" userId="cb1de41f-d0a9-4c8b-9095-fa88b5d4678f" providerId="ADAL" clId="{E2A0B859-04CE-4714-8C81-52AA70A7C49E}" dt="2025-12-25T11:26:32.830" v="1290" actId="478"/>
+          <ac:spMkLst>
+            <pc:docMk/>
+            <pc:sldMk cId="2573557612" sldId="263"/>
+            <ac:spMk id="70" creationId="{5B58129C-606A-AAF6-CBB8-E95F9B75B61C}"/>
+          </ac:spMkLst>
+        </pc:spChg>
+        <pc:spChg chg="add del mod">
+          <ac:chgData name="Phạm Thông" userId="cb1de41f-d0a9-4c8b-9095-fa88b5d4678f" providerId="ADAL" clId="{E2A0B859-04CE-4714-8C81-52AA70A7C49E}" dt="2025-12-25T11:26:32.830" v="1290" actId="478"/>
+          <ac:spMkLst>
+            <pc:docMk/>
+            <pc:sldMk cId="2573557612" sldId="263"/>
+            <ac:spMk id="71" creationId="{530C9845-DDF1-D8C1-D769-99333E87A73A}"/>
+          </ac:spMkLst>
+        </pc:spChg>
+        <pc:spChg chg="add del mod">
+          <ac:chgData name="Phạm Thông" userId="cb1de41f-d0a9-4c8b-9095-fa88b5d4678f" providerId="ADAL" clId="{E2A0B859-04CE-4714-8C81-52AA70A7C49E}" dt="2025-12-25T11:26:32.830" v="1290" actId="478"/>
+          <ac:spMkLst>
+            <pc:docMk/>
+            <pc:sldMk cId="2573557612" sldId="263"/>
+            <ac:spMk id="72" creationId="{0E06F50A-398B-731E-F2C5-EBF751472ABE}"/>
+          </ac:spMkLst>
+        </pc:spChg>
+        <pc:spChg chg="add del mod">
+          <ac:chgData name="Phạm Thông" userId="cb1de41f-d0a9-4c8b-9095-fa88b5d4678f" providerId="ADAL" clId="{E2A0B859-04CE-4714-8C81-52AA70A7C49E}" dt="2025-12-25T11:26:32.830" v="1290" actId="478"/>
+          <ac:spMkLst>
+            <pc:docMk/>
+            <pc:sldMk cId="2573557612" sldId="263"/>
+            <ac:spMk id="73" creationId="{F6B96578-724F-9DDB-3739-41DAC9B2679B}"/>
+          </ac:spMkLst>
+        </pc:spChg>
+        <pc:spChg chg="add del mod">
+          <ac:chgData name="Phạm Thông" userId="cb1de41f-d0a9-4c8b-9095-fa88b5d4678f" providerId="ADAL" clId="{E2A0B859-04CE-4714-8C81-52AA70A7C49E}" dt="2025-12-25T11:26:32.830" v="1290" actId="478"/>
+          <ac:spMkLst>
+            <pc:docMk/>
+            <pc:sldMk cId="2573557612" sldId="263"/>
+            <ac:spMk id="74" creationId="{4DB6C078-8E7E-C784-7818-D92B513B6B15}"/>
+          </ac:spMkLst>
+        </pc:spChg>
+        <pc:spChg chg="add del mod">
+          <ac:chgData name="Phạm Thông" userId="cb1de41f-d0a9-4c8b-9095-fa88b5d4678f" providerId="ADAL" clId="{E2A0B859-04CE-4714-8C81-52AA70A7C49E}" dt="2025-12-25T11:26:32.830" v="1290" actId="478"/>
+          <ac:spMkLst>
+            <pc:docMk/>
+            <pc:sldMk cId="2573557612" sldId="263"/>
+            <ac:spMk id="75" creationId="{C0323F32-1E92-AF65-CF2A-FE0485C3D091}"/>
+          </ac:spMkLst>
+        </pc:spChg>
+        <pc:spChg chg="del mod">
+          <ac:chgData name="Phạm Thông" userId="cb1de41f-d0a9-4c8b-9095-fa88b5d4678f" providerId="ADAL" clId="{E2A0B859-04CE-4714-8C81-52AA70A7C49E}" dt="2025-12-25T11:26:32.830" v="1290" actId="478"/>
+          <ac:spMkLst>
+            <pc:docMk/>
+            <pc:sldMk cId="2573557612" sldId="263"/>
+            <ac:spMk id="76" creationId="{B3AD07F0-B4BB-9D8B-4155-8CDF49B1B0FC}"/>
+          </ac:spMkLst>
+        </pc:spChg>
+        <pc:spChg chg="add del mod">
+          <ac:chgData name="Phạm Thông" userId="cb1de41f-d0a9-4c8b-9095-fa88b5d4678f" providerId="ADAL" clId="{E2A0B859-04CE-4714-8C81-52AA70A7C49E}" dt="2025-12-25T11:26:32.830" v="1290" actId="478"/>
+          <ac:spMkLst>
+            <pc:docMk/>
+            <pc:sldMk cId="2573557612" sldId="263"/>
+            <ac:spMk id="77" creationId="{B5C428DD-4AF8-9A22-EFF3-C5EC66DE8FB8}"/>
+          </ac:spMkLst>
+        </pc:spChg>
+        <pc:spChg chg="add del mod">
+          <ac:chgData name="Phạm Thông" userId="cb1de41f-d0a9-4c8b-9095-fa88b5d4678f" providerId="ADAL" clId="{E2A0B859-04CE-4714-8C81-52AA70A7C49E}" dt="2025-12-25T11:26:32.830" v="1290" actId="478"/>
+          <ac:spMkLst>
+            <pc:docMk/>
+            <pc:sldMk cId="2573557612" sldId="263"/>
+            <ac:spMk id="78" creationId="{FF604ED7-1268-3CD3-C12A-02753AC265BC}"/>
+          </ac:spMkLst>
+        </pc:spChg>
+        <pc:spChg chg="mod">
+          <ac:chgData name="Phạm Thông" userId="cb1de41f-d0a9-4c8b-9095-fa88b5d4678f" providerId="ADAL" clId="{E2A0B859-04CE-4714-8C81-52AA70A7C49E}" dt="2025-12-25T11:26:29.837" v="1288" actId="692"/>
+          <ac:spMkLst>
+            <pc:docMk/>
+            <pc:sldMk cId="2573557612" sldId="263"/>
+            <ac:spMk id="80" creationId="{2B8012B5-D459-646C-5490-0BAD618BA5F6}"/>
+          </ac:spMkLst>
+        </pc:spChg>
+        <pc:spChg chg="mod">
+          <ac:chgData name="Phạm Thông" userId="cb1de41f-d0a9-4c8b-9095-fa88b5d4678f" providerId="ADAL" clId="{E2A0B859-04CE-4714-8C81-52AA70A7C49E}" dt="2025-12-25T10:06:12.304" v="1181" actId="207"/>
+          <ac:spMkLst>
+            <pc:docMk/>
+            <pc:sldMk cId="2573557612" sldId="263"/>
+            <ac:spMk id="81" creationId="{CA2E4454-2D44-E10E-B8E1-0DD9A5034D8E}"/>
+          </ac:spMkLst>
+        </pc:spChg>
+        <pc:spChg chg="add del mod">
+          <ac:chgData name="Phạm Thông" userId="cb1de41f-d0a9-4c8b-9095-fa88b5d4678f" providerId="ADAL" clId="{E2A0B859-04CE-4714-8C81-52AA70A7C49E}" dt="2025-12-25T11:26:32.830" v="1290" actId="478"/>
+          <ac:spMkLst>
+            <pc:docMk/>
+            <pc:sldMk cId="2573557612" sldId="263"/>
+            <ac:spMk id="82" creationId="{5925FDB5-19BE-E71A-043C-6A5C7AA6F0AA}"/>
+          </ac:spMkLst>
+        </pc:spChg>
+        <pc:spChg chg="add mod">
+          <ac:chgData name="Phạm Thông" userId="cb1de41f-d0a9-4c8b-9095-fa88b5d4678f" providerId="ADAL" clId="{E2A0B859-04CE-4714-8C81-52AA70A7C49E}" dt="2025-12-25T10:06:49.173" v="1185"/>
+          <ac:spMkLst>
+            <pc:docMk/>
+            <pc:sldMk cId="2573557612" sldId="263"/>
+            <ac:spMk id="83" creationId="{523C311C-8254-8EA3-795C-34586C78D894}"/>
+          </ac:spMkLst>
+        </pc:spChg>
+        <pc:spChg chg="mod">
+          <ac:chgData name="Phạm Thông" userId="cb1de41f-d0a9-4c8b-9095-fa88b5d4678f" providerId="ADAL" clId="{E2A0B859-04CE-4714-8C81-52AA70A7C49E}" dt="2025-12-25T10:06:50.394" v="1186"/>
+          <ac:spMkLst>
+            <pc:docMk/>
+            <pc:sldMk cId="2573557612" sldId="263"/>
+            <ac:spMk id="85" creationId="{BB39BD2F-B441-655E-DE99-7D6C113DAF2A}"/>
+          </ac:spMkLst>
+        </pc:spChg>
+        <pc:spChg chg="mod">
+          <ac:chgData name="Phạm Thông" userId="cb1de41f-d0a9-4c8b-9095-fa88b5d4678f" providerId="ADAL" clId="{E2A0B859-04CE-4714-8C81-52AA70A7C49E}" dt="2025-12-25T10:06:50.394" v="1186"/>
+          <ac:spMkLst>
+            <pc:docMk/>
+            <pc:sldMk cId="2573557612" sldId="263"/>
+            <ac:spMk id="86" creationId="{3B000B66-3012-D1B6-2B84-0072F8F44A5B}"/>
+          </ac:spMkLst>
+        </pc:spChg>
+        <pc:spChg chg="mod">
+          <ac:chgData name="Phạm Thông" userId="cb1de41f-d0a9-4c8b-9095-fa88b5d4678f" providerId="ADAL" clId="{E2A0B859-04CE-4714-8C81-52AA70A7C49E}" dt="2025-12-25T11:25:08.755" v="1220"/>
+          <ac:spMkLst>
+            <pc:docMk/>
+            <pc:sldMk cId="2573557612" sldId="263"/>
+            <ac:spMk id="88" creationId="{C2AAB803-BAB8-383E-1F91-E515C551DD10}"/>
+          </ac:spMkLst>
+        </pc:spChg>
+        <pc:spChg chg="mod">
+          <ac:chgData name="Phạm Thông" userId="cb1de41f-d0a9-4c8b-9095-fa88b5d4678f" providerId="ADAL" clId="{E2A0B859-04CE-4714-8C81-52AA70A7C49E}" dt="2025-12-25T11:25:08.755" v="1220"/>
+          <ac:spMkLst>
+            <pc:docMk/>
+            <pc:sldMk cId="2573557612" sldId="263"/>
+            <ac:spMk id="89" creationId="{8BA8BCF6-FC96-D99B-A64C-690528500817}"/>
+          </ac:spMkLst>
+        </pc:spChg>
+        <pc:spChg chg="add del mod ord">
+          <ac:chgData name="Phạm Thông" userId="cb1de41f-d0a9-4c8b-9095-fa88b5d4678f" providerId="ADAL" clId="{E2A0B859-04CE-4714-8C81-52AA70A7C49E}" dt="2025-12-25T11:34:05.095" v="1389" actId="478"/>
+          <ac:spMkLst>
+            <pc:docMk/>
+            <pc:sldMk cId="2573557612" sldId="263"/>
+            <ac:spMk id="90" creationId="{3CC0EED6-C22E-9FEE-34C8-CDC531E97E89}"/>
+          </ac:spMkLst>
+        </pc:spChg>
+        <pc:spChg chg="add del mod">
+          <ac:chgData name="Phạm Thông" userId="cb1de41f-d0a9-4c8b-9095-fa88b5d4678f" providerId="ADAL" clId="{E2A0B859-04CE-4714-8C81-52AA70A7C49E}" dt="2025-12-25T11:34:05.095" v="1389" actId="478"/>
+          <ac:spMkLst>
+            <pc:docMk/>
+            <pc:sldMk cId="2573557612" sldId="263"/>
+            <ac:spMk id="91" creationId="{A356144E-0CAD-ECB7-0DA7-912BFE3A5C7E}"/>
+          </ac:spMkLst>
+        </pc:spChg>
+        <pc:spChg chg="add del mod ord">
+          <ac:chgData name="Phạm Thông" userId="cb1de41f-d0a9-4c8b-9095-fa88b5d4678f" providerId="ADAL" clId="{E2A0B859-04CE-4714-8C81-52AA70A7C49E}" dt="2025-12-25T11:34:05.095" v="1389" actId="478"/>
+          <ac:spMkLst>
+            <pc:docMk/>
+            <pc:sldMk cId="2573557612" sldId="263"/>
+            <ac:spMk id="92" creationId="{FD218D5A-6D6A-A323-4C05-97D39A311038}"/>
+          </ac:spMkLst>
+        </pc:spChg>
+        <pc:spChg chg="add del mod ord">
+          <ac:chgData name="Phạm Thông" userId="cb1de41f-d0a9-4c8b-9095-fa88b5d4678f" providerId="ADAL" clId="{E2A0B859-04CE-4714-8C81-52AA70A7C49E}" dt="2025-12-25T11:34:05.095" v="1389" actId="478"/>
+          <ac:spMkLst>
+            <pc:docMk/>
+            <pc:sldMk cId="2573557612" sldId="263"/>
+            <ac:spMk id="93" creationId="{B05DE200-A11A-EE76-8C9B-A372B9BCB4F4}"/>
+          </ac:spMkLst>
+        </pc:spChg>
+        <pc:spChg chg="add del mod ord">
+          <ac:chgData name="Phạm Thông" userId="cb1de41f-d0a9-4c8b-9095-fa88b5d4678f" providerId="ADAL" clId="{E2A0B859-04CE-4714-8C81-52AA70A7C49E}" dt="2025-12-25T11:34:05.095" v="1389" actId="478"/>
+          <ac:spMkLst>
+            <pc:docMk/>
+            <pc:sldMk cId="2573557612" sldId="263"/>
+            <ac:spMk id="94" creationId="{6C7F50E7-1AA0-5052-F00F-3AFA43F57644}"/>
+          </ac:spMkLst>
+        </pc:spChg>
+        <pc:spChg chg="add del mod ord">
+          <ac:chgData name="Phạm Thông" userId="cb1de41f-d0a9-4c8b-9095-fa88b5d4678f" providerId="ADAL" clId="{E2A0B859-04CE-4714-8C81-52AA70A7C49E}" dt="2025-12-25T11:34:05.095" v="1389" actId="478"/>
+          <ac:spMkLst>
+            <pc:docMk/>
+            <pc:sldMk cId="2573557612" sldId="263"/>
+            <ac:spMk id="95" creationId="{10F27AF9-B6C1-31B7-3E9E-16D1AAFCD39A}"/>
+          </ac:spMkLst>
+        </pc:spChg>
+        <pc:spChg chg="add del mod">
+          <ac:chgData name="Phạm Thông" userId="cb1de41f-d0a9-4c8b-9095-fa88b5d4678f" providerId="ADAL" clId="{E2A0B859-04CE-4714-8C81-52AA70A7C49E}" dt="2025-12-25T11:34:05.095" v="1389" actId="478"/>
+          <ac:spMkLst>
+            <pc:docMk/>
+            <pc:sldMk cId="2573557612" sldId="263"/>
+            <ac:spMk id="96" creationId="{9C6664C0-4666-2A5A-5BD8-62213D49E312}"/>
+          </ac:spMkLst>
+        </pc:spChg>
+        <pc:spChg chg="mod">
+          <ac:chgData name="Phạm Thông" userId="cb1de41f-d0a9-4c8b-9095-fa88b5d4678f" providerId="ADAL" clId="{E2A0B859-04CE-4714-8C81-52AA70A7C49E}" dt="2025-12-25T11:27:56.482" v="1305" actId="692"/>
+          <ac:spMkLst>
+            <pc:docMk/>
+            <pc:sldMk cId="2573557612" sldId="263"/>
+            <ac:spMk id="98" creationId="{2A0E0A27-B2F0-2AD1-EBA4-DA7D965B0CC0}"/>
+          </ac:spMkLst>
+        </pc:spChg>
+        <pc:spChg chg="mod">
+          <ac:chgData name="Phạm Thông" userId="cb1de41f-d0a9-4c8b-9095-fa88b5d4678f" providerId="ADAL" clId="{E2A0B859-04CE-4714-8C81-52AA70A7C49E}" dt="2025-12-25T11:28:00.625" v="1307" actId="207"/>
+          <ac:spMkLst>
+            <pc:docMk/>
+            <pc:sldMk cId="2573557612" sldId="263"/>
+            <ac:spMk id="99" creationId="{57FDD664-F44E-B255-637E-A586695C7CD5}"/>
+          </ac:spMkLst>
+        </pc:spChg>
+        <pc:spChg chg="mod">
+          <ac:chgData name="Phạm Thông" userId="cb1de41f-d0a9-4c8b-9095-fa88b5d4678f" providerId="ADAL" clId="{E2A0B859-04CE-4714-8C81-52AA70A7C49E}" dt="2025-12-25T11:32:35.086" v="1377" actId="164"/>
+          <ac:spMkLst>
+            <pc:docMk/>
+            <pc:sldMk cId="2573557612" sldId="263"/>
+            <ac:spMk id="100" creationId="{9FE6AF3A-49AB-D034-C4C2-E440EEA08DF0}"/>
+          </ac:spMkLst>
+        </pc:spChg>
+        <pc:spChg chg="del mod ord">
+          <ac:chgData name="Phạm Thông" userId="cb1de41f-d0a9-4c8b-9095-fa88b5d4678f" providerId="ADAL" clId="{E2A0B859-04CE-4714-8C81-52AA70A7C49E}" dt="2025-12-25T11:34:05.095" v="1389" actId="478"/>
+          <ac:spMkLst>
+            <pc:docMk/>
+            <pc:sldMk cId="2573557612" sldId="263"/>
+            <ac:spMk id="101" creationId="{4149947B-2B00-F19B-1EED-F13CB5F6DC4B}"/>
+          </ac:spMkLst>
+        </pc:spChg>
+        <pc:spChg chg="add del mod ord">
+          <ac:chgData name="Phạm Thông" userId="cb1de41f-d0a9-4c8b-9095-fa88b5d4678f" providerId="ADAL" clId="{E2A0B859-04CE-4714-8C81-52AA70A7C49E}" dt="2025-12-25T11:34:05.095" v="1389" actId="478"/>
+          <ac:spMkLst>
+            <pc:docMk/>
+            <pc:sldMk cId="2573557612" sldId="263"/>
+            <ac:spMk id="102" creationId="{0E950748-DB4C-591E-95CC-C1425760B7A9}"/>
+          </ac:spMkLst>
+        </pc:spChg>
+        <pc:spChg chg="mod">
+          <ac:chgData name="Phạm Thông" userId="cb1de41f-d0a9-4c8b-9095-fa88b5d4678f" providerId="ADAL" clId="{E2A0B859-04CE-4714-8C81-52AA70A7C49E}" dt="2025-12-25T11:36:16.930" v="1404" actId="1076"/>
+          <ac:spMkLst>
+            <pc:docMk/>
+            <pc:sldMk cId="2573557612" sldId="263"/>
+            <ac:spMk id="104" creationId="{29A7FCEC-EDB7-F30B-BA04-006545E9E734}"/>
+          </ac:spMkLst>
+        </pc:spChg>
+        <pc:spChg chg="mod">
+          <ac:chgData name="Phạm Thông" userId="cb1de41f-d0a9-4c8b-9095-fa88b5d4678f" providerId="ADAL" clId="{E2A0B859-04CE-4714-8C81-52AA70A7C49E}" dt="2025-12-25T11:36:16.930" v="1404" actId="1076"/>
+          <ac:spMkLst>
+            <pc:docMk/>
+            <pc:sldMk cId="2573557612" sldId="263"/>
+            <ac:spMk id="105" creationId="{39A26A4B-8FE3-CBAD-717E-3EAB345BBB6F}"/>
+          </ac:spMkLst>
+        </pc:spChg>
+        <pc:spChg chg="mod">
+          <ac:chgData name="Phạm Thông" userId="cb1de41f-d0a9-4c8b-9095-fa88b5d4678f" providerId="ADAL" clId="{E2A0B859-04CE-4714-8C81-52AA70A7C49E}" dt="2025-12-25T11:35:45.728" v="1400" actId="1076"/>
+          <ac:spMkLst>
+            <pc:docMk/>
+            <pc:sldMk cId="2573557612" sldId="263"/>
+            <ac:spMk id="107" creationId="{ACAF32F0-F163-622B-A2E8-C7BD69E4B0C8}"/>
+          </ac:spMkLst>
+        </pc:spChg>
+        <pc:spChg chg="mod">
+          <ac:chgData name="Phạm Thông" userId="cb1de41f-d0a9-4c8b-9095-fa88b5d4678f" providerId="ADAL" clId="{E2A0B859-04CE-4714-8C81-52AA70A7C49E}" dt="2025-12-25T11:35:45.728" v="1400" actId="1076"/>
+          <ac:spMkLst>
+            <pc:docMk/>
+            <pc:sldMk cId="2573557612" sldId="263"/>
+            <ac:spMk id="108" creationId="{2F5EE31B-472F-E57F-FF6F-407DB6202E46}"/>
+          </ac:spMkLst>
+        </pc:spChg>
+        <pc:spChg chg="add mod">
+          <ac:chgData name="Phạm Thông" userId="cb1de41f-d0a9-4c8b-9095-fa88b5d4678f" providerId="ADAL" clId="{E2A0B859-04CE-4714-8C81-52AA70A7C49E}" dt="2025-12-25T11:36:16.930" v="1404" actId="1076"/>
+          <ac:spMkLst>
+            <pc:docMk/>
+            <pc:sldMk cId="2573557612" sldId="263"/>
+            <ac:spMk id="109" creationId="{7511277D-EA91-79CD-021C-5580C9321F61}"/>
+          </ac:spMkLst>
+        </pc:spChg>
+        <pc:spChg chg="add mod">
+          <ac:chgData name="Phạm Thông" userId="cb1de41f-d0a9-4c8b-9095-fa88b5d4678f" providerId="ADAL" clId="{E2A0B859-04CE-4714-8C81-52AA70A7C49E}" dt="2025-12-25T11:35:45.728" v="1400" actId="1076"/>
+          <ac:spMkLst>
+            <pc:docMk/>
+            <pc:sldMk cId="2573557612" sldId="263"/>
+            <ac:spMk id="110" creationId="{368132D0-695B-DABA-927C-B823044BECBE}"/>
+          </ac:spMkLst>
+        </pc:spChg>
+        <pc:spChg chg="add mod">
+          <ac:chgData name="Phạm Thông" userId="cb1de41f-d0a9-4c8b-9095-fa88b5d4678f" providerId="ADAL" clId="{E2A0B859-04CE-4714-8C81-52AA70A7C49E}" dt="2025-12-25T11:33:56.688" v="1388"/>
+          <ac:spMkLst>
+            <pc:docMk/>
+            <pc:sldMk cId="2573557612" sldId="263"/>
+            <ac:spMk id="115" creationId="{CC6A3C42-5463-B539-920C-A1EC8CE49838}"/>
+          </ac:spMkLst>
+        </pc:spChg>
+        <pc:spChg chg="mod">
+          <ac:chgData name="Phạm Thông" userId="cb1de41f-d0a9-4c8b-9095-fa88b5d4678f" providerId="ADAL" clId="{E2A0B859-04CE-4714-8C81-52AA70A7C49E}" dt="2025-12-25T11:33:56.383" v="1387" actId="1076"/>
+          <ac:spMkLst>
+            <pc:docMk/>
+            <pc:sldMk cId="2573557612" sldId="263"/>
+            <ac:spMk id="116" creationId="{790C54B0-70F0-36FC-6CC2-4E78DED3BA01}"/>
+          </ac:spMkLst>
+        </pc:spChg>
+        <pc:spChg chg="mod">
+          <ac:chgData name="Phạm Thông" userId="cb1de41f-d0a9-4c8b-9095-fa88b5d4678f" providerId="ADAL" clId="{E2A0B859-04CE-4714-8C81-52AA70A7C49E}" dt="2025-12-25T11:33:56.383" v="1387" actId="1076"/>
+          <ac:spMkLst>
+            <pc:docMk/>
+            <pc:sldMk cId="2573557612" sldId="263"/>
+            <ac:spMk id="117" creationId="{0DF8CADF-766C-3D2D-FDFE-203CD12351AA}"/>
+          </ac:spMkLst>
+        </pc:spChg>
+        <pc:spChg chg="mod">
+          <ac:chgData name="Phạm Thông" userId="cb1de41f-d0a9-4c8b-9095-fa88b5d4678f" providerId="ADAL" clId="{E2A0B859-04CE-4714-8C81-52AA70A7C49E}" dt="2025-12-25T11:33:56.383" v="1387" actId="1076"/>
+          <ac:spMkLst>
+            <pc:docMk/>
+            <pc:sldMk cId="2573557612" sldId="263"/>
+            <ac:spMk id="118" creationId="{81940534-F37E-8CC8-05BF-E449088E4419}"/>
+          </ac:spMkLst>
+        </pc:spChg>
+        <pc:spChg chg="add mod">
+          <ac:chgData name="Phạm Thông" userId="cb1de41f-d0a9-4c8b-9095-fa88b5d4678f" providerId="ADAL" clId="{E2A0B859-04CE-4714-8C81-52AA70A7C49E}" dt="2025-12-25T11:33:56.688" v="1388"/>
+          <ac:spMkLst>
+            <pc:docMk/>
+            <pc:sldMk cId="2573557612" sldId="263"/>
+            <ac:spMk id="119" creationId="{9AE3D38E-85A3-67B7-AD88-1C927BCED7AE}"/>
+          </ac:spMkLst>
+        </pc:spChg>
+        <pc:spChg chg="add mod">
+          <ac:chgData name="Phạm Thông" userId="cb1de41f-d0a9-4c8b-9095-fa88b5d4678f" providerId="ADAL" clId="{E2A0B859-04CE-4714-8C81-52AA70A7C49E}" dt="2025-12-25T11:33:56.688" v="1388"/>
+          <ac:spMkLst>
+            <pc:docMk/>
+            <pc:sldMk cId="2573557612" sldId="263"/>
+            <ac:spMk id="120" creationId="{CA18660F-7912-23DC-A100-DF43C6829E3E}"/>
+          </ac:spMkLst>
+        </pc:spChg>
+        <pc:spChg chg="add mod">
+          <ac:chgData name="Phạm Thông" userId="cb1de41f-d0a9-4c8b-9095-fa88b5d4678f" providerId="ADAL" clId="{E2A0B859-04CE-4714-8C81-52AA70A7C49E}" dt="2025-12-25T11:33:56.688" v="1388"/>
+          <ac:spMkLst>
+            <pc:docMk/>
+            <pc:sldMk cId="2573557612" sldId="263"/>
+            <ac:spMk id="121" creationId="{CE0C6205-CD91-27A8-4133-472075B795AF}"/>
+          </ac:spMkLst>
+        </pc:spChg>
+        <pc:spChg chg="mod">
+          <ac:chgData name="Phạm Thông" userId="cb1de41f-d0a9-4c8b-9095-fa88b5d4678f" providerId="ADAL" clId="{E2A0B859-04CE-4714-8C81-52AA70A7C49E}" dt="2025-12-25T11:33:56.383" v="1387" actId="1076"/>
+          <ac:spMkLst>
+            <pc:docMk/>
+            <pc:sldMk cId="2573557612" sldId="263"/>
+            <ac:spMk id="122" creationId="{DDEAC97C-0F94-F042-9184-3175F87D0286}"/>
+          </ac:spMkLst>
+        </pc:spChg>
+        <pc:spChg chg="mod">
+          <ac:chgData name="Phạm Thông" userId="cb1de41f-d0a9-4c8b-9095-fa88b5d4678f" providerId="ADAL" clId="{E2A0B859-04CE-4714-8C81-52AA70A7C49E}" dt="2025-12-25T11:33:56.383" v="1387" actId="1076"/>
+          <ac:spMkLst>
+            <pc:docMk/>
+            <pc:sldMk cId="2573557612" sldId="263"/>
+            <ac:spMk id="123" creationId="{9CC8164C-8A86-1BE0-C334-00C4D8302B52}"/>
+          </ac:spMkLst>
+        </pc:spChg>
+        <pc:spChg chg="add mod ord">
+          <ac:chgData name="Phạm Thông" userId="cb1de41f-d0a9-4c8b-9095-fa88b5d4678f" providerId="ADAL" clId="{E2A0B859-04CE-4714-8C81-52AA70A7C49E}" dt="2025-12-25T11:35:05.668" v="1392" actId="166"/>
+          <ac:spMkLst>
+            <pc:docMk/>
+            <pc:sldMk cId="2573557612" sldId="263"/>
+            <ac:spMk id="124" creationId="{0E44966C-2FCB-4C95-ADD7-7AAA4DF40F51}"/>
+          </ac:spMkLst>
+        </pc:spChg>
+        <pc:spChg chg="mod ord">
+          <ac:chgData name="Phạm Thông" userId="cb1de41f-d0a9-4c8b-9095-fa88b5d4678f" providerId="ADAL" clId="{E2A0B859-04CE-4714-8C81-52AA70A7C49E}" dt="2025-12-25T11:35:54.222" v="1402" actId="692"/>
+          <ac:spMkLst>
+            <pc:docMk/>
+            <pc:sldMk cId="2573557612" sldId="263"/>
+            <ac:spMk id="125" creationId="{A61602DB-B9E6-592F-155D-172B59BB4C55}"/>
+          </ac:spMkLst>
+        </pc:spChg>
+        <pc:spChg chg="add mod ord">
+          <ac:chgData name="Phạm Thông" userId="cb1de41f-d0a9-4c8b-9095-fa88b5d4678f" providerId="ADAL" clId="{E2A0B859-04CE-4714-8C81-52AA70A7C49E}" dt="2025-12-25T11:35:05.668" v="1392" actId="166"/>
+          <ac:spMkLst>
+            <pc:docMk/>
+            <pc:sldMk cId="2573557612" sldId="263"/>
+            <ac:spMk id="126" creationId="{7640B3CF-E4AC-5FA4-C8A0-70DF6546B15F}"/>
+          </ac:spMkLst>
+        </pc:spChg>
+        <pc:spChg chg="mod ord">
+          <ac:chgData name="Phạm Thông" userId="cb1de41f-d0a9-4c8b-9095-fa88b5d4678f" providerId="ADAL" clId="{E2A0B859-04CE-4714-8C81-52AA70A7C49E}" dt="2025-12-25T11:35:05.668" v="1392" actId="166"/>
+          <ac:spMkLst>
+            <pc:docMk/>
+            <pc:sldMk cId="2573557612" sldId="263"/>
+            <ac:spMk id="127" creationId="{E81A5264-EA0D-D193-B0FB-9D40F7775F42}"/>
+          </ac:spMkLst>
+        </pc:spChg>
+        <pc:spChg chg="mod ord">
+          <ac:chgData name="Phạm Thông" userId="cb1de41f-d0a9-4c8b-9095-fa88b5d4678f" providerId="ADAL" clId="{E2A0B859-04CE-4714-8C81-52AA70A7C49E}" dt="2025-12-25T11:35:05.668" v="1392" actId="166"/>
+          <ac:spMkLst>
+            <pc:docMk/>
+            <pc:sldMk cId="2573557612" sldId="263"/>
+            <ac:spMk id="128" creationId="{BBD39BE2-3DF6-5710-CE99-A1275EE49DA0}"/>
+          </ac:spMkLst>
+        </pc:spChg>
+        <pc:spChg chg="mod ord">
+          <ac:chgData name="Phạm Thông" userId="cb1de41f-d0a9-4c8b-9095-fa88b5d4678f" providerId="ADAL" clId="{E2A0B859-04CE-4714-8C81-52AA70A7C49E}" dt="2025-12-25T11:35:05.668" v="1392" actId="166"/>
+          <ac:spMkLst>
+            <pc:docMk/>
+            <pc:sldMk cId="2573557612" sldId="263"/>
+            <ac:spMk id="129" creationId="{B6321011-48B0-A90E-CC25-9D0D3F0DAAB5}"/>
+          </ac:spMkLst>
+        </pc:spChg>
+        <pc:spChg chg="add mod ord">
+          <ac:chgData name="Phạm Thông" userId="cb1de41f-d0a9-4c8b-9095-fa88b5d4678f" providerId="ADAL" clId="{E2A0B859-04CE-4714-8C81-52AA70A7C49E}" dt="2025-12-25T11:35:05.668" v="1392" actId="166"/>
+          <ac:spMkLst>
+            <pc:docMk/>
+            <pc:sldMk cId="2573557612" sldId="263"/>
+            <ac:spMk id="130" creationId="{3717D4CC-0AFC-098A-254F-B633F308D00E}"/>
+          </ac:spMkLst>
+        </pc:spChg>
+        <pc:spChg chg="mod ord">
+          <ac:chgData name="Phạm Thông" userId="cb1de41f-d0a9-4c8b-9095-fa88b5d4678f" providerId="ADAL" clId="{E2A0B859-04CE-4714-8C81-52AA70A7C49E}" dt="2025-12-25T11:35:05.668" v="1392" actId="166"/>
+          <ac:spMkLst>
+            <pc:docMk/>
+            <pc:sldMk cId="2573557612" sldId="263"/>
+            <ac:spMk id="131" creationId="{5D36B180-7899-C850-C953-454655D4B31F}"/>
+          </ac:spMkLst>
+        </pc:spChg>
+        <pc:spChg chg="add mod ord">
+          <ac:chgData name="Phạm Thông" userId="cb1de41f-d0a9-4c8b-9095-fa88b5d4678f" providerId="ADAL" clId="{E2A0B859-04CE-4714-8C81-52AA70A7C49E}" dt="2025-12-25T11:35:05.668" v="1392" actId="166"/>
+          <ac:spMkLst>
+            <pc:docMk/>
+            <pc:sldMk cId="2573557612" sldId="263"/>
+            <ac:spMk id="132" creationId="{08611E99-A7E9-B27C-8957-383F5A204A35}"/>
+          </ac:spMkLst>
+        </pc:spChg>
+        <pc:grpChg chg="add mod">
+          <ac:chgData name="Phạm Thông" userId="cb1de41f-d0a9-4c8b-9095-fa88b5d4678f" providerId="ADAL" clId="{E2A0B859-04CE-4714-8C81-52AA70A7C49E}" dt="2025-12-25T11:26:53.625" v="1292" actId="14100"/>
+          <ac:grpSpMkLst>
+            <pc:docMk/>
+            <pc:sldMk cId="2573557612" sldId="263"/>
+            <ac:grpSpMk id="56" creationId="{1696D1BA-3D5B-AF2B-F62A-4743821134B4}"/>
+          </ac:grpSpMkLst>
+        </pc:grpChg>
+        <pc:grpChg chg="add mod">
+          <ac:chgData name="Phạm Thông" userId="cb1de41f-d0a9-4c8b-9095-fa88b5d4678f" providerId="ADAL" clId="{E2A0B859-04CE-4714-8C81-52AA70A7C49E}" dt="2025-12-25T11:25:06.763" v="1219" actId="1036"/>
+          <ac:grpSpMkLst>
+            <pc:docMk/>
+            <pc:sldMk cId="2573557612" sldId="263"/>
+            <ac:grpSpMk id="84" creationId="{7A9AFBDC-A1FB-13C5-F42E-CBE4523CC891}"/>
+          </ac:grpSpMkLst>
+        </pc:grpChg>
+        <pc:grpChg chg="add mod">
+          <ac:chgData name="Phạm Thông" userId="cb1de41f-d0a9-4c8b-9095-fa88b5d4678f" providerId="ADAL" clId="{E2A0B859-04CE-4714-8C81-52AA70A7C49E}" dt="2025-12-25T11:26:30.014" v="1289" actId="14100"/>
+          <ac:grpSpMkLst>
+            <pc:docMk/>
+            <pc:sldMk cId="2573557612" sldId="263"/>
+            <ac:grpSpMk id="87" creationId="{519BF5E2-93C9-CCA7-9223-91FDA45EAF22}"/>
+          </ac:grpSpMkLst>
+        </pc:grpChg>
+        <pc:grpChg chg="add mod">
+          <ac:chgData name="Phạm Thông" userId="cb1de41f-d0a9-4c8b-9095-fa88b5d4678f" providerId="ADAL" clId="{E2A0B859-04CE-4714-8C81-52AA70A7C49E}" dt="2025-12-25T11:28:45.553" v="1314" actId="1076"/>
+          <ac:grpSpMkLst>
+            <pc:docMk/>
+            <pc:sldMk cId="2573557612" sldId="263"/>
+            <ac:grpSpMk id="103" creationId="{901EAED7-ACE5-A5DE-7D7C-828CF762E910}"/>
+          </ac:grpSpMkLst>
+        </pc:grpChg>
+        <pc:grpChg chg="add mod">
+          <ac:chgData name="Phạm Thông" userId="cb1de41f-d0a9-4c8b-9095-fa88b5d4678f" providerId="ADAL" clId="{E2A0B859-04CE-4714-8C81-52AA70A7C49E}" dt="2025-12-25T11:29:01.469" v="1318" actId="1076"/>
+          <ac:grpSpMkLst>
+            <pc:docMk/>
+            <pc:sldMk cId="2573557612" sldId="263"/>
+            <ac:grpSpMk id="106" creationId="{6AEEDC31-953B-2797-5EB8-F8DE8104B8F3}"/>
+          </ac:grpSpMkLst>
+        </pc:grpChg>
+        <pc:grpChg chg="mod ord">
+          <ac:chgData name="Phạm Thông" userId="cb1de41f-d0a9-4c8b-9095-fa88b5d4678f" providerId="ADAL" clId="{E2A0B859-04CE-4714-8C81-52AA70A7C49E}" dt="2025-12-25T11:35:10.055" v="1393" actId="167"/>
+          <ac:grpSpMkLst>
+            <pc:docMk/>
+            <pc:sldMk cId="2573557612" sldId="263"/>
+            <ac:grpSpMk id="113" creationId="{D7146488-5B44-4FFB-F7C7-C3ADB6F164EC}"/>
+          </ac:grpSpMkLst>
+        </pc:grpChg>
+        <pc:cxnChg chg="add del">
+          <ac:chgData name="Phạm Thông" userId="cb1de41f-d0a9-4c8b-9095-fa88b5d4678f" providerId="ADAL" clId="{E2A0B859-04CE-4714-8C81-52AA70A7C49E}" dt="2025-12-25T10:03:02.121" v="1140" actId="478"/>
+          <ac:cxnSpMkLst>
+            <pc:docMk/>
+            <pc:sldMk cId="2573557612" sldId="263"/>
+            <ac:cxnSpMk id="44" creationId="{CB52F228-05B3-59BB-6228-9EF23FCCB1F6}"/>
+          </ac:cxnSpMkLst>
+        </pc:cxnChg>
+        <pc:cxnChg chg="add mod">
+          <ac:chgData name="Phạm Thông" userId="cb1de41f-d0a9-4c8b-9095-fa88b5d4678f" providerId="ADAL" clId="{E2A0B859-04CE-4714-8C81-52AA70A7C49E}" dt="2025-12-25T11:32:32.279" v="1376" actId="12789"/>
+          <ac:cxnSpMkLst>
+            <pc:docMk/>
+            <pc:sldMk cId="2573557612" sldId="263"/>
+            <ac:cxnSpMk id="112" creationId="{01E70B7B-A92F-2336-3174-0D60E6A8EBCF}"/>
+          </ac:cxnSpMkLst>
+        </pc:cxnChg>
+      </pc:sldChg>
+      <pc:sldChg chg="addSp delSp modSp new mod">
+        <pc:chgData name="Phạm Thông" userId="cb1de41f-d0a9-4c8b-9095-fa88b5d4678f" providerId="ADAL" clId="{E2A0B859-04CE-4714-8C81-52AA70A7C49E}" dt="2025-12-25T12:06:45.120" v="1485" actId="1076"/>
+        <pc:sldMkLst>
+          <pc:docMk/>
+          <pc:sldMk cId="3922033010" sldId="264"/>
+        </pc:sldMkLst>
+        <pc:spChg chg="add mod">
+          <ac:chgData name="Phạm Thông" userId="cb1de41f-d0a9-4c8b-9095-fa88b5d4678f" providerId="ADAL" clId="{E2A0B859-04CE-4714-8C81-52AA70A7C49E}" dt="2025-12-25T11:37:44.416" v="1434"/>
+          <ac:spMkLst>
+            <pc:docMk/>
+            <pc:sldMk cId="3922033010" sldId="264"/>
+            <ac:spMk id="2" creationId="{7F63A8BA-0663-4122-62BD-4F6A4BA69691}"/>
+          </ac:spMkLst>
+        </pc:spChg>
+        <pc:spChg chg="add mod ord">
+          <ac:chgData name="Phạm Thông" userId="cb1de41f-d0a9-4c8b-9095-fa88b5d4678f" providerId="ADAL" clId="{E2A0B859-04CE-4714-8C81-52AA70A7C49E}" dt="2025-12-25T11:39:02.173" v="1460" actId="1076"/>
+          <ac:spMkLst>
+            <pc:docMk/>
+            <pc:sldMk cId="3922033010" sldId="264"/>
+            <ac:spMk id="3" creationId="{87350AB3-F498-5A8F-9785-720E7CB8F61F}"/>
+          </ac:spMkLst>
+        </pc:spChg>
+        <pc:spChg chg="add del mod">
+          <ac:chgData name="Phạm Thông" userId="cb1de41f-d0a9-4c8b-9095-fa88b5d4678f" providerId="ADAL" clId="{E2A0B859-04CE-4714-8C81-52AA70A7C49E}" dt="2025-12-25T11:38:36.165" v="1456" actId="478"/>
+          <ac:spMkLst>
+            <pc:docMk/>
+            <pc:sldMk cId="3922033010" sldId="264"/>
+            <ac:spMk id="4" creationId="{3607F915-F0D9-F91C-E984-7E9962E40466}"/>
+          </ac:spMkLst>
+        </pc:spChg>
+        <pc:spChg chg="add mod">
+          <ac:chgData name="Phạm Thông" userId="cb1de41f-d0a9-4c8b-9095-fa88b5d4678f" providerId="ADAL" clId="{E2A0B859-04CE-4714-8C81-52AA70A7C49E}" dt="2025-12-25T11:37:44.416" v="1434"/>
+          <ac:spMkLst>
+            <pc:docMk/>
+            <pc:sldMk cId="3922033010" sldId="264"/>
+            <ac:spMk id="5" creationId="{52FD71F5-FB8B-A094-7F35-D7115F6506ED}"/>
+          </ac:spMkLst>
+        </pc:spChg>
+        <pc:spChg chg="add mod">
+          <ac:chgData name="Phạm Thông" userId="cb1de41f-d0a9-4c8b-9095-fa88b5d4678f" providerId="ADAL" clId="{E2A0B859-04CE-4714-8C81-52AA70A7C49E}" dt="2025-12-25T11:39:11.066" v="1462" actId="1076"/>
+          <ac:spMkLst>
+            <pc:docMk/>
+            <pc:sldMk cId="3922033010" sldId="264"/>
+            <ac:spMk id="7" creationId="{0491051F-AB04-B2FD-3864-AD46E5E7069E}"/>
+          </ac:spMkLst>
+        </pc:spChg>
+        <pc:spChg chg="add mod">
+          <ac:chgData name="Phạm Thông" userId="cb1de41f-d0a9-4c8b-9095-fa88b5d4678f" providerId="ADAL" clId="{E2A0B859-04CE-4714-8C81-52AA70A7C49E}" dt="2025-12-25T11:38:31.009" v="1454" actId="1076"/>
+          <ac:spMkLst>
+            <pc:docMk/>
+            <pc:sldMk cId="3922033010" sldId="264"/>
+            <ac:spMk id="11" creationId="{6646FD3D-D4D4-81F7-F9E4-F07AC06C7F63}"/>
+          </ac:spMkLst>
+        </pc:spChg>
+        <pc:spChg chg="add mod">
+          <ac:chgData name="Phạm Thông" userId="cb1de41f-d0a9-4c8b-9095-fa88b5d4678f" providerId="ADAL" clId="{E2A0B859-04CE-4714-8C81-52AA70A7C49E}" dt="2025-12-25T12:06:45.120" v="1485" actId="1076"/>
+          <ac:spMkLst>
+            <pc:docMk/>
+            <pc:sldMk cId="3922033010" sldId="264"/>
+            <ac:spMk id="12" creationId="{150F6807-288B-7812-F8D6-3142D3CBDBC0}"/>
+          </ac:spMkLst>
+        </pc:spChg>
+        <pc:spChg chg="add mod">
+          <ac:chgData name="Phạm Thông" userId="cb1de41f-d0a9-4c8b-9095-fa88b5d4678f" providerId="ADAL" clId="{E2A0B859-04CE-4714-8C81-52AA70A7C49E}" dt="2025-12-25T11:38:27.157" v="1453" actId="1076"/>
+          <ac:spMkLst>
+            <pc:docMk/>
+            <pc:sldMk cId="3922033010" sldId="264"/>
+            <ac:spMk id="13" creationId="{04FF265A-DA39-1724-F269-268EF035E1FC}"/>
+          </ac:spMkLst>
+        </pc:spChg>
+        <pc:spChg chg="add mod">
+          <ac:chgData name="Phạm Thông" userId="cb1de41f-d0a9-4c8b-9095-fa88b5d4678f" providerId="ADAL" clId="{E2A0B859-04CE-4714-8C81-52AA70A7C49E}" dt="2025-12-25T11:37:47.521" v="1435" actId="1076"/>
+          <ac:spMkLst>
+            <pc:docMk/>
+            <pc:sldMk cId="3922033010" sldId="264"/>
+            <ac:spMk id="14" creationId="{1FB59A07-4F58-6EEA-1FE5-1530D662883B}"/>
+          </ac:spMkLst>
+        </pc:spChg>
+        <pc:grpChg chg="add mod">
+          <ac:chgData name="Phạm Thông" userId="cb1de41f-d0a9-4c8b-9095-fa88b5d4678f" providerId="ADAL" clId="{E2A0B859-04CE-4714-8C81-52AA70A7C49E}" dt="2025-12-25T11:38:22.819" v="1452" actId="1037"/>
+          <ac:grpSpMkLst>
+            <pc:docMk/>
+            <pc:sldMk cId="3922033010" sldId="264"/>
+            <ac:grpSpMk id="6" creationId="{C8BAB15E-1A33-E5FD-D0F7-E142C56FDAF0}"/>
+          </ac:grpSpMkLst>
+        </pc:grpChg>
+        <pc:cxnChg chg="add mod ord">
+          <ac:chgData name="Phạm Thông" userId="cb1de41f-d0a9-4c8b-9095-fa88b5d4678f" providerId="ADAL" clId="{E2A0B859-04CE-4714-8C81-52AA70A7C49E}" dt="2025-12-25T11:39:00.369" v="1459" actId="14100"/>
+          <ac:cxnSpMkLst>
+            <pc:docMk/>
+            <pc:sldMk cId="3922033010" sldId="264"/>
+            <ac:cxnSpMk id="9" creationId="{6F87266B-539C-1BAE-2564-BA7798ABAC7E}"/>
+          </ac:cxnSpMkLst>
+        </pc:cxnChg>
+      </pc:sldChg>
     </pc:docChg>
   </pc:docChgLst>
 </pc:chgInfo>
+</file>
+
+<file path=ppt/notesMasters/notesMaster1.xml><?xml version="1.0" encoding="utf-8"?>
+<p:notesMaster xmlns:a="http://schemas.openxmlformats.org/drawingml/2006/main" xmlns:r="http://schemas.openxmlformats.org/officeDocument/2006/relationships" xmlns:p="http://schemas.openxmlformats.org/presentationml/2006/main">
+  <p:cSld>
+    <p:bg>
+      <p:bgRef idx="1001">
+        <a:schemeClr val="bg1"/>
+      </p:bgRef>
+    </p:bg>
+    <p:spTree>
+      <p:nvGrpSpPr>
+        <p:cNvPr id="1" name=""/>
+        <p:cNvGrpSpPr/>
+        <p:nvPr/>
+      </p:nvGrpSpPr>
+      <p:grpSpPr>
+        <a:xfrm>
+          <a:off x="0" y="0"/>
+          <a:ext cx="0" cy="0"/>
+          <a:chOff x="0" y="0"/>
+          <a:chExt cx="0" cy="0"/>
+        </a:xfrm>
+      </p:grpSpPr>
+      <p:sp>
+        <p:nvSpPr>
+          <p:cNvPr id="2" name="Header Placeholder 1"/>
+          <p:cNvSpPr>
+            <a:spLocks noGrp="1"/>
+          </p:cNvSpPr>
+          <p:nvPr>
+            <p:ph type="hdr" sz="quarter"/>
+          </p:nvPr>
+        </p:nvSpPr>
+        <p:spPr>
+          <a:xfrm>
+            <a:off x="0" y="0"/>
+            <a:ext cx="2971800" cy="458788"/>
+          </a:xfrm>
+          <a:prstGeom prst="rect">
+            <a:avLst/>
+          </a:prstGeom>
+        </p:spPr>
+        <p:txBody>
+          <a:bodyPr vert="horz" lIns="91440" tIns="45720" rIns="91440" bIns="45720" rtlCol="0"/>
+          <a:lstStyle>
+            <a:lvl1pPr algn="l">
+              <a:defRPr sz="1200"/>
+            </a:lvl1pPr>
+          </a:lstStyle>
+          <a:p>
+            <a:endParaRPr lang="en-US"/>
+          </a:p>
+        </p:txBody>
+      </p:sp>
+      <p:sp>
+        <p:nvSpPr>
+          <p:cNvPr id="3" name="Date Placeholder 2"/>
+          <p:cNvSpPr>
+            <a:spLocks noGrp="1"/>
+          </p:cNvSpPr>
+          <p:nvPr>
+            <p:ph type="dt" idx="1"/>
+          </p:nvPr>
+        </p:nvSpPr>
+        <p:spPr>
+          <a:xfrm>
+            <a:off x="3884613" y="0"/>
+            <a:ext cx="2971800" cy="458788"/>
+          </a:xfrm>
+          <a:prstGeom prst="rect">
+            <a:avLst/>
+          </a:prstGeom>
+        </p:spPr>
+        <p:txBody>
+          <a:bodyPr vert="horz" lIns="91440" tIns="45720" rIns="91440" bIns="45720" rtlCol="0"/>
+          <a:lstStyle>
+            <a:lvl1pPr algn="r">
+              <a:defRPr sz="1200"/>
+            </a:lvl1pPr>
+          </a:lstStyle>
+          <a:p>
+            <a:fld id="{920C21BD-5CE8-4296-906B-2BDE302955ED}" type="datetimeFigureOut">
+              <a:rPr lang="en-US" smtClean="0"/>
+              <a:t>12/25/2025</a:t>
+            </a:fld>
+            <a:endParaRPr lang="en-US"/>
+          </a:p>
+        </p:txBody>
+      </p:sp>
+      <p:sp>
+        <p:nvSpPr>
+          <p:cNvPr id="4" name="Slide Image Placeholder 3"/>
+          <p:cNvSpPr>
+            <a:spLocks noGrp="1" noRot="1" noChangeAspect="1"/>
+          </p:cNvSpPr>
+          <p:nvPr>
+            <p:ph type="sldImg" idx="2"/>
+          </p:nvPr>
+        </p:nvSpPr>
+        <p:spPr>
+          <a:xfrm>
+            <a:off x="685800" y="1143000"/>
+            <a:ext cx="5486400" cy="3086100"/>
+          </a:xfrm>
+          <a:prstGeom prst="rect">
+            <a:avLst/>
+          </a:prstGeom>
+          <a:noFill/>
+          <a:ln w="12700">
+            <a:solidFill>
+              <a:prstClr val="black"/>
+            </a:solidFill>
+          </a:ln>
+        </p:spPr>
+        <p:txBody>
+          <a:bodyPr vert="horz" lIns="91440" tIns="45720" rIns="91440" bIns="45720" rtlCol="0" anchor="ctr"/>
+          <a:lstStyle/>
+          <a:p>
+            <a:endParaRPr lang="en-US"/>
+          </a:p>
+        </p:txBody>
+      </p:sp>
+      <p:sp>
+        <p:nvSpPr>
+          <p:cNvPr id="5" name="Notes Placeholder 4"/>
+          <p:cNvSpPr>
+            <a:spLocks noGrp="1"/>
+          </p:cNvSpPr>
+          <p:nvPr>
+            <p:ph type="body" sz="quarter" idx="3"/>
+          </p:nvPr>
+        </p:nvSpPr>
+        <p:spPr>
+          <a:xfrm>
+            <a:off x="685800" y="4400550"/>
+            <a:ext cx="5486400" cy="3600450"/>
+          </a:xfrm>
+          <a:prstGeom prst="rect">
+            <a:avLst/>
+          </a:prstGeom>
+        </p:spPr>
+        <p:txBody>
+          <a:bodyPr vert="horz" lIns="91440" tIns="45720" rIns="91440" bIns="45720" rtlCol="0"/>
+          <a:lstStyle/>
+          <a:p>
+            <a:pPr lvl="0"/>
+            <a:r>
+              <a:rPr lang="en-US"/>
+              <a:t>Click to edit Master text styles</a:t>
+            </a:r>
+          </a:p>
+          <a:p>
+            <a:pPr lvl="1"/>
+            <a:r>
+              <a:rPr lang="en-US"/>
+              <a:t>Second level</a:t>
+            </a:r>
+          </a:p>
+          <a:p>
+            <a:pPr lvl="2"/>
+            <a:r>
+              <a:rPr lang="en-US"/>
+              <a:t>Third level</a:t>
+            </a:r>
+          </a:p>
+          <a:p>
+            <a:pPr lvl="3"/>
+            <a:r>
+              <a:rPr lang="en-US"/>
+              <a:t>Fourth level</a:t>
+            </a:r>
+          </a:p>
+          <a:p>
+            <a:pPr lvl="4"/>
+            <a:r>
+              <a:rPr lang="en-US"/>
+              <a:t>Fifth level</a:t>
+            </a:r>
+          </a:p>
+        </p:txBody>
+      </p:sp>
+      <p:sp>
+        <p:nvSpPr>
+          <p:cNvPr id="6" name="Footer Placeholder 5"/>
+          <p:cNvSpPr>
+            <a:spLocks noGrp="1"/>
+          </p:cNvSpPr>
+          <p:nvPr>
+            <p:ph type="ftr" sz="quarter" idx="4"/>
+          </p:nvPr>
+        </p:nvSpPr>
+        <p:spPr>
+          <a:xfrm>
+            <a:off x="0" y="8685213"/>
+            <a:ext cx="2971800" cy="458787"/>
+          </a:xfrm>
+          <a:prstGeom prst="rect">
+            <a:avLst/>
+          </a:prstGeom>
+        </p:spPr>
+        <p:txBody>
+          <a:bodyPr vert="horz" lIns="91440" tIns="45720" rIns="91440" bIns="45720" rtlCol="0" anchor="b"/>
+          <a:lstStyle>
+            <a:lvl1pPr algn="l">
+              <a:defRPr sz="1200"/>
+            </a:lvl1pPr>
+          </a:lstStyle>
+          <a:p>
+            <a:endParaRPr lang="en-US"/>
+          </a:p>
+        </p:txBody>
+      </p:sp>
+      <p:sp>
+        <p:nvSpPr>
+          <p:cNvPr id="7" name="Slide Number Placeholder 6"/>
+          <p:cNvSpPr>
+            <a:spLocks noGrp="1"/>
+          </p:cNvSpPr>
+          <p:nvPr>
+            <p:ph type="sldNum" sz="quarter" idx="5"/>
+          </p:nvPr>
+        </p:nvSpPr>
+        <p:spPr>
+          <a:xfrm>
+            <a:off x="3884613" y="8685213"/>
+            <a:ext cx="2971800" cy="458787"/>
+          </a:xfrm>
+          <a:prstGeom prst="rect">
+            <a:avLst/>
+          </a:prstGeom>
+        </p:spPr>
+        <p:txBody>
+          <a:bodyPr vert="horz" lIns="91440" tIns="45720" rIns="91440" bIns="45720" rtlCol="0" anchor="b"/>
+          <a:lstStyle>
+            <a:lvl1pPr algn="r">
+              <a:defRPr sz="1200"/>
+            </a:lvl1pPr>
+          </a:lstStyle>
+          <a:p>
+            <a:fld id="{8F2F6FA2-C857-4DD6-AA3E-C82434808A97}" type="slidenum">
+              <a:rPr lang="en-US" smtClean="0"/>
+              <a:t>‹#›</a:t>
+            </a:fld>
+            <a:endParaRPr lang="en-US"/>
+          </a:p>
+        </p:txBody>
+      </p:sp>
+    </p:spTree>
+    <p:extLst>
+      <p:ext uri="{BB962C8B-B14F-4D97-AF65-F5344CB8AC3E}">
+        <p14:creationId xmlns:p14="http://schemas.microsoft.com/office/powerpoint/2010/main" val="1300597193"/>
+      </p:ext>
+    </p:extLst>
+  </p:cSld>
+  <p:clrMap bg1="lt1" tx1="dk1" bg2="lt2" tx2="dk2" accent1="accent1" accent2="accent2" accent3="accent3" accent4="accent4" accent5="accent5" accent6="accent6" hlink="hlink" folHlink="folHlink"/>
+  <p:notesStyle>
+    <a:lvl1pPr marL="0" algn="l" defTabSz="914400" rtl="0" eaLnBrk="1" latinLnBrk="0" hangingPunct="1">
+      <a:defRPr sz="1200" kern="1200">
+        <a:solidFill>
+          <a:schemeClr val="tx1"/>
+        </a:solidFill>
+        <a:latin typeface="+mn-lt"/>
+        <a:ea typeface="+mn-ea"/>
+        <a:cs typeface="+mn-cs"/>
+      </a:defRPr>
+    </a:lvl1pPr>
+    <a:lvl2pPr marL="457200" algn="l" defTabSz="914400" rtl="0" eaLnBrk="1" latinLnBrk="0" hangingPunct="1">
+      <a:defRPr sz="1200" kern="1200">
+        <a:solidFill>
+          <a:schemeClr val="tx1"/>
+        </a:solidFill>
+        <a:latin typeface="+mn-lt"/>
+        <a:ea typeface="+mn-ea"/>
+        <a:cs typeface="+mn-cs"/>
+      </a:defRPr>
+    </a:lvl2pPr>
+    <a:lvl3pPr marL="914400" algn="l" defTabSz="914400" rtl="0" eaLnBrk="1" latinLnBrk="0" hangingPunct="1">
+      <a:defRPr sz="1200" kern="1200">
+        <a:solidFill>
+          <a:schemeClr val="tx1"/>
+        </a:solidFill>
+        <a:latin typeface="+mn-lt"/>
+        <a:ea typeface="+mn-ea"/>
+        <a:cs typeface="+mn-cs"/>
+      </a:defRPr>
+    </a:lvl3pPr>
+    <a:lvl4pPr marL="1371600" algn="l" defTabSz="914400" rtl="0" eaLnBrk="1" latinLnBrk="0" hangingPunct="1">
+      <a:defRPr sz="1200" kern="1200">
+        <a:solidFill>
+          <a:schemeClr val="tx1"/>
+        </a:solidFill>
+        <a:latin typeface="+mn-lt"/>
+        <a:ea typeface="+mn-ea"/>
+        <a:cs typeface="+mn-cs"/>
+      </a:defRPr>
+    </a:lvl4pPr>
+    <a:lvl5pPr marL="1828800" algn="l" defTabSz="914400" rtl="0" eaLnBrk="1" latinLnBrk="0" hangingPunct="1">
+      <a:defRPr sz="1200" kern="1200">
+        <a:solidFill>
+          <a:schemeClr val="tx1"/>
+        </a:solidFill>
+        <a:latin typeface="+mn-lt"/>
+        <a:ea typeface="+mn-ea"/>
+        <a:cs typeface="+mn-cs"/>
+      </a:defRPr>
+    </a:lvl5pPr>
+    <a:lvl6pPr marL="2286000" algn="l" defTabSz="914400" rtl="0" eaLnBrk="1" latinLnBrk="0" hangingPunct="1">
+      <a:defRPr sz="1200" kern="1200">
+        <a:solidFill>
+          <a:schemeClr val="tx1"/>
+        </a:solidFill>
+        <a:latin typeface="+mn-lt"/>
+        <a:ea typeface="+mn-ea"/>
+        <a:cs typeface="+mn-cs"/>
+      </a:defRPr>
+    </a:lvl6pPr>
+    <a:lvl7pPr marL="2743200" algn="l" defTabSz="914400" rtl="0" eaLnBrk="1" latinLnBrk="0" hangingPunct="1">
+      <a:defRPr sz="1200" kern="1200">
+        <a:solidFill>
+          <a:schemeClr val="tx1"/>
+        </a:solidFill>
+        <a:latin typeface="+mn-lt"/>
+        <a:ea typeface="+mn-ea"/>
+        <a:cs typeface="+mn-cs"/>
+      </a:defRPr>
+    </a:lvl7pPr>
+    <a:lvl8pPr marL="3200400" algn="l" defTabSz="914400" rtl="0" eaLnBrk="1" latinLnBrk="0" hangingPunct="1">
+      <a:defRPr sz="1200" kern="1200">
+        <a:solidFill>
+          <a:schemeClr val="tx1"/>
+        </a:solidFill>
+        <a:latin typeface="+mn-lt"/>
+        <a:ea typeface="+mn-ea"/>
+        <a:cs typeface="+mn-cs"/>
+      </a:defRPr>
+    </a:lvl8pPr>
+    <a:lvl9pPr marL="3657600" algn="l" defTabSz="914400" rtl="0" eaLnBrk="1" latinLnBrk="0" hangingPunct="1">
+      <a:defRPr sz="1200" kern="1200">
+        <a:solidFill>
+          <a:schemeClr val="tx1"/>
+        </a:solidFill>
+        <a:latin typeface="+mn-lt"/>
+        <a:ea typeface="+mn-ea"/>
+        <a:cs typeface="+mn-cs"/>
+      </a:defRPr>
+    </a:lvl9pPr>
+  </p:notesStyle>
+</p:notesMaster>
+</file>
+
+<file path=ppt/notesSlides/notesSlide1.xml><?xml version="1.0" encoding="utf-8"?>
+<p:notes xmlns:a="http://schemas.openxmlformats.org/drawingml/2006/main" xmlns:r="http://schemas.openxmlformats.org/officeDocument/2006/relationships" xmlns:p="http://schemas.openxmlformats.org/presentationml/2006/main">
+  <p:cSld>
+    <p:spTree>
+      <p:nvGrpSpPr>
+        <p:cNvPr id="1" name=""/>
+        <p:cNvGrpSpPr/>
+        <p:nvPr/>
+      </p:nvGrpSpPr>
+      <p:grpSpPr>
+        <a:xfrm>
+          <a:off x="0" y="0"/>
+          <a:ext cx="0" cy="0"/>
+          <a:chOff x="0" y="0"/>
+          <a:chExt cx="0" cy="0"/>
+        </a:xfrm>
+      </p:grpSpPr>
+      <p:sp>
+        <p:nvSpPr>
+          <p:cNvPr id="2" name="Slide Image Placeholder 1"/>
+          <p:cNvSpPr>
+            <a:spLocks noGrp="1" noRot="1" noChangeAspect="1"/>
+          </p:cNvSpPr>
+          <p:nvPr>
+            <p:ph type="sldImg"/>
+          </p:nvPr>
+        </p:nvSpPr>
+        <p:spPr/>
+      </p:sp>
+      <p:sp>
+        <p:nvSpPr>
+          <p:cNvPr id="3" name="Notes Placeholder 2"/>
+          <p:cNvSpPr>
+            <a:spLocks noGrp="1"/>
+          </p:cNvSpPr>
+          <p:nvPr>
+            <p:ph type="body" idx="1"/>
+          </p:nvPr>
+        </p:nvSpPr>
+        <p:spPr/>
+        <p:txBody>
+          <a:bodyPr/>
+          <a:lstStyle/>
+          <a:p>
+            <a:endParaRPr lang="en-US"/>
+          </a:p>
+        </p:txBody>
+      </p:sp>
+      <p:sp>
+        <p:nvSpPr>
+          <p:cNvPr id="4" name="Slide Number Placeholder 3"/>
+          <p:cNvSpPr>
+            <a:spLocks noGrp="1"/>
+          </p:cNvSpPr>
+          <p:nvPr>
+            <p:ph type="sldNum" sz="quarter" idx="5"/>
+          </p:nvPr>
+        </p:nvSpPr>
+        <p:spPr/>
+        <p:txBody>
+          <a:bodyPr/>
+          <a:lstStyle/>
+          <a:p>
+            <a:fld id="{8F2F6FA2-C857-4DD6-AA3E-C82434808A97}" type="slidenum">
+              <a:rPr lang="en-US" smtClean="0"/>
+              <a:t>8</a:t>
+            </a:fld>
+            <a:endParaRPr lang="en-US"/>
+          </a:p>
+        </p:txBody>
+      </p:sp>
+    </p:spTree>
+    <p:extLst>
+      <p:ext uri="{BB962C8B-B14F-4D97-AF65-F5344CB8AC3E}">
+        <p14:creationId xmlns:p14="http://schemas.microsoft.com/office/powerpoint/2010/main" val="1863517938"/>
+      </p:ext>
+    </p:extLst>
+  </p:cSld>
+  <p:clrMapOvr>
+    <a:masterClrMapping/>
+  </p:clrMapOvr>
+</p:notes>
 </file>
 
 <file path=ppt/slideLayouts/slideLayout1.xml><?xml version="1.0" encoding="utf-8"?>
@@ -629,7 +2161,7 @@
           <a:p>
             <a:fld id="{6EB22DFD-DB99-45C6-9F20-54734D4D55A2}" type="datetimeFigureOut">
               <a:rPr lang="en-US" smtClean="0"/>
-              <a:t>12/23/2025</a:t>
+              <a:t>12/25/2025</a:t>
             </a:fld>
             <a:endParaRPr lang="en-US"/>
           </a:p>
@@ -827,7 +2359,7 @@
           <a:p>
             <a:fld id="{6EB22DFD-DB99-45C6-9F20-54734D4D55A2}" type="datetimeFigureOut">
               <a:rPr lang="en-US" smtClean="0"/>
-              <a:t>12/23/2025</a:t>
+              <a:t>12/25/2025</a:t>
             </a:fld>
             <a:endParaRPr lang="en-US"/>
           </a:p>
@@ -1035,7 +2567,7 @@
           <a:p>
             <a:fld id="{6EB22DFD-DB99-45C6-9F20-54734D4D55A2}" type="datetimeFigureOut">
               <a:rPr lang="en-US" smtClean="0"/>
-              <a:t>12/23/2025</a:t>
+              <a:t>12/25/2025</a:t>
             </a:fld>
             <a:endParaRPr lang="en-US"/>
           </a:p>
@@ -1233,7 +2765,7 @@
           <a:p>
             <a:fld id="{6EB22DFD-DB99-45C6-9F20-54734D4D55A2}" type="datetimeFigureOut">
               <a:rPr lang="en-US" smtClean="0"/>
-              <a:t>12/23/2025</a:t>
+              <a:t>12/25/2025</a:t>
             </a:fld>
             <a:endParaRPr lang="en-US"/>
           </a:p>
@@ -1508,7 +3040,7 @@
           <a:p>
             <a:fld id="{6EB22DFD-DB99-45C6-9F20-54734D4D55A2}" type="datetimeFigureOut">
               <a:rPr lang="en-US" smtClean="0"/>
-              <a:t>12/23/2025</a:t>
+              <a:t>12/25/2025</a:t>
             </a:fld>
             <a:endParaRPr lang="en-US"/>
           </a:p>
@@ -1773,7 +3305,7 @@
           <a:p>
             <a:fld id="{6EB22DFD-DB99-45C6-9F20-54734D4D55A2}" type="datetimeFigureOut">
               <a:rPr lang="en-US" smtClean="0"/>
-              <a:t>12/23/2025</a:t>
+              <a:t>12/25/2025</a:t>
             </a:fld>
             <a:endParaRPr lang="en-US"/>
           </a:p>
@@ -2185,7 +3717,7 @@
           <a:p>
             <a:fld id="{6EB22DFD-DB99-45C6-9F20-54734D4D55A2}" type="datetimeFigureOut">
               <a:rPr lang="en-US" smtClean="0"/>
-              <a:t>12/23/2025</a:t>
+              <a:t>12/25/2025</a:t>
             </a:fld>
             <a:endParaRPr lang="en-US"/>
           </a:p>
@@ -2326,7 +3858,7 @@
           <a:p>
             <a:fld id="{6EB22DFD-DB99-45C6-9F20-54734D4D55A2}" type="datetimeFigureOut">
               <a:rPr lang="en-US" smtClean="0"/>
-              <a:t>12/23/2025</a:t>
+              <a:t>12/25/2025</a:t>
             </a:fld>
             <a:endParaRPr lang="en-US"/>
           </a:p>
@@ -2439,7 +3971,7 @@
           <a:p>
             <a:fld id="{6EB22DFD-DB99-45C6-9F20-54734D4D55A2}" type="datetimeFigureOut">
               <a:rPr lang="en-US" smtClean="0"/>
-              <a:t>12/23/2025</a:t>
+              <a:t>12/25/2025</a:t>
             </a:fld>
             <a:endParaRPr lang="en-US"/>
           </a:p>
@@ -2750,7 +4282,7 @@
           <a:p>
             <a:fld id="{6EB22DFD-DB99-45C6-9F20-54734D4D55A2}" type="datetimeFigureOut">
               <a:rPr lang="en-US" smtClean="0"/>
-              <a:t>12/23/2025</a:t>
+              <a:t>12/25/2025</a:t>
             </a:fld>
             <a:endParaRPr lang="en-US"/>
           </a:p>
@@ -3038,7 +4570,7 @@
           <a:p>
             <a:fld id="{6EB22DFD-DB99-45C6-9F20-54734D4D55A2}" type="datetimeFigureOut">
               <a:rPr lang="en-US" smtClean="0"/>
-              <a:t>12/23/2025</a:t>
+              <a:t>12/25/2025</a:t>
             </a:fld>
             <a:endParaRPr lang="en-US"/>
           </a:p>
@@ -3279,7 +4811,7 @@
           <a:p>
             <a:fld id="{6EB22DFD-DB99-45C6-9F20-54734D4D55A2}" type="datetimeFigureOut">
               <a:rPr lang="en-US" smtClean="0"/>
-              <a:t>12/23/2025</a:t>
+              <a:t>12/25/2025</a:t>
             </a:fld>
             <a:endParaRPr lang="en-US"/>
           </a:p>
@@ -8632,8 +10164,8 @@
           </a:p>
         </p:txBody>
       </p:sp>
-      <mc:AlternateContent xmlns:mc="http://schemas.openxmlformats.org/markup-compatibility/2006">
-        <mc:Choice xmlns:a14="http://schemas.microsoft.com/office/drawing/2010/main" Requires="a14">
+      <mc:AlternateContent xmlns:mc="http://schemas.openxmlformats.org/markup-compatibility/2006" xmlns:a14="http://schemas.microsoft.com/office/drawing/2010/main">
+        <mc:Choice Requires="a14">
           <p:sp>
             <p:nvSpPr>
               <p:cNvPr id="4" name="TextBox 3">
@@ -8717,7 +10249,7 @@
             </p:txBody>
           </p:sp>
         </mc:Choice>
-        <mc:Fallback>
+        <mc:Fallback xmlns="">
           <p:sp>
             <p:nvSpPr>
               <p:cNvPr id="4" name="TextBox 3">
@@ -8762,8 +10294,8 @@
           </p:sp>
         </mc:Fallback>
       </mc:AlternateContent>
-      <mc:AlternateContent xmlns:mc="http://schemas.openxmlformats.org/markup-compatibility/2006">
-        <mc:Choice xmlns:a14="http://schemas.microsoft.com/office/drawing/2010/main" Requires="a14">
+      <mc:AlternateContent xmlns:mc="http://schemas.openxmlformats.org/markup-compatibility/2006" xmlns:a14="http://schemas.microsoft.com/office/drawing/2010/main">
+        <mc:Choice Requires="a14">
           <p:sp>
             <p:nvSpPr>
               <p:cNvPr id="5" name="TextBox 4">
@@ -8832,7 +10364,7 @@
             </p:txBody>
           </p:sp>
         </mc:Choice>
-        <mc:Fallback>
+        <mc:Fallback xmlns="">
           <p:sp>
             <p:nvSpPr>
               <p:cNvPr id="5" name="TextBox 4">
@@ -8877,8 +10409,8 @@
           </p:sp>
         </mc:Fallback>
       </mc:AlternateContent>
-      <mc:AlternateContent xmlns:mc="http://schemas.openxmlformats.org/markup-compatibility/2006">
-        <mc:Choice xmlns:a14="http://schemas.microsoft.com/office/drawing/2010/main" Requires="a14">
+      <mc:AlternateContent xmlns:mc="http://schemas.openxmlformats.org/markup-compatibility/2006" xmlns:a14="http://schemas.microsoft.com/office/drawing/2010/main">
+        <mc:Choice Requires="a14">
           <p:sp>
             <p:nvSpPr>
               <p:cNvPr id="6" name="TextBox 5">
@@ -8947,7 +10479,7 @@
             </p:txBody>
           </p:sp>
         </mc:Choice>
-        <mc:Fallback>
+        <mc:Fallback xmlns="">
           <p:sp>
             <p:nvSpPr>
               <p:cNvPr id="6" name="TextBox 5">
@@ -8992,8 +10524,8 @@
           </p:sp>
         </mc:Fallback>
       </mc:AlternateContent>
-      <mc:AlternateContent xmlns:mc="http://schemas.openxmlformats.org/markup-compatibility/2006">
-        <mc:Choice xmlns:a14="http://schemas.microsoft.com/office/drawing/2010/main" Requires="a14">
+      <mc:AlternateContent xmlns:mc="http://schemas.openxmlformats.org/markup-compatibility/2006" xmlns:a14="http://schemas.microsoft.com/office/drawing/2010/main">
+        <mc:Choice Requires="a14">
           <p:sp>
             <p:nvSpPr>
               <p:cNvPr id="7" name="TextBox 6">
@@ -9043,7 +10575,7 @@
             </p:txBody>
           </p:sp>
         </mc:Choice>
-        <mc:Fallback>
+        <mc:Fallback xmlns="">
           <p:sp>
             <p:nvSpPr>
               <p:cNvPr id="7" name="TextBox 6">
@@ -9088,8 +10620,8 @@
           </p:sp>
         </mc:Fallback>
       </mc:AlternateContent>
-      <mc:AlternateContent xmlns:mc="http://schemas.openxmlformats.org/markup-compatibility/2006">
-        <mc:Choice xmlns:a14="http://schemas.microsoft.com/office/drawing/2010/main" Requires="a14">
+      <mc:AlternateContent xmlns:mc="http://schemas.openxmlformats.org/markup-compatibility/2006" xmlns:a14="http://schemas.microsoft.com/office/drawing/2010/main">
+        <mc:Choice Requires="a14">
           <p:sp>
             <p:nvSpPr>
               <p:cNvPr id="8" name="TextBox 7">
@@ -9158,7 +10690,7 @@
             </p:txBody>
           </p:sp>
         </mc:Choice>
-        <mc:Fallback>
+        <mc:Fallback xmlns="">
           <p:sp>
             <p:nvSpPr>
               <p:cNvPr id="8" name="TextBox 7">
@@ -9657,8 +11189,8 @@
           </a:prstGeom>
         </p:spPr>
       </p:pic>
-      <mc:AlternateContent xmlns:mc="http://schemas.openxmlformats.org/markup-compatibility/2006">
-        <mc:Choice xmlns:a14="http://schemas.microsoft.com/office/drawing/2010/main" Requires="a14">
+      <mc:AlternateContent xmlns:mc="http://schemas.openxmlformats.org/markup-compatibility/2006" xmlns:a14="http://schemas.microsoft.com/office/drawing/2010/main">
+        <mc:Choice Requires="a14">
           <p:sp>
             <p:nvSpPr>
               <p:cNvPr id="11" name="TextBox 10">
@@ -9752,7 +11284,7 @@
             </p:txBody>
           </p:sp>
         </mc:Choice>
-        <mc:Fallback>
+        <mc:Fallback xmlns="">
           <p:sp>
             <p:nvSpPr>
               <p:cNvPr id="11" name="TextBox 10">
@@ -9797,8 +11329,8 @@
           </p:sp>
         </mc:Fallback>
       </mc:AlternateContent>
-      <mc:AlternateContent xmlns:mc="http://schemas.openxmlformats.org/markup-compatibility/2006">
-        <mc:Choice xmlns:a14="http://schemas.microsoft.com/office/drawing/2010/main" Requires="a14">
+      <mc:AlternateContent xmlns:mc="http://schemas.openxmlformats.org/markup-compatibility/2006" xmlns:a14="http://schemas.microsoft.com/office/drawing/2010/main">
+        <mc:Choice Requires="a14">
           <p:sp>
             <p:nvSpPr>
               <p:cNvPr id="12" name="TextBox 11">
@@ -9892,7 +11424,7 @@
             </p:txBody>
           </p:sp>
         </mc:Choice>
-        <mc:Fallback>
+        <mc:Fallback xmlns="">
           <p:sp>
             <p:nvSpPr>
               <p:cNvPr id="12" name="TextBox 11">
@@ -9937,8 +11469,8 @@
           </p:sp>
         </mc:Fallback>
       </mc:AlternateContent>
-      <mc:AlternateContent xmlns:mc="http://schemas.openxmlformats.org/markup-compatibility/2006">
-        <mc:Choice xmlns:a14="http://schemas.microsoft.com/office/drawing/2010/main" Requires="a14">
+      <mc:AlternateContent xmlns:mc="http://schemas.openxmlformats.org/markup-compatibility/2006" xmlns:a14="http://schemas.microsoft.com/office/drawing/2010/main">
+        <mc:Choice Requires="a14">
           <p:sp>
             <p:nvSpPr>
               <p:cNvPr id="13" name="TextBox 12">
@@ -9988,7 +11520,7 @@
             </p:txBody>
           </p:sp>
         </mc:Choice>
-        <mc:Fallback>
+        <mc:Fallback xmlns="">
           <p:sp>
             <p:nvSpPr>
               <p:cNvPr id="13" name="TextBox 12">
@@ -10033,8 +11565,8 @@
           </p:sp>
         </mc:Fallback>
       </mc:AlternateContent>
-      <mc:AlternateContent xmlns:mc="http://schemas.openxmlformats.org/markup-compatibility/2006">
-        <mc:Choice xmlns:a14="http://schemas.microsoft.com/office/drawing/2010/main" Requires="a14">
+      <mc:AlternateContent xmlns:mc="http://schemas.openxmlformats.org/markup-compatibility/2006" xmlns:a14="http://schemas.microsoft.com/office/drawing/2010/main">
+        <mc:Choice Requires="a14">
           <p:sp>
             <p:nvSpPr>
               <p:cNvPr id="14" name="TextBox 13">
@@ -10128,7 +11660,7 @@
             </p:txBody>
           </p:sp>
         </mc:Choice>
-        <mc:Fallback>
+        <mc:Fallback xmlns="">
           <p:sp>
             <p:nvSpPr>
               <p:cNvPr id="14" name="TextBox 13">
@@ -10177,6 +11709,2877 @@
     <p:extLst>
       <p:ext uri="{BB962C8B-B14F-4D97-AF65-F5344CB8AC3E}">
         <p14:creationId xmlns:p14="http://schemas.microsoft.com/office/powerpoint/2010/main" val="1254439374"/>
+      </p:ext>
+    </p:extLst>
+  </p:cSld>
+  <p:clrMapOvr>
+    <a:masterClrMapping/>
+  </p:clrMapOvr>
+</p:sld>
+</file>
+
+<file path=ppt/slides/slide7.xml><?xml version="1.0" encoding="utf-8"?>
+<p:sld xmlns:a="http://schemas.openxmlformats.org/drawingml/2006/main" xmlns:r="http://schemas.openxmlformats.org/officeDocument/2006/relationships" xmlns:p="http://schemas.openxmlformats.org/presentationml/2006/main">
+  <p:cSld>
+    <p:spTree>
+      <p:nvGrpSpPr>
+        <p:cNvPr id="1" name=""/>
+        <p:cNvGrpSpPr/>
+        <p:nvPr/>
+      </p:nvGrpSpPr>
+      <p:grpSpPr>
+        <a:xfrm>
+          <a:off x="0" y="0"/>
+          <a:ext cx="0" cy="0"/>
+          <a:chOff x="0" y="0"/>
+          <a:chExt cx="0" cy="0"/>
+        </a:xfrm>
+      </p:grpSpPr>
+      <p:grpSp>
+        <p:nvGrpSpPr>
+          <p:cNvPr id="113" name="Group 112">
+            <a:extLst>
+              <a:ext uri="{FF2B5EF4-FFF2-40B4-BE49-F238E27FC236}">
+                <a16:creationId xmlns:a16="http://schemas.microsoft.com/office/drawing/2014/main" id="{D7146488-5B44-4FFB-F7C7-C3ADB6F164EC}"/>
+              </a:ext>
+            </a:extLst>
+          </p:cNvPr>
+          <p:cNvGrpSpPr/>
+          <p:nvPr/>
+        </p:nvGrpSpPr>
+        <p:grpSpPr>
+          <a:xfrm>
+            <a:off x="4937285" y="2553099"/>
+            <a:ext cx="1750671" cy="1758470"/>
+            <a:chOff x="5206634" y="2553099"/>
+            <a:chExt cx="1750671" cy="1758470"/>
+          </a:xfrm>
+        </p:grpSpPr>
+        <p:grpSp>
+          <p:nvGrpSpPr>
+            <p:cNvPr id="97" name="Group 96">
+              <a:extLst>
+                <a:ext uri="{FF2B5EF4-FFF2-40B4-BE49-F238E27FC236}">
+                  <a16:creationId xmlns:a16="http://schemas.microsoft.com/office/drawing/2014/main" id="{19A54A85-528D-9FAB-DA52-0FE8ED0F3054}"/>
+                </a:ext>
+              </a:extLst>
+            </p:cNvPr>
+            <p:cNvGrpSpPr/>
+            <p:nvPr/>
+          </p:nvGrpSpPr>
+          <p:grpSpPr>
+            <a:xfrm>
+              <a:off x="5206634" y="2560898"/>
+              <a:ext cx="1750671" cy="1750671"/>
+              <a:chOff x="2297969" y="2336268"/>
+              <a:chExt cx="2221370" cy="2221370"/>
+            </a:xfrm>
+          </p:grpSpPr>
+          <p:sp>
+            <p:nvSpPr>
+              <p:cNvPr id="98" name="Oval 97">
+                <a:extLst>
+                  <a:ext uri="{FF2B5EF4-FFF2-40B4-BE49-F238E27FC236}">
+                    <a16:creationId xmlns:a16="http://schemas.microsoft.com/office/drawing/2014/main" id="{2A0E0A27-B2F0-2AD1-EBA4-DA7D965B0CC0}"/>
+                  </a:ext>
+                </a:extLst>
+              </p:cNvPr>
+              <p:cNvSpPr/>
+              <p:nvPr/>
+            </p:nvSpPr>
+            <p:spPr>
+              <a:xfrm>
+                <a:off x="2297969" y="2336268"/>
+                <a:ext cx="2221370" cy="2221370"/>
+              </a:xfrm>
+              <a:prstGeom prst="ellipse">
+                <a:avLst/>
+              </a:prstGeom>
+              <a:noFill/>
+              <a:ln>
+                <a:solidFill>
+                  <a:srgbClr val="156082">
+                    <a:alpha val="50196"/>
+                  </a:srgbClr>
+                </a:solidFill>
+                <a:prstDash val="dash"/>
+              </a:ln>
+            </p:spPr>
+            <p:style>
+              <a:lnRef idx="2">
+                <a:schemeClr val="accent1">
+                  <a:shade val="15000"/>
+                </a:schemeClr>
+              </a:lnRef>
+              <a:fillRef idx="1">
+                <a:schemeClr val="accent1"/>
+              </a:fillRef>
+              <a:effectRef idx="0">
+                <a:schemeClr val="accent1"/>
+              </a:effectRef>
+              <a:fontRef idx="minor">
+                <a:schemeClr val="lt1"/>
+              </a:fontRef>
+            </p:style>
+            <p:txBody>
+              <a:bodyPr rtlCol="0" anchor="ctr"/>
+              <a:lstStyle/>
+              <a:p>
+                <a:pPr algn="ctr"/>
+                <a:endParaRPr lang="en-US"/>
+              </a:p>
+            </p:txBody>
+          </p:sp>
+          <p:sp>
+            <p:nvSpPr>
+              <p:cNvPr id="99" name="Oval 98">
+                <a:extLst>
+                  <a:ext uri="{FF2B5EF4-FFF2-40B4-BE49-F238E27FC236}">
+                    <a16:creationId xmlns:a16="http://schemas.microsoft.com/office/drawing/2014/main" id="{57FDD664-F44E-B255-637E-A586695C7CD5}"/>
+                  </a:ext>
+                </a:extLst>
+              </p:cNvPr>
+              <p:cNvSpPr/>
+              <p:nvPr/>
+            </p:nvSpPr>
+            <p:spPr>
+              <a:xfrm>
+                <a:off x="3372654" y="3410953"/>
+                <a:ext cx="72000" cy="72000"/>
+              </a:xfrm>
+              <a:prstGeom prst="ellipse">
+                <a:avLst/>
+              </a:prstGeom>
+              <a:solidFill>
+                <a:schemeClr val="accent1">
+                  <a:alpha val="50000"/>
+                </a:schemeClr>
+              </a:solidFill>
+              <a:ln>
+                <a:noFill/>
+              </a:ln>
+            </p:spPr>
+            <p:style>
+              <a:lnRef idx="2">
+                <a:schemeClr val="accent1">
+                  <a:shade val="15000"/>
+                </a:schemeClr>
+              </a:lnRef>
+              <a:fillRef idx="1">
+                <a:schemeClr val="accent1"/>
+              </a:fillRef>
+              <a:effectRef idx="0">
+                <a:schemeClr val="accent1"/>
+              </a:effectRef>
+              <a:fontRef idx="minor">
+                <a:schemeClr val="lt1"/>
+              </a:fontRef>
+            </p:style>
+            <p:txBody>
+              <a:bodyPr rtlCol="0" anchor="ctr"/>
+              <a:lstStyle/>
+              <a:p>
+                <a:pPr algn="ctr"/>
+                <a:endParaRPr lang="en-US"/>
+              </a:p>
+            </p:txBody>
+          </p:sp>
+        </p:grpSp>
+        <mc:AlternateContent xmlns:mc="http://schemas.openxmlformats.org/markup-compatibility/2006">
+          <mc:Choice xmlns:a14="http://schemas.microsoft.com/office/drawing/2010/main" Requires="a14">
+            <p:sp>
+              <p:nvSpPr>
+                <p:cNvPr id="100" name="TextBox 99">
+                  <a:extLst>
+                    <a:ext uri="{FF2B5EF4-FFF2-40B4-BE49-F238E27FC236}">
+                      <a16:creationId xmlns:a16="http://schemas.microsoft.com/office/drawing/2014/main" id="{9FE6AF3A-49AB-D034-C4C2-E440EEA08DF0}"/>
+                    </a:ext>
+                  </a:extLst>
+                </p:cNvPr>
+                <p:cNvSpPr txBox="1"/>
+                <p:nvPr/>
+              </p:nvSpPr>
+              <p:spPr>
+                <a:xfrm>
+                  <a:off x="6121353" y="3296275"/>
+                  <a:ext cx="194476" cy="246221"/>
+                </a:xfrm>
+                <a:prstGeom prst="rect">
+                  <a:avLst/>
+                </a:prstGeom>
+                <a:noFill/>
+              </p:spPr>
+              <p:txBody>
+                <a:bodyPr wrap="square" lIns="0" tIns="0" rIns="0" bIns="0" rtlCol="0">
+                  <a:spAutoFit/>
+                </a:bodyPr>
+                <a:lstStyle/>
+                <a:p>
+                  <a14:m>
+                    <m:oMathPara xmlns:m="http://schemas.openxmlformats.org/officeDocument/2006/math">
+                      <m:oMathParaPr>
+                        <m:jc m:val="centerGroup"/>
+                      </m:oMathParaPr>
+                      <m:oMath xmlns:m="http://schemas.openxmlformats.org/officeDocument/2006/math">
+                        <m:r>
+                          <a:rPr lang="en-US" sz="1600" b="0" i="1" smtClean="0">
+                            <a:solidFill>
+                              <a:srgbClr val="AAAAAA"/>
+                            </a:solidFill>
+                            <a:latin typeface="Cambria Math" panose="02040503050406030204" pitchFamily="18" charset="0"/>
+                          </a:rPr>
+                          <m:t>𝐶</m:t>
+                        </m:r>
+                      </m:oMath>
+                    </m:oMathPara>
+                  </a14:m>
+                  <a:endParaRPr lang="en-US" sz="1600">
+                    <a:solidFill>
+                      <a:srgbClr val="AAAAAA"/>
+                    </a:solidFill>
+                  </a:endParaRPr>
+                </a:p>
+              </p:txBody>
+            </p:sp>
+          </mc:Choice>
+          <mc:Fallback>
+            <p:sp>
+              <p:nvSpPr>
+                <p:cNvPr id="100" name="TextBox 99">
+                  <a:extLst>
+                    <a:ext uri="{FF2B5EF4-FFF2-40B4-BE49-F238E27FC236}">
+                      <a16:creationId xmlns:a16="http://schemas.microsoft.com/office/drawing/2014/main" id="{9FE6AF3A-49AB-D034-C4C2-E440EEA08DF0}"/>
+                    </a:ext>
+                  </a:extLst>
+                </p:cNvPr>
+                <p:cNvSpPr txBox="1">
+                  <a:spLocks noRot="1" noChangeAspect="1" noMove="1" noResize="1" noEditPoints="1" noAdjustHandles="1" noChangeArrowheads="1" noChangeShapeType="1" noTextEdit="1"/>
+                </p:cNvSpPr>
+                <p:nvPr/>
+              </p:nvSpPr>
+              <p:spPr>
+                <a:xfrm>
+                  <a:off x="6121353" y="3296275"/>
+                  <a:ext cx="194476" cy="246221"/>
+                </a:xfrm>
+                <a:prstGeom prst="rect">
+                  <a:avLst/>
+                </a:prstGeom>
+                <a:blipFill>
+                  <a:blip r:embed="rId2"/>
+                  <a:stretch>
+                    <a:fillRect l="-21875" r="-12500" b="-5000"/>
+                  </a:stretch>
+                </a:blipFill>
+              </p:spPr>
+              <p:txBody>
+                <a:bodyPr/>
+                <a:lstStyle/>
+                <a:p>
+                  <a:r>
+                    <a:rPr lang="en-US">
+                      <a:noFill/>
+                    </a:rPr>
+                    <a:t> </a:t>
+                  </a:r>
+                </a:p>
+              </p:txBody>
+            </p:sp>
+          </mc:Fallback>
+        </mc:AlternateContent>
+        <p:grpSp>
+          <p:nvGrpSpPr>
+            <p:cNvPr id="103" name="Group 102">
+              <a:extLst>
+                <a:ext uri="{FF2B5EF4-FFF2-40B4-BE49-F238E27FC236}">
+                  <a16:creationId xmlns:a16="http://schemas.microsoft.com/office/drawing/2014/main" id="{901EAED7-ACE5-A5DE-7D7C-828CF762E910}"/>
+                </a:ext>
+              </a:extLst>
+            </p:cNvPr>
+            <p:cNvGrpSpPr/>
+            <p:nvPr/>
+          </p:nvGrpSpPr>
+          <p:grpSpPr>
+            <a:xfrm>
+              <a:off x="5464669" y="3143728"/>
+              <a:ext cx="1167841" cy="1167841"/>
+              <a:chOff x="2210316" y="2368206"/>
+              <a:chExt cx="2176861" cy="2176861"/>
+            </a:xfrm>
+          </p:grpSpPr>
+          <p:sp>
+            <p:nvSpPr>
+              <p:cNvPr id="104" name="Oval 103">
+                <a:extLst>
+                  <a:ext uri="{FF2B5EF4-FFF2-40B4-BE49-F238E27FC236}">
+                    <a16:creationId xmlns:a16="http://schemas.microsoft.com/office/drawing/2014/main" id="{29A7FCEC-EDB7-F30B-BA04-006545E9E734}"/>
+                  </a:ext>
+                </a:extLst>
+              </p:cNvPr>
+              <p:cNvSpPr/>
+              <p:nvPr/>
+            </p:nvSpPr>
+            <p:spPr>
+              <a:xfrm>
+                <a:off x="2210316" y="2368206"/>
+                <a:ext cx="2176861" cy="2176861"/>
+              </a:xfrm>
+              <a:prstGeom prst="ellipse">
+                <a:avLst/>
+              </a:prstGeom>
+              <a:noFill/>
+              <a:ln>
+                <a:solidFill>
+                  <a:schemeClr val="accent2">
+                    <a:lumMod val="60000"/>
+                    <a:lumOff val="40000"/>
+                  </a:schemeClr>
+                </a:solidFill>
+              </a:ln>
+            </p:spPr>
+            <p:style>
+              <a:lnRef idx="2">
+                <a:schemeClr val="accent1">
+                  <a:shade val="15000"/>
+                </a:schemeClr>
+              </a:lnRef>
+              <a:fillRef idx="1">
+                <a:schemeClr val="accent1"/>
+              </a:fillRef>
+              <a:effectRef idx="0">
+                <a:schemeClr val="accent1"/>
+              </a:effectRef>
+              <a:fontRef idx="minor">
+                <a:schemeClr val="lt1"/>
+              </a:fontRef>
+            </p:style>
+            <p:txBody>
+              <a:bodyPr rtlCol="0" anchor="ctr"/>
+              <a:lstStyle/>
+              <a:p>
+                <a:pPr algn="ctr"/>
+                <a:endParaRPr lang="en-US"/>
+              </a:p>
+            </p:txBody>
+          </p:sp>
+          <p:sp>
+            <p:nvSpPr>
+              <p:cNvPr id="105" name="Oval 104">
+                <a:extLst>
+                  <a:ext uri="{FF2B5EF4-FFF2-40B4-BE49-F238E27FC236}">
+                    <a16:creationId xmlns:a16="http://schemas.microsoft.com/office/drawing/2014/main" id="{39A26A4B-8FE3-CBAD-717E-3EAB345BBB6F}"/>
+                  </a:ext>
+                </a:extLst>
+              </p:cNvPr>
+              <p:cNvSpPr/>
+              <p:nvPr/>
+            </p:nvSpPr>
+            <p:spPr>
+              <a:xfrm>
+                <a:off x="3285000" y="3385162"/>
+                <a:ext cx="85220" cy="85220"/>
+              </a:xfrm>
+              <a:prstGeom prst="ellipse">
+                <a:avLst/>
+              </a:prstGeom>
+              <a:solidFill>
+                <a:schemeClr val="accent2">
+                  <a:lumMod val="60000"/>
+                  <a:lumOff val="40000"/>
+                </a:schemeClr>
+              </a:solidFill>
+              <a:ln>
+                <a:noFill/>
+              </a:ln>
+            </p:spPr>
+            <p:style>
+              <a:lnRef idx="2">
+                <a:schemeClr val="accent1">
+                  <a:shade val="15000"/>
+                </a:schemeClr>
+              </a:lnRef>
+              <a:fillRef idx="1">
+                <a:schemeClr val="accent1"/>
+              </a:fillRef>
+              <a:effectRef idx="0">
+                <a:schemeClr val="accent1"/>
+              </a:effectRef>
+              <a:fontRef idx="minor">
+                <a:schemeClr val="lt1"/>
+              </a:fontRef>
+            </p:style>
+            <p:txBody>
+              <a:bodyPr rtlCol="0" anchor="ctr"/>
+              <a:lstStyle/>
+              <a:p>
+                <a:pPr algn="ctr"/>
+                <a:endParaRPr lang="en-US"/>
+              </a:p>
+            </p:txBody>
+          </p:sp>
+        </p:grpSp>
+        <p:grpSp>
+          <p:nvGrpSpPr>
+            <p:cNvPr id="106" name="Group 105">
+              <a:extLst>
+                <a:ext uri="{FF2B5EF4-FFF2-40B4-BE49-F238E27FC236}">
+                  <a16:creationId xmlns:a16="http://schemas.microsoft.com/office/drawing/2014/main" id="{6AEEDC31-953B-2797-5EB8-F8DE8104B8F3}"/>
+                </a:ext>
+              </a:extLst>
+            </p:cNvPr>
+            <p:cNvGrpSpPr/>
+            <p:nvPr/>
+          </p:nvGrpSpPr>
+          <p:grpSpPr>
+            <a:xfrm>
+              <a:off x="5502431" y="2553099"/>
+              <a:ext cx="1010935" cy="1010935"/>
+              <a:chOff x="2171283" y="2336268"/>
+              <a:chExt cx="2221370" cy="2221370"/>
+            </a:xfrm>
+          </p:grpSpPr>
+          <p:sp>
+            <p:nvSpPr>
+              <p:cNvPr id="107" name="Oval 106">
+                <a:extLst>
+                  <a:ext uri="{FF2B5EF4-FFF2-40B4-BE49-F238E27FC236}">
+                    <a16:creationId xmlns:a16="http://schemas.microsoft.com/office/drawing/2014/main" id="{ACAF32F0-F163-622B-A2E8-C7BD69E4B0C8}"/>
+                  </a:ext>
+                </a:extLst>
+              </p:cNvPr>
+              <p:cNvSpPr/>
+              <p:nvPr/>
+            </p:nvSpPr>
+            <p:spPr>
+              <a:xfrm>
+                <a:off x="2171283" y="2336268"/>
+                <a:ext cx="2221370" cy="2221370"/>
+              </a:xfrm>
+              <a:prstGeom prst="ellipse">
+                <a:avLst/>
+              </a:prstGeom>
+              <a:noFill/>
+              <a:ln>
+                <a:solidFill>
+                  <a:schemeClr val="accent5">
+                    <a:lumMod val="60000"/>
+                    <a:lumOff val="40000"/>
+                  </a:schemeClr>
+                </a:solidFill>
+              </a:ln>
+            </p:spPr>
+            <p:style>
+              <a:lnRef idx="2">
+                <a:schemeClr val="accent1">
+                  <a:shade val="15000"/>
+                </a:schemeClr>
+              </a:lnRef>
+              <a:fillRef idx="1">
+                <a:schemeClr val="accent1"/>
+              </a:fillRef>
+              <a:effectRef idx="0">
+                <a:schemeClr val="accent1"/>
+              </a:effectRef>
+              <a:fontRef idx="minor">
+                <a:schemeClr val="lt1"/>
+              </a:fontRef>
+            </p:style>
+            <p:txBody>
+              <a:bodyPr rtlCol="0" anchor="ctr"/>
+              <a:lstStyle/>
+              <a:p>
+                <a:pPr algn="ctr"/>
+                <a:endParaRPr lang="en-US"/>
+              </a:p>
+            </p:txBody>
+          </p:sp>
+          <p:sp>
+            <p:nvSpPr>
+              <p:cNvPr id="108" name="Oval 107">
+                <a:extLst>
+                  <a:ext uri="{FF2B5EF4-FFF2-40B4-BE49-F238E27FC236}">
+                    <a16:creationId xmlns:a16="http://schemas.microsoft.com/office/drawing/2014/main" id="{2F5EE31B-472F-E57F-FF6F-407DB6202E46}"/>
+                  </a:ext>
+                </a:extLst>
+              </p:cNvPr>
+              <p:cNvSpPr/>
+              <p:nvPr/>
+            </p:nvSpPr>
+            <p:spPr>
+              <a:xfrm>
+                <a:off x="3245968" y="3410953"/>
+                <a:ext cx="72000" cy="72000"/>
+              </a:xfrm>
+              <a:prstGeom prst="ellipse">
+                <a:avLst/>
+              </a:prstGeom>
+              <a:solidFill>
+                <a:schemeClr val="accent5">
+                  <a:lumMod val="60000"/>
+                  <a:lumOff val="40000"/>
+                </a:schemeClr>
+              </a:solidFill>
+              <a:ln>
+                <a:noFill/>
+              </a:ln>
+            </p:spPr>
+            <p:style>
+              <a:lnRef idx="2">
+                <a:schemeClr val="accent1">
+                  <a:shade val="15000"/>
+                </a:schemeClr>
+              </a:lnRef>
+              <a:fillRef idx="1">
+                <a:schemeClr val="accent1"/>
+              </a:fillRef>
+              <a:effectRef idx="0">
+                <a:schemeClr val="accent1"/>
+              </a:effectRef>
+              <a:fontRef idx="minor">
+                <a:schemeClr val="lt1"/>
+              </a:fontRef>
+            </p:style>
+            <p:txBody>
+              <a:bodyPr rtlCol="0" anchor="ctr"/>
+              <a:lstStyle/>
+              <a:p>
+                <a:pPr algn="ctr"/>
+                <a:endParaRPr lang="en-US"/>
+              </a:p>
+            </p:txBody>
+          </p:sp>
+        </p:grpSp>
+        <mc:AlternateContent xmlns:mc="http://schemas.openxmlformats.org/markup-compatibility/2006">
+          <mc:Choice xmlns:a14="http://schemas.microsoft.com/office/drawing/2010/main" Requires="a14">
+            <p:sp>
+              <p:nvSpPr>
+                <p:cNvPr id="109" name="TextBox 108">
+                  <a:extLst>
+                    <a:ext uri="{FF2B5EF4-FFF2-40B4-BE49-F238E27FC236}">
+                      <a16:creationId xmlns:a16="http://schemas.microsoft.com/office/drawing/2014/main" id="{7511277D-EA91-79CD-021C-5580C9321F61}"/>
+                    </a:ext>
+                  </a:extLst>
+                </p:cNvPr>
+                <p:cNvSpPr txBox="1"/>
+                <p:nvPr/>
+              </p:nvSpPr>
+              <p:spPr>
+                <a:xfrm>
+                  <a:off x="5812098" y="3630050"/>
+                  <a:ext cx="190579" cy="133050"/>
+                </a:xfrm>
+                <a:prstGeom prst="rect">
+                  <a:avLst/>
+                </a:prstGeom>
+                <a:noFill/>
+              </p:spPr>
+              <p:txBody>
+                <a:bodyPr wrap="square" lIns="0" tIns="0" rIns="0" bIns="0" rtlCol="0">
+                  <a:spAutoFit/>
+                </a:bodyPr>
+                <a:lstStyle/>
+                <a:p>
+                  <a14:m>
+                    <m:oMathPara xmlns:m="http://schemas.openxmlformats.org/officeDocument/2006/math">
+                      <m:oMathParaPr>
+                        <m:jc m:val="centerGroup"/>
+                      </m:oMathParaPr>
+                      <m:oMath xmlns:m="http://schemas.openxmlformats.org/officeDocument/2006/math">
+                        <m:sSub>
+                          <m:sSubPr>
+                            <m:ctrlPr>
+                              <a:rPr lang="en-US" sz="800" b="0" i="1" smtClean="0">
+                                <a:solidFill>
+                                  <a:schemeClr val="accent2">
+                                    <a:lumMod val="60000"/>
+                                    <a:lumOff val="40000"/>
+                                  </a:schemeClr>
+                                </a:solidFill>
+                                <a:latin typeface="Cambria Math" panose="02040503050406030204" pitchFamily="18" charset="0"/>
+                              </a:rPr>
+                            </m:ctrlPr>
+                          </m:sSubPr>
+                          <m:e>
+                            <m:r>
+                              <a:rPr lang="en-US" sz="800" b="0" i="1" smtClean="0">
+                                <a:solidFill>
+                                  <a:schemeClr val="accent2">
+                                    <a:lumMod val="60000"/>
+                                    <a:lumOff val="40000"/>
+                                  </a:schemeClr>
+                                </a:solidFill>
+                                <a:latin typeface="Cambria Math" panose="02040503050406030204" pitchFamily="18" charset="0"/>
+                              </a:rPr>
+                              <m:t>𝐶</m:t>
+                            </m:r>
+                          </m:e>
+                          <m:sub>
+                            <m:r>
+                              <a:rPr lang="en-US" sz="800" b="0" i="1" smtClean="0">
+                                <a:solidFill>
+                                  <a:schemeClr val="accent2">
+                                    <a:lumMod val="60000"/>
+                                    <a:lumOff val="40000"/>
+                                  </a:schemeClr>
+                                </a:solidFill>
+                                <a:latin typeface="Cambria Math" panose="02040503050406030204" pitchFamily="18" charset="0"/>
+                              </a:rPr>
+                              <m:t>𝑙𝑒𝑓𝑡</m:t>
+                            </m:r>
+                          </m:sub>
+                        </m:sSub>
+                      </m:oMath>
+                    </m:oMathPara>
+                  </a14:m>
+                  <a:endParaRPr lang="en-US" sz="800">
+                    <a:solidFill>
+                      <a:schemeClr val="accent2">
+                        <a:lumMod val="60000"/>
+                        <a:lumOff val="40000"/>
+                      </a:schemeClr>
+                    </a:solidFill>
+                  </a:endParaRPr>
+                </a:p>
+              </p:txBody>
+            </p:sp>
+          </mc:Choice>
+          <mc:Fallback>
+            <p:sp>
+              <p:nvSpPr>
+                <p:cNvPr id="109" name="TextBox 108">
+                  <a:extLst>
+                    <a:ext uri="{FF2B5EF4-FFF2-40B4-BE49-F238E27FC236}">
+                      <a16:creationId xmlns:a16="http://schemas.microsoft.com/office/drawing/2014/main" id="{7511277D-EA91-79CD-021C-5580C9321F61}"/>
+                    </a:ext>
+                  </a:extLst>
+                </p:cNvPr>
+                <p:cNvSpPr txBox="1">
+                  <a:spLocks noRot="1" noChangeAspect="1" noMove="1" noResize="1" noEditPoints="1" noAdjustHandles="1" noChangeArrowheads="1" noChangeShapeType="1" noTextEdit="1"/>
+                </p:cNvSpPr>
+                <p:nvPr/>
+              </p:nvSpPr>
+              <p:spPr>
+                <a:xfrm>
+                  <a:off x="5812098" y="3630050"/>
+                  <a:ext cx="190579" cy="133050"/>
+                </a:xfrm>
+                <a:prstGeom prst="rect">
+                  <a:avLst/>
+                </a:prstGeom>
+                <a:blipFill>
+                  <a:blip r:embed="rId3"/>
+                  <a:stretch>
+                    <a:fillRect l="-18750" r="-21875" b="-27273"/>
+                  </a:stretch>
+                </a:blipFill>
+              </p:spPr>
+              <p:txBody>
+                <a:bodyPr/>
+                <a:lstStyle/>
+                <a:p>
+                  <a:r>
+                    <a:rPr lang="en-US">
+                      <a:noFill/>
+                    </a:rPr>
+                    <a:t> </a:t>
+                  </a:r>
+                </a:p>
+              </p:txBody>
+            </p:sp>
+          </mc:Fallback>
+        </mc:AlternateContent>
+        <mc:AlternateContent xmlns:mc="http://schemas.openxmlformats.org/markup-compatibility/2006">
+          <mc:Choice xmlns:a14="http://schemas.microsoft.com/office/drawing/2010/main" Requires="a14">
+            <p:sp>
+              <p:nvSpPr>
+                <p:cNvPr id="110" name="TextBox 109">
+                  <a:extLst>
+                    <a:ext uri="{FF2B5EF4-FFF2-40B4-BE49-F238E27FC236}">
+                      <a16:creationId xmlns:a16="http://schemas.microsoft.com/office/drawing/2014/main" id="{368132D0-695B-DABA-927C-B823044BECBE}"/>
+                    </a:ext>
+                  </a:extLst>
+                </p:cNvPr>
+                <p:cNvSpPr txBox="1"/>
+                <p:nvPr/>
+              </p:nvSpPr>
+              <p:spPr>
+                <a:xfrm>
+                  <a:off x="6048590" y="2971814"/>
+                  <a:ext cx="194476" cy="133242"/>
+                </a:xfrm>
+                <a:prstGeom prst="rect">
+                  <a:avLst/>
+                </a:prstGeom>
+                <a:noFill/>
+              </p:spPr>
+              <p:txBody>
+                <a:bodyPr wrap="square" lIns="0" tIns="0" rIns="0" bIns="0" rtlCol="0">
+                  <a:spAutoFit/>
+                </a:bodyPr>
+                <a:lstStyle/>
+                <a:p>
+                  <a14:m>
+                    <m:oMathPara xmlns:m="http://schemas.openxmlformats.org/officeDocument/2006/math">
+                      <m:oMathParaPr>
+                        <m:jc m:val="centerGroup"/>
+                      </m:oMathParaPr>
+                      <m:oMath xmlns:m="http://schemas.openxmlformats.org/officeDocument/2006/math">
+                        <m:sSub>
+                          <m:sSubPr>
+                            <m:ctrlPr>
+                              <a:rPr lang="en-US" sz="800" b="0" i="1" smtClean="0">
+                                <a:solidFill>
+                                  <a:schemeClr val="accent5">
+                                    <a:lumMod val="60000"/>
+                                    <a:lumOff val="40000"/>
+                                  </a:schemeClr>
+                                </a:solidFill>
+                                <a:latin typeface="Cambria Math" panose="02040503050406030204" pitchFamily="18" charset="0"/>
+                              </a:rPr>
+                            </m:ctrlPr>
+                          </m:sSubPr>
+                          <m:e>
+                            <m:r>
+                              <a:rPr lang="en-US" sz="800" b="0" i="1" smtClean="0">
+                                <a:solidFill>
+                                  <a:schemeClr val="accent5">
+                                    <a:lumMod val="60000"/>
+                                    <a:lumOff val="40000"/>
+                                  </a:schemeClr>
+                                </a:solidFill>
+                                <a:latin typeface="Cambria Math" panose="02040503050406030204" pitchFamily="18" charset="0"/>
+                              </a:rPr>
+                              <m:t>𝐶</m:t>
+                            </m:r>
+                          </m:e>
+                          <m:sub>
+                            <m:r>
+                              <a:rPr lang="en-US" sz="800" b="0" i="1" smtClean="0">
+                                <a:solidFill>
+                                  <a:schemeClr val="accent5">
+                                    <a:lumMod val="60000"/>
+                                    <a:lumOff val="40000"/>
+                                  </a:schemeClr>
+                                </a:solidFill>
+                                <a:latin typeface="Cambria Math" panose="02040503050406030204" pitchFamily="18" charset="0"/>
+                              </a:rPr>
+                              <m:t>𝑟𝑖𝑔h𝑡</m:t>
+                            </m:r>
+                          </m:sub>
+                        </m:sSub>
+                      </m:oMath>
+                    </m:oMathPara>
+                  </a14:m>
+                  <a:endParaRPr lang="en-US" sz="800">
+                    <a:solidFill>
+                      <a:schemeClr val="accent5">
+                        <a:lumMod val="60000"/>
+                        <a:lumOff val="40000"/>
+                      </a:schemeClr>
+                    </a:solidFill>
+                  </a:endParaRPr>
+                </a:p>
+              </p:txBody>
+            </p:sp>
+          </mc:Choice>
+          <mc:Fallback>
+            <p:sp>
+              <p:nvSpPr>
+                <p:cNvPr id="110" name="TextBox 109">
+                  <a:extLst>
+                    <a:ext uri="{FF2B5EF4-FFF2-40B4-BE49-F238E27FC236}">
+                      <a16:creationId xmlns:a16="http://schemas.microsoft.com/office/drawing/2014/main" id="{368132D0-695B-DABA-927C-B823044BECBE}"/>
+                    </a:ext>
+                  </a:extLst>
+                </p:cNvPr>
+                <p:cNvSpPr txBox="1">
+                  <a:spLocks noRot="1" noChangeAspect="1" noMove="1" noResize="1" noEditPoints="1" noAdjustHandles="1" noChangeArrowheads="1" noChangeShapeType="1" noTextEdit="1"/>
+                </p:cNvSpPr>
+                <p:nvPr/>
+              </p:nvSpPr>
+              <p:spPr>
+                <a:xfrm>
+                  <a:off x="6048590" y="2971814"/>
+                  <a:ext cx="194476" cy="133242"/>
+                </a:xfrm>
+                <a:prstGeom prst="rect">
+                  <a:avLst/>
+                </a:prstGeom>
+                <a:blipFill>
+                  <a:blip r:embed="rId4"/>
+                  <a:stretch>
+                    <a:fillRect l="-18750" r="-43750" b="-28571"/>
+                  </a:stretch>
+                </a:blipFill>
+              </p:spPr>
+              <p:txBody>
+                <a:bodyPr/>
+                <a:lstStyle/>
+                <a:p>
+                  <a:r>
+                    <a:rPr lang="en-US">
+                      <a:noFill/>
+                    </a:rPr>
+                    <a:t> </a:t>
+                  </a:r>
+                </a:p>
+              </p:txBody>
+            </p:sp>
+          </mc:Fallback>
+        </mc:AlternateContent>
+      </p:grpSp>
+      <p:grpSp>
+        <p:nvGrpSpPr>
+          <p:cNvPr id="114" name="Group 113">
+            <a:extLst>
+              <a:ext uri="{FF2B5EF4-FFF2-40B4-BE49-F238E27FC236}">
+                <a16:creationId xmlns:a16="http://schemas.microsoft.com/office/drawing/2014/main" id="{C2F6278F-0305-A8FD-9480-F4C6BAF50871}"/>
+              </a:ext>
+            </a:extLst>
+          </p:cNvPr>
+          <p:cNvGrpSpPr/>
+          <p:nvPr/>
+        </p:nvGrpSpPr>
+        <p:grpSpPr>
+          <a:xfrm>
+            <a:off x="2516811" y="2456954"/>
+            <a:ext cx="3917252" cy="1939033"/>
+            <a:chOff x="2516811" y="2456954"/>
+            <a:chExt cx="3917252" cy="1939033"/>
+          </a:xfrm>
+        </p:grpSpPr>
+        <p:sp>
+          <p:nvSpPr>
+            <p:cNvPr id="3" name="Multiplication Sign 2">
+              <a:extLst>
+                <a:ext uri="{FF2B5EF4-FFF2-40B4-BE49-F238E27FC236}">
+                  <a16:creationId xmlns:a16="http://schemas.microsoft.com/office/drawing/2014/main" id="{26C308B8-AD59-6CAD-AE51-5F3337C4A731}"/>
+                </a:ext>
+              </a:extLst>
+            </p:cNvPr>
+            <p:cNvSpPr/>
+            <p:nvPr/>
+          </p:nvSpPr>
+          <p:spPr>
+            <a:xfrm>
+              <a:off x="3851844" y="3785906"/>
+              <a:ext cx="180000" cy="180000"/>
+            </a:xfrm>
+            <a:prstGeom prst="mathMultiply">
+              <a:avLst>
+                <a:gd name="adj1" fmla="val 6918"/>
+              </a:avLst>
+            </a:prstGeom>
+            <a:solidFill>
+              <a:schemeClr val="tx1">
+                <a:lumMod val="85000"/>
+                <a:lumOff val="15000"/>
+                <a:alpha val="78039"/>
+              </a:schemeClr>
+            </a:solidFill>
+            <a:ln>
+              <a:solidFill>
+                <a:schemeClr val="tx1"/>
+              </a:solidFill>
+            </a:ln>
+          </p:spPr>
+          <p:style>
+            <a:lnRef idx="2">
+              <a:schemeClr val="accent1">
+                <a:shade val="15000"/>
+              </a:schemeClr>
+            </a:lnRef>
+            <a:fillRef idx="1">
+              <a:schemeClr val="accent1"/>
+            </a:fillRef>
+            <a:effectRef idx="0">
+              <a:schemeClr val="accent1"/>
+            </a:effectRef>
+            <a:fontRef idx="minor">
+              <a:schemeClr val="lt1"/>
+            </a:fontRef>
+          </p:style>
+          <p:txBody>
+            <a:bodyPr rtlCol="0" anchor="ctr"/>
+            <a:lstStyle/>
+            <a:p>
+              <a:pPr algn="ctr"/>
+              <a:endParaRPr lang="en-US"/>
+            </a:p>
+          </p:txBody>
+        </p:sp>
+        <p:sp>
+          <p:nvSpPr>
+            <p:cNvPr id="4" name="Multiplication Sign 3">
+              <a:extLst>
+                <a:ext uri="{FF2B5EF4-FFF2-40B4-BE49-F238E27FC236}">
+                  <a16:creationId xmlns:a16="http://schemas.microsoft.com/office/drawing/2014/main" id="{EA5918C9-0B09-2A78-00E3-AF52FC682799}"/>
+                </a:ext>
+              </a:extLst>
+            </p:cNvPr>
+            <p:cNvSpPr/>
+            <p:nvPr/>
+          </p:nvSpPr>
+          <p:spPr>
+            <a:xfrm>
+              <a:off x="3505676" y="3728451"/>
+              <a:ext cx="180000" cy="180000"/>
+            </a:xfrm>
+            <a:prstGeom prst="mathMultiply">
+              <a:avLst>
+                <a:gd name="adj1" fmla="val 6918"/>
+              </a:avLst>
+            </a:prstGeom>
+            <a:solidFill>
+              <a:srgbClr val="FF3300">
+                <a:alpha val="78039"/>
+              </a:srgbClr>
+            </a:solidFill>
+            <a:ln>
+              <a:solidFill>
+                <a:srgbClr val="C00000"/>
+              </a:solidFill>
+            </a:ln>
+          </p:spPr>
+          <p:style>
+            <a:lnRef idx="2">
+              <a:schemeClr val="accent1">
+                <a:shade val="15000"/>
+              </a:schemeClr>
+            </a:lnRef>
+            <a:fillRef idx="1">
+              <a:schemeClr val="accent1"/>
+            </a:fillRef>
+            <a:effectRef idx="0">
+              <a:schemeClr val="accent1"/>
+            </a:effectRef>
+            <a:fontRef idx="minor">
+              <a:schemeClr val="lt1"/>
+            </a:fontRef>
+          </p:style>
+          <p:txBody>
+            <a:bodyPr rtlCol="0" anchor="ctr"/>
+            <a:lstStyle/>
+            <a:p>
+              <a:pPr algn="ctr"/>
+              <a:endParaRPr lang="en-US"/>
+            </a:p>
+          </p:txBody>
+        </p:sp>
+        <p:sp>
+          <p:nvSpPr>
+            <p:cNvPr id="6" name="Multiplication Sign 5">
+              <a:extLst>
+                <a:ext uri="{FF2B5EF4-FFF2-40B4-BE49-F238E27FC236}">
+                  <a16:creationId xmlns:a16="http://schemas.microsoft.com/office/drawing/2014/main" id="{0C80F49D-BE41-ED29-B888-EC7AB59E7B40}"/>
+                </a:ext>
+              </a:extLst>
+            </p:cNvPr>
+            <p:cNvSpPr/>
+            <p:nvPr/>
+          </p:nvSpPr>
+          <p:spPr>
+            <a:xfrm>
+              <a:off x="2746758" y="3585580"/>
+              <a:ext cx="180000" cy="180000"/>
+            </a:xfrm>
+            <a:prstGeom prst="mathMultiply">
+              <a:avLst>
+                <a:gd name="adj1" fmla="val 6918"/>
+              </a:avLst>
+            </a:prstGeom>
+            <a:solidFill>
+              <a:schemeClr val="tx1">
+                <a:lumMod val="85000"/>
+                <a:lumOff val="15000"/>
+                <a:alpha val="78039"/>
+              </a:schemeClr>
+            </a:solidFill>
+            <a:ln>
+              <a:solidFill>
+                <a:schemeClr val="tx1"/>
+              </a:solidFill>
+            </a:ln>
+          </p:spPr>
+          <p:style>
+            <a:lnRef idx="2">
+              <a:schemeClr val="accent1">
+                <a:shade val="15000"/>
+              </a:schemeClr>
+            </a:lnRef>
+            <a:fillRef idx="1">
+              <a:schemeClr val="accent1"/>
+            </a:fillRef>
+            <a:effectRef idx="0">
+              <a:schemeClr val="accent1"/>
+            </a:effectRef>
+            <a:fontRef idx="minor">
+              <a:schemeClr val="lt1"/>
+            </a:fontRef>
+          </p:style>
+          <p:txBody>
+            <a:bodyPr rtlCol="0" anchor="ctr"/>
+            <a:lstStyle/>
+            <a:p>
+              <a:pPr algn="ctr"/>
+              <a:endParaRPr lang="en-US"/>
+            </a:p>
+          </p:txBody>
+        </p:sp>
+        <p:sp>
+          <p:nvSpPr>
+            <p:cNvPr id="7" name="Multiplication Sign 6">
+              <a:extLst>
+                <a:ext uri="{FF2B5EF4-FFF2-40B4-BE49-F238E27FC236}">
+                  <a16:creationId xmlns:a16="http://schemas.microsoft.com/office/drawing/2014/main" id="{7B04C046-5D3F-9211-E532-B8646109932B}"/>
+                </a:ext>
+              </a:extLst>
+            </p:cNvPr>
+            <p:cNvSpPr/>
+            <p:nvPr/>
+          </p:nvSpPr>
+          <p:spPr>
+            <a:xfrm>
+              <a:off x="2815812" y="2944490"/>
+              <a:ext cx="180000" cy="180000"/>
+            </a:xfrm>
+            <a:prstGeom prst="mathMultiply">
+              <a:avLst>
+                <a:gd name="adj1" fmla="val 6918"/>
+              </a:avLst>
+            </a:prstGeom>
+            <a:solidFill>
+              <a:schemeClr val="tx1">
+                <a:lumMod val="85000"/>
+                <a:lumOff val="15000"/>
+                <a:alpha val="78039"/>
+              </a:schemeClr>
+            </a:solidFill>
+            <a:ln>
+              <a:solidFill>
+                <a:schemeClr val="tx1"/>
+              </a:solidFill>
+            </a:ln>
+          </p:spPr>
+          <p:style>
+            <a:lnRef idx="2">
+              <a:schemeClr val="accent1">
+                <a:shade val="15000"/>
+              </a:schemeClr>
+            </a:lnRef>
+            <a:fillRef idx="1">
+              <a:schemeClr val="accent1"/>
+            </a:fillRef>
+            <a:effectRef idx="0">
+              <a:schemeClr val="accent1"/>
+            </a:effectRef>
+            <a:fontRef idx="minor">
+              <a:schemeClr val="lt1"/>
+            </a:fontRef>
+          </p:style>
+          <p:txBody>
+            <a:bodyPr rtlCol="0" anchor="ctr"/>
+            <a:lstStyle/>
+            <a:p>
+              <a:pPr algn="ctr"/>
+              <a:endParaRPr lang="en-US"/>
+            </a:p>
+          </p:txBody>
+        </p:sp>
+        <p:sp>
+          <p:nvSpPr>
+            <p:cNvPr id="8" name="Multiplication Sign 7">
+              <a:extLst>
+                <a:ext uri="{FF2B5EF4-FFF2-40B4-BE49-F238E27FC236}">
+                  <a16:creationId xmlns:a16="http://schemas.microsoft.com/office/drawing/2014/main" id="{042236A2-6D0A-E2FD-C249-5B435C9167A3}"/>
+                </a:ext>
+              </a:extLst>
+            </p:cNvPr>
+            <p:cNvSpPr/>
+            <p:nvPr/>
+          </p:nvSpPr>
+          <p:spPr>
+            <a:xfrm>
+              <a:off x="3174928" y="3031013"/>
+              <a:ext cx="180000" cy="180000"/>
+            </a:xfrm>
+            <a:prstGeom prst="mathMultiply">
+              <a:avLst>
+                <a:gd name="adj1" fmla="val 6918"/>
+              </a:avLst>
+            </a:prstGeom>
+            <a:solidFill>
+              <a:schemeClr val="tx1">
+                <a:lumMod val="85000"/>
+                <a:lumOff val="15000"/>
+                <a:alpha val="78039"/>
+              </a:schemeClr>
+            </a:solidFill>
+            <a:ln>
+              <a:solidFill>
+                <a:schemeClr val="tx1"/>
+              </a:solidFill>
+            </a:ln>
+          </p:spPr>
+          <p:style>
+            <a:lnRef idx="2">
+              <a:schemeClr val="accent1">
+                <a:shade val="15000"/>
+              </a:schemeClr>
+            </a:lnRef>
+            <a:fillRef idx="1">
+              <a:schemeClr val="accent1"/>
+            </a:fillRef>
+            <a:effectRef idx="0">
+              <a:schemeClr val="accent1"/>
+            </a:effectRef>
+            <a:fontRef idx="minor">
+              <a:schemeClr val="lt1"/>
+            </a:fontRef>
+          </p:style>
+          <p:txBody>
+            <a:bodyPr rtlCol="0" anchor="ctr"/>
+            <a:lstStyle/>
+            <a:p>
+              <a:pPr algn="ctr"/>
+              <a:endParaRPr lang="en-US"/>
+            </a:p>
+          </p:txBody>
+        </p:sp>
+        <p:sp>
+          <p:nvSpPr>
+            <p:cNvPr id="10" name="Multiplication Sign 9">
+              <a:extLst>
+                <a:ext uri="{FF2B5EF4-FFF2-40B4-BE49-F238E27FC236}">
+                  <a16:creationId xmlns:a16="http://schemas.microsoft.com/office/drawing/2014/main" id="{D5AB5669-26B8-BDAF-CC32-16C7957A1E42}"/>
+                </a:ext>
+              </a:extLst>
+            </p:cNvPr>
+            <p:cNvSpPr/>
+            <p:nvPr/>
+          </p:nvSpPr>
+          <p:spPr>
+            <a:xfrm>
+              <a:off x="3728788" y="3105573"/>
+              <a:ext cx="180000" cy="180000"/>
+            </a:xfrm>
+            <a:prstGeom prst="mathMultiply">
+              <a:avLst>
+                <a:gd name="adj1" fmla="val 6918"/>
+              </a:avLst>
+            </a:prstGeom>
+            <a:solidFill>
+              <a:schemeClr val="tx1">
+                <a:lumMod val="85000"/>
+                <a:lumOff val="15000"/>
+                <a:alpha val="78039"/>
+              </a:schemeClr>
+            </a:solidFill>
+            <a:ln>
+              <a:solidFill>
+                <a:schemeClr val="tx1"/>
+              </a:solidFill>
+            </a:ln>
+          </p:spPr>
+          <p:style>
+            <a:lnRef idx="2">
+              <a:schemeClr val="accent1">
+                <a:shade val="15000"/>
+              </a:schemeClr>
+            </a:lnRef>
+            <a:fillRef idx="1">
+              <a:schemeClr val="accent1"/>
+            </a:fillRef>
+            <a:effectRef idx="0">
+              <a:schemeClr val="accent1"/>
+            </a:effectRef>
+            <a:fontRef idx="minor">
+              <a:schemeClr val="lt1"/>
+            </a:fontRef>
+          </p:style>
+          <p:txBody>
+            <a:bodyPr rtlCol="0" anchor="ctr"/>
+            <a:lstStyle/>
+            <a:p>
+              <a:pPr algn="ctr"/>
+              <a:endParaRPr lang="en-US"/>
+            </a:p>
+          </p:txBody>
+        </p:sp>
+        <p:sp>
+          <p:nvSpPr>
+            <p:cNvPr id="11" name="Multiplication Sign 10">
+              <a:extLst>
+                <a:ext uri="{FF2B5EF4-FFF2-40B4-BE49-F238E27FC236}">
+                  <a16:creationId xmlns:a16="http://schemas.microsoft.com/office/drawing/2014/main" id="{4759778D-76AB-68EC-813D-804A05E54794}"/>
+                </a:ext>
+              </a:extLst>
+            </p:cNvPr>
+            <p:cNvSpPr/>
+            <p:nvPr/>
+          </p:nvSpPr>
+          <p:spPr>
+            <a:xfrm>
+              <a:off x="3142795" y="3836673"/>
+              <a:ext cx="180000" cy="180000"/>
+            </a:xfrm>
+            <a:prstGeom prst="mathMultiply">
+              <a:avLst>
+                <a:gd name="adj1" fmla="val 6918"/>
+              </a:avLst>
+            </a:prstGeom>
+            <a:solidFill>
+              <a:schemeClr val="tx1">
+                <a:lumMod val="85000"/>
+                <a:lumOff val="15000"/>
+                <a:alpha val="78039"/>
+              </a:schemeClr>
+            </a:solidFill>
+            <a:ln>
+              <a:solidFill>
+                <a:schemeClr val="tx1"/>
+              </a:solidFill>
+            </a:ln>
+          </p:spPr>
+          <p:style>
+            <a:lnRef idx="2">
+              <a:schemeClr val="accent1">
+                <a:shade val="15000"/>
+              </a:schemeClr>
+            </a:lnRef>
+            <a:fillRef idx="1">
+              <a:schemeClr val="accent1"/>
+            </a:fillRef>
+            <a:effectRef idx="0">
+              <a:schemeClr val="accent1"/>
+            </a:effectRef>
+            <a:fontRef idx="minor">
+              <a:schemeClr val="lt1"/>
+            </a:fontRef>
+          </p:style>
+          <p:txBody>
+            <a:bodyPr rtlCol="0" anchor="ctr"/>
+            <a:lstStyle/>
+            <a:p>
+              <a:pPr algn="ctr"/>
+              <a:endParaRPr lang="en-US"/>
+            </a:p>
+          </p:txBody>
+        </p:sp>
+        <p:grpSp>
+          <p:nvGrpSpPr>
+            <p:cNvPr id="56" name="Group 55">
+              <a:extLst>
+                <a:ext uri="{FF2B5EF4-FFF2-40B4-BE49-F238E27FC236}">
+                  <a16:creationId xmlns:a16="http://schemas.microsoft.com/office/drawing/2014/main" id="{1696D1BA-3D5B-AF2B-F62A-4743821134B4}"/>
+                </a:ext>
+              </a:extLst>
+            </p:cNvPr>
+            <p:cNvGrpSpPr/>
+            <p:nvPr/>
+          </p:nvGrpSpPr>
+          <p:grpSpPr>
+            <a:xfrm>
+              <a:off x="2516811" y="2560898"/>
+              <a:ext cx="1750671" cy="1750671"/>
+              <a:chOff x="2297969" y="2336268"/>
+              <a:chExt cx="2221370" cy="2221370"/>
+            </a:xfrm>
+          </p:grpSpPr>
+          <p:sp>
+            <p:nvSpPr>
+              <p:cNvPr id="2" name="Oval 1">
+                <a:extLst>
+                  <a:ext uri="{FF2B5EF4-FFF2-40B4-BE49-F238E27FC236}">
+                    <a16:creationId xmlns:a16="http://schemas.microsoft.com/office/drawing/2014/main" id="{16D1EFE5-24B5-4AE9-70AB-FDC326F85AC2}"/>
+                  </a:ext>
+                </a:extLst>
+              </p:cNvPr>
+              <p:cNvSpPr/>
+              <p:nvPr/>
+            </p:nvSpPr>
+            <p:spPr>
+              <a:xfrm>
+                <a:off x="2297969" y="2336268"/>
+                <a:ext cx="2221370" cy="2221370"/>
+              </a:xfrm>
+              <a:prstGeom prst="ellipse">
+                <a:avLst/>
+              </a:prstGeom>
+              <a:noFill/>
+              <a:ln>
+                <a:solidFill>
+                  <a:schemeClr val="accent1"/>
+                </a:solidFill>
+              </a:ln>
+            </p:spPr>
+            <p:style>
+              <a:lnRef idx="2">
+                <a:schemeClr val="accent1">
+                  <a:shade val="15000"/>
+                </a:schemeClr>
+              </a:lnRef>
+              <a:fillRef idx="1">
+                <a:schemeClr val="accent1"/>
+              </a:fillRef>
+              <a:effectRef idx="0">
+                <a:schemeClr val="accent1"/>
+              </a:effectRef>
+              <a:fontRef idx="minor">
+                <a:schemeClr val="lt1"/>
+              </a:fontRef>
+            </p:style>
+            <p:txBody>
+              <a:bodyPr rtlCol="0" anchor="ctr"/>
+              <a:lstStyle/>
+              <a:p>
+                <a:pPr algn="ctr"/>
+                <a:endParaRPr lang="en-US"/>
+              </a:p>
+            </p:txBody>
+          </p:sp>
+          <p:sp>
+            <p:nvSpPr>
+              <p:cNvPr id="55" name="Oval 54">
+                <a:extLst>
+                  <a:ext uri="{FF2B5EF4-FFF2-40B4-BE49-F238E27FC236}">
+                    <a16:creationId xmlns:a16="http://schemas.microsoft.com/office/drawing/2014/main" id="{7F9A0996-E69C-6B16-D808-B28FEA95712D}"/>
+                  </a:ext>
+                </a:extLst>
+              </p:cNvPr>
+              <p:cNvSpPr/>
+              <p:nvPr/>
+            </p:nvSpPr>
+            <p:spPr>
+              <a:xfrm>
+                <a:off x="3372654" y="3410953"/>
+                <a:ext cx="72000" cy="72000"/>
+              </a:xfrm>
+              <a:prstGeom prst="ellipse">
+                <a:avLst/>
+              </a:prstGeom>
+              <a:ln>
+                <a:noFill/>
+              </a:ln>
+            </p:spPr>
+            <p:style>
+              <a:lnRef idx="2">
+                <a:schemeClr val="accent1">
+                  <a:shade val="15000"/>
+                </a:schemeClr>
+              </a:lnRef>
+              <a:fillRef idx="1">
+                <a:schemeClr val="accent1"/>
+              </a:fillRef>
+              <a:effectRef idx="0">
+                <a:schemeClr val="accent1"/>
+              </a:effectRef>
+              <a:fontRef idx="minor">
+                <a:schemeClr val="lt1"/>
+              </a:fontRef>
+            </p:style>
+            <p:txBody>
+              <a:bodyPr rtlCol="0" anchor="ctr"/>
+              <a:lstStyle/>
+              <a:p>
+                <a:pPr algn="ctr"/>
+                <a:endParaRPr lang="en-US"/>
+              </a:p>
+            </p:txBody>
+          </p:sp>
+        </p:grpSp>
+        <mc:AlternateContent xmlns:mc="http://schemas.openxmlformats.org/markup-compatibility/2006">
+          <mc:Choice xmlns:a14="http://schemas.microsoft.com/office/drawing/2010/main" Requires="a14">
+            <p:sp>
+              <p:nvSpPr>
+                <p:cNvPr id="69" name="TextBox 68">
+                  <a:extLst>
+                    <a:ext uri="{FF2B5EF4-FFF2-40B4-BE49-F238E27FC236}">
+                      <a16:creationId xmlns:a16="http://schemas.microsoft.com/office/drawing/2014/main" id="{48798317-845F-DAC4-539A-7F17517EF009}"/>
+                    </a:ext>
+                  </a:extLst>
+                </p:cNvPr>
+                <p:cNvSpPr txBox="1"/>
+                <p:nvPr/>
+              </p:nvSpPr>
+              <p:spPr>
+                <a:xfrm>
+                  <a:off x="3291160" y="3466839"/>
+                  <a:ext cx="194476" cy="246221"/>
+                </a:xfrm>
+                <a:prstGeom prst="rect">
+                  <a:avLst/>
+                </a:prstGeom>
+                <a:noFill/>
+              </p:spPr>
+              <p:txBody>
+                <a:bodyPr wrap="square" lIns="0" tIns="0" rIns="0" bIns="0" rtlCol="0">
+                  <a:spAutoFit/>
+                </a:bodyPr>
+                <a:lstStyle/>
+                <a:p>
+                  <a14:m>
+                    <m:oMathPara xmlns:m="http://schemas.openxmlformats.org/officeDocument/2006/math">
+                      <m:oMathParaPr>
+                        <m:jc m:val="centerGroup"/>
+                      </m:oMathParaPr>
+                      <m:oMath xmlns:m="http://schemas.openxmlformats.org/officeDocument/2006/math">
+                        <m:r>
+                          <a:rPr lang="en-US" sz="1600" b="0" i="1" smtClean="0">
+                            <a:latin typeface="Cambria Math" panose="02040503050406030204" pitchFamily="18" charset="0"/>
+                          </a:rPr>
+                          <m:t>𝐶</m:t>
+                        </m:r>
+                      </m:oMath>
+                    </m:oMathPara>
+                  </a14:m>
+                  <a:endParaRPr lang="en-US" sz="1600"/>
+                </a:p>
+              </p:txBody>
+            </p:sp>
+          </mc:Choice>
+          <mc:Fallback>
+            <p:sp>
+              <p:nvSpPr>
+                <p:cNvPr id="69" name="TextBox 68">
+                  <a:extLst>
+                    <a:ext uri="{FF2B5EF4-FFF2-40B4-BE49-F238E27FC236}">
+                      <a16:creationId xmlns:a16="http://schemas.microsoft.com/office/drawing/2014/main" id="{48798317-845F-DAC4-539A-7F17517EF009}"/>
+                    </a:ext>
+                  </a:extLst>
+                </p:cNvPr>
+                <p:cNvSpPr txBox="1">
+                  <a:spLocks noRot="1" noChangeAspect="1" noMove="1" noResize="1" noEditPoints="1" noAdjustHandles="1" noChangeArrowheads="1" noChangeShapeType="1" noTextEdit="1"/>
+                </p:cNvSpPr>
+                <p:nvPr/>
+              </p:nvSpPr>
+              <p:spPr>
+                <a:xfrm>
+                  <a:off x="3291160" y="3466839"/>
+                  <a:ext cx="194476" cy="246221"/>
+                </a:xfrm>
+                <a:prstGeom prst="rect">
+                  <a:avLst/>
+                </a:prstGeom>
+                <a:blipFill>
+                  <a:blip r:embed="rId5"/>
+                  <a:stretch>
+                    <a:fillRect l="-21875" r="-12500" b="-5000"/>
+                  </a:stretch>
+                </a:blipFill>
+              </p:spPr>
+              <p:txBody>
+                <a:bodyPr/>
+                <a:lstStyle/>
+                <a:p>
+                  <a:r>
+                    <a:rPr lang="en-US">
+                      <a:noFill/>
+                    </a:rPr>
+                    <a:t> </a:t>
+                  </a:r>
+                </a:p>
+              </p:txBody>
+            </p:sp>
+          </mc:Fallback>
+        </mc:AlternateContent>
+        <p:sp>
+          <p:nvSpPr>
+            <p:cNvPr id="5" name="Multiplication Sign 4">
+              <a:extLst>
+                <a:ext uri="{FF2B5EF4-FFF2-40B4-BE49-F238E27FC236}">
+                  <a16:creationId xmlns:a16="http://schemas.microsoft.com/office/drawing/2014/main" id="{DF4BA13C-4FC0-02DB-1761-205351ABD93E}"/>
+                </a:ext>
+              </a:extLst>
+            </p:cNvPr>
+            <p:cNvSpPr/>
+            <p:nvPr/>
+          </p:nvSpPr>
+          <p:spPr>
+            <a:xfrm>
+              <a:off x="3174928" y="4215987"/>
+              <a:ext cx="180000" cy="180000"/>
+            </a:xfrm>
+            <a:prstGeom prst="mathMultiply">
+              <a:avLst>
+                <a:gd name="adj1" fmla="val 6918"/>
+              </a:avLst>
+            </a:prstGeom>
+            <a:solidFill>
+              <a:schemeClr val="tx1">
+                <a:lumMod val="85000"/>
+                <a:lumOff val="15000"/>
+                <a:alpha val="78039"/>
+              </a:schemeClr>
+            </a:solidFill>
+            <a:ln>
+              <a:solidFill>
+                <a:schemeClr val="tx1"/>
+              </a:solidFill>
+            </a:ln>
+          </p:spPr>
+          <p:style>
+            <a:lnRef idx="2">
+              <a:schemeClr val="accent1">
+                <a:shade val="15000"/>
+              </a:schemeClr>
+            </a:lnRef>
+            <a:fillRef idx="1">
+              <a:schemeClr val="accent1"/>
+            </a:fillRef>
+            <a:effectRef idx="0">
+              <a:schemeClr val="accent1"/>
+            </a:effectRef>
+            <a:fontRef idx="minor">
+              <a:schemeClr val="lt1"/>
+            </a:fontRef>
+          </p:style>
+          <p:txBody>
+            <a:bodyPr rtlCol="0" anchor="ctr"/>
+            <a:lstStyle/>
+            <a:p>
+              <a:pPr algn="ctr"/>
+              <a:endParaRPr lang="en-US"/>
+            </a:p>
+          </p:txBody>
+        </p:sp>
+        <p:sp>
+          <p:nvSpPr>
+            <p:cNvPr id="9" name="Multiplication Sign 8">
+              <a:extLst>
+                <a:ext uri="{FF2B5EF4-FFF2-40B4-BE49-F238E27FC236}">
+                  <a16:creationId xmlns:a16="http://schemas.microsoft.com/office/drawing/2014/main" id="{504F7D07-D6F4-DBE0-48EF-9029431A5A3F}"/>
+                </a:ext>
+              </a:extLst>
+            </p:cNvPr>
+            <p:cNvSpPr/>
+            <p:nvPr/>
+          </p:nvSpPr>
+          <p:spPr>
+            <a:xfrm>
+              <a:off x="3287584" y="2456954"/>
+              <a:ext cx="180000" cy="180000"/>
+            </a:xfrm>
+            <a:prstGeom prst="mathMultiply">
+              <a:avLst>
+                <a:gd name="adj1" fmla="val 6918"/>
+              </a:avLst>
+            </a:prstGeom>
+            <a:solidFill>
+              <a:schemeClr val="tx1">
+                <a:lumMod val="85000"/>
+                <a:lumOff val="15000"/>
+                <a:alpha val="78039"/>
+              </a:schemeClr>
+            </a:solidFill>
+            <a:ln>
+              <a:solidFill>
+                <a:schemeClr val="tx1"/>
+              </a:solidFill>
+            </a:ln>
+          </p:spPr>
+          <p:style>
+            <a:lnRef idx="2">
+              <a:schemeClr val="accent1">
+                <a:shade val="15000"/>
+              </a:schemeClr>
+            </a:lnRef>
+            <a:fillRef idx="1">
+              <a:schemeClr val="accent1"/>
+            </a:fillRef>
+            <a:effectRef idx="0">
+              <a:schemeClr val="accent1"/>
+            </a:effectRef>
+            <a:fontRef idx="minor">
+              <a:schemeClr val="lt1"/>
+            </a:fontRef>
+          </p:style>
+          <p:txBody>
+            <a:bodyPr rtlCol="0" anchor="ctr"/>
+            <a:lstStyle/>
+            <a:p>
+              <a:pPr algn="ctr"/>
+              <a:endParaRPr lang="en-US"/>
+            </a:p>
+          </p:txBody>
+        </p:sp>
+        <p:sp>
+          <p:nvSpPr>
+            <p:cNvPr id="124" name="Multiplication Sign 123">
+              <a:extLst>
+                <a:ext uri="{FF2B5EF4-FFF2-40B4-BE49-F238E27FC236}">
+                  <a16:creationId xmlns:a16="http://schemas.microsoft.com/office/drawing/2014/main" id="{0E44966C-2FCB-4C95-ADD7-7AAA4DF40F51}"/>
+                </a:ext>
+              </a:extLst>
+            </p:cNvPr>
+            <p:cNvSpPr/>
+            <p:nvPr/>
+          </p:nvSpPr>
+          <p:spPr>
+            <a:xfrm>
+              <a:off x="6254063" y="3785906"/>
+              <a:ext cx="180000" cy="180000"/>
+            </a:xfrm>
+            <a:prstGeom prst="mathMultiply">
+              <a:avLst>
+                <a:gd name="adj1" fmla="val 6918"/>
+              </a:avLst>
+            </a:prstGeom>
+            <a:solidFill>
+              <a:schemeClr val="tx1">
+                <a:lumMod val="85000"/>
+                <a:lumOff val="15000"/>
+                <a:alpha val="78039"/>
+              </a:schemeClr>
+            </a:solidFill>
+            <a:ln>
+              <a:solidFill>
+                <a:schemeClr val="tx1"/>
+              </a:solidFill>
+            </a:ln>
+          </p:spPr>
+          <p:style>
+            <a:lnRef idx="2">
+              <a:schemeClr val="accent1">
+                <a:shade val="15000"/>
+              </a:schemeClr>
+            </a:lnRef>
+            <a:fillRef idx="1">
+              <a:schemeClr val="accent1"/>
+            </a:fillRef>
+            <a:effectRef idx="0">
+              <a:schemeClr val="accent1"/>
+            </a:effectRef>
+            <a:fontRef idx="minor">
+              <a:schemeClr val="lt1"/>
+            </a:fontRef>
+          </p:style>
+          <p:txBody>
+            <a:bodyPr rtlCol="0" anchor="ctr"/>
+            <a:lstStyle/>
+            <a:p>
+              <a:pPr algn="ctr"/>
+              <a:endParaRPr lang="en-US"/>
+            </a:p>
+          </p:txBody>
+        </p:sp>
+        <p:sp>
+          <p:nvSpPr>
+            <p:cNvPr id="125" name="Multiplication Sign 124">
+              <a:extLst>
+                <a:ext uri="{FF2B5EF4-FFF2-40B4-BE49-F238E27FC236}">
+                  <a16:creationId xmlns:a16="http://schemas.microsoft.com/office/drawing/2014/main" id="{A61602DB-B9E6-592F-155D-172B59BB4C55}"/>
+                </a:ext>
+              </a:extLst>
+            </p:cNvPr>
+            <p:cNvSpPr/>
+            <p:nvPr/>
+          </p:nvSpPr>
+          <p:spPr>
+            <a:xfrm>
+              <a:off x="5907895" y="3728451"/>
+              <a:ext cx="180000" cy="180000"/>
+            </a:xfrm>
+            <a:prstGeom prst="mathMultiply">
+              <a:avLst>
+                <a:gd name="adj1" fmla="val 6918"/>
+              </a:avLst>
+            </a:prstGeom>
+            <a:solidFill>
+              <a:schemeClr val="tx1">
+                <a:alpha val="78039"/>
+              </a:schemeClr>
+            </a:solidFill>
+            <a:ln>
+              <a:solidFill>
+                <a:schemeClr val="tx1">
+                  <a:lumMod val="95000"/>
+                  <a:lumOff val="5000"/>
+                </a:schemeClr>
+              </a:solidFill>
+            </a:ln>
+          </p:spPr>
+          <p:style>
+            <a:lnRef idx="2">
+              <a:schemeClr val="accent1">
+                <a:shade val="15000"/>
+              </a:schemeClr>
+            </a:lnRef>
+            <a:fillRef idx="1">
+              <a:schemeClr val="accent1"/>
+            </a:fillRef>
+            <a:effectRef idx="0">
+              <a:schemeClr val="accent1"/>
+            </a:effectRef>
+            <a:fontRef idx="minor">
+              <a:schemeClr val="lt1"/>
+            </a:fontRef>
+          </p:style>
+          <p:txBody>
+            <a:bodyPr rtlCol="0" anchor="ctr"/>
+            <a:lstStyle/>
+            <a:p>
+              <a:pPr algn="ctr"/>
+              <a:endParaRPr lang="en-US"/>
+            </a:p>
+          </p:txBody>
+        </p:sp>
+        <p:sp>
+          <p:nvSpPr>
+            <p:cNvPr id="126" name="Multiplication Sign 125">
+              <a:extLst>
+                <a:ext uri="{FF2B5EF4-FFF2-40B4-BE49-F238E27FC236}">
+                  <a16:creationId xmlns:a16="http://schemas.microsoft.com/office/drawing/2014/main" id="{7640B3CF-E4AC-5FA4-C8A0-70DF6546B15F}"/>
+                </a:ext>
+              </a:extLst>
+            </p:cNvPr>
+            <p:cNvSpPr/>
+            <p:nvPr/>
+          </p:nvSpPr>
+          <p:spPr>
+            <a:xfrm>
+              <a:off x="5148977" y="3585580"/>
+              <a:ext cx="180000" cy="180000"/>
+            </a:xfrm>
+            <a:prstGeom prst="mathMultiply">
+              <a:avLst>
+                <a:gd name="adj1" fmla="val 6918"/>
+              </a:avLst>
+            </a:prstGeom>
+            <a:solidFill>
+              <a:schemeClr val="tx1">
+                <a:lumMod val="85000"/>
+                <a:lumOff val="15000"/>
+                <a:alpha val="78039"/>
+              </a:schemeClr>
+            </a:solidFill>
+            <a:ln>
+              <a:solidFill>
+                <a:schemeClr val="tx1"/>
+              </a:solidFill>
+            </a:ln>
+          </p:spPr>
+          <p:style>
+            <a:lnRef idx="2">
+              <a:schemeClr val="accent1">
+                <a:shade val="15000"/>
+              </a:schemeClr>
+            </a:lnRef>
+            <a:fillRef idx="1">
+              <a:schemeClr val="accent1"/>
+            </a:fillRef>
+            <a:effectRef idx="0">
+              <a:schemeClr val="accent1"/>
+            </a:effectRef>
+            <a:fontRef idx="minor">
+              <a:schemeClr val="lt1"/>
+            </a:fontRef>
+          </p:style>
+          <p:txBody>
+            <a:bodyPr rtlCol="0" anchor="ctr"/>
+            <a:lstStyle/>
+            <a:p>
+              <a:pPr algn="ctr"/>
+              <a:endParaRPr lang="en-US"/>
+            </a:p>
+          </p:txBody>
+        </p:sp>
+        <p:sp>
+          <p:nvSpPr>
+            <p:cNvPr id="127" name="Multiplication Sign 126">
+              <a:extLst>
+                <a:ext uri="{FF2B5EF4-FFF2-40B4-BE49-F238E27FC236}">
+                  <a16:creationId xmlns:a16="http://schemas.microsoft.com/office/drawing/2014/main" id="{E81A5264-EA0D-D193-B0FB-9D40F7775F42}"/>
+                </a:ext>
+              </a:extLst>
+            </p:cNvPr>
+            <p:cNvSpPr/>
+            <p:nvPr/>
+          </p:nvSpPr>
+          <p:spPr>
+            <a:xfrm>
+              <a:off x="5218031" y="2944490"/>
+              <a:ext cx="180000" cy="180000"/>
+            </a:xfrm>
+            <a:prstGeom prst="mathMultiply">
+              <a:avLst>
+                <a:gd name="adj1" fmla="val 6918"/>
+              </a:avLst>
+            </a:prstGeom>
+            <a:solidFill>
+              <a:schemeClr val="tx1">
+                <a:lumMod val="85000"/>
+                <a:lumOff val="15000"/>
+                <a:alpha val="78039"/>
+              </a:schemeClr>
+            </a:solidFill>
+            <a:ln>
+              <a:solidFill>
+                <a:schemeClr val="tx1"/>
+              </a:solidFill>
+            </a:ln>
+          </p:spPr>
+          <p:style>
+            <a:lnRef idx="2">
+              <a:schemeClr val="accent1">
+                <a:shade val="15000"/>
+              </a:schemeClr>
+            </a:lnRef>
+            <a:fillRef idx="1">
+              <a:schemeClr val="accent1"/>
+            </a:fillRef>
+            <a:effectRef idx="0">
+              <a:schemeClr val="accent1"/>
+            </a:effectRef>
+            <a:fontRef idx="minor">
+              <a:schemeClr val="lt1"/>
+            </a:fontRef>
+          </p:style>
+          <p:txBody>
+            <a:bodyPr rtlCol="0" anchor="ctr"/>
+            <a:lstStyle/>
+            <a:p>
+              <a:pPr algn="ctr"/>
+              <a:endParaRPr lang="en-US"/>
+            </a:p>
+          </p:txBody>
+        </p:sp>
+        <p:sp>
+          <p:nvSpPr>
+            <p:cNvPr id="128" name="Multiplication Sign 127">
+              <a:extLst>
+                <a:ext uri="{FF2B5EF4-FFF2-40B4-BE49-F238E27FC236}">
+                  <a16:creationId xmlns:a16="http://schemas.microsoft.com/office/drawing/2014/main" id="{BBD39BE2-3DF6-5710-CE99-A1275EE49DA0}"/>
+                </a:ext>
+              </a:extLst>
+            </p:cNvPr>
+            <p:cNvSpPr/>
+            <p:nvPr/>
+          </p:nvSpPr>
+          <p:spPr>
+            <a:xfrm>
+              <a:off x="5577147" y="3031013"/>
+              <a:ext cx="180000" cy="180000"/>
+            </a:xfrm>
+            <a:prstGeom prst="mathMultiply">
+              <a:avLst>
+                <a:gd name="adj1" fmla="val 6918"/>
+              </a:avLst>
+            </a:prstGeom>
+            <a:solidFill>
+              <a:schemeClr val="tx1">
+                <a:lumMod val="85000"/>
+                <a:lumOff val="15000"/>
+                <a:alpha val="78039"/>
+              </a:schemeClr>
+            </a:solidFill>
+            <a:ln>
+              <a:solidFill>
+                <a:schemeClr val="tx1"/>
+              </a:solidFill>
+            </a:ln>
+          </p:spPr>
+          <p:style>
+            <a:lnRef idx="2">
+              <a:schemeClr val="accent1">
+                <a:shade val="15000"/>
+              </a:schemeClr>
+            </a:lnRef>
+            <a:fillRef idx="1">
+              <a:schemeClr val="accent1"/>
+            </a:fillRef>
+            <a:effectRef idx="0">
+              <a:schemeClr val="accent1"/>
+            </a:effectRef>
+            <a:fontRef idx="minor">
+              <a:schemeClr val="lt1"/>
+            </a:fontRef>
+          </p:style>
+          <p:txBody>
+            <a:bodyPr rtlCol="0" anchor="ctr"/>
+            <a:lstStyle/>
+            <a:p>
+              <a:pPr algn="ctr"/>
+              <a:endParaRPr lang="en-US"/>
+            </a:p>
+          </p:txBody>
+        </p:sp>
+        <p:sp>
+          <p:nvSpPr>
+            <p:cNvPr id="129" name="Multiplication Sign 128">
+              <a:extLst>
+                <a:ext uri="{FF2B5EF4-FFF2-40B4-BE49-F238E27FC236}">
+                  <a16:creationId xmlns:a16="http://schemas.microsoft.com/office/drawing/2014/main" id="{B6321011-48B0-A90E-CC25-9D0D3F0DAAB5}"/>
+                </a:ext>
+              </a:extLst>
+            </p:cNvPr>
+            <p:cNvSpPr/>
+            <p:nvPr/>
+          </p:nvSpPr>
+          <p:spPr>
+            <a:xfrm>
+              <a:off x="6131007" y="3105573"/>
+              <a:ext cx="180000" cy="180000"/>
+            </a:xfrm>
+            <a:prstGeom prst="mathMultiply">
+              <a:avLst>
+                <a:gd name="adj1" fmla="val 6918"/>
+              </a:avLst>
+            </a:prstGeom>
+            <a:solidFill>
+              <a:schemeClr val="tx1">
+                <a:lumMod val="85000"/>
+                <a:lumOff val="15000"/>
+                <a:alpha val="78039"/>
+              </a:schemeClr>
+            </a:solidFill>
+            <a:ln>
+              <a:solidFill>
+                <a:schemeClr val="tx1"/>
+              </a:solidFill>
+            </a:ln>
+          </p:spPr>
+          <p:style>
+            <a:lnRef idx="2">
+              <a:schemeClr val="accent1">
+                <a:shade val="15000"/>
+              </a:schemeClr>
+            </a:lnRef>
+            <a:fillRef idx="1">
+              <a:schemeClr val="accent1"/>
+            </a:fillRef>
+            <a:effectRef idx="0">
+              <a:schemeClr val="accent1"/>
+            </a:effectRef>
+            <a:fontRef idx="minor">
+              <a:schemeClr val="lt1"/>
+            </a:fontRef>
+          </p:style>
+          <p:txBody>
+            <a:bodyPr rtlCol="0" anchor="ctr"/>
+            <a:lstStyle/>
+            <a:p>
+              <a:pPr algn="ctr"/>
+              <a:endParaRPr lang="en-US"/>
+            </a:p>
+          </p:txBody>
+        </p:sp>
+        <p:sp>
+          <p:nvSpPr>
+            <p:cNvPr id="130" name="Multiplication Sign 129">
+              <a:extLst>
+                <a:ext uri="{FF2B5EF4-FFF2-40B4-BE49-F238E27FC236}">
+                  <a16:creationId xmlns:a16="http://schemas.microsoft.com/office/drawing/2014/main" id="{3717D4CC-0AFC-098A-254F-B633F308D00E}"/>
+                </a:ext>
+              </a:extLst>
+            </p:cNvPr>
+            <p:cNvSpPr/>
+            <p:nvPr/>
+          </p:nvSpPr>
+          <p:spPr>
+            <a:xfrm>
+              <a:off x="5545014" y="3836673"/>
+              <a:ext cx="180000" cy="180000"/>
+            </a:xfrm>
+            <a:prstGeom prst="mathMultiply">
+              <a:avLst>
+                <a:gd name="adj1" fmla="val 6918"/>
+              </a:avLst>
+            </a:prstGeom>
+            <a:solidFill>
+              <a:schemeClr val="tx1">
+                <a:lumMod val="85000"/>
+                <a:lumOff val="15000"/>
+                <a:alpha val="78039"/>
+              </a:schemeClr>
+            </a:solidFill>
+            <a:ln>
+              <a:solidFill>
+                <a:schemeClr val="tx1"/>
+              </a:solidFill>
+            </a:ln>
+          </p:spPr>
+          <p:style>
+            <a:lnRef idx="2">
+              <a:schemeClr val="accent1">
+                <a:shade val="15000"/>
+              </a:schemeClr>
+            </a:lnRef>
+            <a:fillRef idx="1">
+              <a:schemeClr val="accent1"/>
+            </a:fillRef>
+            <a:effectRef idx="0">
+              <a:schemeClr val="accent1"/>
+            </a:effectRef>
+            <a:fontRef idx="minor">
+              <a:schemeClr val="lt1"/>
+            </a:fontRef>
+          </p:style>
+          <p:txBody>
+            <a:bodyPr rtlCol="0" anchor="ctr"/>
+            <a:lstStyle/>
+            <a:p>
+              <a:pPr algn="ctr"/>
+              <a:endParaRPr lang="en-US"/>
+            </a:p>
+          </p:txBody>
+        </p:sp>
+        <p:sp>
+          <p:nvSpPr>
+            <p:cNvPr id="131" name="Multiplication Sign 130">
+              <a:extLst>
+                <a:ext uri="{FF2B5EF4-FFF2-40B4-BE49-F238E27FC236}">
+                  <a16:creationId xmlns:a16="http://schemas.microsoft.com/office/drawing/2014/main" id="{5D36B180-7899-C850-C953-454655D4B31F}"/>
+                </a:ext>
+              </a:extLst>
+            </p:cNvPr>
+            <p:cNvSpPr/>
+            <p:nvPr/>
+          </p:nvSpPr>
+          <p:spPr>
+            <a:xfrm>
+              <a:off x="5577147" y="4215987"/>
+              <a:ext cx="180000" cy="180000"/>
+            </a:xfrm>
+            <a:prstGeom prst="mathMultiply">
+              <a:avLst>
+                <a:gd name="adj1" fmla="val 6918"/>
+              </a:avLst>
+            </a:prstGeom>
+            <a:solidFill>
+              <a:schemeClr val="tx1">
+                <a:lumMod val="85000"/>
+                <a:lumOff val="15000"/>
+                <a:alpha val="78039"/>
+              </a:schemeClr>
+            </a:solidFill>
+            <a:ln>
+              <a:solidFill>
+                <a:schemeClr val="tx1"/>
+              </a:solidFill>
+            </a:ln>
+          </p:spPr>
+          <p:style>
+            <a:lnRef idx="2">
+              <a:schemeClr val="accent1">
+                <a:shade val="15000"/>
+              </a:schemeClr>
+            </a:lnRef>
+            <a:fillRef idx="1">
+              <a:schemeClr val="accent1"/>
+            </a:fillRef>
+            <a:effectRef idx="0">
+              <a:schemeClr val="accent1"/>
+            </a:effectRef>
+            <a:fontRef idx="minor">
+              <a:schemeClr val="lt1"/>
+            </a:fontRef>
+          </p:style>
+          <p:txBody>
+            <a:bodyPr rtlCol="0" anchor="ctr"/>
+            <a:lstStyle/>
+            <a:p>
+              <a:pPr algn="ctr"/>
+              <a:endParaRPr lang="en-US"/>
+            </a:p>
+          </p:txBody>
+        </p:sp>
+        <p:sp>
+          <p:nvSpPr>
+            <p:cNvPr id="132" name="Multiplication Sign 131">
+              <a:extLst>
+                <a:ext uri="{FF2B5EF4-FFF2-40B4-BE49-F238E27FC236}">
+                  <a16:creationId xmlns:a16="http://schemas.microsoft.com/office/drawing/2014/main" id="{08611E99-A7E9-B27C-8957-383F5A204A35}"/>
+                </a:ext>
+              </a:extLst>
+            </p:cNvPr>
+            <p:cNvSpPr/>
+            <p:nvPr/>
+          </p:nvSpPr>
+          <p:spPr>
+            <a:xfrm>
+              <a:off x="5689803" y="2456954"/>
+              <a:ext cx="180000" cy="180000"/>
+            </a:xfrm>
+            <a:prstGeom prst="mathMultiply">
+              <a:avLst>
+                <a:gd name="adj1" fmla="val 6918"/>
+              </a:avLst>
+            </a:prstGeom>
+            <a:solidFill>
+              <a:schemeClr val="tx1">
+                <a:lumMod val="85000"/>
+                <a:lumOff val="15000"/>
+                <a:alpha val="78039"/>
+              </a:schemeClr>
+            </a:solidFill>
+            <a:ln>
+              <a:solidFill>
+                <a:schemeClr val="tx1"/>
+              </a:solidFill>
+            </a:ln>
+          </p:spPr>
+          <p:style>
+            <a:lnRef idx="2">
+              <a:schemeClr val="accent1">
+                <a:shade val="15000"/>
+              </a:schemeClr>
+            </a:lnRef>
+            <a:fillRef idx="1">
+              <a:schemeClr val="accent1"/>
+            </a:fillRef>
+            <a:effectRef idx="0">
+              <a:schemeClr val="accent1"/>
+            </a:effectRef>
+            <a:fontRef idx="minor">
+              <a:schemeClr val="lt1"/>
+            </a:fontRef>
+          </p:style>
+          <p:txBody>
+            <a:bodyPr rtlCol="0" anchor="ctr"/>
+            <a:lstStyle/>
+            <a:p>
+              <a:pPr algn="ctr"/>
+              <a:endParaRPr lang="en-US"/>
+            </a:p>
+          </p:txBody>
+        </p:sp>
+      </p:grpSp>
+      <p:cxnSp>
+        <p:nvCxnSpPr>
+          <p:cNvPr id="112" name="Straight Arrow Connector 111">
+            <a:extLst>
+              <a:ext uri="{FF2B5EF4-FFF2-40B4-BE49-F238E27FC236}">
+                <a16:creationId xmlns:a16="http://schemas.microsoft.com/office/drawing/2014/main" id="{01E70B7B-A92F-2336-3174-0D60E6A8EBCF}"/>
+              </a:ext>
+            </a:extLst>
+          </p:cNvPr>
+          <p:cNvCxnSpPr>
+            <a:cxnSpLocks/>
+          </p:cNvCxnSpPr>
+          <p:nvPr/>
+        </p:nvCxnSpPr>
+        <p:spPr>
+          <a:xfrm>
+            <a:off x="4401273" y="3429000"/>
+            <a:ext cx="402221" cy="0"/>
+          </a:xfrm>
+          <a:prstGeom prst="straightConnector1">
+            <a:avLst/>
+          </a:prstGeom>
+          <a:ln>
+            <a:tailEnd type="triangle"/>
+          </a:ln>
+        </p:spPr>
+        <p:style>
+          <a:lnRef idx="2">
+            <a:schemeClr val="accent1"/>
+          </a:lnRef>
+          <a:fillRef idx="0">
+            <a:schemeClr val="accent1"/>
+          </a:fillRef>
+          <a:effectRef idx="1">
+            <a:schemeClr val="accent1"/>
+          </a:effectRef>
+          <a:fontRef idx="minor">
+            <a:schemeClr val="tx1"/>
+          </a:fontRef>
+        </p:style>
+      </p:cxnSp>
+    </p:spTree>
+    <p:extLst>
+      <p:ext uri="{BB962C8B-B14F-4D97-AF65-F5344CB8AC3E}">
+        <p14:creationId xmlns:p14="http://schemas.microsoft.com/office/powerpoint/2010/main" val="2573557612"/>
+      </p:ext>
+    </p:extLst>
+  </p:cSld>
+  <p:clrMapOvr>
+    <a:masterClrMapping/>
+  </p:clrMapOvr>
+</p:sld>
+</file>
+
+<file path=ppt/slides/slide8.xml><?xml version="1.0" encoding="utf-8"?>
+<p:sld xmlns:a="http://schemas.openxmlformats.org/drawingml/2006/main" xmlns:r="http://schemas.openxmlformats.org/officeDocument/2006/relationships" xmlns:p="http://schemas.openxmlformats.org/presentationml/2006/main">
+  <p:cSld>
+    <p:spTree>
+      <p:nvGrpSpPr>
+        <p:cNvPr id="1" name=""/>
+        <p:cNvGrpSpPr/>
+        <p:nvPr/>
+      </p:nvGrpSpPr>
+      <p:grpSpPr>
+        <a:xfrm>
+          <a:off x="0" y="0"/>
+          <a:ext cx="0" cy="0"/>
+          <a:chOff x="0" y="0"/>
+          <a:chExt cx="0" cy="0"/>
+        </a:xfrm>
+      </p:grpSpPr>
+      <p:cxnSp>
+        <p:nvCxnSpPr>
+          <p:cNvPr id="9" name="Straight Connector 8">
+            <a:extLst>
+              <a:ext uri="{FF2B5EF4-FFF2-40B4-BE49-F238E27FC236}">
+                <a16:creationId xmlns:a16="http://schemas.microsoft.com/office/drawing/2014/main" id="{6F87266B-539C-1BAE-2564-BA7798ABAC7E}"/>
+              </a:ext>
+            </a:extLst>
+          </p:cNvPr>
+          <p:cNvCxnSpPr>
+            <a:cxnSpLocks/>
+          </p:cNvCxnSpPr>
+          <p:nvPr/>
+        </p:nvCxnSpPr>
+        <p:spPr>
+          <a:xfrm>
+            <a:off x="5502315" y="3428999"/>
+            <a:ext cx="1874324" cy="1"/>
+          </a:xfrm>
+          <a:prstGeom prst="line">
+            <a:avLst/>
+          </a:prstGeom>
+          <a:ln>
+            <a:prstDash val="dash"/>
+          </a:ln>
+        </p:spPr>
+        <p:style>
+          <a:lnRef idx="2">
+            <a:schemeClr val="accent1"/>
+          </a:lnRef>
+          <a:fillRef idx="0">
+            <a:schemeClr val="accent1"/>
+          </a:fillRef>
+          <a:effectRef idx="1">
+            <a:schemeClr val="accent1"/>
+          </a:effectRef>
+          <a:fontRef idx="minor">
+            <a:schemeClr val="tx1"/>
+          </a:fontRef>
+        </p:style>
+      </p:cxnSp>
+      <p:grpSp>
+        <p:nvGrpSpPr>
+          <p:cNvPr id="6" name="Group 5">
+            <a:extLst>
+              <a:ext uri="{FF2B5EF4-FFF2-40B4-BE49-F238E27FC236}">
+                <a16:creationId xmlns:a16="http://schemas.microsoft.com/office/drawing/2014/main" id="{C8BAB15E-1A33-E5FD-D0F7-E142C56FDAF0}"/>
+              </a:ext>
+            </a:extLst>
+          </p:cNvPr>
+          <p:cNvGrpSpPr/>
+          <p:nvPr/>
+        </p:nvGrpSpPr>
+        <p:grpSpPr>
+          <a:xfrm>
+            <a:off x="6457847" y="2568279"/>
+            <a:ext cx="1745575" cy="1721442"/>
+            <a:chOff x="6060094" y="2148361"/>
+            <a:chExt cx="2597184" cy="2561278"/>
+          </a:xfrm>
+        </p:grpSpPr>
+        <p:sp>
+          <p:nvSpPr>
+            <p:cNvPr id="2" name="Oval 1">
+              <a:extLst>
+                <a:ext uri="{FF2B5EF4-FFF2-40B4-BE49-F238E27FC236}">
+                  <a16:creationId xmlns:a16="http://schemas.microsoft.com/office/drawing/2014/main" id="{7F63A8BA-0663-4122-62BD-4F6A4BA69691}"/>
+                </a:ext>
+              </a:extLst>
+            </p:cNvPr>
+            <p:cNvSpPr/>
+            <p:nvPr/>
+          </p:nvSpPr>
+          <p:spPr>
+            <a:xfrm>
+              <a:off x="6096000" y="2148361"/>
+              <a:ext cx="2561278" cy="2561278"/>
+            </a:xfrm>
+            <a:prstGeom prst="ellipse">
+              <a:avLst/>
+            </a:prstGeom>
+            <a:noFill/>
+            <a:ln>
+              <a:solidFill>
+                <a:schemeClr val="accent1"/>
+              </a:solidFill>
+            </a:ln>
+          </p:spPr>
+          <p:style>
+            <a:lnRef idx="2">
+              <a:schemeClr val="accent1">
+                <a:shade val="15000"/>
+              </a:schemeClr>
+            </a:lnRef>
+            <a:fillRef idx="1">
+              <a:schemeClr val="accent1"/>
+            </a:fillRef>
+            <a:effectRef idx="0">
+              <a:schemeClr val="accent1"/>
+            </a:effectRef>
+            <a:fontRef idx="minor">
+              <a:schemeClr val="lt1"/>
+            </a:fontRef>
+          </p:style>
+          <p:txBody>
+            <a:bodyPr rtlCol="0" anchor="ctr"/>
+            <a:lstStyle/>
+            <a:p>
+              <a:pPr algn="ctr"/>
+              <a:endParaRPr lang="en-US"/>
+            </a:p>
+          </p:txBody>
+        </p:sp>
+        <p:sp>
+          <p:nvSpPr>
+            <p:cNvPr id="5" name="Oval 4">
+              <a:extLst>
+                <a:ext uri="{FF2B5EF4-FFF2-40B4-BE49-F238E27FC236}">
+                  <a16:creationId xmlns:a16="http://schemas.microsoft.com/office/drawing/2014/main" id="{52FD71F5-FB8B-A094-7F35-D7115F6506ED}"/>
+                </a:ext>
+              </a:extLst>
+            </p:cNvPr>
+            <p:cNvSpPr/>
+            <p:nvPr/>
+          </p:nvSpPr>
+          <p:spPr>
+            <a:xfrm>
+              <a:off x="7340733" y="3393094"/>
+              <a:ext cx="71812" cy="71812"/>
+            </a:xfrm>
+            <a:prstGeom prst="ellipse">
+              <a:avLst/>
+            </a:prstGeom>
+            <a:solidFill>
+              <a:schemeClr val="accent1">
+                <a:lumMod val="75000"/>
+              </a:schemeClr>
+            </a:solidFill>
+            <a:ln>
+              <a:noFill/>
+            </a:ln>
+          </p:spPr>
+          <p:style>
+            <a:lnRef idx="2">
+              <a:schemeClr val="accent1">
+                <a:shade val="15000"/>
+              </a:schemeClr>
+            </a:lnRef>
+            <a:fillRef idx="1">
+              <a:schemeClr val="accent1"/>
+            </a:fillRef>
+            <a:effectRef idx="0">
+              <a:schemeClr val="accent1"/>
+            </a:effectRef>
+            <a:fontRef idx="minor">
+              <a:schemeClr val="lt1"/>
+            </a:fontRef>
+          </p:style>
+          <p:txBody>
+            <a:bodyPr rtlCol="0" anchor="ctr"/>
+            <a:lstStyle/>
+            <a:p>
+              <a:pPr algn="ctr"/>
+              <a:endParaRPr lang="en-US"/>
+            </a:p>
+          </p:txBody>
+        </p:sp>
+        <p:sp>
+          <p:nvSpPr>
+            <p:cNvPr id="14" name="Oval 13">
+              <a:extLst>
+                <a:ext uri="{FF2B5EF4-FFF2-40B4-BE49-F238E27FC236}">
+                  <a16:creationId xmlns:a16="http://schemas.microsoft.com/office/drawing/2014/main" id="{1FB59A07-4F58-6EEA-1FE5-1530D662883B}"/>
+                </a:ext>
+              </a:extLst>
+            </p:cNvPr>
+            <p:cNvSpPr/>
+            <p:nvPr/>
+          </p:nvSpPr>
+          <p:spPr>
+            <a:xfrm>
+              <a:off x="6060094" y="3393094"/>
+              <a:ext cx="71812" cy="71812"/>
+            </a:xfrm>
+            <a:prstGeom prst="ellipse">
+              <a:avLst/>
+            </a:prstGeom>
+            <a:solidFill>
+              <a:schemeClr val="accent1">
+                <a:lumMod val="75000"/>
+              </a:schemeClr>
+            </a:solidFill>
+            <a:ln>
+              <a:noFill/>
+            </a:ln>
+          </p:spPr>
+          <p:style>
+            <a:lnRef idx="2">
+              <a:schemeClr val="accent1">
+                <a:shade val="15000"/>
+              </a:schemeClr>
+            </a:lnRef>
+            <a:fillRef idx="1">
+              <a:schemeClr val="accent1"/>
+            </a:fillRef>
+            <a:effectRef idx="0">
+              <a:schemeClr val="accent1"/>
+            </a:effectRef>
+            <a:fontRef idx="minor">
+              <a:schemeClr val="lt1"/>
+            </a:fontRef>
+          </p:style>
+          <p:txBody>
+            <a:bodyPr rtlCol="0" anchor="ctr"/>
+            <a:lstStyle/>
+            <a:p>
+              <a:pPr algn="ctr"/>
+              <a:endParaRPr lang="en-US"/>
+            </a:p>
+          </p:txBody>
+        </p:sp>
+      </p:grpSp>
+      <mc:AlternateContent xmlns:mc="http://schemas.openxmlformats.org/markup-compatibility/2006">
+        <mc:Choice xmlns:a14="http://schemas.microsoft.com/office/drawing/2010/main" Requires="a14">
+          <p:sp>
+            <p:nvSpPr>
+              <p:cNvPr id="7" name="TextBox 6">
+                <a:extLst>
+                  <a:ext uri="{FF2B5EF4-FFF2-40B4-BE49-F238E27FC236}">
+                    <a16:creationId xmlns:a16="http://schemas.microsoft.com/office/drawing/2014/main" id="{0491051F-AB04-B2FD-3864-AD46E5E7069E}"/>
+                  </a:ext>
+                </a:extLst>
+              </p:cNvPr>
+              <p:cNvSpPr txBox="1"/>
+              <p:nvPr/>
+            </p:nvSpPr>
+            <p:spPr>
+              <a:xfrm>
+                <a:off x="5412315" y="3494258"/>
+                <a:ext cx="178510" cy="276999"/>
+              </a:xfrm>
+              <a:prstGeom prst="rect">
+                <a:avLst/>
+              </a:prstGeom>
+              <a:noFill/>
+            </p:spPr>
+            <p:txBody>
+              <a:bodyPr wrap="none" lIns="0" tIns="0" rIns="0" bIns="0" rtlCol="0">
+                <a:spAutoFit/>
+              </a:bodyPr>
+              <a:lstStyle/>
+              <a:p>
+                <a14:m>
+                  <m:oMathPara xmlns:m="http://schemas.openxmlformats.org/officeDocument/2006/math">
+                    <m:oMathParaPr>
+                      <m:jc m:val="centerGroup"/>
+                    </m:oMathParaPr>
+                    <m:oMath xmlns:m="http://schemas.openxmlformats.org/officeDocument/2006/math">
+                      <m:r>
+                        <a:rPr lang="en-US" b="0" i="1" smtClean="0">
+                          <a:latin typeface="Cambria Math" panose="02040503050406030204" pitchFamily="18" charset="0"/>
+                        </a:rPr>
+                        <m:t>𝑞</m:t>
+                      </m:r>
+                    </m:oMath>
+                  </m:oMathPara>
+                </a14:m>
+                <a:endParaRPr lang="en-US" i="1"/>
+              </a:p>
+            </p:txBody>
+          </p:sp>
+        </mc:Choice>
+        <mc:Fallback>
+          <p:sp>
+            <p:nvSpPr>
+              <p:cNvPr id="7" name="TextBox 6">
+                <a:extLst>
+                  <a:ext uri="{FF2B5EF4-FFF2-40B4-BE49-F238E27FC236}">
+                    <a16:creationId xmlns:a16="http://schemas.microsoft.com/office/drawing/2014/main" id="{0491051F-AB04-B2FD-3864-AD46E5E7069E}"/>
+                  </a:ext>
+                </a:extLst>
+              </p:cNvPr>
+              <p:cNvSpPr txBox="1">
+                <a:spLocks noRot="1" noChangeAspect="1" noMove="1" noResize="1" noEditPoints="1" noAdjustHandles="1" noChangeArrowheads="1" noChangeShapeType="1" noTextEdit="1"/>
+              </p:cNvSpPr>
+              <p:nvPr/>
+            </p:nvSpPr>
+            <p:spPr>
+              <a:xfrm>
+                <a:off x="5412315" y="3494258"/>
+                <a:ext cx="178510" cy="276999"/>
+              </a:xfrm>
+              <a:prstGeom prst="rect">
+                <a:avLst/>
+              </a:prstGeom>
+              <a:blipFill>
+                <a:blip r:embed="rId3"/>
+                <a:stretch>
+                  <a:fillRect l="-34483" r="-31034" b="-23913"/>
+                </a:stretch>
+              </a:blipFill>
+            </p:spPr>
+            <p:txBody>
+              <a:bodyPr/>
+              <a:lstStyle/>
+              <a:p>
+                <a:r>
+                  <a:rPr lang="en-US">
+                    <a:noFill/>
+                  </a:rPr>
+                  <a:t> </a:t>
+                </a:r>
+              </a:p>
+            </p:txBody>
+          </p:sp>
+        </mc:Fallback>
+      </mc:AlternateContent>
+      <p:sp>
+        <p:nvSpPr>
+          <p:cNvPr id="3" name="Multiplication Sign 2">
+            <a:extLst>
+              <a:ext uri="{FF2B5EF4-FFF2-40B4-BE49-F238E27FC236}">
+                <a16:creationId xmlns:a16="http://schemas.microsoft.com/office/drawing/2014/main" id="{87350AB3-F498-5A8F-9785-720E7CB8F61F}"/>
+              </a:ext>
+            </a:extLst>
+          </p:cNvPr>
+          <p:cNvSpPr/>
+          <p:nvPr/>
+        </p:nvSpPr>
+        <p:spPr>
+          <a:xfrm>
+            <a:off x="5412315" y="3338999"/>
+            <a:ext cx="180000" cy="180000"/>
+          </a:xfrm>
+          <a:prstGeom prst="mathMultiply">
+            <a:avLst>
+              <a:gd name="adj1" fmla="val 6918"/>
+            </a:avLst>
+          </a:prstGeom>
+          <a:solidFill>
+            <a:srgbClr val="FF3300">
+              <a:alpha val="78039"/>
+            </a:srgbClr>
+          </a:solidFill>
+          <a:ln>
+            <a:solidFill>
+              <a:srgbClr val="C00000"/>
+            </a:solidFill>
+          </a:ln>
+        </p:spPr>
+        <p:style>
+          <a:lnRef idx="2">
+            <a:schemeClr val="accent1">
+              <a:shade val="15000"/>
+            </a:schemeClr>
+          </a:lnRef>
+          <a:fillRef idx="1">
+            <a:schemeClr val="accent1"/>
+          </a:fillRef>
+          <a:effectRef idx="0">
+            <a:schemeClr val="accent1"/>
+          </a:effectRef>
+          <a:fontRef idx="minor">
+            <a:schemeClr val="lt1"/>
+          </a:fontRef>
+        </p:style>
+        <p:txBody>
+          <a:bodyPr rtlCol="0" anchor="ctr"/>
+          <a:lstStyle/>
+          <a:p>
+            <a:pPr algn="ctr"/>
+            <a:endParaRPr lang="en-US"/>
+          </a:p>
+        </p:txBody>
+      </p:sp>
+      <mc:AlternateContent xmlns:mc="http://schemas.openxmlformats.org/markup-compatibility/2006">
+        <mc:Choice xmlns:a14="http://schemas.microsoft.com/office/drawing/2010/main" Requires="a14">
+          <p:sp>
+            <p:nvSpPr>
+              <p:cNvPr id="11" name="TextBox 10">
+                <a:extLst>
+                  <a:ext uri="{FF2B5EF4-FFF2-40B4-BE49-F238E27FC236}">
+                    <a16:creationId xmlns:a16="http://schemas.microsoft.com/office/drawing/2014/main" id="{6646FD3D-D4D4-81F7-F9E4-F07AC06C7F63}"/>
+                  </a:ext>
+                </a:extLst>
+              </p:cNvPr>
+              <p:cNvSpPr txBox="1"/>
+              <p:nvPr/>
+            </p:nvSpPr>
+            <p:spPr>
+              <a:xfrm>
+                <a:off x="6912879" y="3110874"/>
+                <a:ext cx="160557" cy="276999"/>
+              </a:xfrm>
+              <a:prstGeom prst="rect">
+                <a:avLst/>
+              </a:prstGeom>
+              <a:noFill/>
+            </p:spPr>
+            <p:txBody>
+              <a:bodyPr wrap="none" lIns="0" tIns="0" rIns="0" bIns="0" rtlCol="0">
+                <a:spAutoFit/>
+              </a:bodyPr>
+              <a:lstStyle/>
+              <a:p>
+                <a14:m>
+                  <m:oMathPara xmlns:m="http://schemas.openxmlformats.org/officeDocument/2006/math">
+                    <m:oMathParaPr>
+                      <m:jc m:val="centerGroup"/>
+                    </m:oMathParaPr>
+                    <m:oMath xmlns:m="http://schemas.openxmlformats.org/officeDocument/2006/math">
+                      <m:r>
+                        <a:rPr lang="en-US" b="0" i="1" smtClean="0">
+                          <a:latin typeface="Cambria Math" panose="02040503050406030204" pitchFamily="18" charset="0"/>
+                        </a:rPr>
+                        <m:t>𝑟</m:t>
+                      </m:r>
+                    </m:oMath>
+                  </m:oMathPara>
+                </a14:m>
+                <a:endParaRPr lang="en-US" i="1"/>
+              </a:p>
+            </p:txBody>
+          </p:sp>
+        </mc:Choice>
+        <mc:Fallback>
+          <p:sp>
+            <p:nvSpPr>
+              <p:cNvPr id="11" name="TextBox 10">
+                <a:extLst>
+                  <a:ext uri="{FF2B5EF4-FFF2-40B4-BE49-F238E27FC236}">
+                    <a16:creationId xmlns:a16="http://schemas.microsoft.com/office/drawing/2014/main" id="{6646FD3D-D4D4-81F7-F9E4-F07AC06C7F63}"/>
+                  </a:ext>
+                </a:extLst>
+              </p:cNvPr>
+              <p:cNvSpPr txBox="1">
+                <a:spLocks noRot="1" noChangeAspect="1" noMove="1" noResize="1" noEditPoints="1" noAdjustHandles="1" noChangeArrowheads="1" noChangeShapeType="1" noTextEdit="1"/>
+              </p:cNvSpPr>
+              <p:nvPr/>
+            </p:nvSpPr>
+            <p:spPr>
+              <a:xfrm>
+                <a:off x="6912879" y="3110874"/>
+                <a:ext cx="160557" cy="276999"/>
+              </a:xfrm>
+              <a:prstGeom prst="rect">
+                <a:avLst/>
+              </a:prstGeom>
+              <a:blipFill>
+                <a:blip r:embed="rId4"/>
+                <a:stretch>
+                  <a:fillRect l="-23077" r="-23077"/>
+                </a:stretch>
+              </a:blipFill>
+            </p:spPr>
+            <p:txBody>
+              <a:bodyPr/>
+              <a:lstStyle/>
+              <a:p>
+                <a:r>
+                  <a:rPr lang="en-US">
+                    <a:noFill/>
+                  </a:rPr>
+                  <a:t> </a:t>
+                </a:r>
+              </a:p>
+            </p:txBody>
+          </p:sp>
+        </mc:Fallback>
+      </mc:AlternateContent>
+      <mc:AlternateContent xmlns:mc="http://schemas.openxmlformats.org/markup-compatibility/2006">
+        <mc:Choice xmlns:a14="http://schemas.microsoft.com/office/drawing/2010/main" Requires="a14">
+          <p:sp>
+            <p:nvSpPr>
+              <p:cNvPr id="12" name="TextBox 11">
+                <a:extLst>
+                  <a:ext uri="{FF2B5EF4-FFF2-40B4-BE49-F238E27FC236}">
+                    <a16:creationId xmlns:a16="http://schemas.microsoft.com/office/drawing/2014/main" id="{150F6807-288B-7812-F8D6-3142D3CBDBC0}"/>
+                  </a:ext>
+                </a:extLst>
+              </p:cNvPr>
+              <p:cNvSpPr txBox="1"/>
+              <p:nvPr/>
+            </p:nvSpPr>
+            <p:spPr>
+              <a:xfrm>
+                <a:off x="5942980" y="3110874"/>
+                <a:ext cx="186846" cy="276999"/>
+              </a:xfrm>
+              <a:prstGeom prst="rect">
+                <a:avLst/>
+              </a:prstGeom>
+              <a:noFill/>
+            </p:spPr>
+            <p:txBody>
+              <a:bodyPr wrap="none" lIns="0" tIns="0" rIns="0" bIns="0" rtlCol="0">
+                <a:spAutoFit/>
+              </a:bodyPr>
+              <a:lstStyle/>
+              <a:p>
+                <a14:m>
+                  <m:oMathPara xmlns:m="http://schemas.openxmlformats.org/officeDocument/2006/math">
+                    <m:oMathParaPr>
+                      <m:jc m:val="centerGroup"/>
+                    </m:oMathParaPr>
+                    <m:oMath xmlns:m="http://schemas.openxmlformats.org/officeDocument/2006/math">
+                      <m:r>
+                        <a:rPr lang="en-US" b="0" i="1" smtClean="0">
+                          <a:latin typeface="Cambria Math" panose="02040503050406030204" pitchFamily="18" charset="0"/>
+                        </a:rPr>
+                        <m:t>𝑑</m:t>
+                      </m:r>
+                    </m:oMath>
+                  </m:oMathPara>
+                </a14:m>
+                <a:endParaRPr lang="en-US" i="1"/>
+              </a:p>
+            </p:txBody>
+          </p:sp>
+        </mc:Choice>
+        <mc:Fallback>
+          <p:sp>
+            <p:nvSpPr>
+              <p:cNvPr id="12" name="TextBox 11">
+                <a:extLst>
+                  <a:ext uri="{FF2B5EF4-FFF2-40B4-BE49-F238E27FC236}">
+                    <a16:creationId xmlns:a16="http://schemas.microsoft.com/office/drawing/2014/main" id="{150F6807-288B-7812-F8D6-3142D3CBDBC0}"/>
+                  </a:ext>
+                </a:extLst>
+              </p:cNvPr>
+              <p:cNvSpPr txBox="1">
+                <a:spLocks noRot="1" noChangeAspect="1" noMove="1" noResize="1" noEditPoints="1" noAdjustHandles="1" noChangeArrowheads="1" noChangeShapeType="1" noTextEdit="1"/>
+              </p:cNvSpPr>
+              <p:nvPr/>
+            </p:nvSpPr>
+            <p:spPr>
+              <a:xfrm>
+                <a:off x="5942980" y="3110874"/>
+                <a:ext cx="186846" cy="276999"/>
+              </a:xfrm>
+              <a:prstGeom prst="rect">
+                <a:avLst/>
+              </a:prstGeom>
+              <a:blipFill>
+                <a:blip r:embed="rId5"/>
+                <a:stretch>
+                  <a:fillRect l="-32258" r="-29032" b="-6522"/>
+                </a:stretch>
+              </a:blipFill>
+            </p:spPr>
+            <p:txBody>
+              <a:bodyPr/>
+              <a:lstStyle/>
+              <a:p>
+                <a:r>
+                  <a:rPr lang="en-US">
+                    <a:noFill/>
+                  </a:rPr>
+                  <a:t> </a:t>
+                </a:r>
+              </a:p>
+            </p:txBody>
+          </p:sp>
+        </mc:Fallback>
+      </mc:AlternateContent>
+      <mc:AlternateContent xmlns:mc="http://schemas.openxmlformats.org/markup-compatibility/2006">
+        <mc:Choice xmlns:a14="http://schemas.microsoft.com/office/drawing/2010/main" Requires="a14">
+          <p:sp>
+            <p:nvSpPr>
+              <p:cNvPr id="13" name="TextBox 12">
+                <a:extLst>
+                  <a:ext uri="{FF2B5EF4-FFF2-40B4-BE49-F238E27FC236}">
+                    <a16:creationId xmlns:a16="http://schemas.microsoft.com/office/drawing/2014/main" id="{04FF265A-DA39-1724-F269-268EF035E1FC}"/>
+                  </a:ext>
+                </a:extLst>
+              </p:cNvPr>
+              <p:cNvSpPr txBox="1"/>
+              <p:nvPr/>
+            </p:nvSpPr>
+            <p:spPr>
+              <a:xfrm>
+                <a:off x="7245461" y="3494259"/>
+                <a:ext cx="194477" cy="276999"/>
+              </a:xfrm>
+              <a:prstGeom prst="rect">
+                <a:avLst/>
+              </a:prstGeom>
+              <a:noFill/>
+            </p:spPr>
+            <p:txBody>
+              <a:bodyPr wrap="none" lIns="0" tIns="0" rIns="0" bIns="0" rtlCol="0">
+                <a:spAutoFit/>
+              </a:bodyPr>
+              <a:lstStyle/>
+              <a:p>
+                <a14:m>
+                  <m:oMathPara xmlns:m="http://schemas.openxmlformats.org/officeDocument/2006/math">
+                    <m:oMathParaPr>
+                      <m:jc m:val="centerGroup"/>
+                    </m:oMathParaPr>
+                    <m:oMath xmlns:m="http://schemas.openxmlformats.org/officeDocument/2006/math">
+                      <m:r>
+                        <a:rPr lang="en-US" b="0" i="1" smtClean="0">
+                          <a:latin typeface="Cambria Math" panose="02040503050406030204" pitchFamily="18" charset="0"/>
+                        </a:rPr>
+                        <m:t>𝐶</m:t>
+                      </m:r>
+                    </m:oMath>
+                  </m:oMathPara>
+                </a14:m>
+                <a:endParaRPr lang="en-US" i="1"/>
+              </a:p>
+            </p:txBody>
+          </p:sp>
+        </mc:Choice>
+        <mc:Fallback>
+          <p:sp>
+            <p:nvSpPr>
+              <p:cNvPr id="13" name="TextBox 12">
+                <a:extLst>
+                  <a:ext uri="{FF2B5EF4-FFF2-40B4-BE49-F238E27FC236}">
+                    <a16:creationId xmlns:a16="http://schemas.microsoft.com/office/drawing/2014/main" id="{04FF265A-DA39-1724-F269-268EF035E1FC}"/>
+                  </a:ext>
+                </a:extLst>
+              </p:cNvPr>
+              <p:cNvSpPr txBox="1">
+                <a:spLocks noRot="1" noChangeAspect="1" noMove="1" noResize="1" noEditPoints="1" noAdjustHandles="1" noChangeArrowheads="1" noChangeShapeType="1" noTextEdit="1"/>
+              </p:cNvSpPr>
+              <p:nvPr/>
+            </p:nvSpPr>
+            <p:spPr>
+              <a:xfrm>
+                <a:off x="7245461" y="3494259"/>
+                <a:ext cx="194477" cy="276999"/>
+              </a:xfrm>
+              <a:prstGeom prst="rect">
+                <a:avLst/>
+              </a:prstGeom>
+              <a:blipFill>
+                <a:blip r:embed="rId6"/>
+                <a:stretch>
+                  <a:fillRect l="-32258" r="-29032" b="-6522"/>
+                </a:stretch>
+              </a:blipFill>
+            </p:spPr>
+            <p:txBody>
+              <a:bodyPr/>
+              <a:lstStyle/>
+              <a:p>
+                <a:r>
+                  <a:rPr lang="en-US">
+                    <a:noFill/>
+                  </a:rPr>
+                  <a:t> </a:t>
+                </a:r>
+              </a:p>
+            </p:txBody>
+          </p:sp>
+        </mc:Fallback>
+      </mc:AlternateContent>
+    </p:spTree>
+    <p:extLst>
+      <p:ext uri="{BB962C8B-B14F-4D97-AF65-F5344CB8AC3E}">
+        <p14:creationId xmlns:p14="http://schemas.microsoft.com/office/powerpoint/2010/main" val="3922033010"/>
       </p:ext>
     </p:extLst>
   </p:cSld>
@@ -10499,4 +14902,319 @@
     </a:ext>
   </a:extLst>
 </a:theme>
+</file>
+
+<file path=ppt/theme/theme2.xml><?xml version="1.0" encoding="utf-8"?>
+<a:theme xmlns:a="http://schemas.openxmlformats.org/drawingml/2006/main" name="Office Theme">
+  <a:themeElements>
+    <a:clrScheme name="Office">
+      <a:dk1>
+        <a:sysClr val="windowText" lastClr="000000"/>
+      </a:dk1>
+      <a:lt1>
+        <a:sysClr val="window" lastClr="FFFFFF"/>
+      </a:lt1>
+      <a:dk2>
+        <a:srgbClr val="0E2841"/>
+      </a:dk2>
+      <a:lt2>
+        <a:srgbClr val="E8E8E8"/>
+      </a:lt2>
+      <a:accent1>
+        <a:srgbClr val="156082"/>
+      </a:accent1>
+      <a:accent2>
+        <a:srgbClr val="E97132"/>
+      </a:accent2>
+      <a:accent3>
+        <a:srgbClr val="196B24"/>
+      </a:accent3>
+      <a:accent4>
+        <a:srgbClr val="0F9ED5"/>
+      </a:accent4>
+      <a:accent5>
+        <a:srgbClr val="A02B93"/>
+      </a:accent5>
+      <a:accent6>
+        <a:srgbClr val="4EA72E"/>
+      </a:accent6>
+      <a:hlink>
+        <a:srgbClr val="467886"/>
+      </a:hlink>
+      <a:folHlink>
+        <a:srgbClr val="96607D"/>
+      </a:folHlink>
+    </a:clrScheme>
+    <a:fontScheme name="Office">
+      <a:majorFont>
+        <a:latin typeface="Aptos Display" panose="02110004020202020204"/>
+        <a:ea typeface=""/>
+        <a:cs typeface=""/>
+        <a:font script="Jpan" typeface="游ゴシック Light"/>
+        <a:font script="Hang" typeface="맑은 고딕"/>
+        <a:font script="Hans" typeface="等线 Light"/>
+        <a:font script="Hant" typeface="新細明體"/>
+        <a:font script="Arab" typeface="Times New Roman"/>
+        <a:font script="Hebr" typeface="Times New Roman"/>
+        <a:font script="Thai" typeface="Angsana New"/>
+        <a:font script="Ethi" typeface="Nyala"/>
+        <a:font script="Beng" typeface="Vrinda"/>
+        <a:font script="Gujr" typeface="Shruti"/>
+        <a:font script="Khmr" typeface="MoolBoran"/>
+        <a:font script="Knda" typeface="Tunga"/>
+        <a:font script="Guru" typeface="Raavi"/>
+        <a:font script="Cans" typeface="Euphemia"/>
+        <a:font script="Cher" typeface="Plantagenet Cherokee"/>
+        <a:font script="Yiii" typeface="Microsoft Yi Baiti"/>
+        <a:font script="Tibt" typeface="Microsoft Himalaya"/>
+        <a:font script="Thaa" typeface="MV Boli"/>
+        <a:font script="Deva" typeface="Mangal"/>
+        <a:font script="Telu" typeface="Gautami"/>
+        <a:font script="Taml" typeface="Latha"/>
+        <a:font script="Syrc" typeface="Estrangelo Edessa"/>
+        <a:font script="Orya" typeface="Kalinga"/>
+        <a:font script="Mlym" typeface="Kartika"/>
+        <a:font script="Laoo" typeface="DokChampa"/>
+        <a:font script="Sinh" typeface="Iskoola Pota"/>
+        <a:font script="Mong" typeface="Mongolian Baiti"/>
+        <a:font script="Viet" typeface="Times New Roman"/>
+        <a:font script="Uigh" typeface="Microsoft Uighur"/>
+        <a:font script="Geor" typeface="Sylfaen"/>
+        <a:font script="Armn" typeface="Arial"/>
+        <a:font script="Bugi" typeface="Leelawadee UI"/>
+        <a:font script="Bopo" typeface="Microsoft JhengHei"/>
+        <a:font script="Java" typeface="Javanese Text"/>
+        <a:font script="Lisu" typeface="Segoe UI"/>
+        <a:font script="Mymr" typeface="Myanmar Text"/>
+        <a:font script="Nkoo" typeface="Ebrima"/>
+        <a:font script="Olck" typeface="Nirmala UI"/>
+        <a:font script="Osma" typeface="Ebrima"/>
+        <a:font script="Phag" typeface="Phagspa"/>
+        <a:font script="Syrn" typeface="Estrangelo Edessa"/>
+        <a:font script="Syrj" typeface="Estrangelo Edessa"/>
+        <a:font script="Syre" typeface="Estrangelo Edessa"/>
+        <a:font script="Sora" typeface="Nirmala UI"/>
+        <a:font script="Tale" typeface="Microsoft Tai Le"/>
+        <a:font script="Talu" typeface="Microsoft New Tai Lue"/>
+        <a:font script="Tfng" typeface="Ebrima"/>
+      </a:majorFont>
+      <a:minorFont>
+        <a:latin typeface="Aptos" panose="02110004020202020204"/>
+        <a:ea typeface=""/>
+        <a:cs typeface=""/>
+        <a:font script="Jpan" typeface="游ゴシック"/>
+        <a:font script="Hang" typeface="맑은 고딕"/>
+        <a:font script="Hans" typeface="等线"/>
+        <a:font script="Hant" typeface="新細明體"/>
+        <a:font script="Arab" typeface="Arial"/>
+        <a:font script="Hebr" typeface="Arial"/>
+        <a:font script="Thai" typeface="Cordia New"/>
+        <a:font script="Ethi" typeface="Nyala"/>
+        <a:font script="Beng" typeface="Vrinda"/>
+        <a:font script="Gujr" typeface="Shruti"/>
+        <a:font script="Khmr" typeface="DaunPenh"/>
+        <a:font script="Knda" typeface="Tunga"/>
+        <a:font script="Guru" typeface="Raavi"/>
+        <a:font script="Cans" typeface="Euphemia"/>
+        <a:font script="Cher" typeface="Plantagenet Cherokee"/>
+        <a:font script="Yiii" typeface="Microsoft Yi Baiti"/>
+        <a:font script="Tibt" typeface="Microsoft Himalaya"/>
+        <a:font script="Thaa" typeface="MV Boli"/>
+        <a:font script="Deva" typeface="Mangal"/>
+        <a:font script="Telu" typeface="Gautami"/>
+        <a:font script="Taml" typeface="Latha"/>
+        <a:font script="Syrc" typeface="Estrangelo Edessa"/>
+        <a:font script="Orya" typeface="Kalinga"/>
+        <a:font script="Mlym" typeface="Kartika"/>
+        <a:font script="Laoo" typeface="DokChampa"/>
+        <a:font script="Sinh" typeface="Iskoola Pota"/>
+        <a:font script="Mong" typeface="Mongolian Baiti"/>
+        <a:font script="Viet" typeface="Arial"/>
+        <a:font script="Uigh" typeface="Microsoft Uighur"/>
+        <a:font script="Geor" typeface="Sylfaen"/>
+        <a:font script="Armn" typeface="Arial"/>
+        <a:font script="Bugi" typeface="Leelawadee UI"/>
+        <a:font script="Bopo" typeface="Microsoft JhengHei"/>
+        <a:font script="Java" typeface="Javanese Text"/>
+        <a:font script="Lisu" typeface="Segoe UI"/>
+        <a:font script="Mymr" typeface="Myanmar Text"/>
+        <a:font script="Nkoo" typeface="Ebrima"/>
+        <a:font script="Olck" typeface="Nirmala UI"/>
+        <a:font script="Osma" typeface="Ebrima"/>
+        <a:font script="Phag" typeface="Phagspa"/>
+        <a:font script="Syrn" typeface="Estrangelo Edessa"/>
+        <a:font script="Syrj" typeface="Estrangelo Edessa"/>
+        <a:font script="Syre" typeface="Estrangelo Edessa"/>
+        <a:font script="Sora" typeface="Nirmala UI"/>
+        <a:font script="Tale" typeface="Microsoft Tai Le"/>
+        <a:font script="Talu" typeface="Microsoft New Tai Lue"/>
+        <a:font script="Tfng" typeface="Ebrima"/>
+      </a:minorFont>
+    </a:fontScheme>
+    <a:fmtScheme name="Office">
+      <a:fillStyleLst>
+        <a:solidFill>
+          <a:schemeClr val="phClr"/>
+        </a:solidFill>
+        <a:gradFill rotWithShape="1">
+          <a:gsLst>
+            <a:gs pos="0">
+              <a:schemeClr val="phClr">
+                <a:lumMod val="110000"/>
+                <a:satMod val="105000"/>
+                <a:tint val="67000"/>
+              </a:schemeClr>
+            </a:gs>
+            <a:gs pos="50000">
+              <a:schemeClr val="phClr">
+                <a:lumMod val="105000"/>
+                <a:satMod val="103000"/>
+                <a:tint val="73000"/>
+              </a:schemeClr>
+            </a:gs>
+            <a:gs pos="100000">
+              <a:schemeClr val="phClr">
+                <a:lumMod val="105000"/>
+                <a:satMod val="109000"/>
+                <a:tint val="81000"/>
+              </a:schemeClr>
+            </a:gs>
+          </a:gsLst>
+          <a:lin ang="5400000" scaled="0"/>
+        </a:gradFill>
+        <a:gradFill rotWithShape="1">
+          <a:gsLst>
+            <a:gs pos="0">
+              <a:schemeClr val="phClr">
+                <a:satMod val="103000"/>
+                <a:lumMod val="102000"/>
+                <a:tint val="94000"/>
+              </a:schemeClr>
+            </a:gs>
+            <a:gs pos="50000">
+              <a:schemeClr val="phClr">
+                <a:satMod val="110000"/>
+                <a:lumMod val="100000"/>
+                <a:shade val="100000"/>
+              </a:schemeClr>
+            </a:gs>
+            <a:gs pos="100000">
+              <a:schemeClr val="phClr">
+                <a:lumMod val="99000"/>
+                <a:satMod val="120000"/>
+                <a:shade val="78000"/>
+              </a:schemeClr>
+            </a:gs>
+          </a:gsLst>
+          <a:lin ang="5400000" scaled="0"/>
+        </a:gradFill>
+      </a:fillStyleLst>
+      <a:lnStyleLst>
+        <a:ln w="12700" cap="flat" cmpd="sng" algn="ctr">
+          <a:solidFill>
+            <a:schemeClr val="phClr"/>
+          </a:solidFill>
+          <a:prstDash val="solid"/>
+          <a:miter lim="800000"/>
+        </a:ln>
+        <a:ln w="19050" cap="flat" cmpd="sng" algn="ctr">
+          <a:solidFill>
+            <a:schemeClr val="phClr"/>
+          </a:solidFill>
+          <a:prstDash val="solid"/>
+          <a:miter lim="800000"/>
+        </a:ln>
+        <a:ln w="25400" cap="flat" cmpd="sng" algn="ctr">
+          <a:solidFill>
+            <a:schemeClr val="phClr"/>
+          </a:solidFill>
+          <a:prstDash val="solid"/>
+          <a:miter lim="800000"/>
+        </a:ln>
+      </a:lnStyleLst>
+      <a:effectStyleLst>
+        <a:effectStyle>
+          <a:effectLst/>
+        </a:effectStyle>
+        <a:effectStyle>
+          <a:effectLst/>
+        </a:effectStyle>
+        <a:effectStyle>
+          <a:effectLst>
+            <a:outerShdw blurRad="57150" dist="19050" dir="5400000" algn="ctr" rotWithShape="0">
+              <a:srgbClr val="000000">
+                <a:alpha val="63000"/>
+              </a:srgbClr>
+            </a:outerShdw>
+          </a:effectLst>
+        </a:effectStyle>
+      </a:effectStyleLst>
+      <a:bgFillStyleLst>
+        <a:solidFill>
+          <a:schemeClr val="phClr"/>
+        </a:solidFill>
+        <a:solidFill>
+          <a:schemeClr val="phClr">
+            <a:tint val="95000"/>
+            <a:satMod val="170000"/>
+          </a:schemeClr>
+        </a:solidFill>
+        <a:gradFill rotWithShape="1">
+          <a:gsLst>
+            <a:gs pos="0">
+              <a:schemeClr val="phClr">
+                <a:tint val="93000"/>
+                <a:satMod val="150000"/>
+                <a:shade val="98000"/>
+                <a:lumMod val="102000"/>
+              </a:schemeClr>
+            </a:gs>
+            <a:gs pos="50000">
+              <a:schemeClr val="phClr">
+                <a:tint val="98000"/>
+                <a:satMod val="130000"/>
+                <a:shade val="90000"/>
+                <a:lumMod val="103000"/>
+              </a:schemeClr>
+            </a:gs>
+            <a:gs pos="100000">
+              <a:schemeClr val="phClr">
+                <a:shade val="63000"/>
+                <a:satMod val="120000"/>
+              </a:schemeClr>
+            </a:gs>
+          </a:gsLst>
+          <a:lin ang="5400000" scaled="0"/>
+        </a:gradFill>
+      </a:bgFillStyleLst>
+    </a:fmtScheme>
+  </a:themeElements>
+  <a:objectDefaults>
+    <a:lnDef>
+      <a:spPr/>
+      <a:bodyPr/>
+      <a:lstStyle/>
+      <a:style>
+        <a:lnRef idx="2">
+          <a:schemeClr val="accent1"/>
+        </a:lnRef>
+        <a:fillRef idx="0">
+          <a:schemeClr val="accent1"/>
+        </a:fillRef>
+        <a:effectRef idx="1">
+          <a:schemeClr val="accent1"/>
+        </a:effectRef>
+        <a:fontRef idx="minor">
+          <a:schemeClr val="tx1"/>
+        </a:fontRef>
+      </a:style>
+    </a:lnDef>
+  </a:objectDefaults>
+  <a:extraClrSchemeLst/>
+  <a:extLst>
+    <a:ext uri="{05A4C25C-085E-4340-85A3-A5531E510DB2}">
+      <thm15:themeFamily xmlns:thm15="http://schemas.microsoft.com/office/thememl/2012/main" name="Office Theme" id="{2E142A2C-CD16-42D6-873A-C26D2A0506FA}" vid="{1BDDFF52-6CD6-40A5-AB3C-68EB2F1E4D0A}"/>
+    </a:ext>
+  </a:extLst>
+</a:theme>
 </file>